--- a/2022/Exemple/FichiersProf/CorrigeLaTeX/images/Figures.pptx
+++ b/2022/Exemple/FichiersProf/CorrigeLaTeX/images/Figures.pptx
@@ -7,15 +7,16 @@
   <p:sldIdLst>
     <p:sldId id="256" r:id="rId2"/>
     <p:sldId id="265" r:id="rId3"/>
-    <p:sldId id="257" r:id="rId4"/>
-    <p:sldId id="266" r:id="rId5"/>
-    <p:sldId id="267" r:id="rId6"/>
-    <p:sldId id="268" r:id="rId7"/>
-    <p:sldId id="269" r:id="rId8"/>
-    <p:sldId id="261" r:id="rId9"/>
-    <p:sldId id="262" r:id="rId10"/>
-    <p:sldId id="263" r:id="rId11"/>
-    <p:sldId id="264" r:id="rId12"/>
+    <p:sldId id="270" r:id="rId4"/>
+    <p:sldId id="257" r:id="rId5"/>
+    <p:sldId id="266" r:id="rId6"/>
+    <p:sldId id="267" r:id="rId7"/>
+    <p:sldId id="268" r:id="rId8"/>
+    <p:sldId id="269" r:id="rId9"/>
+    <p:sldId id="261" r:id="rId10"/>
+    <p:sldId id="262" r:id="rId11"/>
+    <p:sldId id="263" r:id="rId12"/>
+    <p:sldId id="264" r:id="rId13"/>
   </p:sldIdLst>
   <p:sldSz cx="12192000" cy="6858000"/>
   <p:notesSz cx="6858000" cy="9144000"/>
@@ -280,7 +281,7 @@
           <a:p>
             <a:fld id="{8C52326C-F649-4E85-9AEA-DEE8D2390CE5}" type="datetimeFigureOut">
               <a:rPr lang="fr-FR" smtClean="0"/>
-              <a:t>22/06/2022</a:t>
+              <a:t>17/07/2022</a:t>
             </a:fld>
             <a:endParaRPr lang="fr-FR"/>
           </a:p>
@@ -478,7 +479,7 @@
           <a:p>
             <a:fld id="{8C52326C-F649-4E85-9AEA-DEE8D2390CE5}" type="datetimeFigureOut">
               <a:rPr lang="fr-FR" smtClean="0"/>
-              <a:t>22/06/2022</a:t>
+              <a:t>17/07/2022</a:t>
             </a:fld>
             <a:endParaRPr lang="fr-FR"/>
           </a:p>
@@ -686,7 +687,7 @@
           <a:p>
             <a:fld id="{8C52326C-F649-4E85-9AEA-DEE8D2390CE5}" type="datetimeFigureOut">
               <a:rPr lang="fr-FR" smtClean="0"/>
-              <a:t>22/06/2022</a:t>
+              <a:t>17/07/2022</a:t>
             </a:fld>
             <a:endParaRPr lang="fr-FR"/>
           </a:p>
@@ -884,7 +885,7 @@
           <a:p>
             <a:fld id="{8C52326C-F649-4E85-9AEA-DEE8D2390CE5}" type="datetimeFigureOut">
               <a:rPr lang="fr-FR" smtClean="0"/>
-              <a:t>22/06/2022</a:t>
+              <a:t>17/07/2022</a:t>
             </a:fld>
             <a:endParaRPr lang="fr-FR"/>
           </a:p>
@@ -1159,7 +1160,7 @@
           <a:p>
             <a:fld id="{8C52326C-F649-4E85-9AEA-DEE8D2390CE5}" type="datetimeFigureOut">
               <a:rPr lang="fr-FR" smtClean="0"/>
-              <a:t>22/06/2022</a:t>
+              <a:t>17/07/2022</a:t>
             </a:fld>
             <a:endParaRPr lang="fr-FR"/>
           </a:p>
@@ -1424,7 +1425,7 @@
           <a:p>
             <a:fld id="{8C52326C-F649-4E85-9AEA-DEE8D2390CE5}" type="datetimeFigureOut">
               <a:rPr lang="fr-FR" smtClean="0"/>
-              <a:t>22/06/2022</a:t>
+              <a:t>17/07/2022</a:t>
             </a:fld>
             <a:endParaRPr lang="fr-FR"/>
           </a:p>
@@ -1836,7 +1837,7 @@
           <a:p>
             <a:fld id="{8C52326C-F649-4E85-9AEA-DEE8D2390CE5}" type="datetimeFigureOut">
               <a:rPr lang="fr-FR" smtClean="0"/>
-              <a:t>22/06/2022</a:t>
+              <a:t>17/07/2022</a:t>
             </a:fld>
             <a:endParaRPr lang="fr-FR"/>
           </a:p>
@@ -1977,7 +1978,7 @@
           <a:p>
             <a:fld id="{8C52326C-F649-4E85-9AEA-DEE8D2390CE5}" type="datetimeFigureOut">
               <a:rPr lang="fr-FR" smtClean="0"/>
-              <a:t>22/06/2022</a:t>
+              <a:t>17/07/2022</a:t>
             </a:fld>
             <a:endParaRPr lang="fr-FR"/>
           </a:p>
@@ -2090,7 +2091,7 @@
           <a:p>
             <a:fld id="{8C52326C-F649-4E85-9AEA-DEE8D2390CE5}" type="datetimeFigureOut">
               <a:rPr lang="fr-FR" smtClean="0"/>
-              <a:t>22/06/2022</a:t>
+              <a:t>17/07/2022</a:t>
             </a:fld>
             <a:endParaRPr lang="fr-FR"/>
           </a:p>
@@ -2401,7 +2402,7 @@
           <a:p>
             <a:fld id="{8C52326C-F649-4E85-9AEA-DEE8D2390CE5}" type="datetimeFigureOut">
               <a:rPr lang="fr-FR" smtClean="0"/>
-              <a:t>22/06/2022</a:t>
+              <a:t>17/07/2022</a:t>
             </a:fld>
             <a:endParaRPr lang="fr-FR"/>
           </a:p>
@@ -2689,7 +2690,7 @@
           <a:p>
             <a:fld id="{8C52326C-F649-4E85-9AEA-DEE8D2390CE5}" type="datetimeFigureOut">
               <a:rPr lang="fr-FR" smtClean="0"/>
-              <a:t>22/06/2022</a:t>
+              <a:t>17/07/2022</a:t>
             </a:fld>
             <a:endParaRPr lang="fr-FR"/>
           </a:p>
@@ -2930,7 +2931,7 @@
           <a:p>
             <a:fld id="{8C52326C-F649-4E85-9AEA-DEE8D2390CE5}" type="datetimeFigureOut">
               <a:rPr lang="fr-FR" smtClean="0"/>
-              <a:t>22/06/2022</a:t>
+              <a:t>17/07/2022</a:t>
             </a:fld>
             <a:endParaRPr lang="fr-FR"/>
           </a:p>
@@ -3945,6 +3946,2506 @@
 </file>
 
 <file path=ppt/slides/slide10.xml><?xml version="1.0" encoding="utf-8"?>
+<p:sld xmlns:a="http://schemas.openxmlformats.org/drawingml/2006/main" xmlns:r="http://schemas.openxmlformats.org/officeDocument/2006/relationships" xmlns:p="http://schemas.openxmlformats.org/presentationml/2006/main">
+  <p:cSld>
+    <p:spTree>
+      <p:nvGrpSpPr>
+        <p:cNvPr id="1" name=""/>
+        <p:cNvGrpSpPr/>
+        <p:nvPr/>
+      </p:nvGrpSpPr>
+      <p:grpSpPr>
+        <a:xfrm>
+          <a:off x="0" y="0"/>
+          <a:ext cx="0" cy="0"/>
+          <a:chOff x="0" y="0"/>
+          <a:chExt cx="0" cy="0"/>
+        </a:xfrm>
+      </p:grpSpPr>
+      <p:cxnSp>
+        <p:nvCxnSpPr>
+          <p:cNvPr id="28" name="Connecteur droit 27">
+            <a:extLst>
+              <a:ext uri="{FF2B5EF4-FFF2-40B4-BE49-F238E27FC236}">
+                <a16:creationId xmlns:a16="http://schemas.microsoft.com/office/drawing/2014/main" id="{C74975E6-0C86-2C0D-1C03-38CA4DF43AE8}"/>
+              </a:ext>
+            </a:extLst>
+          </p:cNvPr>
+          <p:cNvCxnSpPr>
+            <a:cxnSpLocks/>
+          </p:cNvCxnSpPr>
+          <p:nvPr/>
+        </p:nvCxnSpPr>
+        <p:spPr>
+          <a:xfrm>
+            <a:off x="6819954" y="1989882"/>
+            <a:ext cx="720000" cy="0"/>
+          </a:xfrm>
+          <a:prstGeom prst="line">
+            <a:avLst/>
+          </a:prstGeom>
+          <a:solidFill>
+            <a:schemeClr val="bg1"/>
+          </a:solidFill>
+          <a:ln w="28575">
+            <a:solidFill>
+              <a:srgbClr val="7030A0"/>
+            </a:solidFill>
+          </a:ln>
+        </p:spPr>
+        <p:style>
+          <a:lnRef idx="2">
+            <a:schemeClr val="accent1">
+              <a:shade val="50000"/>
+            </a:schemeClr>
+          </a:lnRef>
+          <a:fillRef idx="1">
+            <a:schemeClr val="accent1"/>
+          </a:fillRef>
+          <a:effectRef idx="0">
+            <a:schemeClr val="accent1"/>
+          </a:effectRef>
+          <a:fontRef idx="minor">
+            <a:schemeClr val="lt1"/>
+          </a:fontRef>
+        </p:style>
+      </p:cxnSp>
+      <p:cxnSp>
+        <p:nvCxnSpPr>
+          <p:cNvPr id="24" name="Connecteur droit 23">
+            <a:extLst>
+              <a:ext uri="{FF2B5EF4-FFF2-40B4-BE49-F238E27FC236}">
+                <a16:creationId xmlns:a16="http://schemas.microsoft.com/office/drawing/2014/main" id="{419E6C69-F7DC-0316-44A5-385751940AED}"/>
+              </a:ext>
+            </a:extLst>
+          </p:cNvPr>
+          <p:cNvCxnSpPr>
+            <a:cxnSpLocks/>
+          </p:cNvCxnSpPr>
+          <p:nvPr/>
+        </p:nvCxnSpPr>
+        <p:spPr>
+          <a:xfrm>
+            <a:off x="3939954" y="1989882"/>
+            <a:ext cx="720000" cy="0"/>
+          </a:xfrm>
+          <a:prstGeom prst="line">
+            <a:avLst/>
+          </a:prstGeom>
+          <a:solidFill>
+            <a:schemeClr val="bg1"/>
+          </a:solidFill>
+          <a:ln w="28575">
+            <a:solidFill>
+              <a:srgbClr val="7030A0"/>
+            </a:solidFill>
+          </a:ln>
+        </p:spPr>
+        <p:style>
+          <a:lnRef idx="2">
+            <a:schemeClr val="accent1">
+              <a:shade val="50000"/>
+            </a:schemeClr>
+          </a:lnRef>
+          <a:fillRef idx="1">
+            <a:schemeClr val="accent1"/>
+          </a:fillRef>
+          <a:effectRef idx="0">
+            <a:schemeClr val="accent1"/>
+          </a:effectRef>
+          <a:fontRef idx="minor">
+            <a:schemeClr val="lt1"/>
+          </a:fontRef>
+        </p:style>
+      </p:cxnSp>
+      <p:sp>
+        <p:nvSpPr>
+          <p:cNvPr id="22" name="Rectangle 21">
+            <a:extLst>
+              <a:ext uri="{FF2B5EF4-FFF2-40B4-BE49-F238E27FC236}">
+                <a16:creationId xmlns:a16="http://schemas.microsoft.com/office/drawing/2014/main" id="{C1B9B700-CF80-4993-1363-19B22CF5328D}"/>
+              </a:ext>
+            </a:extLst>
+          </p:cNvPr>
+          <p:cNvSpPr/>
+          <p:nvPr/>
+        </p:nvSpPr>
+        <p:spPr>
+          <a:xfrm>
+            <a:off x="6585954" y="2043227"/>
+            <a:ext cx="468000" cy="144000"/>
+          </a:xfrm>
+          <a:prstGeom prst="rect">
+            <a:avLst/>
+          </a:prstGeom>
+          <a:solidFill>
+            <a:schemeClr val="bg1"/>
+          </a:solidFill>
+          <a:ln w="28575">
+            <a:solidFill>
+              <a:schemeClr val="accent1">
+                <a:lumMod val="50000"/>
+              </a:schemeClr>
+            </a:solidFill>
+          </a:ln>
+        </p:spPr>
+        <p:style>
+          <a:lnRef idx="2">
+            <a:schemeClr val="accent1">
+              <a:shade val="50000"/>
+            </a:schemeClr>
+          </a:lnRef>
+          <a:fillRef idx="1">
+            <a:schemeClr val="accent1"/>
+          </a:fillRef>
+          <a:effectRef idx="0">
+            <a:schemeClr val="accent1"/>
+          </a:effectRef>
+          <a:fontRef idx="minor">
+            <a:schemeClr val="lt1"/>
+          </a:fontRef>
+        </p:style>
+        <p:txBody>
+          <a:bodyPr rtlCol="0" anchor="ctr"/>
+          <a:lstStyle/>
+          <a:p>
+            <a:pPr algn="ctr"/>
+            <a:endParaRPr lang="fr-FR"/>
+          </a:p>
+        </p:txBody>
+      </p:sp>
+      <p:sp>
+        <p:nvSpPr>
+          <p:cNvPr id="20" name="Arc 19">
+            <a:extLst>
+              <a:ext uri="{FF2B5EF4-FFF2-40B4-BE49-F238E27FC236}">
+                <a16:creationId xmlns:a16="http://schemas.microsoft.com/office/drawing/2014/main" id="{9A9E1B3D-DDC9-D643-D638-F1A4F560EE1D}"/>
+              </a:ext>
+            </a:extLst>
+          </p:cNvPr>
+          <p:cNvSpPr/>
+          <p:nvPr/>
+        </p:nvSpPr>
+        <p:spPr>
+          <a:xfrm>
+            <a:off x="4479954" y="1809882"/>
+            <a:ext cx="360000" cy="360000"/>
+          </a:xfrm>
+          <a:prstGeom prst="arc">
+            <a:avLst>
+              <a:gd name="adj1" fmla="val 857438"/>
+              <a:gd name="adj2" fmla="val 10008154"/>
+            </a:avLst>
+          </a:prstGeom>
+          <a:solidFill>
+            <a:schemeClr val="bg1"/>
+          </a:solidFill>
+          <a:ln w="28575">
+            <a:solidFill>
+              <a:schemeClr val="accent1">
+                <a:lumMod val="50000"/>
+              </a:schemeClr>
+            </a:solidFill>
+          </a:ln>
+        </p:spPr>
+        <p:style>
+          <a:lnRef idx="2">
+            <a:schemeClr val="accent1">
+              <a:shade val="50000"/>
+            </a:schemeClr>
+          </a:lnRef>
+          <a:fillRef idx="1">
+            <a:schemeClr val="accent1"/>
+          </a:fillRef>
+          <a:effectRef idx="0">
+            <a:schemeClr val="accent1"/>
+          </a:effectRef>
+          <a:fontRef idx="minor">
+            <a:schemeClr val="lt1"/>
+          </a:fontRef>
+        </p:style>
+        <p:txBody>
+          <a:bodyPr rtlCol="0" anchor="ctr"/>
+          <a:lstStyle/>
+          <a:p>
+            <a:pPr algn="ctr"/>
+            <a:endParaRPr lang="fr-FR">
+              <a:solidFill>
+                <a:schemeClr val="lt1"/>
+              </a:solidFill>
+            </a:endParaRPr>
+          </a:p>
+        </p:txBody>
+      </p:sp>
+      <p:sp>
+        <p:nvSpPr>
+          <p:cNvPr id="4" name="Ellipse 3">
+            <a:extLst>
+              <a:ext uri="{FF2B5EF4-FFF2-40B4-BE49-F238E27FC236}">
+                <a16:creationId xmlns:a16="http://schemas.microsoft.com/office/drawing/2014/main" id="{2B73D1EA-FA48-A88E-2C82-7210DF13B222}"/>
+              </a:ext>
+            </a:extLst>
+          </p:cNvPr>
+          <p:cNvSpPr/>
+          <p:nvPr/>
+        </p:nvSpPr>
+        <p:spPr>
+          <a:xfrm>
+            <a:off x="4515954" y="1845882"/>
+            <a:ext cx="288000" cy="288000"/>
+          </a:xfrm>
+          <a:prstGeom prst="ellipse">
+            <a:avLst/>
+          </a:prstGeom>
+          <a:solidFill>
+            <a:schemeClr val="bg1"/>
+          </a:solidFill>
+          <a:ln w="28575">
+            <a:solidFill>
+              <a:srgbClr val="7030A0"/>
+            </a:solidFill>
+          </a:ln>
+        </p:spPr>
+        <p:style>
+          <a:lnRef idx="2">
+            <a:schemeClr val="accent1">
+              <a:shade val="50000"/>
+            </a:schemeClr>
+          </a:lnRef>
+          <a:fillRef idx="1">
+            <a:schemeClr val="accent1"/>
+          </a:fillRef>
+          <a:effectRef idx="0">
+            <a:schemeClr val="accent1"/>
+          </a:effectRef>
+          <a:fontRef idx="minor">
+            <a:schemeClr val="lt1"/>
+          </a:fontRef>
+        </p:style>
+        <p:txBody>
+          <a:bodyPr rtlCol="0" anchor="ctr"/>
+          <a:lstStyle/>
+          <a:p>
+            <a:pPr algn="ctr"/>
+            <a:endParaRPr lang="fr-FR"/>
+          </a:p>
+        </p:txBody>
+      </p:sp>
+      <p:sp>
+        <p:nvSpPr>
+          <p:cNvPr id="5" name="Ellipse 4">
+            <a:extLst>
+              <a:ext uri="{FF2B5EF4-FFF2-40B4-BE49-F238E27FC236}">
+                <a16:creationId xmlns:a16="http://schemas.microsoft.com/office/drawing/2014/main" id="{FF4125D3-B40D-1102-AF1F-AC49C21130B0}"/>
+              </a:ext>
+            </a:extLst>
+          </p:cNvPr>
+          <p:cNvSpPr/>
+          <p:nvPr/>
+        </p:nvSpPr>
+        <p:spPr>
+          <a:xfrm>
+            <a:off x="6675954" y="1845882"/>
+            <a:ext cx="288000" cy="288000"/>
+          </a:xfrm>
+          <a:prstGeom prst="ellipse">
+            <a:avLst/>
+          </a:prstGeom>
+          <a:solidFill>
+            <a:schemeClr val="bg1"/>
+          </a:solidFill>
+          <a:ln w="28575">
+            <a:solidFill>
+              <a:srgbClr val="7030A0"/>
+            </a:solidFill>
+          </a:ln>
+        </p:spPr>
+        <p:style>
+          <a:lnRef idx="2">
+            <a:schemeClr val="accent1">
+              <a:shade val="50000"/>
+            </a:schemeClr>
+          </a:lnRef>
+          <a:fillRef idx="1">
+            <a:schemeClr val="accent1"/>
+          </a:fillRef>
+          <a:effectRef idx="0">
+            <a:schemeClr val="accent1"/>
+          </a:effectRef>
+          <a:fontRef idx="minor">
+            <a:schemeClr val="lt1"/>
+          </a:fontRef>
+        </p:style>
+        <p:txBody>
+          <a:bodyPr rtlCol="0" anchor="ctr"/>
+          <a:lstStyle/>
+          <a:p>
+            <a:pPr algn="ctr"/>
+            <a:endParaRPr lang="fr-FR"/>
+          </a:p>
+        </p:txBody>
+      </p:sp>
+      <p:cxnSp>
+        <p:nvCxnSpPr>
+          <p:cNvPr id="7" name="Connecteur droit 6">
+            <a:extLst>
+              <a:ext uri="{FF2B5EF4-FFF2-40B4-BE49-F238E27FC236}">
+                <a16:creationId xmlns:a16="http://schemas.microsoft.com/office/drawing/2014/main" id="{34FA399A-B722-EE0F-C3F8-1135C57F47CB}"/>
+              </a:ext>
+            </a:extLst>
+          </p:cNvPr>
+          <p:cNvCxnSpPr>
+            <a:cxnSpLocks/>
+            <a:stCxn id="4" idx="6"/>
+            <a:endCxn id="5" idx="2"/>
+          </p:cNvCxnSpPr>
+          <p:nvPr/>
+        </p:nvCxnSpPr>
+        <p:spPr>
+          <a:xfrm>
+            <a:off x="4803954" y="1989882"/>
+            <a:ext cx="1872000" cy="0"/>
+          </a:xfrm>
+          <a:prstGeom prst="line">
+            <a:avLst/>
+          </a:prstGeom>
+          <a:solidFill>
+            <a:schemeClr val="bg1"/>
+          </a:solidFill>
+          <a:ln w="28575">
+            <a:solidFill>
+              <a:srgbClr val="7030A0"/>
+            </a:solidFill>
+          </a:ln>
+        </p:spPr>
+        <p:style>
+          <a:lnRef idx="2">
+            <a:schemeClr val="accent1">
+              <a:shade val="50000"/>
+            </a:schemeClr>
+          </a:lnRef>
+          <a:fillRef idx="1">
+            <a:schemeClr val="accent1"/>
+          </a:fillRef>
+          <a:effectRef idx="0">
+            <a:schemeClr val="accent1"/>
+          </a:effectRef>
+          <a:fontRef idx="minor">
+            <a:schemeClr val="lt1"/>
+          </a:fontRef>
+        </p:style>
+      </p:cxnSp>
+      <p:cxnSp>
+        <p:nvCxnSpPr>
+          <p:cNvPr id="12" name="Connecteur droit 11">
+            <a:extLst>
+              <a:ext uri="{FF2B5EF4-FFF2-40B4-BE49-F238E27FC236}">
+                <a16:creationId xmlns:a16="http://schemas.microsoft.com/office/drawing/2014/main" id="{C3A9B7BA-686D-0D0C-76AE-2AFFF1BD59A2}"/>
+              </a:ext>
+            </a:extLst>
+          </p:cNvPr>
+          <p:cNvCxnSpPr>
+            <a:cxnSpLocks/>
+          </p:cNvCxnSpPr>
+          <p:nvPr/>
+        </p:nvCxnSpPr>
+        <p:spPr>
+          <a:xfrm flipV="1">
+            <a:off x="3938639" y="1989882"/>
+            <a:ext cx="0" cy="712694"/>
+          </a:xfrm>
+          <a:prstGeom prst="line">
+            <a:avLst/>
+          </a:prstGeom>
+          <a:solidFill>
+            <a:schemeClr val="bg1"/>
+          </a:solidFill>
+          <a:ln w="28575">
+            <a:solidFill>
+              <a:srgbClr val="C00000"/>
+            </a:solidFill>
+            <a:tailEnd type="stealth" w="med" len="lg"/>
+          </a:ln>
+        </p:spPr>
+        <p:style>
+          <a:lnRef idx="2">
+            <a:schemeClr val="accent1">
+              <a:shade val="50000"/>
+            </a:schemeClr>
+          </a:lnRef>
+          <a:fillRef idx="1">
+            <a:schemeClr val="accent1"/>
+          </a:fillRef>
+          <a:effectRef idx="0">
+            <a:schemeClr val="accent1"/>
+          </a:effectRef>
+          <a:fontRef idx="minor">
+            <a:schemeClr val="lt1"/>
+          </a:fontRef>
+        </p:style>
+      </p:cxnSp>
+      <p:cxnSp>
+        <p:nvCxnSpPr>
+          <p:cNvPr id="15" name="Connecteur droit 14">
+            <a:extLst>
+              <a:ext uri="{FF2B5EF4-FFF2-40B4-BE49-F238E27FC236}">
+                <a16:creationId xmlns:a16="http://schemas.microsoft.com/office/drawing/2014/main" id="{53C3C478-37F2-BA19-8C53-FC72D2FBC844}"/>
+              </a:ext>
+            </a:extLst>
+          </p:cNvPr>
+          <p:cNvCxnSpPr>
+            <a:cxnSpLocks/>
+          </p:cNvCxnSpPr>
+          <p:nvPr/>
+        </p:nvCxnSpPr>
+        <p:spPr>
+          <a:xfrm>
+            <a:off x="7539954" y="1989882"/>
+            <a:ext cx="0" cy="531770"/>
+          </a:xfrm>
+          <a:prstGeom prst="line">
+            <a:avLst/>
+          </a:prstGeom>
+          <a:solidFill>
+            <a:schemeClr val="bg1"/>
+          </a:solidFill>
+          <a:ln w="28575">
+            <a:solidFill>
+              <a:srgbClr val="C00000"/>
+            </a:solidFill>
+            <a:tailEnd type="stealth" w="med" len="lg"/>
+          </a:ln>
+        </p:spPr>
+        <p:style>
+          <a:lnRef idx="2">
+            <a:schemeClr val="accent1">
+              <a:shade val="50000"/>
+            </a:schemeClr>
+          </a:lnRef>
+          <a:fillRef idx="1">
+            <a:schemeClr val="accent1"/>
+          </a:fillRef>
+          <a:effectRef idx="0">
+            <a:schemeClr val="accent1"/>
+          </a:effectRef>
+          <a:fontRef idx="minor">
+            <a:schemeClr val="lt1"/>
+          </a:fontRef>
+        </p:style>
+      </p:cxnSp>
+      <mc:AlternateContent xmlns:mc="http://schemas.openxmlformats.org/markup-compatibility/2006" xmlns:a14="http://schemas.microsoft.com/office/drawing/2010/main">
+        <mc:Choice Requires="a14">
+          <p:sp>
+            <p:nvSpPr>
+              <p:cNvPr id="17" name="ZoneTexte 16">
+                <a:extLst>
+                  <a:ext uri="{FF2B5EF4-FFF2-40B4-BE49-F238E27FC236}">
+                    <a16:creationId xmlns:a16="http://schemas.microsoft.com/office/drawing/2014/main" id="{5853C66E-F7C5-9D45-4609-DAC8FD58D6DE}"/>
+                  </a:ext>
+                </a:extLst>
+              </p:cNvPr>
+              <p:cNvSpPr txBox="1"/>
+              <p:nvPr/>
+            </p:nvSpPr>
+            <p:spPr>
+              <a:xfrm>
+                <a:off x="3185368" y="2282129"/>
+                <a:ext cx="708271" cy="208903"/>
+              </a:xfrm>
+              <a:prstGeom prst="rect">
+                <a:avLst/>
+              </a:prstGeom>
+              <a:noFill/>
+            </p:spPr>
+            <p:txBody>
+              <a:bodyPr wrap="none" lIns="0" tIns="0" rIns="0" bIns="0" rtlCol="0">
+                <a:spAutoFit/>
+              </a:bodyPr>
+              <a:lstStyle/>
+              <a:p>
+                <a:pPr/>
+                <a14:m>
+                  <m:oMathPara xmlns:m="http://schemas.openxmlformats.org/officeDocument/2006/math">
+                    <m:oMathParaPr>
+                      <m:jc m:val="centerGroup"/>
+                    </m:oMathParaPr>
+                    <m:oMath xmlns:m="http://schemas.openxmlformats.org/officeDocument/2006/math">
+                      <m:acc>
+                        <m:accPr>
+                          <m:chr m:val="⃗"/>
+                          <m:ctrlPr>
+                            <a:rPr lang="fr-FR" sz="1100" b="0" i="1" smtClean="0">
+                              <a:latin typeface="Cambria Math" panose="02040503050406030204" pitchFamily="18" charset="0"/>
+                            </a:rPr>
+                          </m:ctrlPr>
+                        </m:accPr>
+                        <m:e>
+                          <m:sSub>
+                            <m:sSubPr>
+                              <m:ctrlPr>
+                                <a:rPr lang="fr-FR" sz="1100" i="1">
+                                  <a:latin typeface="Cambria Math" panose="02040503050406030204" pitchFamily="18" charset="0"/>
+                                </a:rPr>
+                              </m:ctrlPr>
+                            </m:sSubPr>
+                            <m:e>
+                              <m:r>
+                                <a:rPr lang="fr-FR" sz="1100" i="1">
+                                  <a:latin typeface="Cambria Math" panose="02040503050406030204" pitchFamily="18" charset="0"/>
+                                </a:rPr>
+                                <m:t>𝐹</m:t>
+                              </m:r>
+                            </m:e>
+                            <m:sub>
+                              <m:r>
+                                <a:rPr lang="fr-FR" sz="1100" i="1">
+                                  <a:latin typeface="Cambria Math" panose="02040503050406030204" pitchFamily="18" charset="0"/>
+                                </a:rPr>
+                                <m:t>𝑙𝑎𝑚𝑒</m:t>
+                              </m:r>
+                              <m:r>
+                                <m:rPr>
+                                  <m:lit/>
+                                </m:rPr>
+                                <a:rPr lang="fr-FR" sz="1100" i="1">
+                                  <a:latin typeface="Cambria Math" panose="02040503050406030204" pitchFamily="18" charset="0"/>
+                                </a:rPr>
+                                <m:t>/</m:t>
+                              </m:r>
+                              <m:r>
+                                <a:rPr lang="fr-FR" sz="1100" i="1">
+                                  <a:latin typeface="Cambria Math" panose="02040503050406030204" pitchFamily="18" charset="0"/>
+                                </a:rPr>
+                                <m:t>𝑎𝑟𝑏𝑟𝑒</m:t>
+                              </m:r>
+                            </m:sub>
+                          </m:sSub>
+                        </m:e>
+                      </m:acc>
+                    </m:oMath>
+                  </m:oMathPara>
+                </a14:m>
+                <a:endParaRPr lang="fr-FR" dirty="0"/>
+              </a:p>
+            </p:txBody>
+          </p:sp>
+        </mc:Choice>
+        <mc:Fallback xmlns="">
+          <p:sp>
+            <p:nvSpPr>
+              <p:cNvPr id="17" name="ZoneTexte 16">
+                <a:extLst>
+                  <a:ext uri="{FF2B5EF4-FFF2-40B4-BE49-F238E27FC236}">
+                    <a16:creationId xmlns:a16="http://schemas.microsoft.com/office/drawing/2014/main" id="{5853C66E-F7C5-9D45-4609-DAC8FD58D6DE}"/>
+                  </a:ext>
+                </a:extLst>
+              </p:cNvPr>
+              <p:cNvSpPr txBox="1">
+                <a:spLocks noRot="1" noChangeAspect="1" noMove="1" noResize="1" noEditPoints="1" noAdjustHandles="1" noChangeArrowheads="1" noChangeShapeType="1" noTextEdit="1"/>
+              </p:cNvSpPr>
+              <p:nvPr/>
+            </p:nvSpPr>
+            <p:spPr>
+              <a:xfrm>
+                <a:off x="3185368" y="2282129"/>
+                <a:ext cx="708271" cy="208903"/>
+              </a:xfrm>
+              <a:prstGeom prst="rect">
+                <a:avLst/>
+              </a:prstGeom>
+              <a:blipFill>
+                <a:blip r:embed="rId2"/>
+                <a:stretch>
+                  <a:fillRect l="-4310" r="-1724" b="-25714"/>
+                </a:stretch>
+              </a:blipFill>
+            </p:spPr>
+            <p:txBody>
+              <a:bodyPr/>
+              <a:lstStyle/>
+              <a:p>
+                <a:r>
+                  <a:rPr lang="fr-FR">
+                    <a:noFill/>
+                  </a:rPr>
+                  <a:t> </a:t>
+                </a:r>
+              </a:p>
+            </p:txBody>
+          </p:sp>
+        </mc:Fallback>
+      </mc:AlternateContent>
+      <mc:AlternateContent xmlns:mc="http://schemas.openxmlformats.org/markup-compatibility/2006" xmlns:a14="http://schemas.microsoft.com/office/drawing/2010/main">
+        <mc:Choice Requires="a14">
+          <p:sp>
+            <p:nvSpPr>
+              <p:cNvPr id="19" name="ZoneTexte 18">
+                <a:extLst>
+                  <a:ext uri="{FF2B5EF4-FFF2-40B4-BE49-F238E27FC236}">
+                    <a16:creationId xmlns:a16="http://schemas.microsoft.com/office/drawing/2014/main" id="{8006ADE4-EE8F-25FA-7E75-529D7061EE5E}"/>
+                  </a:ext>
+                </a:extLst>
+              </p:cNvPr>
+              <p:cNvSpPr txBox="1"/>
+              <p:nvPr/>
+            </p:nvSpPr>
+            <p:spPr>
+              <a:xfrm>
+                <a:off x="7629954" y="2106838"/>
+                <a:ext cx="897425" cy="208903"/>
+              </a:xfrm>
+              <a:prstGeom prst="rect">
+                <a:avLst/>
+              </a:prstGeom>
+              <a:noFill/>
+            </p:spPr>
+            <p:txBody>
+              <a:bodyPr wrap="none" lIns="0" tIns="0" rIns="0" bIns="0" rtlCol="0">
+                <a:spAutoFit/>
+              </a:bodyPr>
+              <a:lstStyle/>
+              <a:p>
+                <a:pPr/>
+                <a14:m>
+                  <m:oMathPara xmlns:m="http://schemas.openxmlformats.org/officeDocument/2006/math">
+                    <m:oMathParaPr>
+                      <m:jc m:val="centerGroup"/>
+                    </m:oMathParaPr>
+                    <m:oMath xmlns:m="http://schemas.openxmlformats.org/officeDocument/2006/math">
+                      <m:acc>
+                        <m:accPr>
+                          <m:chr m:val="⃗"/>
+                          <m:ctrlPr>
+                            <a:rPr lang="fr-FR" sz="1100" b="0" i="1" smtClean="0">
+                              <a:latin typeface="Cambria Math" panose="02040503050406030204" pitchFamily="18" charset="0"/>
+                            </a:rPr>
+                          </m:ctrlPr>
+                        </m:accPr>
+                        <m:e>
+                          <m:sSub>
+                            <m:sSubPr>
+                              <m:ctrlPr>
+                                <a:rPr lang="fr-FR" sz="1100" i="1">
+                                  <a:latin typeface="Cambria Math" panose="02040503050406030204" pitchFamily="18" charset="0"/>
+                                </a:rPr>
+                              </m:ctrlPr>
+                            </m:sSubPr>
+                            <m:e>
+                              <m:r>
+                                <a:rPr lang="fr-FR" sz="1100" i="1">
+                                  <a:latin typeface="Cambria Math" panose="02040503050406030204" pitchFamily="18" charset="0"/>
+                                </a:rPr>
+                                <m:t>𝐹</m:t>
+                              </m:r>
+                            </m:e>
+                            <m:sub>
+                              <m:r>
+                                <a:rPr lang="fr-FR" sz="1100" b="0" i="1" smtClean="0">
+                                  <a:latin typeface="Cambria Math" panose="02040503050406030204" pitchFamily="18" charset="0"/>
+                                </a:rPr>
+                                <m:t>𝑐𝑜𝑢𝑟𝑟𝑜𝑖𝑒</m:t>
+                              </m:r>
+                              <m:r>
+                                <m:rPr>
+                                  <m:lit/>
+                                </m:rPr>
+                                <a:rPr lang="fr-FR" sz="1100" i="1">
+                                  <a:latin typeface="Cambria Math" panose="02040503050406030204" pitchFamily="18" charset="0"/>
+                                </a:rPr>
+                                <m:t>/</m:t>
+                              </m:r>
+                              <m:r>
+                                <a:rPr lang="fr-FR" sz="1100" i="1">
+                                  <a:latin typeface="Cambria Math" panose="02040503050406030204" pitchFamily="18" charset="0"/>
+                                </a:rPr>
+                                <m:t>𝑎𝑟𝑏𝑟𝑒</m:t>
+                              </m:r>
+                            </m:sub>
+                          </m:sSub>
+                        </m:e>
+                      </m:acc>
+                    </m:oMath>
+                  </m:oMathPara>
+                </a14:m>
+                <a:endParaRPr lang="fr-FR" dirty="0"/>
+              </a:p>
+            </p:txBody>
+          </p:sp>
+        </mc:Choice>
+        <mc:Fallback xmlns="">
+          <p:sp>
+            <p:nvSpPr>
+              <p:cNvPr id="19" name="ZoneTexte 18">
+                <a:extLst>
+                  <a:ext uri="{FF2B5EF4-FFF2-40B4-BE49-F238E27FC236}">
+                    <a16:creationId xmlns:a16="http://schemas.microsoft.com/office/drawing/2014/main" id="{8006ADE4-EE8F-25FA-7E75-529D7061EE5E}"/>
+                  </a:ext>
+                </a:extLst>
+              </p:cNvPr>
+              <p:cNvSpPr txBox="1">
+                <a:spLocks noRot="1" noChangeAspect="1" noMove="1" noResize="1" noEditPoints="1" noAdjustHandles="1" noChangeArrowheads="1" noChangeShapeType="1" noTextEdit="1"/>
+              </p:cNvSpPr>
+              <p:nvPr/>
+            </p:nvSpPr>
+            <p:spPr>
+              <a:xfrm>
+                <a:off x="7629954" y="2106838"/>
+                <a:ext cx="897425" cy="208903"/>
+              </a:xfrm>
+              <a:prstGeom prst="rect">
+                <a:avLst/>
+              </a:prstGeom>
+              <a:blipFill>
+                <a:blip r:embed="rId3"/>
+                <a:stretch>
+                  <a:fillRect l="-3401" r="-1361" b="-26471"/>
+                </a:stretch>
+              </a:blipFill>
+            </p:spPr>
+            <p:txBody>
+              <a:bodyPr/>
+              <a:lstStyle/>
+              <a:p>
+                <a:r>
+                  <a:rPr lang="fr-FR">
+                    <a:noFill/>
+                  </a:rPr>
+                  <a:t> </a:t>
+                </a:r>
+              </a:p>
+            </p:txBody>
+          </p:sp>
+        </mc:Fallback>
+      </mc:AlternateContent>
+      <p:cxnSp>
+        <p:nvCxnSpPr>
+          <p:cNvPr id="23" name="Connecteur droit 22">
+            <a:extLst>
+              <a:ext uri="{FF2B5EF4-FFF2-40B4-BE49-F238E27FC236}">
+                <a16:creationId xmlns:a16="http://schemas.microsoft.com/office/drawing/2014/main" id="{BA6878E0-BA88-A381-C274-546397C3A09A}"/>
+              </a:ext>
+            </a:extLst>
+          </p:cNvPr>
+          <p:cNvCxnSpPr>
+            <a:cxnSpLocks/>
+          </p:cNvCxnSpPr>
+          <p:nvPr/>
+        </p:nvCxnSpPr>
+        <p:spPr>
+          <a:xfrm>
+            <a:off x="4659954" y="2169882"/>
+            <a:ext cx="0" cy="216699"/>
+          </a:xfrm>
+          <a:prstGeom prst="line">
+            <a:avLst/>
+          </a:prstGeom>
+          <a:solidFill>
+            <a:schemeClr val="bg1"/>
+          </a:solidFill>
+          <a:ln w="28575">
+            <a:solidFill>
+              <a:schemeClr val="accent1">
+                <a:lumMod val="50000"/>
+              </a:schemeClr>
+            </a:solidFill>
+          </a:ln>
+        </p:spPr>
+        <p:style>
+          <a:lnRef idx="2">
+            <a:schemeClr val="accent1">
+              <a:shade val="50000"/>
+            </a:schemeClr>
+          </a:lnRef>
+          <a:fillRef idx="1">
+            <a:schemeClr val="accent1"/>
+          </a:fillRef>
+          <a:effectRef idx="0">
+            <a:schemeClr val="accent1"/>
+          </a:effectRef>
+          <a:fontRef idx="minor">
+            <a:schemeClr val="lt1"/>
+          </a:fontRef>
+        </p:style>
+      </p:cxnSp>
+      <p:cxnSp>
+        <p:nvCxnSpPr>
+          <p:cNvPr id="27" name="Connecteur droit 26">
+            <a:extLst>
+              <a:ext uri="{FF2B5EF4-FFF2-40B4-BE49-F238E27FC236}">
+                <a16:creationId xmlns:a16="http://schemas.microsoft.com/office/drawing/2014/main" id="{59441FA6-98EC-AC94-F34B-2595115CFB6B}"/>
+              </a:ext>
+            </a:extLst>
+          </p:cNvPr>
+          <p:cNvCxnSpPr>
+            <a:cxnSpLocks/>
+            <a:endCxn id="22" idx="2"/>
+          </p:cNvCxnSpPr>
+          <p:nvPr/>
+        </p:nvCxnSpPr>
+        <p:spPr>
+          <a:xfrm flipV="1">
+            <a:off x="6819954" y="2187227"/>
+            <a:ext cx="0" cy="208903"/>
+          </a:xfrm>
+          <a:prstGeom prst="line">
+            <a:avLst/>
+          </a:prstGeom>
+          <a:solidFill>
+            <a:schemeClr val="bg1"/>
+          </a:solidFill>
+          <a:ln w="28575">
+            <a:solidFill>
+              <a:schemeClr val="accent1">
+                <a:lumMod val="50000"/>
+              </a:schemeClr>
+            </a:solidFill>
+          </a:ln>
+        </p:spPr>
+        <p:style>
+          <a:lnRef idx="2">
+            <a:schemeClr val="accent1">
+              <a:shade val="50000"/>
+            </a:schemeClr>
+          </a:lnRef>
+          <a:fillRef idx="1">
+            <a:schemeClr val="accent1"/>
+          </a:fillRef>
+          <a:effectRef idx="0">
+            <a:schemeClr val="accent1"/>
+          </a:effectRef>
+          <a:fontRef idx="minor">
+            <a:schemeClr val="lt1"/>
+          </a:fontRef>
+        </p:style>
+      </p:cxnSp>
+      <p:cxnSp>
+        <p:nvCxnSpPr>
+          <p:cNvPr id="30" name="Connecteur droit 29">
+            <a:extLst>
+              <a:ext uri="{FF2B5EF4-FFF2-40B4-BE49-F238E27FC236}">
+                <a16:creationId xmlns:a16="http://schemas.microsoft.com/office/drawing/2014/main" id="{8ED62A41-204D-F5CA-65A4-85C063973BD9}"/>
+              </a:ext>
+            </a:extLst>
+          </p:cNvPr>
+          <p:cNvCxnSpPr>
+            <a:cxnSpLocks/>
+          </p:cNvCxnSpPr>
+          <p:nvPr/>
+        </p:nvCxnSpPr>
+        <p:spPr>
+          <a:xfrm flipH="1">
+            <a:off x="4645659" y="2396130"/>
+            <a:ext cx="2174295" cy="0"/>
+          </a:xfrm>
+          <a:prstGeom prst="line">
+            <a:avLst/>
+          </a:prstGeom>
+          <a:solidFill>
+            <a:schemeClr val="bg1"/>
+          </a:solidFill>
+          <a:ln w="28575">
+            <a:solidFill>
+              <a:schemeClr val="accent1">
+                <a:lumMod val="50000"/>
+              </a:schemeClr>
+            </a:solidFill>
+          </a:ln>
+        </p:spPr>
+        <p:style>
+          <a:lnRef idx="2">
+            <a:schemeClr val="accent1">
+              <a:shade val="50000"/>
+            </a:schemeClr>
+          </a:lnRef>
+          <a:fillRef idx="1">
+            <a:schemeClr val="accent1"/>
+          </a:fillRef>
+          <a:effectRef idx="0">
+            <a:schemeClr val="accent1"/>
+          </a:effectRef>
+          <a:fontRef idx="minor">
+            <a:schemeClr val="lt1"/>
+          </a:fontRef>
+        </p:style>
+      </p:cxnSp>
+      <p:cxnSp>
+        <p:nvCxnSpPr>
+          <p:cNvPr id="34" name="Connecteur droit 33">
+            <a:extLst>
+              <a:ext uri="{FF2B5EF4-FFF2-40B4-BE49-F238E27FC236}">
+                <a16:creationId xmlns:a16="http://schemas.microsoft.com/office/drawing/2014/main" id="{1BADC16F-3A93-FCAE-B5EE-03138BE21FB3}"/>
+              </a:ext>
+            </a:extLst>
+          </p:cNvPr>
+          <p:cNvCxnSpPr>
+            <a:cxnSpLocks/>
+          </p:cNvCxnSpPr>
+          <p:nvPr/>
+        </p:nvCxnSpPr>
+        <p:spPr>
+          <a:xfrm>
+            <a:off x="5771147" y="2397171"/>
+            <a:ext cx="0" cy="216699"/>
+          </a:xfrm>
+          <a:prstGeom prst="line">
+            <a:avLst/>
+          </a:prstGeom>
+          <a:solidFill>
+            <a:schemeClr val="bg1"/>
+          </a:solidFill>
+          <a:ln w="28575">
+            <a:solidFill>
+              <a:schemeClr val="accent1">
+                <a:lumMod val="50000"/>
+              </a:schemeClr>
+            </a:solidFill>
+          </a:ln>
+        </p:spPr>
+        <p:style>
+          <a:lnRef idx="2">
+            <a:schemeClr val="accent1">
+              <a:shade val="50000"/>
+            </a:schemeClr>
+          </a:lnRef>
+          <a:fillRef idx="1">
+            <a:schemeClr val="accent1"/>
+          </a:fillRef>
+          <a:effectRef idx="0">
+            <a:schemeClr val="accent1"/>
+          </a:effectRef>
+          <a:fontRef idx="minor">
+            <a:schemeClr val="lt1"/>
+          </a:fontRef>
+        </p:style>
+      </p:cxnSp>
+      <p:sp>
+        <p:nvSpPr>
+          <p:cNvPr id="36" name="Forme libre : forme 35">
+            <a:extLst>
+              <a:ext uri="{FF2B5EF4-FFF2-40B4-BE49-F238E27FC236}">
+                <a16:creationId xmlns:a16="http://schemas.microsoft.com/office/drawing/2014/main" id="{C8885A49-7B79-5CAF-98DC-D234F195286B}"/>
+              </a:ext>
+            </a:extLst>
+          </p:cNvPr>
+          <p:cNvSpPr/>
+          <p:nvPr/>
+        </p:nvSpPr>
+        <p:spPr>
+          <a:xfrm>
+            <a:off x="5567193" y="2605034"/>
+            <a:ext cx="418531" cy="153602"/>
+          </a:xfrm>
+          <a:custGeom>
+            <a:avLst/>
+            <a:gdLst>
+              <a:gd name="connsiteX0" fmla="*/ 0 w 418531"/>
+              <a:gd name="connsiteY0" fmla="*/ 9098 h 153602"/>
+              <a:gd name="connsiteX1" fmla="*/ 77337 w 418531"/>
+              <a:gd name="connsiteY1" fmla="*/ 150125 h 153602"/>
+              <a:gd name="connsiteX2" fmla="*/ 181970 w 418531"/>
+              <a:gd name="connsiteY2" fmla="*/ 109182 h 153602"/>
+              <a:gd name="connsiteX3" fmla="*/ 332095 w 418531"/>
+              <a:gd name="connsiteY3" fmla="*/ 150125 h 153602"/>
+              <a:gd name="connsiteX4" fmla="*/ 418531 w 418531"/>
+              <a:gd name="connsiteY4" fmla="*/ 0 h 153602"/>
+            </a:gdLst>
+            <a:ahLst/>
+            <a:cxnLst>
+              <a:cxn ang="0">
+                <a:pos x="connsiteX0" y="connsiteY0"/>
+              </a:cxn>
+              <a:cxn ang="0">
+                <a:pos x="connsiteX1" y="connsiteY1"/>
+              </a:cxn>
+              <a:cxn ang="0">
+                <a:pos x="connsiteX2" y="connsiteY2"/>
+              </a:cxn>
+              <a:cxn ang="0">
+                <a:pos x="connsiteX3" y="connsiteY3"/>
+              </a:cxn>
+              <a:cxn ang="0">
+                <a:pos x="connsiteX4" y="connsiteY4"/>
+              </a:cxn>
+            </a:cxnLst>
+            <a:rect l="l" t="t" r="r" b="b"/>
+            <a:pathLst>
+              <a:path w="418531" h="153602">
+                <a:moveTo>
+                  <a:pt x="0" y="9098"/>
+                </a:moveTo>
+                <a:cubicBezTo>
+                  <a:pt x="23504" y="71271"/>
+                  <a:pt x="47009" y="133444"/>
+                  <a:pt x="77337" y="150125"/>
+                </a:cubicBezTo>
+                <a:cubicBezTo>
+                  <a:pt x="107665" y="166806"/>
+                  <a:pt x="139510" y="109182"/>
+                  <a:pt x="181970" y="109182"/>
+                </a:cubicBezTo>
+                <a:cubicBezTo>
+                  <a:pt x="224430" y="109182"/>
+                  <a:pt x="292668" y="168322"/>
+                  <a:pt x="332095" y="150125"/>
+                </a:cubicBezTo>
+                <a:cubicBezTo>
+                  <a:pt x="371522" y="131928"/>
+                  <a:pt x="395026" y="65964"/>
+                  <a:pt x="418531" y="0"/>
+                </a:cubicBezTo>
+              </a:path>
+            </a:pathLst>
+          </a:custGeom>
+          <a:solidFill>
+            <a:schemeClr val="accent1">
+              <a:lumMod val="20000"/>
+              <a:lumOff val="80000"/>
+            </a:schemeClr>
+          </a:solidFill>
+          <a:ln w="12700">
+            <a:solidFill>
+              <a:schemeClr val="accent1">
+                <a:lumMod val="50000"/>
+              </a:schemeClr>
+            </a:solidFill>
+          </a:ln>
+        </p:spPr>
+        <p:style>
+          <a:lnRef idx="2">
+            <a:schemeClr val="accent1">
+              <a:shade val="50000"/>
+            </a:schemeClr>
+          </a:lnRef>
+          <a:fillRef idx="1">
+            <a:schemeClr val="accent1"/>
+          </a:fillRef>
+          <a:effectRef idx="0">
+            <a:schemeClr val="accent1"/>
+          </a:effectRef>
+          <a:fontRef idx="minor">
+            <a:schemeClr val="lt1"/>
+          </a:fontRef>
+        </p:style>
+        <p:txBody>
+          <a:bodyPr rtlCol="0" anchor="ctr"/>
+          <a:lstStyle/>
+          <a:p>
+            <a:pPr algn="ctr"/>
+            <a:endParaRPr lang="fr-FR"/>
+          </a:p>
+        </p:txBody>
+      </p:sp>
+      <p:cxnSp>
+        <p:nvCxnSpPr>
+          <p:cNvPr id="35" name="Connecteur droit 34">
+            <a:extLst>
+              <a:ext uri="{FF2B5EF4-FFF2-40B4-BE49-F238E27FC236}">
+                <a16:creationId xmlns:a16="http://schemas.microsoft.com/office/drawing/2014/main" id="{584EAEEE-4AA8-6ED7-A1D1-B37CD4DB8559}"/>
+              </a:ext>
+            </a:extLst>
+          </p:cNvPr>
+          <p:cNvCxnSpPr>
+            <a:cxnSpLocks/>
+          </p:cNvCxnSpPr>
+          <p:nvPr/>
+        </p:nvCxnSpPr>
+        <p:spPr>
+          <a:xfrm rot="5400000">
+            <a:off x="5771909" y="2397870"/>
+            <a:ext cx="0" cy="432000"/>
+          </a:xfrm>
+          <a:prstGeom prst="line">
+            <a:avLst/>
+          </a:prstGeom>
+          <a:solidFill>
+            <a:schemeClr val="bg1"/>
+          </a:solidFill>
+          <a:ln w="28575">
+            <a:solidFill>
+              <a:schemeClr val="accent1">
+                <a:lumMod val="50000"/>
+              </a:schemeClr>
+            </a:solidFill>
+          </a:ln>
+        </p:spPr>
+        <p:style>
+          <a:lnRef idx="2">
+            <a:schemeClr val="accent1">
+              <a:shade val="50000"/>
+            </a:schemeClr>
+          </a:lnRef>
+          <a:fillRef idx="1">
+            <a:schemeClr val="accent1"/>
+          </a:fillRef>
+          <a:effectRef idx="0">
+            <a:schemeClr val="accent1"/>
+          </a:effectRef>
+          <a:fontRef idx="minor">
+            <a:schemeClr val="lt1"/>
+          </a:fontRef>
+        </p:style>
+      </p:cxnSp>
+      <mc:AlternateContent xmlns:mc="http://schemas.openxmlformats.org/markup-compatibility/2006" xmlns:a14="http://schemas.microsoft.com/office/drawing/2010/main">
+        <mc:Choice Requires="a14">
+          <p:sp>
+            <p:nvSpPr>
+              <p:cNvPr id="37" name="ZoneTexte 36">
+                <a:extLst>
+                  <a:ext uri="{FF2B5EF4-FFF2-40B4-BE49-F238E27FC236}">
+                    <a16:creationId xmlns:a16="http://schemas.microsoft.com/office/drawing/2014/main" id="{9ED1DE3B-9EA9-4E3D-9578-45824CF3B2BD}"/>
+                  </a:ext>
+                </a:extLst>
+              </p:cNvPr>
+              <p:cNvSpPr txBox="1"/>
+              <p:nvPr/>
+            </p:nvSpPr>
+            <p:spPr>
+              <a:xfrm>
+                <a:off x="3878366" y="1780979"/>
+                <a:ext cx="123175" cy="169277"/>
+              </a:xfrm>
+              <a:prstGeom prst="rect">
+                <a:avLst/>
+              </a:prstGeom>
+              <a:noFill/>
+            </p:spPr>
+            <p:txBody>
+              <a:bodyPr wrap="none" lIns="0" tIns="0" rIns="0" bIns="0" rtlCol="0">
+                <a:spAutoFit/>
+              </a:bodyPr>
+              <a:lstStyle/>
+              <a:p>
+                <a:pPr/>
+                <a14:m>
+                  <m:oMathPara xmlns:m="http://schemas.openxmlformats.org/officeDocument/2006/math">
+                    <m:oMathParaPr>
+                      <m:jc m:val="centerGroup"/>
+                    </m:oMathParaPr>
+                    <m:oMath xmlns:m="http://schemas.openxmlformats.org/officeDocument/2006/math">
+                      <m:r>
+                        <a:rPr lang="fr-FR" sz="1100" b="0" i="1" smtClean="0">
+                          <a:latin typeface="Cambria Math" panose="02040503050406030204" pitchFamily="18" charset="0"/>
+                        </a:rPr>
+                        <m:t>𝐴</m:t>
+                      </m:r>
+                    </m:oMath>
+                  </m:oMathPara>
+                </a14:m>
+                <a:endParaRPr lang="fr-FR" dirty="0"/>
+              </a:p>
+            </p:txBody>
+          </p:sp>
+        </mc:Choice>
+        <mc:Fallback xmlns="">
+          <p:sp>
+            <p:nvSpPr>
+              <p:cNvPr id="37" name="ZoneTexte 36">
+                <a:extLst>
+                  <a:ext uri="{FF2B5EF4-FFF2-40B4-BE49-F238E27FC236}">
+                    <a16:creationId xmlns:a16="http://schemas.microsoft.com/office/drawing/2014/main" id="{9ED1DE3B-9EA9-4E3D-9578-45824CF3B2BD}"/>
+                  </a:ext>
+                </a:extLst>
+              </p:cNvPr>
+              <p:cNvSpPr txBox="1">
+                <a:spLocks noRot="1" noChangeAspect="1" noMove="1" noResize="1" noEditPoints="1" noAdjustHandles="1" noChangeArrowheads="1" noChangeShapeType="1" noTextEdit="1"/>
+              </p:cNvSpPr>
+              <p:nvPr/>
+            </p:nvSpPr>
+            <p:spPr>
+              <a:xfrm>
+                <a:off x="3878366" y="1780979"/>
+                <a:ext cx="123175" cy="169277"/>
+              </a:xfrm>
+              <a:prstGeom prst="rect">
+                <a:avLst/>
+              </a:prstGeom>
+              <a:blipFill>
+                <a:blip r:embed="rId4"/>
+                <a:stretch>
+                  <a:fillRect l="-25000" r="-30000" b="-7143"/>
+                </a:stretch>
+              </a:blipFill>
+            </p:spPr>
+            <p:txBody>
+              <a:bodyPr/>
+              <a:lstStyle/>
+              <a:p>
+                <a:r>
+                  <a:rPr lang="fr-FR">
+                    <a:noFill/>
+                  </a:rPr>
+                  <a:t> </a:t>
+                </a:r>
+              </a:p>
+            </p:txBody>
+          </p:sp>
+        </mc:Fallback>
+      </mc:AlternateContent>
+      <mc:AlternateContent xmlns:mc="http://schemas.openxmlformats.org/markup-compatibility/2006" xmlns:a14="http://schemas.microsoft.com/office/drawing/2010/main">
+        <mc:Choice Requires="a14">
+          <p:sp>
+            <p:nvSpPr>
+              <p:cNvPr id="38" name="ZoneTexte 37">
+                <a:extLst>
+                  <a:ext uri="{FF2B5EF4-FFF2-40B4-BE49-F238E27FC236}">
+                    <a16:creationId xmlns:a16="http://schemas.microsoft.com/office/drawing/2014/main" id="{77473007-63BC-B4A4-3B49-AE53B6F779F7}"/>
+                  </a:ext>
+                </a:extLst>
+              </p:cNvPr>
+              <p:cNvSpPr txBox="1"/>
+              <p:nvPr/>
+            </p:nvSpPr>
+            <p:spPr>
+              <a:xfrm>
+                <a:off x="4356884" y="1780979"/>
+                <a:ext cx="128818" cy="169277"/>
+              </a:xfrm>
+              <a:prstGeom prst="rect">
+                <a:avLst/>
+              </a:prstGeom>
+              <a:noFill/>
+            </p:spPr>
+            <p:txBody>
+              <a:bodyPr wrap="none" lIns="0" tIns="0" rIns="0" bIns="0" rtlCol="0">
+                <a:spAutoFit/>
+              </a:bodyPr>
+              <a:lstStyle/>
+              <a:p>
+                <a:pPr/>
+                <a14:m>
+                  <m:oMathPara xmlns:m="http://schemas.openxmlformats.org/officeDocument/2006/math">
+                    <m:oMathParaPr>
+                      <m:jc m:val="centerGroup"/>
+                    </m:oMathParaPr>
+                    <m:oMath xmlns:m="http://schemas.openxmlformats.org/officeDocument/2006/math">
+                      <m:r>
+                        <a:rPr lang="fr-FR" sz="1100" b="0" i="1" smtClean="0">
+                          <a:latin typeface="Cambria Math" panose="02040503050406030204" pitchFamily="18" charset="0"/>
+                        </a:rPr>
+                        <m:t>𝐵</m:t>
+                      </m:r>
+                    </m:oMath>
+                  </m:oMathPara>
+                </a14:m>
+                <a:endParaRPr lang="fr-FR" dirty="0"/>
+              </a:p>
+            </p:txBody>
+          </p:sp>
+        </mc:Choice>
+        <mc:Fallback xmlns="">
+          <p:sp>
+            <p:nvSpPr>
+              <p:cNvPr id="38" name="ZoneTexte 37">
+                <a:extLst>
+                  <a:ext uri="{FF2B5EF4-FFF2-40B4-BE49-F238E27FC236}">
+                    <a16:creationId xmlns:a16="http://schemas.microsoft.com/office/drawing/2014/main" id="{77473007-63BC-B4A4-3B49-AE53B6F779F7}"/>
+                  </a:ext>
+                </a:extLst>
+              </p:cNvPr>
+              <p:cNvSpPr txBox="1">
+                <a:spLocks noRot="1" noChangeAspect="1" noMove="1" noResize="1" noEditPoints="1" noAdjustHandles="1" noChangeArrowheads="1" noChangeShapeType="1" noTextEdit="1"/>
+              </p:cNvSpPr>
+              <p:nvPr/>
+            </p:nvSpPr>
+            <p:spPr>
+              <a:xfrm>
+                <a:off x="4356884" y="1780979"/>
+                <a:ext cx="128818" cy="169277"/>
+              </a:xfrm>
+              <a:prstGeom prst="rect">
+                <a:avLst/>
+              </a:prstGeom>
+              <a:blipFill>
+                <a:blip r:embed="rId5"/>
+                <a:stretch>
+                  <a:fillRect l="-23810" r="-23810" b="-7143"/>
+                </a:stretch>
+              </a:blipFill>
+            </p:spPr>
+            <p:txBody>
+              <a:bodyPr/>
+              <a:lstStyle/>
+              <a:p>
+                <a:r>
+                  <a:rPr lang="fr-FR">
+                    <a:noFill/>
+                  </a:rPr>
+                  <a:t> </a:t>
+                </a:r>
+              </a:p>
+            </p:txBody>
+          </p:sp>
+        </mc:Fallback>
+      </mc:AlternateContent>
+      <mc:AlternateContent xmlns:mc="http://schemas.openxmlformats.org/markup-compatibility/2006" xmlns:a14="http://schemas.microsoft.com/office/drawing/2010/main">
+        <mc:Choice Requires="a14">
+          <p:sp>
+            <p:nvSpPr>
+              <p:cNvPr id="39" name="ZoneTexte 38">
+                <a:extLst>
+                  <a:ext uri="{FF2B5EF4-FFF2-40B4-BE49-F238E27FC236}">
+                    <a16:creationId xmlns:a16="http://schemas.microsoft.com/office/drawing/2014/main" id="{F44610B7-42B0-08B2-1595-F33EC3AA8062}"/>
+                  </a:ext>
+                </a:extLst>
+              </p:cNvPr>
+              <p:cNvSpPr txBox="1"/>
+              <p:nvPr/>
+            </p:nvSpPr>
+            <p:spPr>
+              <a:xfrm>
+                <a:off x="6540982" y="1780979"/>
+                <a:ext cx="123239" cy="169277"/>
+              </a:xfrm>
+              <a:prstGeom prst="rect">
+                <a:avLst/>
+              </a:prstGeom>
+              <a:noFill/>
+            </p:spPr>
+            <p:txBody>
+              <a:bodyPr wrap="none" lIns="0" tIns="0" rIns="0" bIns="0" rtlCol="0">
+                <a:spAutoFit/>
+              </a:bodyPr>
+              <a:lstStyle/>
+              <a:p>
+                <a:pPr/>
+                <a14:m>
+                  <m:oMathPara xmlns:m="http://schemas.openxmlformats.org/officeDocument/2006/math">
+                    <m:oMathParaPr>
+                      <m:jc m:val="centerGroup"/>
+                    </m:oMathParaPr>
+                    <m:oMath xmlns:m="http://schemas.openxmlformats.org/officeDocument/2006/math">
+                      <m:r>
+                        <a:rPr lang="fr-FR" sz="1100" b="0" i="1" smtClean="0">
+                          <a:latin typeface="Cambria Math" panose="02040503050406030204" pitchFamily="18" charset="0"/>
+                        </a:rPr>
+                        <m:t>𝐶</m:t>
+                      </m:r>
+                    </m:oMath>
+                  </m:oMathPara>
+                </a14:m>
+                <a:endParaRPr lang="fr-FR" dirty="0"/>
+              </a:p>
+            </p:txBody>
+          </p:sp>
+        </mc:Choice>
+        <mc:Fallback xmlns="">
+          <p:sp>
+            <p:nvSpPr>
+              <p:cNvPr id="39" name="ZoneTexte 38">
+                <a:extLst>
+                  <a:ext uri="{FF2B5EF4-FFF2-40B4-BE49-F238E27FC236}">
+                    <a16:creationId xmlns:a16="http://schemas.microsoft.com/office/drawing/2014/main" id="{F44610B7-42B0-08B2-1595-F33EC3AA8062}"/>
+                  </a:ext>
+                </a:extLst>
+              </p:cNvPr>
+              <p:cNvSpPr txBox="1">
+                <a:spLocks noRot="1" noChangeAspect="1" noMove="1" noResize="1" noEditPoints="1" noAdjustHandles="1" noChangeArrowheads="1" noChangeShapeType="1" noTextEdit="1"/>
+              </p:cNvSpPr>
+              <p:nvPr/>
+            </p:nvSpPr>
+            <p:spPr>
+              <a:xfrm>
+                <a:off x="6540982" y="1780979"/>
+                <a:ext cx="123239" cy="169277"/>
+              </a:xfrm>
+              <a:prstGeom prst="rect">
+                <a:avLst/>
+              </a:prstGeom>
+              <a:blipFill>
+                <a:blip r:embed="rId6"/>
+                <a:stretch>
+                  <a:fillRect l="-25000" r="-25000" b="-7143"/>
+                </a:stretch>
+              </a:blipFill>
+            </p:spPr>
+            <p:txBody>
+              <a:bodyPr/>
+              <a:lstStyle/>
+              <a:p>
+                <a:r>
+                  <a:rPr lang="fr-FR">
+                    <a:noFill/>
+                  </a:rPr>
+                  <a:t> </a:t>
+                </a:r>
+              </a:p>
+            </p:txBody>
+          </p:sp>
+        </mc:Fallback>
+      </mc:AlternateContent>
+      <mc:AlternateContent xmlns:mc="http://schemas.openxmlformats.org/markup-compatibility/2006" xmlns:a14="http://schemas.microsoft.com/office/drawing/2010/main">
+        <mc:Choice Requires="a14">
+          <p:sp>
+            <p:nvSpPr>
+              <p:cNvPr id="40" name="ZoneTexte 39">
+                <a:extLst>
+                  <a:ext uri="{FF2B5EF4-FFF2-40B4-BE49-F238E27FC236}">
+                    <a16:creationId xmlns:a16="http://schemas.microsoft.com/office/drawing/2014/main" id="{296C7F8F-E7D4-F0C9-5AC5-F98581706E4A}"/>
+                  </a:ext>
+                </a:extLst>
+              </p:cNvPr>
+              <p:cNvSpPr txBox="1"/>
+              <p:nvPr/>
+            </p:nvSpPr>
+            <p:spPr>
+              <a:xfrm>
+                <a:off x="7472981" y="1780979"/>
+                <a:ext cx="133946" cy="169277"/>
+              </a:xfrm>
+              <a:prstGeom prst="rect">
+                <a:avLst/>
+              </a:prstGeom>
+              <a:noFill/>
+            </p:spPr>
+            <p:txBody>
+              <a:bodyPr wrap="none" lIns="0" tIns="0" rIns="0" bIns="0" rtlCol="0">
+                <a:spAutoFit/>
+              </a:bodyPr>
+              <a:lstStyle/>
+              <a:p>
+                <a:pPr/>
+                <a14:m>
+                  <m:oMathPara xmlns:m="http://schemas.openxmlformats.org/officeDocument/2006/math">
+                    <m:oMathParaPr>
+                      <m:jc m:val="centerGroup"/>
+                    </m:oMathParaPr>
+                    <m:oMath xmlns:m="http://schemas.openxmlformats.org/officeDocument/2006/math">
+                      <m:r>
+                        <a:rPr lang="fr-FR" sz="1100" b="0" i="1" smtClean="0">
+                          <a:latin typeface="Cambria Math" panose="02040503050406030204" pitchFamily="18" charset="0"/>
+                        </a:rPr>
+                        <m:t>𝐷</m:t>
+                      </m:r>
+                    </m:oMath>
+                  </m:oMathPara>
+                </a14:m>
+                <a:endParaRPr lang="fr-FR" dirty="0"/>
+              </a:p>
+            </p:txBody>
+          </p:sp>
+        </mc:Choice>
+        <mc:Fallback xmlns="">
+          <p:sp>
+            <p:nvSpPr>
+              <p:cNvPr id="40" name="ZoneTexte 39">
+                <a:extLst>
+                  <a:ext uri="{FF2B5EF4-FFF2-40B4-BE49-F238E27FC236}">
+                    <a16:creationId xmlns:a16="http://schemas.microsoft.com/office/drawing/2014/main" id="{296C7F8F-E7D4-F0C9-5AC5-F98581706E4A}"/>
+                  </a:ext>
+                </a:extLst>
+              </p:cNvPr>
+              <p:cNvSpPr txBox="1">
+                <a:spLocks noRot="1" noChangeAspect="1" noMove="1" noResize="1" noEditPoints="1" noAdjustHandles="1" noChangeArrowheads="1" noChangeShapeType="1" noTextEdit="1"/>
+              </p:cNvSpPr>
+              <p:nvPr/>
+            </p:nvSpPr>
+            <p:spPr>
+              <a:xfrm>
+                <a:off x="7472981" y="1780979"/>
+                <a:ext cx="133946" cy="169277"/>
+              </a:xfrm>
+              <a:prstGeom prst="rect">
+                <a:avLst/>
+              </a:prstGeom>
+              <a:blipFill>
+                <a:blip r:embed="rId7"/>
+                <a:stretch>
+                  <a:fillRect l="-22727" r="-22727" b="-7143"/>
+                </a:stretch>
+              </a:blipFill>
+            </p:spPr>
+            <p:txBody>
+              <a:bodyPr/>
+              <a:lstStyle/>
+              <a:p>
+                <a:r>
+                  <a:rPr lang="fr-FR">
+                    <a:noFill/>
+                  </a:rPr>
+                  <a:t> </a:t>
+                </a:r>
+              </a:p>
+            </p:txBody>
+          </p:sp>
+        </mc:Fallback>
+      </mc:AlternateContent>
+      <p:cxnSp>
+        <p:nvCxnSpPr>
+          <p:cNvPr id="25" name="Connecteur droit 24">
+            <a:extLst>
+              <a:ext uri="{FF2B5EF4-FFF2-40B4-BE49-F238E27FC236}">
+                <a16:creationId xmlns:a16="http://schemas.microsoft.com/office/drawing/2014/main" id="{B9D48251-6524-9105-9165-A470C93D49EA}"/>
+              </a:ext>
+            </a:extLst>
+          </p:cNvPr>
+          <p:cNvCxnSpPr>
+            <a:cxnSpLocks/>
+          </p:cNvCxnSpPr>
+          <p:nvPr/>
+        </p:nvCxnSpPr>
+        <p:spPr>
+          <a:xfrm flipV="1">
+            <a:off x="6819954" y="1294417"/>
+            <a:ext cx="0" cy="681824"/>
+          </a:xfrm>
+          <a:prstGeom prst="line">
+            <a:avLst/>
+          </a:prstGeom>
+          <a:solidFill>
+            <a:schemeClr val="bg1"/>
+          </a:solidFill>
+          <a:ln w="28575">
+            <a:solidFill>
+              <a:srgbClr val="C00000"/>
+            </a:solidFill>
+            <a:tailEnd type="stealth" w="med" len="lg"/>
+          </a:ln>
+        </p:spPr>
+        <p:style>
+          <a:lnRef idx="2">
+            <a:schemeClr val="accent1">
+              <a:shade val="50000"/>
+            </a:schemeClr>
+          </a:lnRef>
+          <a:fillRef idx="1">
+            <a:schemeClr val="accent1"/>
+          </a:fillRef>
+          <a:effectRef idx="0">
+            <a:schemeClr val="accent1"/>
+          </a:effectRef>
+          <a:fontRef idx="minor">
+            <a:schemeClr val="lt1"/>
+          </a:fontRef>
+        </p:style>
+      </p:cxnSp>
+      <mc:AlternateContent xmlns:mc="http://schemas.openxmlformats.org/markup-compatibility/2006" xmlns:a14="http://schemas.microsoft.com/office/drawing/2010/main">
+        <mc:Choice Requires="a14">
+          <p:sp>
+            <p:nvSpPr>
+              <p:cNvPr id="26" name="ZoneTexte 25">
+                <a:extLst>
+                  <a:ext uri="{FF2B5EF4-FFF2-40B4-BE49-F238E27FC236}">
+                    <a16:creationId xmlns:a16="http://schemas.microsoft.com/office/drawing/2014/main" id="{457E0124-6EF8-D914-88BF-1B6E0962DA87}"/>
+                  </a:ext>
+                </a:extLst>
+              </p:cNvPr>
+              <p:cNvSpPr txBox="1"/>
+              <p:nvPr/>
+            </p:nvSpPr>
+            <p:spPr>
+              <a:xfrm>
+                <a:off x="6871148" y="1293377"/>
+                <a:ext cx="182806" cy="182614"/>
+              </a:xfrm>
+              <a:prstGeom prst="rect">
+                <a:avLst/>
+              </a:prstGeom>
+              <a:noFill/>
+            </p:spPr>
+            <p:txBody>
+              <a:bodyPr wrap="none" lIns="0" tIns="0" rIns="0" bIns="0" rtlCol="0">
+                <a:spAutoFit/>
+              </a:bodyPr>
+              <a:lstStyle/>
+              <a:p>
+                <a:pPr/>
+                <a14:m>
+                  <m:oMathPara xmlns:m="http://schemas.openxmlformats.org/officeDocument/2006/math">
+                    <m:oMathParaPr>
+                      <m:jc m:val="centerGroup"/>
+                    </m:oMathParaPr>
+                    <m:oMath xmlns:m="http://schemas.openxmlformats.org/officeDocument/2006/math">
+                      <m:sSub>
+                        <m:sSubPr>
+                          <m:ctrlPr>
+                            <a:rPr lang="fr-FR" sz="1100" b="0" i="1" smtClean="0">
+                              <a:latin typeface="Cambria Math" panose="02040503050406030204" pitchFamily="18" charset="0"/>
+                            </a:rPr>
+                          </m:ctrlPr>
+                        </m:sSubPr>
+                        <m:e>
+                          <m:r>
+                            <a:rPr lang="fr-FR" sz="1100" b="0" i="1" smtClean="0">
+                              <a:latin typeface="Cambria Math" panose="02040503050406030204" pitchFamily="18" charset="0"/>
+                            </a:rPr>
+                            <m:t>𝐶</m:t>
+                          </m:r>
+                        </m:e>
+                        <m:sub>
+                          <m:r>
+                            <a:rPr lang="fr-FR" sz="1100" b="0" i="1" smtClean="0">
+                              <a:latin typeface="Cambria Math" panose="02040503050406030204" pitchFamily="18" charset="0"/>
+                            </a:rPr>
+                            <m:t>𝑦</m:t>
+                          </m:r>
+                        </m:sub>
+                      </m:sSub>
+                    </m:oMath>
+                  </m:oMathPara>
+                </a14:m>
+                <a:endParaRPr lang="fr-FR" dirty="0"/>
+              </a:p>
+            </p:txBody>
+          </p:sp>
+        </mc:Choice>
+        <mc:Fallback xmlns="">
+          <p:sp>
+            <p:nvSpPr>
+              <p:cNvPr id="26" name="ZoneTexte 25">
+                <a:extLst>
+                  <a:ext uri="{FF2B5EF4-FFF2-40B4-BE49-F238E27FC236}">
+                    <a16:creationId xmlns:a16="http://schemas.microsoft.com/office/drawing/2014/main" id="{457E0124-6EF8-D914-88BF-1B6E0962DA87}"/>
+                  </a:ext>
+                </a:extLst>
+              </p:cNvPr>
+              <p:cNvSpPr txBox="1">
+                <a:spLocks noRot="1" noChangeAspect="1" noMove="1" noResize="1" noEditPoints="1" noAdjustHandles="1" noChangeArrowheads="1" noChangeShapeType="1" noTextEdit="1"/>
+              </p:cNvSpPr>
+              <p:nvPr/>
+            </p:nvSpPr>
+            <p:spPr>
+              <a:xfrm>
+                <a:off x="6871148" y="1293377"/>
+                <a:ext cx="182806" cy="182614"/>
+              </a:xfrm>
+              <a:prstGeom prst="rect">
+                <a:avLst/>
+              </a:prstGeom>
+              <a:blipFill>
+                <a:blip r:embed="rId8"/>
+                <a:stretch>
+                  <a:fillRect l="-16667" r="-10000" b="-20000"/>
+                </a:stretch>
+              </a:blipFill>
+            </p:spPr>
+            <p:txBody>
+              <a:bodyPr/>
+              <a:lstStyle/>
+              <a:p>
+                <a:r>
+                  <a:rPr lang="fr-FR">
+                    <a:noFill/>
+                  </a:rPr>
+                  <a:t> </a:t>
+                </a:r>
+              </a:p>
+            </p:txBody>
+          </p:sp>
+        </mc:Fallback>
+      </mc:AlternateContent>
+      <p:cxnSp>
+        <p:nvCxnSpPr>
+          <p:cNvPr id="29" name="Connecteur droit 28">
+            <a:extLst>
+              <a:ext uri="{FF2B5EF4-FFF2-40B4-BE49-F238E27FC236}">
+                <a16:creationId xmlns:a16="http://schemas.microsoft.com/office/drawing/2014/main" id="{D62D5870-44AD-FB58-8EB5-B2AF97F9A470}"/>
+              </a:ext>
+            </a:extLst>
+          </p:cNvPr>
+          <p:cNvCxnSpPr>
+            <a:cxnSpLocks/>
+          </p:cNvCxnSpPr>
+          <p:nvPr/>
+        </p:nvCxnSpPr>
+        <p:spPr>
+          <a:xfrm flipV="1">
+            <a:off x="4652571" y="1307051"/>
+            <a:ext cx="0" cy="681824"/>
+          </a:xfrm>
+          <a:prstGeom prst="line">
+            <a:avLst/>
+          </a:prstGeom>
+          <a:solidFill>
+            <a:schemeClr val="bg1"/>
+          </a:solidFill>
+          <a:ln w="28575">
+            <a:solidFill>
+              <a:srgbClr val="C00000"/>
+            </a:solidFill>
+            <a:tailEnd type="stealth" w="med" len="lg"/>
+          </a:ln>
+        </p:spPr>
+        <p:style>
+          <a:lnRef idx="2">
+            <a:schemeClr val="accent1">
+              <a:shade val="50000"/>
+            </a:schemeClr>
+          </a:lnRef>
+          <a:fillRef idx="1">
+            <a:schemeClr val="accent1"/>
+          </a:fillRef>
+          <a:effectRef idx="0">
+            <a:schemeClr val="accent1"/>
+          </a:effectRef>
+          <a:fontRef idx="minor">
+            <a:schemeClr val="lt1"/>
+          </a:fontRef>
+        </p:style>
+      </p:cxnSp>
+      <mc:AlternateContent xmlns:mc="http://schemas.openxmlformats.org/markup-compatibility/2006" xmlns:a14="http://schemas.microsoft.com/office/drawing/2010/main">
+        <mc:Choice Requires="a14">
+          <p:sp>
+            <p:nvSpPr>
+              <p:cNvPr id="31" name="ZoneTexte 30">
+                <a:extLst>
+                  <a:ext uri="{FF2B5EF4-FFF2-40B4-BE49-F238E27FC236}">
+                    <a16:creationId xmlns:a16="http://schemas.microsoft.com/office/drawing/2014/main" id="{D3593CDB-D2C0-E391-158A-DD375AC3300E}"/>
+                  </a:ext>
+                </a:extLst>
+              </p:cNvPr>
+              <p:cNvSpPr txBox="1"/>
+              <p:nvPr/>
+            </p:nvSpPr>
+            <p:spPr>
+              <a:xfrm>
+                <a:off x="4707973" y="1294417"/>
+                <a:ext cx="186718" cy="182614"/>
+              </a:xfrm>
+              <a:prstGeom prst="rect">
+                <a:avLst/>
+              </a:prstGeom>
+              <a:noFill/>
+            </p:spPr>
+            <p:txBody>
+              <a:bodyPr wrap="none" lIns="0" tIns="0" rIns="0" bIns="0" rtlCol="0">
+                <a:spAutoFit/>
+              </a:bodyPr>
+              <a:lstStyle/>
+              <a:p>
+                <a:pPr/>
+                <a14:m>
+                  <m:oMathPara xmlns:m="http://schemas.openxmlformats.org/officeDocument/2006/math">
+                    <m:oMathParaPr>
+                      <m:jc m:val="centerGroup"/>
+                    </m:oMathParaPr>
+                    <m:oMath xmlns:m="http://schemas.openxmlformats.org/officeDocument/2006/math">
+                      <m:sSub>
+                        <m:sSubPr>
+                          <m:ctrlPr>
+                            <a:rPr lang="fr-FR" sz="1100" b="0" i="1" smtClean="0">
+                              <a:latin typeface="Cambria Math" panose="02040503050406030204" pitchFamily="18" charset="0"/>
+                            </a:rPr>
+                          </m:ctrlPr>
+                        </m:sSubPr>
+                        <m:e>
+                          <m:r>
+                            <a:rPr lang="fr-FR" sz="1100" b="0" i="1" smtClean="0">
+                              <a:latin typeface="Cambria Math" panose="02040503050406030204" pitchFamily="18" charset="0"/>
+                            </a:rPr>
+                            <m:t>𝐵</m:t>
+                          </m:r>
+                        </m:e>
+                        <m:sub>
+                          <m:r>
+                            <a:rPr lang="fr-FR" sz="1100" b="0" i="1" smtClean="0">
+                              <a:latin typeface="Cambria Math" panose="02040503050406030204" pitchFamily="18" charset="0"/>
+                            </a:rPr>
+                            <m:t>𝑦</m:t>
+                          </m:r>
+                        </m:sub>
+                      </m:sSub>
+                    </m:oMath>
+                  </m:oMathPara>
+                </a14:m>
+                <a:endParaRPr lang="fr-FR" dirty="0"/>
+              </a:p>
+            </p:txBody>
+          </p:sp>
+        </mc:Choice>
+        <mc:Fallback xmlns="">
+          <p:sp>
+            <p:nvSpPr>
+              <p:cNvPr id="31" name="ZoneTexte 30">
+                <a:extLst>
+                  <a:ext uri="{FF2B5EF4-FFF2-40B4-BE49-F238E27FC236}">
+                    <a16:creationId xmlns:a16="http://schemas.microsoft.com/office/drawing/2014/main" id="{D3593CDB-D2C0-E391-158A-DD375AC3300E}"/>
+                  </a:ext>
+                </a:extLst>
+              </p:cNvPr>
+              <p:cNvSpPr txBox="1">
+                <a:spLocks noRot="1" noChangeAspect="1" noMove="1" noResize="1" noEditPoints="1" noAdjustHandles="1" noChangeArrowheads="1" noChangeShapeType="1" noTextEdit="1"/>
+              </p:cNvSpPr>
+              <p:nvPr/>
+            </p:nvSpPr>
+            <p:spPr>
+              <a:xfrm>
+                <a:off x="4707973" y="1294417"/>
+                <a:ext cx="186718" cy="182614"/>
+              </a:xfrm>
+              <a:prstGeom prst="rect">
+                <a:avLst/>
+              </a:prstGeom>
+              <a:blipFill>
+                <a:blip r:embed="rId9"/>
+                <a:stretch>
+                  <a:fillRect l="-16129" r="-6452" b="-20000"/>
+                </a:stretch>
+              </a:blipFill>
+            </p:spPr>
+            <p:txBody>
+              <a:bodyPr/>
+              <a:lstStyle/>
+              <a:p>
+                <a:r>
+                  <a:rPr lang="fr-FR">
+                    <a:noFill/>
+                  </a:rPr>
+                  <a:t> </a:t>
+                </a:r>
+              </a:p>
+            </p:txBody>
+          </p:sp>
+        </mc:Fallback>
+      </mc:AlternateContent>
+      <p:cxnSp>
+        <p:nvCxnSpPr>
+          <p:cNvPr id="32" name="Connecteur droit 31">
+            <a:extLst>
+              <a:ext uri="{FF2B5EF4-FFF2-40B4-BE49-F238E27FC236}">
+                <a16:creationId xmlns:a16="http://schemas.microsoft.com/office/drawing/2014/main" id="{FBDB9C64-9D40-AD67-D305-166925A4C1CC}"/>
+              </a:ext>
+            </a:extLst>
+          </p:cNvPr>
+          <p:cNvCxnSpPr>
+            <a:cxnSpLocks/>
+          </p:cNvCxnSpPr>
+          <p:nvPr/>
+        </p:nvCxnSpPr>
+        <p:spPr>
+          <a:xfrm>
+            <a:off x="4665741" y="1988875"/>
+            <a:ext cx="310830" cy="0"/>
+          </a:xfrm>
+          <a:prstGeom prst="line">
+            <a:avLst/>
+          </a:prstGeom>
+          <a:solidFill>
+            <a:schemeClr val="bg1"/>
+          </a:solidFill>
+          <a:ln w="28575">
+            <a:solidFill>
+              <a:srgbClr val="C00000"/>
+            </a:solidFill>
+            <a:tailEnd type="stealth" w="med" len="lg"/>
+          </a:ln>
+        </p:spPr>
+        <p:style>
+          <a:lnRef idx="2">
+            <a:schemeClr val="accent1">
+              <a:shade val="50000"/>
+            </a:schemeClr>
+          </a:lnRef>
+          <a:fillRef idx="1">
+            <a:schemeClr val="accent1"/>
+          </a:fillRef>
+          <a:effectRef idx="0">
+            <a:schemeClr val="accent1"/>
+          </a:effectRef>
+          <a:fontRef idx="minor">
+            <a:schemeClr val="lt1"/>
+          </a:fontRef>
+        </p:style>
+      </p:cxnSp>
+      <mc:AlternateContent xmlns:mc="http://schemas.openxmlformats.org/markup-compatibility/2006" xmlns:a14="http://schemas.microsoft.com/office/drawing/2010/main">
+        <mc:Choice Requires="a14">
+          <p:sp>
+            <p:nvSpPr>
+              <p:cNvPr id="33" name="ZoneTexte 32">
+                <a:extLst>
+                  <a:ext uri="{FF2B5EF4-FFF2-40B4-BE49-F238E27FC236}">
+                    <a16:creationId xmlns:a16="http://schemas.microsoft.com/office/drawing/2014/main" id="{0FF554FA-35BC-A669-6CF1-3D3444D6D926}"/>
+                  </a:ext>
+                </a:extLst>
+              </p:cNvPr>
+              <p:cNvSpPr txBox="1"/>
+              <p:nvPr/>
+            </p:nvSpPr>
+            <p:spPr>
+              <a:xfrm>
+                <a:off x="4841024" y="1732461"/>
+                <a:ext cx="182166" cy="169277"/>
+              </a:xfrm>
+              <a:prstGeom prst="rect">
+                <a:avLst/>
+              </a:prstGeom>
+              <a:noFill/>
+            </p:spPr>
+            <p:txBody>
+              <a:bodyPr wrap="none" lIns="0" tIns="0" rIns="0" bIns="0" rtlCol="0">
+                <a:spAutoFit/>
+              </a:bodyPr>
+              <a:lstStyle/>
+              <a:p>
+                <a:pPr/>
+                <a14:m>
+                  <m:oMathPara xmlns:m="http://schemas.openxmlformats.org/officeDocument/2006/math">
+                    <m:oMathParaPr>
+                      <m:jc m:val="centerGroup"/>
+                    </m:oMathParaPr>
+                    <m:oMath xmlns:m="http://schemas.openxmlformats.org/officeDocument/2006/math">
+                      <m:sSub>
+                        <m:sSubPr>
+                          <m:ctrlPr>
+                            <a:rPr lang="fr-FR" sz="1100" b="0" i="1" smtClean="0">
+                              <a:latin typeface="Cambria Math" panose="02040503050406030204" pitchFamily="18" charset="0"/>
+                            </a:rPr>
+                          </m:ctrlPr>
+                        </m:sSubPr>
+                        <m:e>
+                          <m:r>
+                            <a:rPr lang="fr-FR" sz="1100" b="0" i="1" smtClean="0">
+                              <a:latin typeface="Cambria Math" panose="02040503050406030204" pitchFamily="18" charset="0"/>
+                            </a:rPr>
+                            <m:t>𝐵</m:t>
+                          </m:r>
+                        </m:e>
+                        <m:sub>
+                          <m:r>
+                            <a:rPr lang="fr-FR" sz="1100" b="0" i="1" smtClean="0">
+                              <a:latin typeface="Cambria Math" panose="02040503050406030204" pitchFamily="18" charset="0"/>
+                            </a:rPr>
+                            <m:t>𝑥</m:t>
+                          </m:r>
+                        </m:sub>
+                      </m:sSub>
+                    </m:oMath>
+                  </m:oMathPara>
+                </a14:m>
+                <a:endParaRPr lang="fr-FR" dirty="0"/>
+              </a:p>
+            </p:txBody>
+          </p:sp>
+        </mc:Choice>
+        <mc:Fallback xmlns="">
+          <p:sp>
+            <p:nvSpPr>
+              <p:cNvPr id="33" name="ZoneTexte 32">
+                <a:extLst>
+                  <a:ext uri="{FF2B5EF4-FFF2-40B4-BE49-F238E27FC236}">
+                    <a16:creationId xmlns:a16="http://schemas.microsoft.com/office/drawing/2014/main" id="{0FF554FA-35BC-A669-6CF1-3D3444D6D926}"/>
+                  </a:ext>
+                </a:extLst>
+              </p:cNvPr>
+              <p:cNvSpPr txBox="1">
+                <a:spLocks noRot="1" noChangeAspect="1" noMove="1" noResize="1" noEditPoints="1" noAdjustHandles="1" noChangeArrowheads="1" noChangeShapeType="1" noTextEdit="1"/>
+              </p:cNvSpPr>
+              <p:nvPr/>
+            </p:nvSpPr>
+            <p:spPr>
+              <a:xfrm>
+                <a:off x="4841024" y="1732461"/>
+                <a:ext cx="182166" cy="169277"/>
+              </a:xfrm>
+              <a:prstGeom prst="rect">
+                <a:avLst/>
+              </a:prstGeom>
+              <a:blipFill>
+                <a:blip r:embed="rId10"/>
+                <a:stretch>
+                  <a:fillRect l="-16667" r="-3333" b="-14286"/>
+                </a:stretch>
+              </a:blipFill>
+            </p:spPr>
+            <p:txBody>
+              <a:bodyPr/>
+              <a:lstStyle/>
+              <a:p>
+                <a:r>
+                  <a:rPr lang="fr-FR">
+                    <a:noFill/>
+                  </a:rPr>
+                  <a:t> </a:t>
+                </a:r>
+              </a:p>
+            </p:txBody>
+          </p:sp>
+        </mc:Fallback>
+      </mc:AlternateContent>
+      <p:sp>
+        <p:nvSpPr>
+          <p:cNvPr id="41" name="Forme libre : forme 40">
+            <a:extLst>
+              <a:ext uri="{FF2B5EF4-FFF2-40B4-BE49-F238E27FC236}">
+                <a16:creationId xmlns:a16="http://schemas.microsoft.com/office/drawing/2014/main" id="{881A3FB5-266A-0216-76E2-B76B89D3DC44}"/>
+              </a:ext>
+            </a:extLst>
+          </p:cNvPr>
+          <p:cNvSpPr/>
+          <p:nvPr/>
+        </p:nvSpPr>
+        <p:spPr>
+          <a:xfrm>
+            <a:off x="4232780" y="1820498"/>
+            <a:ext cx="52450" cy="318728"/>
+          </a:xfrm>
+          <a:custGeom>
+            <a:avLst/>
+            <a:gdLst>
+              <a:gd name="connsiteX0" fmla="*/ 0 w 75235"/>
+              <a:gd name="connsiteY0" fmla="*/ 0 h 457200"/>
+              <a:gd name="connsiteX1" fmla="*/ 57873 w 75235"/>
+              <a:gd name="connsiteY1" fmla="*/ 115746 h 457200"/>
+              <a:gd name="connsiteX2" fmla="*/ 17362 w 75235"/>
+              <a:gd name="connsiteY2" fmla="*/ 312516 h 457200"/>
+              <a:gd name="connsiteX3" fmla="*/ 75235 w 75235"/>
+              <a:gd name="connsiteY3" fmla="*/ 457200 h 457200"/>
+            </a:gdLst>
+            <a:ahLst/>
+            <a:cxnLst>
+              <a:cxn ang="0">
+                <a:pos x="connsiteX0" y="connsiteY0"/>
+              </a:cxn>
+              <a:cxn ang="0">
+                <a:pos x="connsiteX1" y="connsiteY1"/>
+              </a:cxn>
+              <a:cxn ang="0">
+                <a:pos x="connsiteX2" y="connsiteY2"/>
+              </a:cxn>
+              <a:cxn ang="0">
+                <a:pos x="connsiteX3" y="connsiteY3"/>
+              </a:cxn>
+            </a:cxnLst>
+            <a:rect l="l" t="t" r="r" b="b"/>
+            <a:pathLst>
+              <a:path w="75235" h="457200">
+                <a:moveTo>
+                  <a:pt x="0" y="0"/>
+                </a:moveTo>
+                <a:cubicBezTo>
+                  <a:pt x="27489" y="31830"/>
+                  <a:pt x="54979" y="63660"/>
+                  <a:pt x="57873" y="115746"/>
+                </a:cubicBezTo>
+                <a:cubicBezTo>
+                  <a:pt x="60767" y="167832"/>
+                  <a:pt x="14468" y="255607"/>
+                  <a:pt x="17362" y="312516"/>
+                </a:cubicBezTo>
+                <a:cubicBezTo>
+                  <a:pt x="20256" y="369425"/>
+                  <a:pt x="57873" y="448519"/>
+                  <a:pt x="75235" y="457200"/>
+                </a:cubicBezTo>
+              </a:path>
+            </a:pathLst>
+          </a:custGeom>
+          <a:noFill/>
+          <a:ln w="38100">
+            <a:solidFill>
+              <a:srgbClr val="00B050"/>
+            </a:solidFill>
+          </a:ln>
+        </p:spPr>
+        <p:style>
+          <a:lnRef idx="2">
+            <a:schemeClr val="accent1">
+              <a:shade val="50000"/>
+            </a:schemeClr>
+          </a:lnRef>
+          <a:fillRef idx="1">
+            <a:schemeClr val="accent1"/>
+          </a:fillRef>
+          <a:effectRef idx="0">
+            <a:schemeClr val="accent1"/>
+          </a:effectRef>
+          <a:fontRef idx="minor">
+            <a:schemeClr val="lt1"/>
+          </a:fontRef>
+        </p:style>
+        <p:txBody>
+          <a:bodyPr rtlCol="0" anchor="ctr"/>
+          <a:lstStyle/>
+          <a:p>
+            <a:pPr algn="ctr"/>
+            <a:endParaRPr lang="fr-FR"/>
+          </a:p>
+        </p:txBody>
+      </p:sp>
+      <mc:AlternateContent xmlns:mc="http://schemas.openxmlformats.org/markup-compatibility/2006" xmlns:a14="http://schemas.microsoft.com/office/drawing/2010/main">
+        <mc:Choice Requires="a14">
+          <p:sp>
+            <p:nvSpPr>
+              <p:cNvPr id="42" name="ZoneTexte 41">
+                <a:extLst>
+                  <a:ext uri="{FF2B5EF4-FFF2-40B4-BE49-F238E27FC236}">
+                    <a16:creationId xmlns:a16="http://schemas.microsoft.com/office/drawing/2014/main" id="{DC20DF48-8AAC-1DD1-EF18-10983F9D37B9}"/>
+                  </a:ext>
+                </a:extLst>
+              </p:cNvPr>
+              <p:cNvSpPr txBox="1"/>
+              <p:nvPr/>
+            </p:nvSpPr>
+            <p:spPr>
+              <a:xfrm>
+                <a:off x="4162252" y="1609730"/>
+                <a:ext cx="177997" cy="169277"/>
+              </a:xfrm>
+              <a:prstGeom prst="rect">
+                <a:avLst/>
+              </a:prstGeom>
+              <a:noFill/>
+            </p:spPr>
+            <p:txBody>
+              <a:bodyPr wrap="none" lIns="0" tIns="0" rIns="0" bIns="0" rtlCol="0">
+                <a:spAutoFit/>
+              </a:bodyPr>
+              <a:lstStyle/>
+              <a:p>
+                <a:pPr/>
+                <a14:m>
+                  <m:oMathPara xmlns:m="http://schemas.openxmlformats.org/officeDocument/2006/math">
+                    <m:oMathParaPr>
+                      <m:jc m:val="centerGroup"/>
+                    </m:oMathParaPr>
+                    <m:oMath xmlns:m="http://schemas.openxmlformats.org/officeDocument/2006/math">
+                      <m:sSub>
+                        <m:sSubPr>
+                          <m:ctrlPr>
+                            <a:rPr lang="fr-FR" sz="1100" b="0" i="1" smtClean="0">
+                              <a:latin typeface="Cambria Math" panose="02040503050406030204" pitchFamily="18" charset="0"/>
+                            </a:rPr>
+                          </m:ctrlPr>
+                        </m:sSubPr>
+                        <m:e>
+                          <m:r>
+                            <a:rPr lang="fr-FR" sz="1100" b="0" i="1" smtClean="0">
+                              <a:latin typeface="Cambria Math" panose="02040503050406030204" pitchFamily="18" charset="0"/>
+                            </a:rPr>
+                            <m:t>𝐺</m:t>
+                          </m:r>
+                        </m:e>
+                        <m:sub>
+                          <m:r>
+                            <a:rPr lang="fr-FR" sz="1100" b="0" i="1" smtClean="0">
+                              <a:latin typeface="Cambria Math" panose="02040503050406030204" pitchFamily="18" charset="0"/>
+                            </a:rPr>
+                            <m:t>1</m:t>
+                          </m:r>
+                        </m:sub>
+                      </m:sSub>
+                    </m:oMath>
+                  </m:oMathPara>
+                </a14:m>
+                <a:endParaRPr lang="fr-FR" dirty="0"/>
+              </a:p>
+            </p:txBody>
+          </p:sp>
+        </mc:Choice>
+        <mc:Fallback xmlns="">
+          <p:sp>
+            <p:nvSpPr>
+              <p:cNvPr id="42" name="ZoneTexte 41">
+                <a:extLst>
+                  <a:ext uri="{FF2B5EF4-FFF2-40B4-BE49-F238E27FC236}">
+                    <a16:creationId xmlns:a16="http://schemas.microsoft.com/office/drawing/2014/main" id="{DC20DF48-8AAC-1DD1-EF18-10983F9D37B9}"/>
+                  </a:ext>
+                </a:extLst>
+              </p:cNvPr>
+              <p:cNvSpPr txBox="1">
+                <a:spLocks noRot="1" noChangeAspect="1" noMove="1" noResize="1" noEditPoints="1" noAdjustHandles="1" noChangeArrowheads="1" noChangeShapeType="1" noTextEdit="1"/>
+              </p:cNvSpPr>
+              <p:nvPr/>
+            </p:nvSpPr>
+            <p:spPr>
+              <a:xfrm>
+                <a:off x="4162252" y="1609730"/>
+                <a:ext cx="177997" cy="169277"/>
+              </a:xfrm>
+              <a:prstGeom prst="rect">
+                <a:avLst/>
+              </a:prstGeom>
+              <a:blipFill>
+                <a:blip r:embed="rId11"/>
+                <a:stretch>
+                  <a:fillRect l="-17241" r="-6897" b="-17857"/>
+                </a:stretch>
+              </a:blipFill>
+            </p:spPr>
+            <p:txBody>
+              <a:bodyPr/>
+              <a:lstStyle/>
+              <a:p>
+                <a:r>
+                  <a:rPr lang="fr-FR">
+                    <a:noFill/>
+                  </a:rPr>
+                  <a:t> </a:t>
+                </a:r>
+              </a:p>
+            </p:txBody>
+          </p:sp>
+        </mc:Fallback>
+      </mc:AlternateContent>
+      <mc:AlternateContent xmlns:mc="http://schemas.openxmlformats.org/markup-compatibility/2006" xmlns:a14="http://schemas.microsoft.com/office/drawing/2010/main">
+        <mc:Choice Requires="a14">
+          <p:sp>
+            <p:nvSpPr>
+              <p:cNvPr id="43" name="Ellipse 42">
+                <a:extLst>
+                  <a:ext uri="{FF2B5EF4-FFF2-40B4-BE49-F238E27FC236}">
+                    <a16:creationId xmlns:a16="http://schemas.microsoft.com/office/drawing/2014/main" id="{450EB561-DD3D-023F-3173-32157E3661F6}"/>
+                  </a:ext>
+                </a:extLst>
+              </p:cNvPr>
+              <p:cNvSpPr/>
+              <p:nvPr/>
+            </p:nvSpPr>
+            <p:spPr>
+              <a:xfrm>
+                <a:off x="3703813" y="1313063"/>
+                <a:ext cx="288000" cy="288000"/>
+              </a:xfrm>
+              <a:prstGeom prst="ellipse">
+                <a:avLst/>
+              </a:prstGeom>
+              <a:solidFill>
+                <a:schemeClr val="bg1"/>
+              </a:solidFill>
+              <a:ln w="19050">
+                <a:solidFill>
+                  <a:srgbClr val="00B050"/>
+                </a:solidFill>
+              </a:ln>
+            </p:spPr>
+            <p:style>
+              <a:lnRef idx="2">
+                <a:schemeClr val="accent1">
+                  <a:shade val="50000"/>
+                </a:schemeClr>
+              </a:lnRef>
+              <a:fillRef idx="1">
+                <a:schemeClr val="accent1"/>
+              </a:fillRef>
+              <a:effectRef idx="0">
+                <a:schemeClr val="accent1"/>
+              </a:effectRef>
+              <a:fontRef idx="minor">
+                <a:schemeClr val="lt1"/>
+              </a:fontRef>
+            </p:style>
+            <p:txBody>
+              <a:bodyPr lIns="0" tIns="0" rIns="0" bIns="0" rtlCol="0" anchor="ctr"/>
+              <a:lstStyle/>
+              <a:p>
+                <a:pPr algn="ctr"/>
+                <a:r>
+                  <a:rPr lang="fr-FR" sz="1200" b="0" dirty="0">
+                    <a:solidFill>
+                      <a:schemeClr val="tx1"/>
+                    </a:solidFill>
+                  </a:rPr>
+                  <a:t> </a:t>
+                </a:r>
+                <a14:m>
+                  <m:oMath xmlns:m="http://schemas.openxmlformats.org/officeDocument/2006/math">
+                    <m:r>
+                      <a:rPr lang="fr-FR" sz="1200" b="0" i="1" smtClean="0">
+                        <a:solidFill>
+                          <a:schemeClr val="tx1"/>
+                        </a:solidFill>
+                        <a:latin typeface="Cambria Math" panose="02040503050406030204" pitchFamily="18" charset="0"/>
+                      </a:rPr>
+                      <m:t>𝐼</m:t>
+                    </m:r>
+                  </m:oMath>
+                </a14:m>
+                <a:endParaRPr lang="fr-FR" sz="1200" dirty="0"/>
+              </a:p>
+            </p:txBody>
+          </p:sp>
+        </mc:Choice>
+        <mc:Fallback xmlns="">
+          <p:sp>
+            <p:nvSpPr>
+              <p:cNvPr id="43" name="Ellipse 42">
+                <a:extLst>
+                  <a:ext uri="{FF2B5EF4-FFF2-40B4-BE49-F238E27FC236}">
+                    <a16:creationId xmlns:a16="http://schemas.microsoft.com/office/drawing/2014/main" id="{450EB561-DD3D-023F-3173-32157E3661F6}"/>
+                  </a:ext>
+                </a:extLst>
+              </p:cNvPr>
+              <p:cNvSpPr>
+                <a:spLocks noRot="1" noChangeAspect="1" noMove="1" noResize="1" noEditPoints="1" noAdjustHandles="1" noChangeArrowheads="1" noChangeShapeType="1" noTextEdit="1"/>
+              </p:cNvSpPr>
+              <p:nvPr/>
+            </p:nvSpPr>
+            <p:spPr>
+              <a:xfrm>
+                <a:off x="3703813" y="1313063"/>
+                <a:ext cx="288000" cy="288000"/>
+              </a:xfrm>
+              <a:prstGeom prst="ellipse">
+                <a:avLst/>
+              </a:prstGeom>
+              <a:blipFill>
+                <a:blip r:embed="rId12"/>
+                <a:stretch>
+                  <a:fillRect/>
+                </a:stretch>
+              </a:blipFill>
+              <a:ln w="19050">
+                <a:solidFill>
+                  <a:srgbClr val="00B050"/>
+                </a:solidFill>
+              </a:ln>
+            </p:spPr>
+            <p:txBody>
+              <a:bodyPr/>
+              <a:lstStyle/>
+              <a:p>
+                <a:r>
+                  <a:rPr lang="fr-FR">
+                    <a:noFill/>
+                  </a:rPr>
+                  <a:t> </a:t>
+                </a:r>
+              </a:p>
+            </p:txBody>
+          </p:sp>
+        </mc:Fallback>
+      </mc:AlternateContent>
+      <mc:AlternateContent xmlns:mc="http://schemas.openxmlformats.org/markup-compatibility/2006" xmlns:a14="http://schemas.microsoft.com/office/drawing/2010/main">
+        <mc:Choice Requires="a14">
+          <p:sp>
+            <p:nvSpPr>
+              <p:cNvPr id="44" name="Ellipse 43">
+                <a:extLst>
+                  <a:ext uri="{FF2B5EF4-FFF2-40B4-BE49-F238E27FC236}">
+                    <a16:creationId xmlns:a16="http://schemas.microsoft.com/office/drawing/2014/main" id="{57AC1567-6749-F385-44C2-4101A2A618B0}"/>
+                  </a:ext>
+                </a:extLst>
+              </p:cNvPr>
+              <p:cNvSpPr/>
+              <p:nvPr/>
+            </p:nvSpPr>
+            <p:spPr>
+              <a:xfrm>
+                <a:off x="5160371" y="1321730"/>
+                <a:ext cx="288000" cy="288000"/>
+              </a:xfrm>
+              <a:prstGeom prst="ellipse">
+                <a:avLst/>
+              </a:prstGeom>
+              <a:solidFill>
+                <a:schemeClr val="bg1"/>
+              </a:solidFill>
+              <a:ln w="19050">
+                <a:solidFill>
+                  <a:srgbClr val="00B050"/>
+                </a:solidFill>
+              </a:ln>
+            </p:spPr>
+            <p:style>
+              <a:lnRef idx="2">
+                <a:schemeClr val="accent1">
+                  <a:shade val="50000"/>
+                </a:schemeClr>
+              </a:lnRef>
+              <a:fillRef idx="1">
+                <a:schemeClr val="accent1"/>
+              </a:fillRef>
+              <a:effectRef idx="0">
+                <a:schemeClr val="accent1"/>
+              </a:effectRef>
+              <a:fontRef idx="minor">
+                <a:schemeClr val="lt1"/>
+              </a:fontRef>
+            </p:style>
+            <p:txBody>
+              <a:bodyPr lIns="0" tIns="0" rIns="0" bIns="0" rtlCol="0" anchor="ctr"/>
+              <a:lstStyle/>
+              <a:p>
+                <a:pPr algn="ctr"/>
+                <a:r>
+                  <a:rPr lang="fr-FR" sz="1200" b="0" dirty="0">
+                    <a:solidFill>
+                      <a:schemeClr val="tx1"/>
+                    </a:solidFill>
+                  </a:rPr>
+                  <a:t> </a:t>
+                </a:r>
+                <a14:m>
+                  <m:oMath xmlns:m="http://schemas.openxmlformats.org/officeDocument/2006/math">
+                    <m:r>
+                      <a:rPr lang="fr-FR" sz="1200" b="0" i="1" smtClean="0">
+                        <a:solidFill>
+                          <a:schemeClr val="tx1"/>
+                        </a:solidFill>
+                        <a:latin typeface="Cambria Math" panose="02040503050406030204" pitchFamily="18" charset="0"/>
+                      </a:rPr>
+                      <m:t>𝐼𝐼</m:t>
+                    </m:r>
+                  </m:oMath>
+                </a14:m>
+                <a:endParaRPr lang="fr-FR" sz="1200" dirty="0"/>
+              </a:p>
+            </p:txBody>
+          </p:sp>
+        </mc:Choice>
+        <mc:Fallback xmlns="">
+          <p:sp>
+            <p:nvSpPr>
+              <p:cNvPr id="44" name="Ellipse 43">
+                <a:extLst>
+                  <a:ext uri="{FF2B5EF4-FFF2-40B4-BE49-F238E27FC236}">
+                    <a16:creationId xmlns:a16="http://schemas.microsoft.com/office/drawing/2014/main" id="{57AC1567-6749-F385-44C2-4101A2A618B0}"/>
+                  </a:ext>
+                </a:extLst>
+              </p:cNvPr>
+              <p:cNvSpPr>
+                <a:spLocks noRot="1" noChangeAspect="1" noMove="1" noResize="1" noEditPoints="1" noAdjustHandles="1" noChangeArrowheads="1" noChangeShapeType="1" noTextEdit="1"/>
+              </p:cNvSpPr>
+              <p:nvPr/>
+            </p:nvSpPr>
+            <p:spPr>
+              <a:xfrm>
+                <a:off x="5160371" y="1321730"/>
+                <a:ext cx="288000" cy="288000"/>
+              </a:xfrm>
+              <a:prstGeom prst="ellipse">
+                <a:avLst/>
+              </a:prstGeom>
+              <a:blipFill>
+                <a:blip r:embed="rId13"/>
+                <a:stretch>
+                  <a:fillRect/>
+                </a:stretch>
+              </a:blipFill>
+              <a:ln w="19050">
+                <a:solidFill>
+                  <a:srgbClr val="00B050"/>
+                </a:solidFill>
+              </a:ln>
+            </p:spPr>
+            <p:txBody>
+              <a:bodyPr/>
+              <a:lstStyle/>
+              <a:p>
+                <a:r>
+                  <a:rPr lang="fr-FR">
+                    <a:noFill/>
+                  </a:rPr>
+                  <a:t> </a:t>
+                </a:r>
+              </a:p>
+            </p:txBody>
+          </p:sp>
+        </mc:Fallback>
+      </mc:AlternateContent>
+    </p:spTree>
+    <p:extLst>
+      <p:ext uri="{BB962C8B-B14F-4D97-AF65-F5344CB8AC3E}">
+        <p14:creationId xmlns:p14="http://schemas.microsoft.com/office/powerpoint/2010/main" val="2794782026"/>
+      </p:ext>
+    </p:extLst>
+  </p:cSld>
+  <p:clrMapOvr>
+    <a:masterClrMapping/>
+  </p:clrMapOvr>
+</p:sld>
+</file>
+
+<file path=ppt/slides/slide11.xml><?xml version="1.0" encoding="utf-8"?>
 <p:sld xmlns:a="http://schemas.openxmlformats.org/drawingml/2006/main" xmlns:r="http://schemas.openxmlformats.org/officeDocument/2006/relationships" xmlns:p="http://schemas.openxmlformats.org/presentationml/2006/main">
   <p:cSld>
     <p:spTree>
@@ -6444,7 +8945,7 @@
 </p:sld>
 </file>
 
-<file path=ppt/slides/slide11.xml><?xml version="1.0" encoding="utf-8"?>
+<file path=ppt/slides/slide12.xml><?xml version="1.0" encoding="utf-8"?>
 <p:sld xmlns:a="http://schemas.openxmlformats.org/drawingml/2006/main" xmlns:r="http://schemas.openxmlformats.org/officeDocument/2006/relationships" xmlns:p="http://schemas.openxmlformats.org/presentationml/2006/main">
   <p:cSld>
     <p:spTree>
@@ -9971,6 +12472,224 @@
           </a:p>
         </p:txBody>
       </p:sp>
+      <p:sp>
+        <p:nvSpPr>
+          <p:cNvPr id="13" name="ZoneTexte 12">
+            <a:extLst>
+              <a:ext uri="{FF2B5EF4-FFF2-40B4-BE49-F238E27FC236}">
+                <a16:creationId xmlns:a16="http://schemas.microsoft.com/office/drawing/2014/main" id="{5852F5AB-2254-649B-95A1-948D2F24FA0F}"/>
+              </a:ext>
+            </a:extLst>
+          </p:cNvPr>
+          <p:cNvSpPr txBox="1"/>
+          <p:nvPr/>
+        </p:nvSpPr>
+        <p:spPr>
+          <a:xfrm>
+            <a:off x="3722372" y="1422399"/>
+            <a:ext cx="1892296" cy="738664"/>
+          </a:xfrm>
+          <a:prstGeom prst="rect">
+            <a:avLst/>
+          </a:prstGeom>
+          <a:noFill/>
+        </p:spPr>
+        <p:txBody>
+          <a:bodyPr wrap="square" lIns="0" tIns="0" rIns="0" bIns="0" rtlCol="0">
+            <a:spAutoFit/>
+          </a:bodyPr>
+          <a:lstStyle/>
+          <a:p>
+            <a:r>
+              <a:rPr lang="fr-FR" sz="1600" b="1" dirty="0">
+                <a:solidFill>
+                  <a:srgbClr val="FF0000"/>
+                </a:solidFill>
+              </a:rPr>
+              <a:t>Evolution de la force développée par le ressort</a:t>
+            </a:r>
+          </a:p>
+        </p:txBody>
+      </p:sp>
+    </p:spTree>
+    <p:extLst>
+      <p:ext uri="{BB962C8B-B14F-4D97-AF65-F5344CB8AC3E}">
+        <p14:creationId xmlns:p14="http://schemas.microsoft.com/office/powerpoint/2010/main" val="2421988757"/>
+      </p:ext>
+    </p:extLst>
+  </p:cSld>
+  <p:clrMapOvr>
+    <a:masterClrMapping/>
+  </p:clrMapOvr>
+</p:sld>
+</file>
+
+<file path=ppt/slides/slide3.xml><?xml version="1.0" encoding="utf-8"?>
+<p:sld xmlns:a="http://schemas.openxmlformats.org/drawingml/2006/main" xmlns:r="http://schemas.openxmlformats.org/officeDocument/2006/relationships" xmlns:p="http://schemas.openxmlformats.org/presentationml/2006/main">
+  <p:cSld>
+    <p:spTree>
+      <p:nvGrpSpPr>
+        <p:cNvPr id="1" name=""/>
+        <p:cNvGrpSpPr/>
+        <p:nvPr/>
+      </p:nvGrpSpPr>
+      <p:grpSpPr>
+        <a:xfrm>
+          <a:off x="0" y="0"/>
+          <a:ext cx="0" cy="0"/>
+          <a:chOff x="0" y="0"/>
+          <a:chExt cx="0" cy="0"/>
+        </a:xfrm>
+      </p:grpSpPr>
+      <p:pic>
+        <p:nvPicPr>
+          <p:cNvPr id="5" name="Image 4">
+            <a:extLst>
+              <a:ext uri="{FF2B5EF4-FFF2-40B4-BE49-F238E27FC236}">
+                <a16:creationId xmlns:a16="http://schemas.microsoft.com/office/drawing/2014/main" id="{C97EA927-0055-CABE-159C-61402505BEA3}"/>
+              </a:ext>
+            </a:extLst>
+          </p:cNvPr>
+          <p:cNvPicPr>
+            <a:picLocks noChangeAspect="1"/>
+          </p:cNvPicPr>
+          <p:nvPr/>
+        </p:nvPicPr>
+        <p:blipFill>
+          <a:blip r:embed="rId2"/>
+          <a:stretch>
+            <a:fillRect/>
+          </a:stretch>
+        </p:blipFill>
+        <p:spPr>
+          <a:xfrm>
+            <a:off x="2961632" y="579120"/>
+            <a:ext cx="6268736" cy="5699760"/>
+          </a:xfrm>
+          <a:prstGeom prst="rect">
+            <a:avLst/>
+          </a:prstGeom>
+        </p:spPr>
+      </p:pic>
+      <p:cxnSp>
+        <p:nvCxnSpPr>
+          <p:cNvPr id="7" name="Connecteur droit 6">
+            <a:extLst>
+              <a:ext uri="{FF2B5EF4-FFF2-40B4-BE49-F238E27FC236}">
+                <a16:creationId xmlns:a16="http://schemas.microsoft.com/office/drawing/2014/main" id="{CE4296F2-3DD1-CA2C-0424-E1DC7AD8F46A}"/>
+              </a:ext>
+            </a:extLst>
+          </p:cNvPr>
+          <p:cNvCxnSpPr/>
+          <p:nvPr/>
+        </p:nvCxnSpPr>
+        <p:spPr>
+          <a:xfrm flipV="1">
+            <a:off x="3545840" y="944880"/>
+            <a:ext cx="3342640" cy="2204720"/>
+          </a:xfrm>
+          <a:prstGeom prst="line">
+            <a:avLst/>
+          </a:prstGeom>
+          <a:ln w="57150">
+            <a:solidFill>
+              <a:srgbClr val="FF0000"/>
+            </a:solidFill>
+          </a:ln>
+        </p:spPr>
+        <p:style>
+          <a:lnRef idx="1">
+            <a:schemeClr val="accent1"/>
+          </a:lnRef>
+          <a:fillRef idx="0">
+            <a:schemeClr val="accent1"/>
+          </a:fillRef>
+          <a:effectRef idx="0">
+            <a:schemeClr val="accent1"/>
+          </a:effectRef>
+          <a:fontRef idx="minor">
+            <a:schemeClr val="tx1"/>
+          </a:fontRef>
+        </p:style>
+      </p:cxnSp>
+      <p:sp>
+        <p:nvSpPr>
+          <p:cNvPr id="8" name="ZoneTexte 7">
+            <a:extLst>
+              <a:ext uri="{FF2B5EF4-FFF2-40B4-BE49-F238E27FC236}">
+                <a16:creationId xmlns:a16="http://schemas.microsoft.com/office/drawing/2014/main" id="{42C6A439-61F5-B84F-35B1-1DA014037183}"/>
+              </a:ext>
+            </a:extLst>
+          </p:cNvPr>
+          <p:cNvSpPr txBox="1"/>
+          <p:nvPr/>
+        </p:nvSpPr>
+        <p:spPr>
+          <a:xfrm>
+            <a:off x="6949440" y="3249116"/>
+            <a:ext cx="812800" cy="246221"/>
+          </a:xfrm>
+          <a:prstGeom prst="rect">
+            <a:avLst/>
+          </a:prstGeom>
+          <a:noFill/>
+        </p:spPr>
+        <p:txBody>
+          <a:bodyPr wrap="square" lIns="0" tIns="0" rIns="0" bIns="0" rtlCol="0">
+            <a:spAutoFit/>
+          </a:bodyPr>
+          <a:lstStyle/>
+          <a:p>
+            <a:r>
+              <a:rPr lang="fr-FR" sz="1600" b="1" dirty="0">
+                <a:solidFill>
+                  <a:srgbClr val="FF0000"/>
+                </a:solidFill>
+              </a:rPr>
+              <a:t>100 mm</a:t>
+            </a:r>
+          </a:p>
+        </p:txBody>
+      </p:sp>
+      <p:sp>
+        <p:nvSpPr>
+          <p:cNvPr id="9" name="ZoneTexte 8">
+            <a:extLst>
+              <a:ext uri="{FF2B5EF4-FFF2-40B4-BE49-F238E27FC236}">
+                <a16:creationId xmlns:a16="http://schemas.microsoft.com/office/drawing/2014/main" id="{C10F3044-49F5-49B7-4F3E-D5623398842F}"/>
+              </a:ext>
+            </a:extLst>
+          </p:cNvPr>
+          <p:cNvSpPr txBox="1"/>
+          <p:nvPr/>
+        </p:nvSpPr>
+        <p:spPr>
+          <a:xfrm>
+            <a:off x="7472688" y="821769"/>
+            <a:ext cx="1097280" cy="215444"/>
+          </a:xfrm>
+          <a:prstGeom prst="rect">
+            <a:avLst/>
+          </a:prstGeom>
+          <a:noFill/>
+        </p:spPr>
+        <p:txBody>
+          <a:bodyPr wrap="square" lIns="0" tIns="0" rIns="0" bIns="0" rtlCol="0">
+            <a:spAutoFit/>
+          </a:bodyPr>
+          <a:lstStyle/>
+          <a:p>
+            <a:r>
+              <a:rPr lang="fr-FR" sz="1400" b="1" dirty="0">
+                <a:solidFill>
+                  <a:srgbClr val="FF0000"/>
+                </a:solidFill>
+              </a:rPr>
+              <a:t>240 N (Maxi)</a:t>
+            </a:r>
+          </a:p>
+        </p:txBody>
+      </p:sp>
       <p:cxnSp>
         <p:nvCxnSpPr>
           <p:cNvPr id="10" name="Connecteur droit 9">
@@ -10095,7 +12814,7 @@
     </p:spTree>
     <p:extLst>
       <p:ext uri="{BB962C8B-B14F-4D97-AF65-F5344CB8AC3E}">
-        <p14:creationId xmlns:p14="http://schemas.microsoft.com/office/powerpoint/2010/main" val="2421988757"/>
+        <p14:creationId xmlns:p14="http://schemas.microsoft.com/office/powerpoint/2010/main" val="1867517789"/>
       </p:ext>
     </p:extLst>
   </p:cSld>
@@ -10105,7 +12824,7 @@
 </p:sld>
 </file>
 
-<file path=ppt/slides/slide3.xml><?xml version="1.0" encoding="utf-8"?>
+<file path=ppt/slides/slide4.xml><?xml version="1.0" encoding="utf-8"?>
 <p:sld xmlns:a="http://schemas.openxmlformats.org/drawingml/2006/main" xmlns:r="http://schemas.openxmlformats.org/officeDocument/2006/relationships" xmlns:p="http://schemas.openxmlformats.org/presentationml/2006/main">
   <p:cSld>
     <p:spTree>
@@ -11642,7 +14361,7 @@
 </p:sld>
 </file>
 
-<file path=ppt/slides/slide4.xml><?xml version="1.0" encoding="utf-8"?>
+<file path=ppt/slides/slide5.xml><?xml version="1.0" encoding="utf-8"?>
 <p:sld xmlns:a="http://schemas.openxmlformats.org/drawingml/2006/main" xmlns:r="http://schemas.openxmlformats.org/officeDocument/2006/relationships" xmlns:p="http://schemas.openxmlformats.org/presentationml/2006/main">
   <p:cSld>
     <p:spTree>
@@ -11780,7 +14499,7 @@
 </p:sld>
 </file>
 
-<file path=ppt/slides/slide5.xml><?xml version="1.0" encoding="utf-8"?>
+<file path=ppt/slides/slide6.xml><?xml version="1.0" encoding="utf-8"?>
 <p:sld xmlns:a="http://schemas.openxmlformats.org/drawingml/2006/main" xmlns:r="http://schemas.openxmlformats.org/officeDocument/2006/relationships" xmlns:p="http://schemas.openxmlformats.org/presentationml/2006/main">
   <p:cSld>
     <p:spTree>
@@ -12130,8 +14849,8 @@
           </a:fontRef>
         </p:style>
       </p:cxnSp>
-      <mc:AlternateContent xmlns:mc="http://schemas.openxmlformats.org/markup-compatibility/2006">
-        <mc:Choice xmlns:a14="http://schemas.microsoft.com/office/drawing/2010/main" Requires="a14">
+      <mc:AlternateContent xmlns:mc="http://schemas.openxmlformats.org/markup-compatibility/2006" xmlns:a14="http://schemas.microsoft.com/office/drawing/2010/main">
+        <mc:Choice Requires="a14">
           <p:sp>
             <p:nvSpPr>
               <p:cNvPr id="20" name="ZoneTexte 19">
@@ -12170,7 +14889,7 @@
                       <m:sSub>
                         <m:sSubPr>
                           <m:ctrlPr>
-                            <a:rPr lang="fr-FR" sz="1000" b="0" i="0" smtClean="0">
+                            <a:rPr lang="fr-FR" sz="1000" b="0" i="1" smtClean="0">
                               <a:latin typeface="Cambria Math" panose="02040503050406030204" pitchFamily="18" charset="0"/>
                             </a:rPr>
                           </m:ctrlPr>
@@ -12203,7 +14922,7 @@
             </p:txBody>
           </p:sp>
         </mc:Choice>
-        <mc:Fallback>
+        <mc:Fallback xmlns="">
           <p:sp>
             <p:nvSpPr>
               <p:cNvPr id="20" name="ZoneTexte 19">
@@ -12302,8 +15021,8 @@
           </a:p>
         </p:txBody>
       </p:sp>
-      <mc:AlternateContent xmlns:mc="http://schemas.openxmlformats.org/markup-compatibility/2006">
-        <mc:Choice xmlns:a14="http://schemas.microsoft.com/office/drawing/2010/main" Requires="a14">
+      <mc:AlternateContent xmlns:mc="http://schemas.openxmlformats.org/markup-compatibility/2006" xmlns:a14="http://schemas.microsoft.com/office/drawing/2010/main">
+        <mc:Choice Requires="a14">
           <p:sp>
             <p:nvSpPr>
               <p:cNvPr id="25" name="ZoneTexte 24">
@@ -12375,7 +15094,7 @@
             </p:txBody>
           </p:sp>
         </mc:Choice>
-        <mc:Fallback>
+        <mc:Fallback xmlns="">
           <p:sp>
             <p:nvSpPr>
               <p:cNvPr id="25" name="ZoneTexte 24">
@@ -12468,8 +15187,8 @@
           </a:fontRef>
         </p:style>
       </p:cxnSp>
-      <mc:AlternateContent xmlns:mc="http://schemas.openxmlformats.org/markup-compatibility/2006">
-        <mc:Choice xmlns:a14="http://schemas.microsoft.com/office/drawing/2010/main" Requires="a14">
+      <mc:AlternateContent xmlns:mc="http://schemas.openxmlformats.org/markup-compatibility/2006" xmlns:a14="http://schemas.microsoft.com/office/drawing/2010/main">
+        <mc:Choice Requires="a14">
           <p:sp>
             <p:nvSpPr>
               <p:cNvPr id="27" name="ZoneTexte 26">
@@ -12538,7 +15257,7 @@
             </p:txBody>
           </p:sp>
         </mc:Choice>
-        <mc:Fallback>
+        <mc:Fallback xmlns="">
           <p:sp>
             <p:nvSpPr>
               <p:cNvPr id="27" name="ZoneTexte 26">
@@ -12596,7 +15315,7 @@
 </p:sld>
 </file>
 
-<file path=ppt/slides/slide6.xml><?xml version="1.0" encoding="utf-8"?>
+<file path=ppt/slides/slide7.xml><?xml version="1.0" encoding="utf-8"?>
 <p:sld xmlns:a="http://schemas.openxmlformats.org/drawingml/2006/main" xmlns:r="http://schemas.openxmlformats.org/officeDocument/2006/relationships" xmlns:p="http://schemas.openxmlformats.org/presentationml/2006/main">
   <p:cSld>
     <p:spTree>
@@ -12691,8 +15410,8 @@
           </a:fontRef>
         </p:style>
       </p:cxnSp>
-      <mc:AlternateContent xmlns:mc="http://schemas.openxmlformats.org/markup-compatibility/2006">
-        <mc:Choice xmlns:a14="http://schemas.microsoft.com/office/drawing/2010/main" Requires="a14">
+      <mc:AlternateContent xmlns:mc="http://schemas.openxmlformats.org/markup-compatibility/2006" xmlns:a14="http://schemas.microsoft.com/office/drawing/2010/main">
+        <mc:Choice Requires="a14">
           <p:sp>
             <p:nvSpPr>
               <p:cNvPr id="7" name="ZoneTexte 6">
@@ -12721,7 +15440,6 @@
               </a:bodyPr>
               <a:lstStyle/>
               <a:p>
-                <a:pPr/>
                 <a:r>
                   <a:rPr lang="fr-FR" sz="1100" b="1" dirty="0">
                     <a:solidFill>
@@ -12857,7 +15575,7 @@
             </p:txBody>
           </p:sp>
         </mc:Choice>
-        <mc:Fallback>
+        <mc:Fallback xmlns="">
           <p:sp>
             <p:nvSpPr>
               <p:cNvPr id="7" name="ZoneTexte 6">
@@ -12951,8 +15669,8 @@
           </a:fontRef>
         </p:style>
       </p:cxnSp>
-      <mc:AlternateContent xmlns:mc="http://schemas.openxmlformats.org/markup-compatibility/2006">
-        <mc:Choice xmlns:a14="http://schemas.microsoft.com/office/drawing/2010/main" Requires="a14">
+      <mc:AlternateContent xmlns:mc="http://schemas.openxmlformats.org/markup-compatibility/2006" xmlns:a14="http://schemas.microsoft.com/office/drawing/2010/main">
+        <mc:Choice Requires="a14">
           <p:sp>
             <p:nvSpPr>
               <p:cNvPr id="13" name="ZoneTexte 12">
@@ -13049,7 +15767,7 @@
             </p:txBody>
           </p:sp>
         </mc:Choice>
-        <mc:Fallback>
+        <mc:Fallback xmlns="">
           <p:sp>
             <p:nvSpPr>
               <p:cNvPr id="13" name="ZoneTexte 12">
@@ -13143,8 +15861,8 @@
           </a:fontRef>
         </p:style>
       </p:cxnSp>
-      <mc:AlternateContent xmlns:mc="http://schemas.openxmlformats.org/markup-compatibility/2006">
-        <mc:Choice xmlns:a14="http://schemas.microsoft.com/office/drawing/2010/main" Requires="a14">
+      <mc:AlternateContent xmlns:mc="http://schemas.openxmlformats.org/markup-compatibility/2006" xmlns:a14="http://schemas.microsoft.com/office/drawing/2010/main">
+        <mc:Choice Requires="a14">
           <p:sp>
             <p:nvSpPr>
               <p:cNvPr id="17" name="ZoneTexte 16">
@@ -13241,7 +15959,7 @@
             </p:txBody>
           </p:sp>
         </mc:Choice>
-        <mc:Fallback>
+        <mc:Fallback xmlns="">
           <p:sp>
             <p:nvSpPr>
               <p:cNvPr id="17" name="ZoneTexte 16">
@@ -13335,8 +16053,8 @@
           </a:fontRef>
         </p:style>
       </p:cxnSp>
-      <mc:AlternateContent xmlns:mc="http://schemas.openxmlformats.org/markup-compatibility/2006">
-        <mc:Choice xmlns:a14="http://schemas.microsoft.com/office/drawing/2010/main" Requires="a14">
+      <mc:AlternateContent xmlns:mc="http://schemas.openxmlformats.org/markup-compatibility/2006" xmlns:a14="http://schemas.microsoft.com/office/drawing/2010/main">
+        <mc:Choice Requires="a14">
           <p:sp>
             <p:nvSpPr>
               <p:cNvPr id="19" name="ZoneTexte 18">
@@ -13433,7 +16151,7 @@
             </p:txBody>
           </p:sp>
         </mc:Choice>
-        <mc:Fallback>
+        <mc:Fallback xmlns="">
           <p:sp>
             <p:nvSpPr>
               <p:cNvPr id="19" name="ZoneTexte 18">
@@ -13625,8 +16343,8 @@
           </a:fontRef>
         </p:style>
       </p:cxnSp>
-      <mc:AlternateContent xmlns:mc="http://schemas.openxmlformats.org/markup-compatibility/2006">
-        <mc:Choice xmlns:a14="http://schemas.microsoft.com/office/drawing/2010/main" Requires="a14">
+      <mc:AlternateContent xmlns:mc="http://schemas.openxmlformats.org/markup-compatibility/2006" xmlns:a14="http://schemas.microsoft.com/office/drawing/2010/main">
+        <mc:Choice Requires="a14">
           <p:sp>
             <p:nvSpPr>
               <p:cNvPr id="23" name="ZoneTexte 22">
@@ -13723,7 +16441,7 @@
             </p:txBody>
           </p:sp>
         </mc:Choice>
-        <mc:Fallback>
+        <mc:Fallback xmlns="">
           <p:sp>
             <p:nvSpPr>
               <p:cNvPr id="23" name="ZoneTexte 22">
@@ -13768,8 +16486,8 @@
           </p:sp>
         </mc:Fallback>
       </mc:AlternateContent>
-      <mc:AlternateContent xmlns:mc="http://schemas.openxmlformats.org/markup-compatibility/2006">
-        <mc:Choice xmlns:a14="http://schemas.microsoft.com/office/drawing/2010/main" Requires="a14">
+      <mc:AlternateContent xmlns:mc="http://schemas.openxmlformats.org/markup-compatibility/2006" xmlns:a14="http://schemas.microsoft.com/office/drawing/2010/main">
+        <mc:Choice Requires="a14">
           <p:sp>
             <p:nvSpPr>
               <p:cNvPr id="24" name="ZoneTexte 23">
@@ -13866,7 +16584,7 @@
             </p:txBody>
           </p:sp>
         </mc:Choice>
-        <mc:Fallback>
+        <mc:Fallback xmlns="">
           <p:sp>
             <p:nvSpPr>
               <p:cNvPr id="24" name="ZoneTexte 23">
@@ -13911,8 +16629,8 @@
           </p:sp>
         </mc:Fallback>
       </mc:AlternateContent>
-      <mc:AlternateContent xmlns:mc="http://schemas.openxmlformats.org/markup-compatibility/2006">
-        <mc:Choice xmlns:a14="http://schemas.microsoft.com/office/drawing/2010/main" Requires="a14">
+      <mc:AlternateContent xmlns:mc="http://schemas.openxmlformats.org/markup-compatibility/2006" xmlns:a14="http://schemas.microsoft.com/office/drawing/2010/main">
+        <mc:Choice Requires="a14">
           <p:sp>
             <p:nvSpPr>
               <p:cNvPr id="25" name="ZoneTexte 24">
@@ -14009,7 +16727,7 @@
             </p:txBody>
           </p:sp>
         </mc:Choice>
-        <mc:Fallback>
+        <mc:Fallback xmlns="">
           <p:sp>
             <p:nvSpPr>
               <p:cNvPr id="25" name="ZoneTexte 24">
@@ -14054,8 +16772,8 @@
           </p:sp>
         </mc:Fallback>
       </mc:AlternateContent>
-      <mc:AlternateContent xmlns:mc="http://schemas.openxmlformats.org/markup-compatibility/2006">
-        <mc:Choice xmlns:a14="http://schemas.microsoft.com/office/drawing/2010/main" Requires="a14">
+      <mc:AlternateContent xmlns:mc="http://schemas.openxmlformats.org/markup-compatibility/2006" xmlns:a14="http://schemas.microsoft.com/office/drawing/2010/main">
+        <mc:Choice Requires="a14">
           <p:sp>
             <p:nvSpPr>
               <p:cNvPr id="26" name="ZoneTexte 25">
@@ -14170,7 +16888,7 @@
             </p:txBody>
           </p:sp>
         </mc:Choice>
-        <mc:Fallback>
+        <mc:Fallback xmlns="">
           <p:sp>
             <p:nvSpPr>
               <p:cNvPr id="26" name="ZoneTexte 25">
@@ -14228,7 +16946,7 @@
 </p:sld>
 </file>
 
-<file path=ppt/slides/slide7.xml><?xml version="1.0" encoding="utf-8"?>
+<file path=ppt/slides/slide8.xml><?xml version="1.0" encoding="utf-8"?>
 <p:sld xmlns:a="http://schemas.openxmlformats.org/drawingml/2006/main" xmlns:r="http://schemas.openxmlformats.org/officeDocument/2006/relationships" xmlns:p="http://schemas.openxmlformats.org/presentationml/2006/main">
   <p:cSld>
     <p:spTree>
@@ -14648,7 +17366,7 @@
 </p:sld>
 </file>
 
-<file path=ppt/slides/slide8.xml><?xml version="1.0" encoding="utf-8"?>
+<file path=ppt/slides/slide9.xml><?xml version="1.0" encoding="utf-8"?>
 <p:sld xmlns:a="http://schemas.openxmlformats.org/drawingml/2006/main" xmlns:r="http://schemas.openxmlformats.org/officeDocument/2006/relationships" xmlns:p="http://schemas.openxmlformats.org/presentationml/2006/main">
   <p:cSld>
     <p:spTree>
@@ -16677,2506 +19395,6 @@
 </p:sld>
 </file>
 
-<file path=ppt/slides/slide9.xml><?xml version="1.0" encoding="utf-8"?>
-<p:sld xmlns:a="http://schemas.openxmlformats.org/drawingml/2006/main" xmlns:r="http://schemas.openxmlformats.org/officeDocument/2006/relationships" xmlns:p="http://schemas.openxmlformats.org/presentationml/2006/main">
-  <p:cSld>
-    <p:spTree>
-      <p:nvGrpSpPr>
-        <p:cNvPr id="1" name=""/>
-        <p:cNvGrpSpPr/>
-        <p:nvPr/>
-      </p:nvGrpSpPr>
-      <p:grpSpPr>
-        <a:xfrm>
-          <a:off x="0" y="0"/>
-          <a:ext cx="0" cy="0"/>
-          <a:chOff x="0" y="0"/>
-          <a:chExt cx="0" cy="0"/>
-        </a:xfrm>
-      </p:grpSpPr>
-      <p:cxnSp>
-        <p:nvCxnSpPr>
-          <p:cNvPr id="28" name="Connecteur droit 27">
-            <a:extLst>
-              <a:ext uri="{FF2B5EF4-FFF2-40B4-BE49-F238E27FC236}">
-                <a16:creationId xmlns:a16="http://schemas.microsoft.com/office/drawing/2014/main" id="{C74975E6-0C86-2C0D-1C03-38CA4DF43AE8}"/>
-              </a:ext>
-            </a:extLst>
-          </p:cNvPr>
-          <p:cNvCxnSpPr>
-            <a:cxnSpLocks/>
-          </p:cNvCxnSpPr>
-          <p:nvPr/>
-        </p:nvCxnSpPr>
-        <p:spPr>
-          <a:xfrm>
-            <a:off x="6819954" y="1989882"/>
-            <a:ext cx="720000" cy="0"/>
-          </a:xfrm>
-          <a:prstGeom prst="line">
-            <a:avLst/>
-          </a:prstGeom>
-          <a:solidFill>
-            <a:schemeClr val="bg1"/>
-          </a:solidFill>
-          <a:ln w="28575">
-            <a:solidFill>
-              <a:srgbClr val="7030A0"/>
-            </a:solidFill>
-          </a:ln>
-        </p:spPr>
-        <p:style>
-          <a:lnRef idx="2">
-            <a:schemeClr val="accent1">
-              <a:shade val="50000"/>
-            </a:schemeClr>
-          </a:lnRef>
-          <a:fillRef idx="1">
-            <a:schemeClr val="accent1"/>
-          </a:fillRef>
-          <a:effectRef idx="0">
-            <a:schemeClr val="accent1"/>
-          </a:effectRef>
-          <a:fontRef idx="minor">
-            <a:schemeClr val="lt1"/>
-          </a:fontRef>
-        </p:style>
-      </p:cxnSp>
-      <p:cxnSp>
-        <p:nvCxnSpPr>
-          <p:cNvPr id="24" name="Connecteur droit 23">
-            <a:extLst>
-              <a:ext uri="{FF2B5EF4-FFF2-40B4-BE49-F238E27FC236}">
-                <a16:creationId xmlns:a16="http://schemas.microsoft.com/office/drawing/2014/main" id="{419E6C69-F7DC-0316-44A5-385751940AED}"/>
-              </a:ext>
-            </a:extLst>
-          </p:cNvPr>
-          <p:cNvCxnSpPr>
-            <a:cxnSpLocks/>
-          </p:cNvCxnSpPr>
-          <p:nvPr/>
-        </p:nvCxnSpPr>
-        <p:spPr>
-          <a:xfrm>
-            <a:off x="3939954" y="1989882"/>
-            <a:ext cx="720000" cy="0"/>
-          </a:xfrm>
-          <a:prstGeom prst="line">
-            <a:avLst/>
-          </a:prstGeom>
-          <a:solidFill>
-            <a:schemeClr val="bg1"/>
-          </a:solidFill>
-          <a:ln w="28575">
-            <a:solidFill>
-              <a:srgbClr val="7030A0"/>
-            </a:solidFill>
-          </a:ln>
-        </p:spPr>
-        <p:style>
-          <a:lnRef idx="2">
-            <a:schemeClr val="accent1">
-              <a:shade val="50000"/>
-            </a:schemeClr>
-          </a:lnRef>
-          <a:fillRef idx="1">
-            <a:schemeClr val="accent1"/>
-          </a:fillRef>
-          <a:effectRef idx="0">
-            <a:schemeClr val="accent1"/>
-          </a:effectRef>
-          <a:fontRef idx="minor">
-            <a:schemeClr val="lt1"/>
-          </a:fontRef>
-        </p:style>
-      </p:cxnSp>
-      <p:sp>
-        <p:nvSpPr>
-          <p:cNvPr id="22" name="Rectangle 21">
-            <a:extLst>
-              <a:ext uri="{FF2B5EF4-FFF2-40B4-BE49-F238E27FC236}">
-                <a16:creationId xmlns:a16="http://schemas.microsoft.com/office/drawing/2014/main" id="{C1B9B700-CF80-4993-1363-19B22CF5328D}"/>
-              </a:ext>
-            </a:extLst>
-          </p:cNvPr>
-          <p:cNvSpPr/>
-          <p:nvPr/>
-        </p:nvSpPr>
-        <p:spPr>
-          <a:xfrm>
-            <a:off x="6585954" y="2043227"/>
-            <a:ext cx="468000" cy="144000"/>
-          </a:xfrm>
-          <a:prstGeom prst="rect">
-            <a:avLst/>
-          </a:prstGeom>
-          <a:solidFill>
-            <a:schemeClr val="bg1"/>
-          </a:solidFill>
-          <a:ln w="28575">
-            <a:solidFill>
-              <a:schemeClr val="accent1">
-                <a:lumMod val="50000"/>
-              </a:schemeClr>
-            </a:solidFill>
-          </a:ln>
-        </p:spPr>
-        <p:style>
-          <a:lnRef idx="2">
-            <a:schemeClr val="accent1">
-              <a:shade val="50000"/>
-            </a:schemeClr>
-          </a:lnRef>
-          <a:fillRef idx="1">
-            <a:schemeClr val="accent1"/>
-          </a:fillRef>
-          <a:effectRef idx="0">
-            <a:schemeClr val="accent1"/>
-          </a:effectRef>
-          <a:fontRef idx="minor">
-            <a:schemeClr val="lt1"/>
-          </a:fontRef>
-        </p:style>
-        <p:txBody>
-          <a:bodyPr rtlCol="0" anchor="ctr"/>
-          <a:lstStyle/>
-          <a:p>
-            <a:pPr algn="ctr"/>
-            <a:endParaRPr lang="fr-FR"/>
-          </a:p>
-        </p:txBody>
-      </p:sp>
-      <p:sp>
-        <p:nvSpPr>
-          <p:cNvPr id="20" name="Arc 19">
-            <a:extLst>
-              <a:ext uri="{FF2B5EF4-FFF2-40B4-BE49-F238E27FC236}">
-                <a16:creationId xmlns:a16="http://schemas.microsoft.com/office/drawing/2014/main" id="{9A9E1B3D-DDC9-D643-D638-F1A4F560EE1D}"/>
-              </a:ext>
-            </a:extLst>
-          </p:cNvPr>
-          <p:cNvSpPr/>
-          <p:nvPr/>
-        </p:nvSpPr>
-        <p:spPr>
-          <a:xfrm>
-            <a:off x="4479954" y="1809882"/>
-            <a:ext cx="360000" cy="360000"/>
-          </a:xfrm>
-          <a:prstGeom prst="arc">
-            <a:avLst>
-              <a:gd name="adj1" fmla="val 857438"/>
-              <a:gd name="adj2" fmla="val 10008154"/>
-            </a:avLst>
-          </a:prstGeom>
-          <a:solidFill>
-            <a:schemeClr val="bg1"/>
-          </a:solidFill>
-          <a:ln w="28575">
-            <a:solidFill>
-              <a:schemeClr val="accent1">
-                <a:lumMod val="50000"/>
-              </a:schemeClr>
-            </a:solidFill>
-          </a:ln>
-        </p:spPr>
-        <p:style>
-          <a:lnRef idx="2">
-            <a:schemeClr val="accent1">
-              <a:shade val="50000"/>
-            </a:schemeClr>
-          </a:lnRef>
-          <a:fillRef idx="1">
-            <a:schemeClr val="accent1"/>
-          </a:fillRef>
-          <a:effectRef idx="0">
-            <a:schemeClr val="accent1"/>
-          </a:effectRef>
-          <a:fontRef idx="minor">
-            <a:schemeClr val="lt1"/>
-          </a:fontRef>
-        </p:style>
-        <p:txBody>
-          <a:bodyPr rtlCol="0" anchor="ctr"/>
-          <a:lstStyle/>
-          <a:p>
-            <a:pPr algn="ctr"/>
-            <a:endParaRPr lang="fr-FR">
-              <a:solidFill>
-                <a:schemeClr val="lt1"/>
-              </a:solidFill>
-            </a:endParaRPr>
-          </a:p>
-        </p:txBody>
-      </p:sp>
-      <p:sp>
-        <p:nvSpPr>
-          <p:cNvPr id="4" name="Ellipse 3">
-            <a:extLst>
-              <a:ext uri="{FF2B5EF4-FFF2-40B4-BE49-F238E27FC236}">
-                <a16:creationId xmlns:a16="http://schemas.microsoft.com/office/drawing/2014/main" id="{2B73D1EA-FA48-A88E-2C82-7210DF13B222}"/>
-              </a:ext>
-            </a:extLst>
-          </p:cNvPr>
-          <p:cNvSpPr/>
-          <p:nvPr/>
-        </p:nvSpPr>
-        <p:spPr>
-          <a:xfrm>
-            <a:off x="4515954" y="1845882"/>
-            <a:ext cx="288000" cy="288000"/>
-          </a:xfrm>
-          <a:prstGeom prst="ellipse">
-            <a:avLst/>
-          </a:prstGeom>
-          <a:solidFill>
-            <a:schemeClr val="bg1"/>
-          </a:solidFill>
-          <a:ln w="28575">
-            <a:solidFill>
-              <a:srgbClr val="7030A0"/>
-            </a:solidFill>
-          </a:ln>
-        </p:spPr>
-        <p:style>
-          <a:lnRef idx="2">
-            <a:schemeClr val="accent1">
-              <a:shade val="50000"/>
-            </a:schemeClr>
-          </a:lnRef>
-          <a:fillRef idx="1">
-            <a:schemeClr val="accent1"/>
-          </a:fillRef>
-          <a:effectRef idx="0">
-            <a:schemeClr val="accent1"/>
-          </a:effectRef>
-          <a:fontRef idx="minor">
-            <a:schemeClr val="lt1"/>
-          </a:fontRef>
-        </p:style>
-        <p:txBody>
-          <a:bodyPr rtlCol="0" anchor="ctr"/>
-          <a:lstStyle/>
-          <a:p>
-            <a:pPr algn="ctr"/>
-            <a:endParaRPr lang="fr-FR"/>
-          </a:p>
-        </p:txBody>
-      </p:sp>
-      <p:sp>
-        <p:nvSpPr>
-          <p:cNvPr id="5" name="Ellipse 4">
-            <a:extLst>
-              <a:ext uri="{FF2B5EF4-FFF2-40B4-BE49-F238E27FC236}">
-                <a16:creationId xmlns:a16="http://schemas.microsoft.com/office/drawing/2014/main" id="{FF4125D3-B40D-1102-AF1F-AC49C21130B0}"/>
-              </a:ext>
-            </a:extLst>
-          </p:cNvPr>
-          <p:cNvSpPr/>
-          <p:nvPr/>
-        </p:nvSpPr>
-        <p:spPr>
-          <a:xfrm>
-            <a:off x="6675954" y="1845882"/>
-            <a:ext cx="288000" cy="288000"/>
-          </a:xfrm>
-          <a:prstGeom prst="ellipse">
-            <a:avLst/>
-          </a:prstGeom>
-          <a:solidFill>
-            <a:schemeClr val="bg1"/>
-          </a:solidFill>
-          <a:ln w="28575">
-            <a:solidFill>
-              <a:srgbClr val="7030A0"/>
-            </a:solidFill>
-          </a:ln>
-        </p:spPr>
-        <p:style>
-          <a:lnRef idx="2">
-            <a:schemeClr val="accent1">
-              <a:shade val="50000"/>
-            </a:schemeClr>
-          </a:lnRef>
-          <a:fillRef idx="1">
-            <a:schemeClr val="accent1"/>
-          </a:fillRef>
-          <a:effectRef idx="0">
-            <a:schemeClr val="accent1"/>
-          </a:effectRef>
-          <a:fontRef idx="minor">
-            <a:schemeClr val="lt1"/>
-          </a:fontRef>
-        </p:style>
-        <p:txBody>
-          <a:bodyPr rtlCol="0" anchor="ctr"/>
-          <a:lstStyle/>
-          <a:p>
-            <a:pPr algn="ctr"/>
-            <a:endParaRPr lang="fr-FR"/>
-          </a:p>
-        </p:txBody>
-      </p:sp>
-      <p:cxnSp>
-        <p:nvCxnSpPr>
-          <p:cNvPr id="7" name="Connecteur droit 6">
-            <a:extLst>
-              <a:ext uri="{FF2B5EF4-FFF2-40B4-BE49-F238E27FC236}">
-                <a16:creationId xmlns:a16="http://schemas.microsoft.com/office/drawing/2014/main" id="{34FA399A-B722-EE0F-C3F8-1135C57F47CB}"/>
-              </a:ext>
-            </a:extLst>
-          </p:cNvPr>
-          <p:cNvCxnSpPr>
-            <a:cxnSpLocks/>
-            <a:stCxn id="4" idx="6"/>
-            <a:endCxn id="5" idx="2"/>
-          </p:cNvCxnSpPr>
-          <p:nvPr/>
-        </p:nvCxnSpPr>
-        <p:spPr>
-          <a:xfrm>
-            <a:off x="4803954" y="1989882"/>
-            <a:ext cx="1872000" cy="0"/>
-          </a:xfrm>
-          <a:prstGeom prst="line">
-            <a:avLst/>
-          </a:prstGeom>
-          <a:solidFill>
-            <a:schemeClr val="bg1"/>
-          </a:solidFill>
-          <a:ln w="28575">
-            <a:solidFill>
-              <a:srgbClr val="7030A0"/>
-            </a:solidFill>
-          </a:ln>
-        </p:spPr>
-        <p:style>
-          <a:lnRef idx="2">
-            <a:schemeClr val="accent1">
-              <a:shade val="50000"/>
-            </a:schemeClr>
-          </a:lnRef>
-          <a:fillRef idx="1">
-            <a:schemeClr val="accent1"/>
-          </a:fillRef>
-          <a:effectRef idx="0">
-            <a:schemeClr val="accent1"/>
-          </a:effectRef>
-          <a:fontRef idx="minor">
-            <a:schemeClr val="lt1"/>
-          </a:fontRef>
-        </p:style>
-      </p:cxnSp>
-      <p:cxnSp>
-        <p:nvCxnSpPr>
-          <p:cNvPr id="12" name="Connecteur droit 11">
-            <a:extLst>
-              <a:ext uri="{FF2B5EF4-FFF2-40B4-BE49-F238E27FC236}">
-                <a16:creationId xmlns:a16="http://schemas.microsoft.com/office/drawing/2014/main" id="{C3A9B7BA-686D-0D0C-76AE-2AFFF1BD59A2}"/>
-              </a:ext>
-            </a:extLst>
-          </p:cNvPr>
-          <p:cNvCxnSpPr>
-            <a:cxnSpLocks/>
-          </p:cNvCxnSpPr>
-          <p:nvPr/>
-        </p:nvCxnSpPr>
-        <p:spPr>
-          <a:xfrm flipV="1">
-            <a:off x="3938639" y="1989882"/>
-            <a:ext cx="0" cy="712694"/>
-          </a:xfrm>
-          <a:prstGeom prst="line">
-            <a:avLst/>
-          </a:prstGeom>
-          <a:solidFill>
-            <a:schemeClr val="bg1"/>
-          </a:solidFill>
-          <a:ln w="28575">
-            <a:solidFill>
-              <a:srgbClr val="C00000"/>
-            </a:solidFill>
-            <a:tailEnd type="stealth" w="med" len="lg"/>
-          </a:ln>
-        </p:spPr>
-        <p:style>
-          <a:lnRef idx="2">
-            <a:schemeClr val="accent1">
-              <a:shade val="50000"/>
-            </a:schemeClr>
-          </a:lnRef>
-          <a:fillRef idx="1">
-            <a:schemeClr val="accent1"/>
-          </a:fillRef>
-          <a:effectRef idx="0">
-            <a:schemeClr val="accent1"/>
-          </a:effectRef>
-          <a:fontRef idx="minor">
-            <a:schemeClr val="lt1"/>
-          </a:fontRef>
-        </p:style>
-      </p:cxnSp>
-      <p:cxnSp>
-        <p:nvCxnSpPr>
-          <p:cNvPr id="15" name="Connecteur droit 14">
-            <a:extLst>
-              <a:ext uri="{FF2B5EF4-FFF2-40B4-BE49-F238E27FC236}">
-                <a16:creationId xmlns:a16="http://schemas.microsoft.com/office/drawing/2014/main" id="{53C3C478-37F2-BA19-8C53-FC72D2FBC844}"/>
-              </a:ext>
-            </a:extLst>
-          </p:cNvPr>
-          <p:cNvCxnSpPr>
-            <a:cxnSpLocks/>
-          </p:cNvCxnSpPr>
-          <p:nvPr/>
-        </p:nvCxnSpPr>
-        <p:spPr>
-          <a:xfrm>
-            <a:off x="7539954" y="1989882"/>
-            <a:ext cx="0" cy="531770"/>
-          </a:xfrm>
-          <a:prstGeom prst="line">
-            <a:avLst/>
-          </a:prstGeom>
-          <a:solidFill>
-            <a:schemeClr val="bg1"/>
-          </a:solidFill>
-          <a:ln w="28575">
-            <a:solidFill>
-              <a:srgbClr val="C00000"/>
-            </a:solidFill>
-            <a:tailEnd type="stealth" w="med" len="lg"/>
-          </a:ln>
-        </p:spPr>
-        <p:style>
-          <a:lnRef idx="2">
-            <a:schemeClr val="accent1">
-              <a:shade val="50000"/>
-            </a:schemeClr>
-          </a:lnRef>
-          <a:fillRef idx="1">
-            <a:schemeClr val="accent1"/>
-          </a:fillRef>
-          <a:effectRef idx="0">
-            <a:schemeClr val="accent1"/>
-          </a:effectRef>
-          <a:fontRef idx="minor">
-            <a:schemeClr val="lt1"/>
-          </a:fontRef>
-        </p:style>
-      </p:cxnSp>
-      <mc:AlternateContent xmlns:mc="http://schemas.openxmlformats.org/markup-compatibility/2006" xmlns:a14="http://schemas.microsoft.com/office/drawing/2010/main">
-        <mc:Choice Requires="a14">
-          <p:sp>
-            <p:nvSpPr>
-              <p:cNvPr id="17" name="ZoneTexte 16">
-                <a:extLst>
-                  <a:ext uri="{FF2B5EF4-FFF2-40B4-BE49-F238E27FC236}">
-                    <a16:creationId xmlns:a16="http://schemas.microsoft.com/office/drawing/2014/main" id="{5853C66E-F7C5-9D45-4609-DAC8FD58D6DE}"/>
-                  </a:ext>
-                </a:extLst>
-              </p:cNvPr>
-              <p:cNvSpPr txBox="1"/>
-              <p:nvPr/>
-            </p:nvSpPr>
-            <p:spPr>
-              <a:xfrm>
-                <a:off x="3185368" y="2282129"/>
-                <a:ext cx="708271" cy="208903"/>
-              </a:xfrm>
-              <a:prstGeom prst="rect">
-                <a:avLst/>
-              </a:prstGeom>
-              <a:noFill/>
-            </p:spPr>
-            <p:txBody>
-              <a:bodyPr wrap="none" lIns="0" tIns="0" rIns="0" bIns="0" rtlCol="0">
-                <a:spAutoFit/>
-              </a:bodyPr>
-              <a:lstStyle/>
-              <a:p>
-                <a:pPr/>
-                <a14:m>
-                  <m:oMathPara xmlns:m="http://schemas.openxmlformats.org/officeDocument/2006/math">
-                    <m:oMathParaPr>
-                      <m:jc m:val="centerGroup"/>
-                    </m:oMathParaPr>
-                    <m:oMath xmlns:m="http://schemas.openxmlformats.org/officeDocument/2006/math">
-                      <m:acc>
-                        <m:accPr>
-                          <m:chr m:val="⃗"/>
-                          <m:ctrlPr>
-                            <a:rPr lang="fr-FR" sz="1100" b="0" i="1" smtClean="0">
-                              <a:latin typeface="Cambria Math" panose="02040503050406030204" pitchFamily="18" charset="0"/>
-                            </a:rPr>
-                          </m:ctrlPr>
-                        </m:accPr>
-                        <m:e>
-                          <m:sSub>
-                            <m:sSubPr>
-                              <m:ctrlPr>
-                                <a:rPr lang="fr-FR" sz="1100" i="1">
-                                  <a:latin typeface="Cambria Math" panose="02040503050406030204" pitchFamily="18" charset="0"/>
-                                </a:rPr>
-                              </m:ctrlPr>
-                            </m:sSubPr>
-                            <m:e>
-                              <m:r>
-                                <a:rPr lang="fr-FR" sz="1100" i="1">
-                                  <a:latin typeface="Cambria Math" panose="02040503050406030204" pitchFamily="18" charset="0"/>
-                                </a:rPr>
-                                <m:t>𝐹</m:t>
-                              </m:r>
-                            </m:e>
-                            <m:sub>
-                              <m:r>
-                                <a:rPr lang="fr-FR" sz="1100" i="1">
-                                  <a:latin typeface="Cambria Math" panose="02040503050406030204" pitchFamily="18" charset="0"/>
-                                </a:rPr>
-                                <m:t>𝑙𝑎𝑚𝑒</m:t>
-                              </m:r>
-                              <m:r>
-                                <m:rPr>
-                                  <m:lit/>
-                                </m:rPr>
-                                <a:rPr lang="fr-FR" sz="1100" i="1">
-                                  <a:latin typeface="Cambria Math" panose="02040503050406030204" pitchFamily="18" charset="0"/>
-                                </a:rPr>
-                                <m:t>/</m:t>
-                              </m:r>
-                              <m:r>
-                                <a:rPr lang="fr-FR" sz="1100" i="1">
-                                  <a:latin typeface="Cambria Math" panose="02040503050406030204" pitchFamily="18" charset="0"/>
-                                </a:rPr>
-                                <m:t>𝑎𝑟𝑏𝑟𝑒</m:t>
-                              </m:r>
-                            </m:sub>
-                          </m:sSub>
-                        </m:e>
-                      </m:acc>
-                    </m:oMath>
-                  </m:oMathPara>
-                </a14:m>
-                <a:endParaRPr lang="fr-FR" dirty="0"/>
-              </a:p>
-            </p:txBody>
-          </p:sp>
-        </mc:Choice>
-        <mc:Fallback xmlns="">
-          <p:sp>
-            <p:nvSpPr>
-              <p:cNvPr id="17" name="ZoneTexte 16">
-                <a:extLst>
-                  <a:ext uri="{FF2B5EF4-FFF2-40B4-BE49-F238E27FC236}">
-                    <a16:creationId xmlns:a16="http://schemas.microsoft.com/office/drawing/2014/main" id="{5853C66E-F7C5-9D45-4609-DAC8FD58D6DE}"/>
-                  </a:ext>
-                </a:extLst>
-              </p:cNvPr>
-              <p:cNvSpPr txBox="1">
-                <a:spLocks noRot="1" noChangeAspect="1" noMove="1" noResize="1" noEditPoints="1" noAdjustHandles="1" noChangeArrowheads="1" noChangeShapeType="1" noTextEdit="1"/>
-              </p:cNvSpPr>
-              <p:nvPr/>
-            </p:nvSpPr>
-            <p:spPr>
-              <a:xfrm>
-                <a:off x="3185368" y="2282129"/>
-                <a:ext cx="708271" cy="208903"/>
-              </a:xfrm>
-              <a:prstGeom prst="rect">
-                <a:avLst/>
-              </a:prstGeom>
-              <a:blipFill>
-                <a:blip r:embed="rId2"/>
-                <a:stretch>
-                  <a:fillRect l="-4310" r="-1724" b="-25714"/>
-                </a:stretch>
-              </a:blipFill>
-            </p:spPr>
-            <p:txBody>
-              <a:bodyPr/>
-              <a:lstStyle/>
-              <a:p>
-                <a:r>
-                  <a:rPr lang="fr-FR">
-                    <a:noFill/>
-                  </a:rPr>
-                  <a:t> </a:t>
-                </a:r>
-              </a:p>
-            </p:txBody>
-          </p:sp>
-        </mc:Fallback>
-      </mc:AlternateContent>
-      <mc:AlternateContent xmlns:mc="http://schemas.openxmlformats.org/markup-compatibility/2006" xmlns:a14="http://schemas.microsoft.com/office/drawing/2010/main">
-        <mc:Choice Requires="a14">
-          <p:sp>
-            <p:nvSpPr>
-              <p:cNvPr id="19" name="ZoneTexte 18">
-                <a:extLst>
-                  <a:ext uri="{FF2B5EF4-FFF2-40B4-BE49-F238E27FC236}">
-                    <a16:creationId xmlns:a16="http://schemas.microsoft.com/office/drawing/2014/main" id="{8006ADE4-EE8F-25FA-7E75-529D7061EE5E}"/>
-                  </a:ext>
-                </a:extLst>
-              </p:cNvPr>
-              <p:cNvSpPr txBox="1"/>
-              <p:nvPr/>
-            </p:nvSpPr>
-            <p:spPr>
-              <a:xfrm>
-                <a:off x="7629954" y="2106838"/>
-                <a:ext cx="897425" cy="208903"/>
-              </a:xfrm>
-              <a:prstGeom prst="rect">
-                <a:avLst/>
-              </a:prstGeom>
-              <a:noFill/>
-            </p:spPr>
-            <p:txBody>
-              <a:bodyPr wrap="none" lIns="0" tIns="0" rIns="0" bIns="0" rtlCol="0">
-                <a:spAutoFit/>
-              </a:bodyPr>
-              <a:lstStyle/>
-              <a:p>
-                <a:pPr/>
-                <a14:m>
-                  <m:oMathPara xmlns:m="http://schemas.openxmlformats.org/officeDocument/2006/math">
-                    <m:oMathParaPr>
-                      <m:jc m:val="centerGroup"/>
-                    </m:oMathParaPr>
-                    <m:oMath xmlns:m="http://schemas.openxmlformats.org/officeDocument/2006/math">
-                      <m:acc>
-                        <m:accPr>
-                          <m:chr m:val="⃗"/>
-                          <m:ctrlPr>
-                            <a:rPr lang="fr-FR" sz="1100" b="0" i="1" smtClean="0">
-                              <a:latin typeface="Cambria Math" panose="02040503050406030204" pitchFamily="18" charset="0"/>
-                            </a:rPr>
-                          </m:ctrlPr>
-                        </m:accPr>
-                        <m:e>
-                          <m:sSub>
-                            <m:sSubPr>
-                              <m:ctrlPr>
-                                <a:rPr lang="fr-FR" sz="1100" i="1">
-                                  <a:latin typeface="Cambria Math" panose="02040503050406030204" pitchFamily="18" charset="0"/>
-                                </a:rPr>
-                              </m:ctrlPr>
-                            </m:sSubPr>
-                            <m:e>
-                              <m:r>
-                                <a:rPr lang="fr-FR" sz="1100" i="1">
-                                  <a:latin typeface="Cambria Math" panose="02040503050406030204" pitchFamily="18" charset="0"/>
-                                </a:rPr>
-                                <m:t>𝐹</m:t>
-                              </m:r>
-                            </m:e>
-                            <m:sub>
-                              <m:r>
-                                <a:rPr lang="fr-FR" sz="1100" b="0" i="1" smtClean="0">
-                                  <a:latin typeface="Cambria Math" panose="02040503050406030204" pitchFamily="18" charset="0"/>
-                                </a:rPr>
-                                <m:t>𝑐𝑜𝑢𝑟𝑟𝑜𝑖𝑒</m:t>
-                              </m:r>
-                              <m:r>
-                                <m:rPr>
-                                  <m:lit/>
-                                </m:rPr>
-                                <a:rPr lang="fr-FR" sz="1100" i="1">
-                                  <a:latin typeface="Cambria Math" panose="02040503050406030204" pitchFamily="18" charset="0"/>
-                                </a:rPr>
-                                <m:t>/</m:t>
-                              </m:r>
-                              <m:r>
-                                <a:rPr lang="fr-FR" sz="1100" i="1">
-                                  <a:latin typeface="Cambria Math" panose="02040503050406030204" pitchFamily="18" charset="0"/>
-                                </a:rPr>
-                                <m:t>𝑎𝑟𝑏𝑟𝑒</m:t>
-                              </m:r>
-                            </m:sub>
-                          </m:sSub>
-                        </m:e>
-                      </m:acc>
-                    </m:oMath>
-                  </m:oMathPara>
-                </a14:m>
-                <a:endParaRPr lang="fr-FR" dirty="0"/>
-              </a:p>
-            </p:txBody>
-          </p:sp>
-        </mc:Choice>
-        <mc:Fallback xmlns="">
-          <p:sp>
-            <p:nvSpPr>
-              <p:cNvPr id="19" name="ZoneTexte 18">
-                <a:extLst>
-                  <a:ext uri="{FF2B5EF4-FFF2-40B4-BE49-F238E27FC236}">
-                    <a16:creationId xmlns:a16="http://schemas.microsoft.com/office/drawing/2014/main" id="{8006ADE4-EE8F-25FA-7E75-529D7061EE5E}"/>
-                  </a:ext>
-                </a:extLst>
-              </p:cNvPr>
-              <p:cNvSpPr txBox="1">
-                <a:spLocks noRot="1" noChangeAspect="1" noMove="1" noResize="1" noEditPoints="1" noAdjustHandles="1" noChangeArrowheads="1" noChangeShapeType="1" noTextEdit="1"/>
-              </p:cNvSpPr>
-              <p:nvPr/>
-            </p:nvSpPr>
-            <p:spPr>
-              <a:xfrm>
-                <a:off x="7629954" y="2106838"/>
-                <a:ext cx="897425" cy="208903"/>
-              </a:xfrm>
-              <a:prstGeom prst="rect">
-                <a:avLst/>
-              </a:prstGeom>
-              <a:blipFill>
-                <a:blip r:embed="rId3"/>
-                <a:stretch>
-                  <a:fillRect l="-3401" r="-1361" b="-26471"/>
-                </a:stretch>
-              </a:blipFill>
-            </p:spPr>
-            <p:txBody>
-              <a:bodyPr/>
-              <a:lstStyle/>
-              <a:p>
-                <a:r>
-                  <a:rPr lang="fr-FR">
-                    <a:noFill/>
-                  </a:rPr>
-                  <a:t> </a:t>
-                </a:r>
-              </a:p>
-            </p:txBody>
-          </p:sp>
-        </mc:Fallback>
-      </mc:AlternateContent>
-      <p:cxnSp>
-        <p:nvCxnSpPr>
-          <p:cNvPr id="23" name="Connecteur droit 22">
-            <a:extLst>
-              <a:ext uri="{FF2B5EF4-FFF2-40B4-BE49-F238E27FC236}">
-                <a16:creationId xmlns:a16="http://schemas.microsoft.com/office/drawing/2014/main" id="{BA6878E0-BA88-A381-C274-546397C3A09A}"/>
-              </a:ext>
-            </a:extLst>
-          </p:cNvPr>
-          <p:cNvCxnSpPr>
-            <a:cxnSpLocks/>
-          </p:cNvCxnSpPr>
-          <p:nvPr/>
-        </p:nvCxnSpPr>
-        <p:spPr>
-          <a:xfrm>
-            <a:off x="4659954" y="2169882"/>
-            <a:ext cx="0" cy="216699"/>
-          </a:xfrm>
-          <a:prstGeom prst="line">
-            <a:avLst/>
-          </a:prstGeom>
-          <a:solidFill>
-            <a:schemeClr val="bg1"/>
-          </a:solidFill>
-          <a:ln w="28575">
-            <a:solidFill>
-              <a:schemeClr val="accent1">
-                <a:lumMod val="50000"/>
-              </a:schemeClr>
-            </a:solidFill>
-          </a:ln>
-        </p:spPr>
-        <p:style>
-          <a:lnRef idx="2">
-            <a:schemeClr val="accent1">
-              <a:shade val="50000"/>
-            </a:schemeClr>
-          </a:lnRef>
-          <a:fillRef idx="1">
-            <a:schemeClr val="accent1"/>
-          </a:fillRef>
-          <a:effectRef idx="0">
-            <a:schemeClr val="accent1"/>
-          </a:effectRef>
-          <a:fontRef idx="minor">
-            <a:schemeClr val="lt1"/>
-          </a:fontRef>
-        </p:style>
-      </p:cxnSp>
-      <p:cxnSp>
-        <p:nvCxnSpPr>
-          <p:cNvPr id="27" name="Connecteur droit 26">
-            <a:extLst>
-              <a:ext uri="{FF2B5EF4-FFF2-40B4-BE49-F238E27FC236}">
-                <a16:creationId xmlns:a16="http://schemas.microsoft.com/office/drawing/2014/main" id="{59441FA6-98EC-AC94-F34B-2595115CFB6B}"/>
-              </a:ext>
-            </a:extLst>
-          </p:cNvPr>
-          <p:cNvCxnSpPr>
-            <a:cxnSpLocks/>
-            <a:endCxn id="22" idx="2"/>
-          </p:cNvCxnSpPr>
-          <p:nvPr/>
-        </p:nvCxnSpPr>
-        <p:spPr>
-          <a:xfrm flipV="1">
-            <a:off x="6819954" y="2187227"/>
-            <a:ext cx="0" cy="208903"/>
-          </a:xfrm>
-          <a:prstGeom prst="line">
-            <a:avLst/>
-          </a:prstGeom>
-          <a:solidFill>
-            <a:schemeClr val="bg1"/>
-          </a:solidFill>
-          <a:ln w="28575">
-            <a:solidFill>
-              <a:schemeClr val="accent1">
-                <a:lumMod val="50000"/>
-              </a:schemeClr>
-            </a:solidFill>
-          </a:ln>
-        </p:spPr>
-        <p:style>
-          <a:lnRef idx="2">
-            <a:schemeClr val="accent1">
-              <a:shade val="50000"/>
-            </a:schemeClr>
-          </a:lnRef>
-          <a:fillRef idx="1">
-            <a:schemeClr val="accent1"/>
-          </a:fillRef>
-          <a:effectRef idx="0">
-            <a:schemeClr val="accent1"/>
-          </a:effectRef>
-          <a:fontRef idx="minor">
-            <a:schemeClr val="lt1"/>
-          </a:fontRef>
-        </p:style>
-      </p:cxnSp>
-      <p:cxnSp>
-        <p:nvCxnSpPr>
-          <p:cNvPr id="30" name="Connecteur droit 29">
-            <a:extLst>
-              <a:ext uri="{FF2B5EF4-FFF2-40B4-BE49-F238E27FC236}">
-                <a16:creationId xmlns:a16="http://schemas.microsoft.com/office/drawing/2014/main" id="{8ED62A41-204D-F5CA-65A4-85C063973BD9}"/>
-              </a:ext>
-            </a:extLst>
-          </p:cNvPr>
-          <p:cNvCxnSpPr>
-            <a:cxnSpLocks/>
-          </p:cNvCxnSpPr>
-          <p:nvPr/>
-        </p:nvCxnSpPr>
-        <p:spPr>
-          <a:xfrm flipH="1">
-            <a:off x="4645659" y="2396130"/>
-            <a:ext cx="2174295" cy="0"/>
-          </a:xfrm>
-          <a:prstGeom prst="line">
-            <a:avLst/>
-          </a:prstGeom>
-          <a:solidFill>
-            <a:schemeClr val="bg1"/>
-          </a:solidFill>
-          <a:ln w="28575">
-            <a:solidFill>
-              <a:schemeClr val="accent1">
-                <a:lumMod val="50000"/>
-              </a:schemeClr>
-            </a:solidFill>
-          </a:ln>
-        </p:spPr>
-        <p:style>
-          <a:lnRef idx="2">
-            <a:schemeClr val="accent1">
-              <a:shade val="50000"/>
-            </a:schemeClr>
-          </a:lnRef>
-          <a:fillRef idx="1">
-            <a:schemeClr val="accent1"/>
-          </a:fillRef>
-          <a:effectRef idx="0">
-            <a:schemeClr val="accent1"/>
-          </a:effectRef>
-          <a:fontRef idx="minor">
-            <a:schemeClr val="lt1"/>
-          </a:fontRef>
-        </p:style>
-      </p:cxnSp>
-      <p:cxnSp>
-        <p:nvCxnSpPr>
-          <p:cNvPr id="34" name="Connecteur droit 33">
-            <a:extLst>
-              <a:ext uri="{FF2B5EF4-FFF2-40B4-BE49-F238E27FC236}">
-                <a16:creationId xmlns:a16="http://schemas.microsoft.com/office/drawing/2014/main" id="{1BADC16F-3A93-FCAE-B5EE-03138BE21FB3}"/>
-              </a:ext>
-            </a:extLst>
-          </p:cNvPr>
-          <p:cNvCxnSpPr>
-            <a:cxnSpLocks/>
-          </p:cNvCxnSpPr>
-          <p:nvPr/>
-        </p:nvCxnSpPr>
-        <p:spPr>
-          <a:xfrm>
-            <a:off x="5771147" y="2397171"/>
-            <a:ext cx="0" cy="216699"/>
-          </a:xfrm>
-          <a:prstGeom prst="line">
-            <a:avLst/>
-          </a:prstGeom>
-          <a:solidFill>
-            <a:schemeClr val="bg1"/>
-          </a:solidFill>
-          <a:ln w="28575">
-            <a:solidFill>
-              <a:schemeClr val="accent1">
-                <a:lumMod val="50000"/>
-              </a:schemeClr>
-            </a:solidFill>
-          </a:ln>
-        </p:spPr>
-        <p:style>
-          <a:lnRef idx="2">
-            <a:schemeClr val="accent1">
-              <a:shade val="50000"/>
-            </a:schemeClr>
-          </a:lnRef>
-          <a:fillRef idx="1">
-            <a:schemeClr val="accent1"/>
-          </a:fillRef>
-          <a:effectRef idx="0">
-            <a:schemeClr val="accent1"/>
-          </a:effectRef>
-          <a:fontRef idx="minor">
-            <a:schemeClr val="lt1"/>
-          </a:fontRef>
-        </p:style>
-      </p:cxnSp>
-      <p:sp>
-        <p:nvSpPr>
-          <p:cNvPr id="36" name="Forme libre : forme 35">
-            <a:extLst>
-              <a:ext uri="{FF2B5EF4-FFF2-40B4-BE49-F238E27FC236}">
-                <a16:creationId xmlns:a16="http://schemas.microsoft.com/office/drawing/2014/main" id="{C8885A49-7B79-5CAF-98DC-D234F195286B}"/>
-              </a:ext>
-            </a:extLst>
-          </p:cNvPr>
-          <p:cNvSpPr/>
-          <p:nvPr/>
-        </p:nvSpPr>
-        <p:spPr>
-          <a:xfrm>
-            <a:off x="5567193" y="2605034"/>
-            <a:ext cx="418531" cy="153602"/>
-          </a:xfrm>
-          <a:custGeom>
-            <a:avLst/>
-            <a:gdLst>
-              <a:gd name="connsiteX0" fmla="*/ 0 w 418531"/>
-              <a:gd name="connsiteY0" fmla="*/ 9098 h 153602"/>
-              <a:gd name="connsiteX1" fmla="*/ 77337 w 418531"/>
-              <a:gd name="connsiteY1" fmla="*/ 150125 h 153602"/>
-              <a:gd name="connsiteX2" fmla="*/ 181970 w 418531"/>
-              <a:gd name="connsiteY2" fmla="*/ 109182 h 153602"/>
-              <a:gd name="connsiteX3" fmla="*/ 332095 w 418531"/>
-              <a:gd name="connsiteY3" fmla="*/ 150125 h 153602"/>
-              <a:gd name="connsiteX4" fmla="*/ 418531 w 418531"/>
-              <a:gd name="connsiteY4" fmla="*/ 0 h 153602"/>
-            </a:gdLst>
-            <a:ahLst/>
-            <a:cxnLst>
-              <a:cxn ang="0">
-                <a:pos x="connsiteX0" y="connsiteY0"/>
-              </a:cxn>
-              <a:cxn ang="0">
-                <a:pos x="connsiteX1" y="connsiteY1"/>
-              </a:cxn>
-              <a:cxn ang="0">
-                <a:pos x="connsiteX2" y="connsiteY2"/>
-              </a:cxn>
-              <a:cxn ang="0">
-                <a:pos x="connsiteX3" y="connsiteY3"/>
-              </a:cxn>
-              <a:cxn ang="0">
-                <a:pos x="connsiteX4" y="connsiteY4"/>
-              </a:cxn>
-            </a:cxnLst>
-            <a:rect l="l" t="t" r="r" b="b"/>
-            <a:pathLst>
-              <a:path w="418531" h="153602">
-                <a:moveTo>
-                  <a:pt x="0" y="9098"/>
-                </a:moveTo>
-                <a:cubicBezTo>
-                  <a:pt x="23504" y="71271"/>
-                  <a:pt x="47009" y="133444"/>
-                  <a:pt x="77337" y="150125"/>
-                </a:cubicBezTo>
-                <a:cubicBezTo>
-                  <a:pt x="107665" y="166806"/>
-                  <a:pt x="139510" y="109182"/>
-                  <a:pt x="181970" y="109182"/>
-                </a:cubicBezTo>
-                <a:cubicBezTo>
-                  <a:pt x="224430" y="109182"/>
-                  <a:pt x="292668" y="168322"/>
-                  <a:pt x="332095" y="150125"/>
-                </a:cubicBezTo>
-                <a:cubicBezTo>
-                  <a:pt x="371522" y="131928"/>
-                  <a:pt x="395026" y="65964"/>
-                  <a:pt x="418531" y="0"/>
-                </a:cubicBezTo>
-              </a:path>
-            </a:pathLst>
-          </a:custGeom>
-          <a:solidFill>
-            <a:schemeClr val="accent1">
-              <a:lumMod val="20000"/>
-              <a:lumOff val="80000"/>
-            </a:schemeClr>
-          </a:solidFill>
-          <a:ln w="12700">
-            <a:solidFill>
-              <a:schemeClr val="accent1">
-                <a:lumMod val="50000"/>
-              </a:schemeClr>
-            </a:solidFill>
-          </a:ln>
-        </p:spPr>
-        <p:style>
-          <a:lnRef idx="2">
-            <a:schemeClr val="accent1">
-              <a:shade val="50000"/>
-            </a:schemeClr>
-          </a:lnRef>
-          <a:fillRef idx="1">
-            <a:schemeClr val="accent1"/>
-          </a:fillRef>
-          <a:effectRef idx="0">
-            <a:schemeClr val="accent1"/>
-          </a:effectRef>
-          <a:fontRef idx="minor">
-            <a:schemeClr val="lt1"/>
-          </a:fontRef>
-        </p:style>
-        <p:txBody>
-          <a:bodyPr rtlCol="0" anchor="ctr"/>
-          <a:lstStyle/>
-          <a:p>
-            <a:pPr algn="ctr"/>
-            <a:endParaRPr lang="fr-FR"/>
-          </a:p>
-        </p:txBody>
-      </p:sp>
-      <p:cxnSp>
-        <p:nvCxnSpPr>
-          <p:cNvPr id="35" name="Connecteur droit 34">
-            <a:extLst>
-              <a:ext uri="{FF2B5EF4-FFF2-40B4-BE49-F238E27FC236}">
-                <a16:creationId xmlns:a16="http://schemas.microsoft.com/office/drawing/2014/main" id="{584EAEEE-4AA8-6ED7-A1D1-B37CD4DB8559}"/>
-              </a:ext>
-            </a:extLst>
-          </p:cNvPr>
-          <p:cNvCxnSpPr>
-            <a:cxnSpLocks/>
-          </p:cNvCxnSpPr>
-          <p:nvPr/>
-        </p:nvCxnSpPr>
-        <p:spPr>
-          <a:xfrm rot="5400000">
-            <a:off x="5771909" y="2397870"/>
-            <a:ext cx="0" cy="432000"/>
-          </a:xfrm>
-          <a:prstGeom prst="line">
-            <a:avLst/>
-          </a:prstGeom>
-          <a:solidFill>
-            <a:schemeClr val="bg1"/>
-          </a:solidFill>
-          <a:ln w="28575">
-            <a:solidFill>
-              <a:schemeClr val="accent1">
-                <a:lumMod val="50000"/>
-              </a:schemeClr>
-            </a:solidFill>
-          </a:ln>
-        </p:spPr>
-        <p:style>
-          <a:lnRef idx="2">
-            <a:schemeClr val="accent1">
-              <a:shade val="50000"/>
-            </a:schemeClr>
-          </a:lnRef>
-          <a:fillRef idx="1">
-            <a:schemeClr val="accent1"/>
-          </a:fillRef>
-          <a:effectRef idx="0">
-            <a:schemeClr val="accent1"/>
-          </a:effectRef>
-          <a:fontRef idx="minor">
-            <a:schemeClr val="lt1"/>
-          </a:fontRef>
-        </p:style>
-      </p:cxnSp>
-      <mc:AlternateContent xmlns:mc="http://schemas.openxmlformats.org/markup-compatibility/2006" xmlns:a14="http://schemas.microsoft.com/office/drawing/2010/main">
-        <mc:Choice Requires="a14">
-          <p:sp>
-            <p:nvSpPr>
-              <p:cNvPr id="37" name="ZoneTexte 36">
-                <a:extLst>
-                  <a:ext uri="{FF2B5EF4-FFF2-40B4-BE49-F238E27FC236}">
-                    <a16:creationId xmlns:a16="http://schemas.microsoft.com/office/drawing/2014/main" id="{9ED1DE3B-9EA9-4E3D-9578-45824CF3B2BD}"/>
-                  </a:ext>
-                </a:extLst>
-              </p:cNvPr>
-              <p:cNvSpPr txBox="1"/>
-              <p:nvPr/>
-            </p:nvSpPr>
-            <p:spPr>
-              <a:xfrm>
-                <a:off x="3878366" y="1780979"/>
-                <a:ext cx="123175" cy="169277"/>
-              </a:xfrm>
-              <a:prstGeom prst="rect">
-                <a:avLst/>
-              </a:prstGeom>
-              <a:noFill/>
-            </p:spPr>
-            <p:txBody>
-              <a:bodyPr wrap="none" lIns="0" tIns="0" rIns="0" bIns="0" rtlCol="0">
-                <a:spAutoFit/>
-              </a:bodyPr>
-              <a:lstStyle/>
-              <a:p>
-                <a:pPr/>
-                <a14:m>
-                  <m:oMathPara xmlns:m="http://schemas.openxmlformats.org/officeDocument/2006/math">
-                    <m:oMathParaPr>
-                      <m:jc m:val="centerGroup"/>
-                    </m:oMathParaPr>
-                    <m:oMath xmlns:m="http://schemas.openxmlformats.org/officeDocument/2006/math">
-                      <m:r>
-                        <a:rPr lang="fr-FR" sz="1100" b="0" i="1" smtClean="0">
-                          <a:latin typeface="Cambria Math" panose="02040503050406030204" pitchFamily="18" charset="0"/>
-                        </a:rPr>
-                        <m:t>𝐴</m:t>
-                      </m:r>
-                    </m:oMath>
-                  </m:oMathPara>
-                </a14:m>
-                <a:endParaRPr lang="fr-FR" dirty="0"/>
-              </a:p>
-            </p:txBody>
-          </p:sp>
-        </mc:Choice>
-        <mc:Fallback xmlns="">
-          <p:sp>
-            <p:nvSpPr>
-              <p:cNvPr id="37" name="ZoneTexte 36">
-                <a:extLst>
-                  <a:ext uri="{FF2B5EF4-FFF2-40B4-BE49-F238E27FC236}">
-                    <a16:creationId xmlns:a16="http://schemas.microsoft.com/office/drawing/2014/main" id="{9ED1DE3B-9EA9-4E3D-9578-45824CF3B2BD}"/>
-                  </a:ext>
-                </a:extLst>
-              </p:cNvPr>
-              <p:cNvSpPr txBox="1">
-                <a:spLocks noRot="1" noChangeAspect="1" noMove="1" noResize="1" noEditPoints="1" noAdjustHandles="1" noChangeArrowheads="1" noChangeShapeType="1" noTextEdit="1"/>
-              </p:cNvSpPr>
-              <p:nvPr/>
-            </p:nvSpPr>
-            <p:spPr>
-              <a:xfrm>
-                <a:off x="3878366" y="1780979"/>
-                <a:ext cx="123175" cy="169277"/>
-              </a:xfrm>
-              <a:prstGeom prst="rect">
-                <a:avLst/>
-              </a:prstGeom>
-              <a:blipFill>
-                <a:blip r:embed="rId4"/>
-                <a:stretch>
-                  <a:fillRect l="-25000" r="-30000" b="-7143"/>
-                </a:stretch>
-              </a:blipFill>
-            </p:spPr>
-            <p:txBody>
-              <a:bodyPr/>
-              <a:lstStyle/>
-              <a:p>
-                <a:r>
-                  <a:rPr lang="fr-FR">
-                    <a:noFill/>
-                  </a:rPr>
-                  <a:t> </a:t>
-                </a:r>
-              </a:p>
-            </p:txBody>
-          </p:sp>
-        </mc:Fallback>
-      </mc:AlternateContent>
-      <mc:AlternateContent xmlns:mc="http://schemas.openxmlformats.org/markup-compatibility/2006" xmlns:a14="http://schemas.microsoft.com/office/drawing/2010/main">
-        <mc:Choice Requires="a14">
-          <p:sp>
-            <p:nvSpPr>
-              <p:cNvPr id="38" name="ZoneTexte 37">
-                <a:extLst>
-                  <a:ext uri="{FF2B5EF4-FFF2-40B4-BE49-F238E27FC236}">
-                    <a16:creationId xmlns:a16="http://schemas.microsoft.com/office/drawing/2014/main" id="{77473007-63BC-B4A4-3B49-AE53B6F779F7}"/>
-                  </a:ext>
-                </a:extLst>
-              </p:cNvPr>
-              <p:cNvSpPr txBox="1"/>
-              <p:nvPr/>
-            </p:nvSpPr>
-            <p:spPr>
-              <a:xfrm>
-                <a:off x="4356884" y="1780979"/>
-                <a:ext cx="128818" cy="169277"/>
-              </a:xfrm>
-              <a:prstGeom prst="rect">
-                <a:avLst/>
-              </a:prstGeom>
-              <a:noFill/>
-            </p:spPr>
-            <p:txBody>
-              <a:bodyPr wrap="none" lIns="0" tIns="0" rIns="0" bIns="0" rtlCol="0">
-                <a:spAutoFit/>
-              </a:bodyPr>
-              <a:lstStyle/>
-              <a:p>
-                <a:pPr/>
-                <a14:m>
-                  <m:oMathPara xmlns:m="http://schemas.openxmlformats.org/officeDocument/2006/math">
-                    <m:oMathParaPr>
-                      <m:jc m:val="centerGroup"/>
-                    </m:oMathParaPr>
-                    <m:oMath xmlns:m="http://schemas.openxmlformats.org/officeDocument/2006/math">
-                      <m:r>
-                        <a:rPr lang="fr-FR" sz="1100" b="0" i="1" smtClean="0">
-                          <a:latin typeface="Cambria Math" panose="02040503050406030204" pitchFamily="18" charset="0"/>
-                        </a:rPr>
-                        <m:t>𝐵</m:t>
-                      </m:r>
-                    </m:oMath>
-                  </m:oMathPara>
-                </a14:m>
-                <a:endParaRPr lang="fr-FR" dirty="0"/>
-              </a:p>
-            </p:txBody>
-          </p:sp>
-        </mc:Choice>
-        <mc:Fallback xmlns="">
-          <p:sp>
-            <p:nvSpPr>
-              <p:cNvPr id="38" name="ZoneTexte 37">
-                <a:extLst>
-                  <a:ext uri="{FF2B5EF4-FFF2-40B4-BE49-F238E27FC236}">
-                    <a16:creationId xmlns:a16="http://schemas.microsoft.com/office/drawing/2014/main" id="{77473007-63BC-B4A4-3B49-AE53B6F779F7}"/>
-                  </a:ext>
-                </a:extLst>
-              </p:cNvPr>
-              <p:cNvSpPr txBox="1">
-                <a:spLocks noRot="1" noChangeAspect="1" noMove="1" noResize="1" noEditPoints="1" noAdjustHandles="1" noChangeArrowheads="1" noChangeShapeType="1" noTextEdit="1"/>
-              </p:cNvSpPr>
-              <p:nvPr/>
-            </p:nvSpPr>
-            <p:spPr>
-              <a:xfrm>
-                <a:off x="4356884" y="1780979"/>
-                <a:ext cx="128818" cy="169277"/>
-              </a:xfrm>
-              <a:prstGeom prst="rect">
-                <a:avLst/>
-              </a:prstGeom>
-              <a:blipFill>
-                <a:blip r:embed="rId5"/>
-                <a:stretch>
-                  <a:fillRect l="-23810" r="-23810" b="-7143"/>
-                </a:stretch>
-              </a:blipFill>
-            </p:spPr>
-            <p:txBody>
-              <a:bodyPr/>
-              <a:lstStyle/>
-              <a:p>
-                <a:r>
-                  <a:rPr lang="fr-FR">
-                    <a:noFill/>
-                  </a:rPr>
-                  <a:t> </a:t>
-                </a:r>
-              </a:p>
-            </p:txBody>
-          </p:sp>
-        </mc:Fallback>
-      </mc:AlternateContent>
-      <mc:AlternateContent xmlns:mc="http://schemas.openxmlformats.org/markup-compatibility/2006" xmlns:a14="http://schemas.microsoft.com/office/drawing/2010/main">
-        <mc:Choice Requires="a14">
-          <p:sp>
-            <p:nvSpPr>
-              <p:cNvPr id="39" name="ZoneTexte 38">
-                <a:extLst>
-                  <a:ext uri="{FF2B5EF4-FFF2-40B4-BE49-F238E27FC236}">
-                    <a16:creationId xmlns:a16="http://schemas.microsoft.com/office/drawing/2014/main" id="{F44610B7-42B0-08B2-1595-F33EC3AA8062}"/>
-                  </a:ext>
-                </a:extLst>
-              </p:cNvPr>
-              <p:cNvSpPr txBox="1"/>
-              <p:nvPr/>
-            </p:nvSpPr>
-            <p:spPr>
-              <a:xfrm>
-                <a:off x="6540982" y="1780979"/>
-                <a:ext cx="123239" cy="169277"/>
-              </a:xfrm>
-              <a:prstGeom prst="rect">
-                <a:avLst/>
-              </a:prstGeom>
-              <a:noFill/>
-            </p:spPr>
-            <p:txBody>
-              <a:bodyPr wrap="none" lIns="0" tIns="0" rIns="0" bIns="0" rtlCol="0">
-                <a:spAutoFit/>
-              </a:bodyPr>
-              <a:lstStyle/>
-              <a:p>
-                <a:pPr/>
-                <a14:m>
-                  <m:oMathPara xmlns:m="http://schemas.openxmlformats.org/officeDocument/2006/math">
-                    <m:oMathParaPr>
-                      <m:jc m:val="centerGroup"/>
-                    </m:oMathParaPr>
-                    <m:oMath xmlns:m="http://schemas.openxmlformats.org/officeDocument/2006/math">
-                      <m:r>
-                        <a:rPr lang="fr-FR" sz="1100" b="0" i="1" smtClean="0">
-                          <a:latin typeface="Cambria Math" panose="02040503050406030204" pitchFamily="18" charset="0"/>
-                        </a:rPr>
-                        <m:t>𝐶</m:t>
-                      </m:r>
-                    </m:oMath>
-                  </m:oMathPara>
-                </a14:m>
-                <a:endParaRPr lang="fr-FR" dirty="0"/>
-              </a:p>
-            </p:txBody>
-          </p:sp>
-        </mc:Choice>
-        <mc:Fallback xmlns="">
-          <p:sp>
-            <p:nvSpPr>
-              <p:cNvPr id="39" name="ZoneTexte 38">
-                <a:extLst>
-                  <a:ext uri="{FF2B5EF4-FFF2-40B4-BE49-F238E27FC236}">
-                    <a16:creationId xmlns:a16="http://schemas.microsoft.com/office/drawing/2014/main" id="{F44610B7-42B0-08B2-1595-F33EC3AA8062}"/>
-                  </a:ext>
-                </a:extLst>
-              </p:cNvPr>
-              <p:cNvSpPr txBox="1">
-                <a:spLocks noRot="1" noChangeAspect="1" noMove="1" noResize="1" noEditPoints="1" noAdjustHandles="1" noChangeArrowheads="1" noChangeShapeType="1" noTextEdit="1"/>
-              </p:cNvSpPr>
-              <p:nvPr/>
-            </p:nvSpPr>
-            <p:spPr>
-              <a:xfrm>
-                <a:off x="6540982" y="1780979"/>
-                <a:ext cx="123239" cy="169277"/>
-              </a:xfrm>
-              <a:prstGeom prst="rect">
-                <a:avLst/>
-              </a:prstGeom>
-              <a:blipFill>
-                <a:blip r:embed="rId6"/>
-                <a:stretch>
-                  <a:fillRect l="-25000" r="-25000" b="-7143"/>
-                </a:stretch>
-              </a:blipFill>
-            </p:spPr>
-            <p:txBody>
-              <a:bodyPr/>
-              <a:lstStyle/>
-              <a:p>
-                <a:r>
-                  <a:rPr lang="fr-FR">
-                    <a:noFill/>
-                  </a:rPr>
-                  <a:t> </a:t>
-                </a:r>
-              </a:p>
-            </p:txBody>
-          </p:sp>
-        </mc:Fallback>
-      </mc:AlternateContent>
-      <mc:AlternateContent xmlns:mc="http://schemas.openxmlformats.org/markup-compatibility/2006" xmlns:a14="http://schemas.microsoft.com/office/drawing/2010/main">
-        <mc:Choice Requires="a14">
-          <p:sp>
-            <p:nvSpPr>
-              <p:cNvPr id="40" name="ZoneTexte 39">
-                <a:extLst>
-                  <a:ext uri="{FF2B5EF4-FFF2-40B4-BE49-F238E27FC236}">
-                    <a16:creationId xmlns:a16="http://schemas.microsoft.com/office/drawing/2014/main" id="{296C7F8F-E7D4-F0C9-5AC5-F98581706E4A}"/>
-                  </a:ext>
-                </a:extLst>
-              </p:cNvPr>
-              <p:cNvSpPr txBox="1"/>
-              <p:nvPr/>
-            </p:nvSpPr>
-            <p:spPr>
-              <a:xfrm>
-                <a:off x="7472981" y="1780979"/>
-                <a:ext cx="133946" cy="169277"/>
-              </a:xfrm>
-              <a:prstGeom prst="rect">
-                <a:avLst/>
-              </a:prstGeom>
-              <a:noFill/>
-            </p:spPr>
-            <p:txBody>
-              <a:bodyPr wrap="none" lIns="0" tIns="0" rIns="0" bIns="0" rtlCol="0">
-                <a:spAutoFit/>
-              </a:bodyPr>
-              <a:lstStyle/>
-              <a:p>
-                <a:pPr/>
-                <a14:m>
-                  <m:oMathPara xmlns:m="http://schemas.openxmlformats.org/officeDocument/2006/math">
-                    <m:oMathParaPr>
-                      <m:jc m:val="centerGroup"/>
-                    </m:oMathParaPr>
-                    <m:oMath xmlns:m="http://schemas.openxmlformats.org/officeDocument/2006/math">
-                      <m:r>
-                        <a:rPr lang="fr-FR" sz="1100" b="0" i="1" smtClean="0">
-                          <a:latin typeface="Cambria Math" panose="02040503050406030204" pitchFamily="18" charset="0"/>
-                        </a:rPr>
-                        <m:t>𝐷</m:t>
-                      </m:r>
-                    </m:oMath>
-                  </m:oMathPara>
-                </a14:m>
-                <a:endParaRPr lang="fr-FR" dirty="0"/>
-              </a:p>
-            </p:txBody>
-          </p:sp>
-        </mc:Choice>
-        <mc:Fallback xmlns="">
-          <p:sp>
-            <p:nvSpPr>
-              <p:cNvPr id="40" name="ZoneTexte 39">
-                <a:extLst>
-                  <a:ext uri="{FF2B5EF4-FFF2-40B4-BE49-F238E27FC236}">
-                    <a16:creationId xmlns:a16="http://schemas.microsoft.com/office/drawing/2014/main" id="{296C7F8F-E7D4-F0C9-5AC5-F98581706E4A}"/>
-                  </a:ext>
-                </a:extLst>
-              </p:cNvPr>
-              <p:cNvSpPr txBox="1">
-                <a:spLocks noRot="1" noChangeAspect="1" noMove="1" noResize="1" noEditPoints="1" noAdjustHandles="1" noChangeArrowheads="1" noChangeShapeType="1" noTextEdit="1"/>
-              </p:cNvSpPr>
-              <p:nvPr/>
-            </p:nvSpPr>
-            <p:spPr>
-              <a:xfrm>
-                <a:off x="7472981" y="1780979"/>
-                <a:ext cx="133946" cy="169277"/>
-              </a:xfrm>
-              <a:prstGeom prst="rect">
-                <a:avLst/>
-              </a:prstGeom>
-              <a:blipFill>
-                <a:blip r:embed="rId7"/>
-                <a:stretch>
-                  <a:fillRect l="-22727" r="-22727" b="-7143"/>
-                </a:stretch>
-              </a:blipFill>
-            </p:spPr>
-            <p:txBody>
-              <a:bodyPr/>
-              <a:lstStyle/>
-              <a:p>
-                <a:r>
-                  <a:rPr lang="fr-FR">
-                    <a:noFill/>
-                  </a:rPr>
-                  <a:t> </a:t>
-                </a:r>
-              </a:p>
-            </p:txBody>
-          </p:sp>
-        </mc:Fallback>
-      </mc:AlternateContent>
-      <p:cxnSp>
-        <p:nvCxnSpPr>
-          <p:cNvPr id="25" name="Connecteur droit 24">
-            <a:extLst>
-              <a:ext uri="{FF2B5EF4-FFF2-40B4-BE49-F238E27FC236}">
-                <a16:creationId xmlns:a16="http://schemas.microsoft.com/office/drawing/2014/main" id="{B9D48251-6524-9105-9165-A470C93D49EA}"/>
-              </a:ext>
-            </a:extLst>
-          </p:cNvPr>
-          <p:cNvCxnSpPr>
-            <a:cxnSpLocks/>
-          </p:cNvCxnSpPr>
-          <p:nvPr/>
-        </p:nvCxnSpPr>
-        <p:spPr>
-          <a:xfrm flipV="1">
-            <a:off x="6819954" y="1294417"/>
-            <a:ext cx="0" cy="681824"/>
-          </a:xfrm>
-          <a:prstGeom prst="line">
-            <a:avLst/>
-          </a:prstGeom>
-          <a:solidFill>
-            <a:schemeClr val="bg1"/>
-          </a:solidFill>
-          <a:ln w="28575">
-            <a:solidFill>
-              <a:srgbClr val="C00000"/>
-            </a:solidFill>
-            <a:tailEnd type="stealth" w="med" len="lg"/>
-          </a:ln>
-        </p:spPr>
-        <p:style>
-          <a:lnRef idx="2">
-            <a:schemeClr val="accent1">
-              <a:shade val="50000"/>
-            </a:schemeClr>
-          </a:lnRef>
-          <a:fillRef idx="1">
-            <a:schemeClr val="accent1"/>
-          </a:fillRef>
-          <a:effectRef idx="0">
-            <a:schemeClr val="accent1"/>
-          </a:effectRef>
-          <a:fontRef idx="minor">
-            <a:schemeClr val="lt1"/>
-          </a:fontRef>
-        </p:style>
-      </p:cxnSp>
-      <mc:AlternateContent xmlns:mc="http://schemas.openxmlformats.org/markup-compatibility/2006" xmlns:a14="http://schemas.microsoft.com/office/drawing/2010/main">
-        <mc:Choice Requires="a14">
-          <p:sp>
-            <p:nvSpPr>
-              <p:cNvPr id="26" name="ZoneTexte 25">
-                <a:extLst>
-                  <a:ext uri="{FF2B5EF4-FFF2-40B4-BE49-F238E27FC236}">
-                    <a16:creationId xmlns:a16="http://schemas.microsoft.com/office/drawing/2014/main" id="{457E0124-6EF8-D914-88BF-1B6E0962DA87}"/>
-                  </a:ext>
-                </a:extLst>
-              </p:cNvPr>
-              <p:cNvSpPr txBox="1"/>
-              <p:nvPr/>
-            </p:nvSpPr>
-            <p:spPr>
-              <a:xfrm>
-                <a:off x="6871148" y="1293377"/>
-                <a:ext cx="182806" cy="182614"/>
-              </a:xfrm>
-              <a:prstGeom prst="rect">
-                <a:avLst/>
-              </a:prstGeom>
-              <a:noFill/>
-            </p:spPr>
-            <p:txBody>
-              <a:bodyPr wrap="none" lIns="0" tIns="0" rIns="0" bIns="0" rtlCol="0">
-                <a:spAutoFit/>
-              </a:bodyPr>
-              <a:lstStyle/>
-              <a:p>
-                <a:pPr/>
-                <a14:m>
-                  <m:oMathPara xmlns:m="http://schemas.openxmlformats.org/officeDocument/2006/math">
-                    <m:oMathParaPr>
-                      <m:jc m:val="centerGroup"/>
-                    </m:oMathParaPr>
-                    <m:oMath xmlns:m="http://schemas.openxmlformats.org/officeDocument/2006/math">
-                      <m:sSub>
-                        <m:sSubPr>
-                          <m:ctrlPr>
-                            <a:rPr lang="fr-FR" sz="1100" b="0" i="1" smtClean="0">
-                              <a:latin typeface="Cambria Math" panose="02040503050406030204" pitchFamily="18" charset="0"/>
-                            </a:rPr>
-                          </m:ctrlPr>
-                        </m:sSubPr>
-                        <m:e>
-                          <m:r>
-                            <a:rPr lang="fr-FR" sz="1100" b="0" i="1" smtClean="0">
-                              <a:latin typeface="Cambria Math" panose="02040503050406030204" pitchFamily="18" charset="0"/>
-                            </a:rPr>
-                            <m:t>𝐶</m:t>
-                          </m:r>
-                        </m:e>
-                        <m:sub>
-                          <m:r>
-                            <a:rPr lang="fr-FR" sz="1100" b="0" i="1" smtClean="0">
-                              <a:latin typeface="Cambria Math" panose="02040503050406030204" pitchFamily="18" charset="0"/>
-                            </a:rPr>
-                            <m:t>𝑦</m:t>
-                          </m:r>
-                        </m:sub>
-                      </m:sSub>
-                    </m:oMath>
-                  </m:oMathPara>
-                </a14:m>
-                <a:endParaRPr lang="fr-FR" dirty="0"/>
-              </a:p>
-            </p:txBody>
-          </p:sp>
-        </mc:Choice>
-        <mc:Fallback xmlns="">
-          <p:sp>
-            <p:nvSpPr>
-              <p:cNvPr id="26" name="ZoneTexte 25">
-                <a:extLst>
-                  <a:ext uri="{FF2B5EF4-FFF2-40B4-BE49-F238E27FC236}">
-                    <a16:creationId xmlns:a16="http://schemas.microsoft.com/office/drawing/2014/main" id="{457E0124-6EF8-D914-88BF-1B6E0962DA87}"/>
-                  </a:ext>
-                </a:extLst>
-              </p:cNvPr>
-              <p:cNvSpPr txBox="1">
-                <a:spLocks noRot="1" noChangeAspect="1" noMove="1" noResize="1" noEditPoints="1" noAdjustHandles="1" noChangeArrowheads="1" noChangeShapeType="1" noTextEdit="1"/>
-              </p:cNvSpPr>
-              <p:nvPr/>
-            </p:nvSpPr>
-            <p:spPr>
-              <a:xfrm>
-                <a:off x="6871148" y="1293377"/>
-                <a:ext cx="182806" cy="182614"/>
-              </a:xfrm>
-              <a:prstGeom prst="rect">
-                <a:avLst/>
-              </a:prstGeom>
-              <a:blipFill>
-                <a:blip r:embed="rId8"/>
-                <a:stretch>
-                  <a:fillRect l="-16667" r="-10000" b="-20000"/>
-                </a:stretch>
-              </a:blipFill>
-            </p:spPr>
-            <p:txBody>
-              <a:bodyPr/>
-              <a:lstStyle/>
-              <a:p>
-                <a:r>
-                  <a:rPr lang="fr-FR">
-                    <a:noFill/>
-                  </a:rPr>
-                  <a:t> </a:t>
-                </a:r>
-              </a:p>
-            </p:txBody>
-          </p:sp>
-        </mc:Fallback>
-      </mc:AlternateContent>
-      <p:cxnSp>
-        <p:nvCxnSpPr>
-          <p:cNvPr id="29" name="Connecteur droit 28">
-            <a:extLst>
-              <a:ext uri="{FF2B5EF4-FFF2-40B4-BE49-F238E27FC236}">
-                <a16:creationId xmlns:a16="http://schemas.microsoft.com/office/drawing/2014/main" id="{D62D5870-44AD-FB58-8EB5-B2AF97F9A470}"/>
-              </a:ext>
-            </a:extLst>
-          </p:cNvPr>
-          <p:cNvCxnSpPr>
-            <a:cxnSpLocks/>
-          </p:cNvCxnSpPr>
-          <p:nvPr/>
-        </p:nvCxnSpPr>
-        <p:spPr>
-          <a:xfrm flipV="1">
-            <a:off x="4652571" y="1307051"/>
-            <a:ext cx="0" cy="681824"/>
-          </a:xfrm>
-          <a:prstGeom prst="line">
-            <a:avLst/>
-          </a:prstGeom>
-          <a:solidFill>
-            <a:schemeClr val="bg1"/>
-          </a:solidFill>
-          <a:ln w="28575">
-            <a:solidFill>
-              <a:srgbClr val="C00000"/>
-            </a:solidFill>
-            <a:tailEnd type="stealth" w="med" len="lg"/>
-          </a:ln>
-        </p:spPr>
-        <p:style>
-          <a:lnRef idx="2">
-            <a:schemeClr val="accent1">
-              <a:shade val="50000"/>
-            </a:schemeClr>
-          </a:lnRef>
-          <a:fillRef idx="1">
-            <a:schemeClr val="accent1"/>
-          </a:fillRef>
-          <a:effectRef idx="0">
-            <a:schemeClr val="accent1"/>
-          </a:effectRef>
-          <a:fontRef idx="minor">
-            <a:schemeClr val="lt1"/>
-          </a:fontRef>
-        </p:style>
-      </p:cxnSp>
-      <mc:AlternateContent xmlns:mc="http://schemas.openxmlformats.org/markup-compatibility/2006" xmlns:a14="http://schemas.microsoft.com/office/drawing/2010/main">
-        <mc:Choice Requires="a14">
-          <p:sp>
-            <p:nvSpPr>
-              <p:cNvPr id="31" name="ZoneTexte 30">
-                <a:extLst>
-                  <a:ext uri="{FF2B5EF4-FFF2-40B4-BE49-F238E27FC236}">
-                    <a16:creationId xmlns:a16="http://schemas.microsoft.com/office/drawing/2014/main" id="{D3593CDB-D2C0-E391-158A-DD375AC3300E}"/>
-                  </a:ext>
-                </a:extLst>
-              </p:cNvPr>
-              <p:cNvSpPr txBox="1"/>
-              <p:nvPr/>
-            </p:nvSpPr>
-            <p:spPr>
-              <a:xfrm>
-                <a:off x="4707973" y="1294417"/>
-                <a:ext cx="186718" cy="182614"/>
-              </a:xfrm>
-              <a:prstGeom prst="rect">
-                <a:avLst/>
-              </a:prstGeom>
-              <a:noFill/>
-            </p:spPr>
-            <p:txBody>
-              <a:bodyPr wrap="none" lIns="0" tIns="0" rIns="0" bIns="0" rtlCol="0">
-                <a:spAutoFit/>
-              </a:bodyPr>
-              <a:lstStyle/>
-              <a:p>
-                <a:pPr/>
-                <a14:m>
-                  <m:oMathPara xmlns:m="http://schemas.openxmlformats.org/officeDocument/2006/math">
-                    <m:oMathParaPr>
-                      <m:jc m:val="centerGroup"/>
-                    </m:oMathParaPr>
-                    <m:oMath xmlns:m="http://schemas.openxmlformats.org/officeDocument/2006/math">
-                      <m:sSub>
-                        <m:sSubPr>
-                          <m:ctrlPr>
-                            <a:rPr lang="fr-FR" sz="1100" b="0" i="1" smtClean="0">
-                              <a:latin typeface="Cambria Math" panose="02040503050406030204" pitchFamily="18" charset="0"/>
-                            </a:rPr>
-                          </m:ctrlPr>
-                        </m:sSubPr>
-                        <m:e>
-                          <m:r>
-                            <a:rPr lang="fr-FR" sz="1100" b="0" i="1" smtClean="0">
-                              <a:latin typeface="Cambria Math" panose="02040503050406030204" pitchFamily="18" charset="0"/>
-                            </a:rPr>
-                            <m:t>𝐵</m:t>
-                          </m:r>
-                        </m:e>
-                        <m:sub>
-                          <m:r>
-                            <a:rPr lang="fr-FR" sz="1100" b="0" i="1" smtClean="0">
-                              <a:latin typeface="Cambria Math" panose="02040503050406030204" pitchFamily="18" charset="0"/>
-                            </a:rPr>
-                            <m:t>𝑦</m:t>
-                          </m:r>
-                        </m:sub>
-                      </m:sSub>
-                    </m:oMath>
-                  </m:oMathPara>
-                </a14:m>
-                <a:endParaRPr lang="fr-FR" dirty="0"/>
-              </a:p>
-            </p:txBody>
-          </p:sp>
-        </mc:Choice>
-        <mc:Fallback xmlns="">
-          <p:sp>
-            <p:nvSpPr>
-              <p:cNvPr id="31" name="ZoneTexte 30">
-                <a:extLst>
-                  <a:ext uri="{FF2B5EF4-FFF2-40B4-BE49-F238E27FC236}">
-                    <a16:creationId xmlns:a16="http://schemas.microsoft.com/office/drawing/2014/main" id="{D3593CDB-D2C0-E391-158A-DD375AC3300E}"/>
-                  </a:ext>
-                </a:extLst>
-              </p:cNvPr>
-              <p:cNvSpPr txBox="1">
-                <a:spLocks noRot="1" noChangeAspect="1" noMove="1" noResize="1" noEditPoints="1" noAdjustHandles="1" noChangeArrowheads="1" noChangeShapeType="1" noTextEdit="1"/>
-              </p:cNvSpPr>
-              <p:nvPr/>
-            </p:nvSpPr>
-            <p:spPr>
-              <a:xfrm>
-                <a:off x="4707973" y="1294417"/>
-                <a:ext cx="186718" cy="182614"/>
-              </a:xfrm>
-              <a:prstGeom prst="rect">
-                <a:avLst/>
-              </a:prstGeom>
-              <a:blipFill>
-                <a:blip r:embed="rId9"/>
-                <a:stretch>
-                  <a:fillRect l="-16129" r="-6452" b="-20000"/>
-                </a:stretch>
-              </a:blipFill>
-            </p:spPr>
-            <p:txBody>
-              <a:bodyPr/>
-              <a:lstStyle/>
-              <a:p>
-                <a:r>
-                  <a:rPr lang="fr-FR">
-                    <a:noFill/>
-                  </a:rPr>
-                  <a:t> </a:t>
-                </a:r>
-              </a:p>
-            </p:txBody>
-          </p:sp>
-        </mc:Fallback>
-      </mc:AlternateContent>
-      <p:cxnSp>
-        <p:nvCxnSpPr>
-          <p:cNvPr id="32" name="Connecteur droit 31">
-            <a:extLst>
-              <a:ext uri="{FF2B5EF4-FFF2-40B4-BE49-F238E27FC236}">
-                <a16:creationId xmlns:a16="http://schemas.microsoft.com/office/drawing/2014/main" id="{FBDB9C64-9D40-AD67-D305-166925A4C1CC}"/>
-              </a:ext>
-            </a:extLst>
-          </p:cNvPr>
-          <p:cNvCxnSpPr>
-            <a:cxnSpLocks/>
-          </p:cNvCxnSpPr>
-          <p:nvPr/>
-        </p:nvCxnSpPr>
-        <p:spPr>
-          <a:xfrm>
-            <a:off x="4665741" y="1988875"/>
-            <a:ext cx="310830" cy="0"/>
-          </a:xfrm>
-          <a:prstGeom prst="line">
-            <a:avLst/>
-          </a:prstGeom>
-          <a:solidFill>
-            <a:schemeClr val="bg1"/>
-          </a:solidFill>
-          <a:ln w="28575">
-            <a:solidFill>
-              <a:srgbClr val="C00000"/>
-            </a:solidFill>
-            <a:tailEnd type="stealth" w="med" len="lg"/>
-          </a:ln>
-        </p:spPr>
-        <p:style>
-          <a:lnRef idx="2">
-            <a:schemeClr val="accent1">
-              <a:shade val="50000"/>
-            </a:schemeClr>
-          </a:lnRef>
-          <a:fillRef idx="1">
-            <a:schemeClr val="accent1"/>
-          </a:fillRef>
-          <a:effectRef idx="0">
-            <a:schemeClr val="accent1"/>
-          </a:effectRef>
-          <a:fontRef idx="minor">
-            <a:schemeClr val="lt1"/>
-          </a:fontRef>
-        </p:style>
-      </p:cxnSp>
-      <mc:AlternateContent xmlns:mc="http://schemas.openxmlformats.org/markup-compatibility/2006" xmlns:a14="http://schemas.microsoft.com/office/drawing/2010/main">
-        <mc:Choice Requires="a14">
-          <p:sp>
-            <p:nvSpPr>
-              <p:cNvPr id="33" name="ZoneTexte 32">
-                <a:extLst>
-                  <a:ext uri="{FF2B5EF4-FFF2-40B4-BE49-F238E27FC236}">
-                    <a16:creationId xmlns:a16="http://schemas.microsoft.com/office/drawing/2014/main" id="{0FF554FA-35BC-A669-6CF1-3D3444D6D926}"/>
-                  </a:ext>
-                </a:extLst>
-              </p:cNvPr>
-              <p:cNvSpPr txBox="1"/>
-              <p:nvPr/>
-            </p:nvSpPr>
-            <p:spPr>
-              <a:xfrm>
-                <a:off x="4841024" y="1732461"/>
-                <a:ext cx="182166" cy="169277"/>
-              </a:xfrm>
-              <a:prstGeom prst="rect">
-                <a:avLst/>
-              </a:prstGeom>
-              <a:noFill/>
-            </p:spPr>
-            <p:txBody>
-              <a:bodyPr wrap="none" lIns="0" tIns="0" rIns="0" bIns="0" rtlCol="0">
-                <a:spAutoFit/>
-              </a:bodyPr>
-              <a:lstStyle/>
-              <a:p>
-                <a:pPr/>
-                <a14:m>
-                  <m:oMathPara xmlns:m="http://schemas.openxmlformats.org/officeDocument/2006/math">
-                    <m:oMathParaPr>
-                      <m:jc m:val="centerGroup"/>
-                    </m:oMathParaPr>
-                    <m:oMath xmlns:m="http://schemas.openxmlformats.org/officeDocument/2006/math">
-                      <m:sSub>
-                        <m:sSubPr>
-                          <m:ctrlPr>
-                            <a:rPr lang="fr-FR" sz="1100" b="0" i="1" smtClean="0">
-                              <a:latin typeface="Cambria Math" panose="02040503050406030204" pitchFamily="18" charset="0"/>
-                            </a:rPr>
-                          </m:ctrlPr>
-                        </m:sSubPr>
-                        <m:e>
-                          <m:r>
-                            <a:rPr lang="fr-FR" sz="1100" b="0" i="1" smtClean="0">
-                              <a:latin typeface="Cambria Math" panose="02040503050406030204" pitchFamily="18" charset="0"/>
-                            </a:rPr>
-                            <m:t>𝐵</m:t>
-                          </m:r>
-                        </m:e>
-                        <m:sub>
-                          <m:r>
-                            <a:rPr lang="fr-FR" sz="1100" b="0" i="1" smtClean="0">
-                              <a:latin typeface="Cambria Math" panose="02040503050406030204" pitchFamily="18" charset="0"/>
-                            </a:rPr>
-                            <m:t>𝑥</m:t>
-                          </m:r>
-                        </m:sub>
-                      </m:sSub>
-                    </m:oMath>
-                  </m:oMathPara>
-                </a14:m>
-                <a:endParaRPr lang="fr-FR" dirty="0"/>
-              </a:p>
-            </p:txBody>
-          </p:sp>
-        </mc:Choice>
-        <mc:Fallback xmlns="">
-          <p:sp>
-            <p:nvSpPr>
-              <p:cNvPr id="33" name="ZoneTexte 32">
-                <a:extLst>
-                  <a:ext uri="{FF2B5EF4-FFF2-40B4-BE49-F238E27FC236}">
-                    <a16:creationId xmlns:a16="http://schemas.microsoft.com/office/drawing/2014/main" id="{0FF554FA-35BC-A669-6CF1-3D3444D6D926}"/>
-                  </a:ext>
-                </a:extLst>
-              </p:cNvPr>
-              <p:cNvSpPr txBox="1">
-                <a:spLocks noRot="1" noChangeAspect="1" noMove="1" noResize="1" noEditPoints="1" noAdjustHandles="1" noChangeArrowheads="1" noChangeShapeType="1" noTextEdit="1"/>
-              </p:cNvSpPr>
-              <p:nvPr/>
-            </p:nvSpPr>
-            <p:spPr>
-              <a:xfrm>
-                <a:off x="4841024" y="1732461"/>
-                <a:ext cx="182166" cy="169277"/>
-              </a:xfrm>
-              <a:prstGeom prst="rect">
-                <a:avLst/>
-              </a:prstGeom>
-              <a:blipFill>
-                <a:blip r:embed="rId10"/>
-                <a:stretch>
-                  <a:fillRect l="-16667" r="-3333" b="-14286"/>
-                </a:stretch>
-              </a:blipFill>
-            </p:spPr>
-            <p:txBody>
-              <a:bodyPr/>
-              <a:lstStyle/>
-              <a:p>
-                <a:r>
-                  <a:rPr lang="fr-FR">
-                    <a:noFill/>
-                  </a:rPr>
-                  <a:t> </a:t>
-                </a:r>
-              </a:p>
-            </p:txBody>
-          </p:sp>
-        </mc:Fallback>
-      </mc:AlternateContent>
-      <p:sp>
-        <p:nvSpPr>
-          <p:cNvPr id="41" name="Forme libre : forme 40">
-            <a:extLst>
-              <a:ext uri="{FF2B5EF4-FFF2-40B4-BE49-F238E27FC236}">
-                <a16:creationId xmlns:a16="http://schemas.microsoft.com/office/drawing/2014/main" id="{881A3FB5-266A-0216-76E2-B76B89D3DC44}"/>
-              </a:ext>
-            </a:extLst>
-          </p:cNvPr>
-          <p:cNvSpPr/>
-          <p:nvPr/>
-        </p:nvSpPr>
-        <p:spPr>
-          <a:xfrm>
-            <a:off x="4232780" y="1820498"/>
-            <a:ext cx="52450" cy="318728"/>
-          </a:xfrm>
-          <a:custGeom>
-            <a:avLst/>
-            <a:gdLst>
-              <a:gd name="connsiteX0" fmla="*/ 0 w 75235"/>
-              <a:gd name="connsiteY0" fmla="*/ 0 h 457200"/>
-              <a:gd name="connsiteX1" fmla="*/ 57873 w 75235"/>
-              <a:gd name="connsiteY1" fmla="*/ 115746 h 457200"/>
-              <a:gd name="connsiteX2" fmla="*/ 17362 w 75235"/>
-              <a:gd name="connsiteY2" fmla="*/ 312516 h 457200"/>
-              <a:gd name="connsiteX3" fmla="*/ 75235 w 75235"/>
-              <a:gd name="connsiteY3" fmla="*/ 457200 h 457200"/>
-            </a:gdLst>
-            <a:ahLst/>
-            <a:cxnLst>
-              <a:cxn ang="0">
-                <a:pos x="connsiteX0" y="connsiteY0"/>
-              </a:cxn>
-              <a:cxn ang="0">
-                <a:pos x="connsiteX1" y="connsiteY1"/>
-              </a:cxn>
-              <a:cxn ang="0">
-                <a:pos x="connsiteX2" y="connsiteY2"/>
-              </a:cxn>
-              <a:cxn ang="0">
-                <a:pos x="connsiteX3" y="connsiteY3"/>
-              </a:cxn>
-            </a:cxnLst>
-            <a:rect l="l" t="t" r="r" b="b"/>
-            <a:pathLst>
-              <a:path w="75235" h="457200">
-                <a:moveTo>
-                  <a:pt x="0" y="0"/>
-                </a:moveTo>
-                <a:cubicBezTo>
-                  <a:pt x="27489" y="31830"/>
-                  <a:pt x="54979" y="63660"/>
-                  <a:pt x="57873" y="115746"/>
-                </a:cubicBezTo>
-                <a:cubicBezTo>
-                  <a:pt x="60767" y="167832"/>
-                  <a:pt x="14468" y="255607"/>
-                  <a:pt x="17362" y="312516"/>
-                </a:cubicBezTo>
-                <a:cubicBezTo>
-                  <a:pt x="20256" y="369425"/>
-                  <a:pt x="57873" y="448519"/>
-                  <a:pt x="75235" y="457200"/>
-                </a:cubicBezTo>
-              </a:path>
-            </a:pathLst>
-          </a:custGeom>
-          <a:noFill/>
-          <a:ln w="38100">
-            <a:solidFill>
-              <a:srgbClr val="00B050"/>
-            </a:solidFill>
-          </a:ln>
-        </p:spPr>
-        <p:style>
-          <a:lnRef idx="2">
-            <a:schemeClr val="accent1">
-              <a:shade val="50000"/>
-            </a:schemeClr>
-          </a:lnRef>
-          <a:fillRef idx="1">
-            <a:schemeClr val="accent1"/>
-          </a:fillRef>
-          <a:effectRef idx="0">
-            <a:schemeClr val="accent1"/>
-          </a:effectRef>
-          <a:fontRef idx="minor">
-            <a:schemeClr val="lt1"/>
-          </a:fontRef>
-        </p:style>
-        <p:txBody>
-          <a:bodyPr rtlCol="0" anchor="ctr"/>
-          <a:lstStyle/>
-          <a:p>
-            <a:pPr algn="ctr"/>
-            <a:endParaRPr lang="fr-FR"/>
-          </a:p>
-        </p:txBody>
-      </p:sp>
-      <mc:AlternateContent xmlns:mc="http://schemas.openxmlformats.org/markup-compatibility/2006" xmlns:a14="http://schemas.microsoft.com/office/drawing/2010/main">
-        <mc:Choice Requires="a14">
-          <p:sp>
-            <p:nvSpPr>
-              <p:cNvPr id="42" name="ZoneTexte 41">
-                <a:extLst>
-                  <a:ext uri="{FF2B5EF4-FFF2-40B4-BE49-F238E27FC236}">
-                    <a16:creationId xmlns:a16="http://schemas.microsoft.com/office/drawing/2014/main" id="{DC20DF48-8AAC-1DD1-EF18-10983F9D37B9}"/>
-                  </a:ext>
-                </a:extLst>
-              </p:cNvPr>
-              <p:cNvSpPr txBox="1"/>
-              <p:nvPr/>
-            </p:nvSpPr>
-            <p:spPr>
-              <a:xfrm>
-                <a:off x="4162252" y="1609730"/>
-                <a:ext cx="177997" cy="169277"/>
-              </a:xfrm>
-              <a:prstGeom prst="rect">
-                <a:avLst/>
-              </a:prstGeom>
-              <a:noFill/>
-            </p:spPr>
-            <p:txBody>
-              <a:bodyPr wrap="none" lIns="0" tIns="0" rIns="0" bIns="0" rtlCol="0">
-                <a:spAutoFit/>
-              </a:bodyPr>
-              <a:lstStyle/>
-              <a:p>
-                <a:pPr/>
-                <a14:m>
-                  <m:oMathPara xmlns:m="http://schemas.openxmlformats.org/officeDocument/2006/math">
-                    <m:oMathParaPr>
-                      <m:jc m:val="centerGroup"/>
-                    </m:oMathParaPr>
-                    <m:oMath xmlns:m="http://schemas.openxmlformats.org/officeDocument/2006/math">
-                      <m:sSub>
-                        <m:sSubPr>
-                          <m:ctrlPr>
-                            <a:rPr lang="fr-FR" sz="1100" b="0" i="1" smtClean="0">
-                              <a:latin typeface="Cambria Math" panose="02040503050406030204" pitchFamily="18" charset="0"/>
-                            </a:rPr>
-                          </m:ctrlPr>
-                        </m:sSubPr>
-                        <m:e>
-                          <m:r>
-                            <a:rPr lang="fr-FR" sz="1100" b="0" i="1" smtClean="0">
-                              <a:latin typeface="Cambria Math" panose="02040503050406030204" pitchFamily="18" charset="0"/>
-                            </a:rPr>
-                            <m:t>𝐺</m:t>
-                          </m:r>
-                        </m:e>
-                        <m:sub>
-                          <m:r>
-                            <a:rPr lang="fr-FR" sz="1100" b="0" i="1" smtClean="0">
-                              <a:latin typeface="Cambria Math" panose="02040503050406030204" pitchFamily="18" charset="0"/>
-                            </a:rPr>
-                            <m:t>1</m:t>
-                          </m:r>
-                        </m:sub>
-                      </m:sSub>
-                    </m:oMath>
-                  </m:oMathPara>
-                </a14:m>
-                <a:endParaRPr lang="fr-FR" dirty="0"/>
-              </a:p>
-            </p:txBody>
-          </p:sp>
-        </mc:Choice>
-        <mc:Fallback xmlns="">
-          <p:sp>
-            <p:nvSpPr>
-              <p:cNvPr id="42" name="ZoneTexte 41">
-                <a:extLst>
-                  <a:ext uri="{FF2B5EF4-FFF2-40B4-BE49-F238E27FC236}">
-                    <a16:creationId xmlns:a16="http://schemas.microsoft.com/office/drawing/2014/main" id="{DC20DF48-8AAC-1DD1-EF18-10983F9D37B9}"/>
-                  </a:ext>
-                </a:extLst>
-              </p:cNvPr>
-              <p:cNvSpPr txBox="1">
-                <a:spLocks noRot="1" noChangeAspect="1" noMove="1" noResize="1" noEditPoints="1" noAdjustHandles="1" noChangeArrowheads="1" noChangeShapeType="1" noTextEdit="1"/>
-              </p:cNvSpPr>
-              <p:nvPr/>
-            </p:nvSpPr>
-            <p:spPr>
-              <a:xfrm>
-                <a:off x="4162252" y="1609730"/>
-                <a:ext cx="177997" cy="169277"/>
-              </a:xfrm>
-              <a:prstGeom prst="rect">
-                <a:avLst/>
-              </a:prstGeom>
-              <a:blipFill>
-                <a:blip r:embed="rId11"/>
-                <a:stretch>
-                  <a:fillRect l="-17241" r="-6897" b="-17857"/>
-                </a:stretch>
-              </a:blipFill>
-            </p:spPr>
-            <p:txBody>
-              <a:bodyPr/>
-              <a:lstStyle/>
-              <a:p>
-                <a:r>
-                  <a:rPr lang="fr-FR">
-                    <a:noFill/>
-                  </a:rPr>
-                  <a:t> </a:t>
-                </a:r>
-              </a:p>
-            </p:txBody>
-          </p:sp>
-        </mc:Fallback>
-      </mc:AlternateContent>
-      <mc:AlternateContent xmlns:mc="http://schemas.openxmlformats.org/markup-compatibility/2006" xmlns:a14="http://schemas.microsoft.com/office/drawing/2010/main">
-        <mc:Choice Requires="a14">
-          <p:sp>
-            <p:nvSpPr>
-              <p:cNvPr id="43" name="Ellipse 42">
-                <a:extLst>
-                  <a:ext uri="{FF2B5EF4-FFF2-40B4-BE49-F238E27FC236}">
-                    <a16:creationId xmlns:a16="http://schemas.microsoft.com/office/drawing/2014/main" id="{450EB561-DD3D-023F-3173-32157E3661F6}"/>
-                  </a:ext>
-                </a:extLst>
-              </p:cNvPr>
-              <p:cNvSpPr/>
-              <p:nvPr/>
-            </p:nvSpPr>
-            <p:spPr>
-              <a:xfrm>
-                <a:off x="3703813" y="1313063"/>
-                <a:ext cx="288000" cy="288000"/>
-              </a:xfrm>
-              <a:prstGeom prst="ellipse">
-                <a:avLst/>
-              </a:prstGeom>
-              <a:solidFill>
-                <a:schemeClr val="bg1"/>
-              </a:solidFill>
-              <a:ln w="19050">
-                <a:solidFill>
-                  <a:srgbClr val="00B050"/>
-                </a:solidFill>
-              </a:ln>
-            </p:spPr>
-            <p:style>
-              <a:lnRef idx="2">
-                <a:schemeClr val="accent1">
-                  <a:shade val="50000"/>
-                </a:schemeClr>
-              </a:lnRef>
-              <a:fillRef idx="1">
-                <a:schemeClr val="accent1"/>
-              </a:fillRef>
-              <a:effectRef idx="0">
-                <a:schemeClr val="accent1"/>
-              </a:effectRef>
-              <a:fontRef idx="minor">
-                <a:schemeClr val="lt1"/>
-              </a:fontRef>
-            </p:style>
-            <p:txBody>
-              <a:bodyPr lIns="0" tIns="0" rIns="0" bIns="0" rtlCol="0" anchor="ctr"/>
-              <a:lstStyle/>
-              <a:p>
-                <a:pPr algn="ctr"/>
-                <a:r>
-                  <a:rPr lang="fr-FR" sz="1200" b="0" dirty="0">
-                    <a:solidFill>
-                      <a:schemeClr val="tx1"/>
-                    </a:solidFill>
-                  </a:rPr>
-                  <a:t> </a:t>
-                </a:r>
-                <a14:m>
-                  <m:oMath xmlns:m="http://schemas.openxmlformats.org/officeDocument/2006/math">
-                    <m:r>
-                      <a:rPr lang="fr-FR" sz="1200" b="0" i="1" smtClean="0">
-                        <a:solidFill>
-                          <a:schemeClr val="tx1"/>
-                        </a:solidFill>
-                        <a:latin typeface="Cambria Math" panose="02040503050406030204" pitchFamily="18" charset="0"/>
-                      </a:rPr>
-                      <m:t>𝐼</m:t>
-                    </m:r>
-                  </m:oMath>
-                </a14:m>
-                <a:endParaRPr lang="fr-FR" sz="1200" dirty="0"/>
-              </a:p>
-            </p:txBody>
-          </p:sp>
-        </mc:Choice>
-        <mc:Fallback xmlns="">
-          <p:sp>
-            <p:nvSpPr>
-              <p:cNvPr id="43" name="Ellipse 42">
-                <a:extLst>
-                  <a:ext uri="{FF2B5EF4-FFF2-40B4-BE49-F238E27FC236}">
-                    <a16:creationId xmlns:a16="http://schemas.microsoft.com/office/drawing/2014/main" id="{450EB561-DD3D-023F-3173-32157E3661F6}"/>
-                  </a:ext>
-                </a:extLst>
-              </p:cNvPr>
-              <p:cNvSpPr>
-                <a:spLocks noRot="1" noChangeAspect="1" noMove="1" noResize="1" noEditPoints="1" noAdjustHandles="1" noChangeArrowheads="1" noChangeShapeType="1" noTextEdit="1"/>
-              </p:cNvSpPr>
-              <p:nvPr/>
-            </p:nvSpPr>
-            <p:spPr>
-              <a:xfrm>
-                <a:off x="3703813" y="1313063"/>
-                <a:ext cx="288000" cy="288000"/>
-              </a:xfrm>
-              <a:prstGeom prst="ellipse">
-                <a:avLst/>
-              </a:prstGeom>
-              <a:blipFill>
-                <a:blip r:embed="rId12"/>
-                <a:stretch>
-                  <a:fillRect/>
-                </a:stretch>
-              </a:blipFill>
-              <a:ln w="19050">
-                <a:solidFill>
-                  <a:srgbClr val="00B050"/>
-                </a:solidFill>
-              </a:ln>
-            </p:spPr>
-            <p:txBody>
-              <a:bodyPr/>
-              <a:lstStyle/>
-              <a:p>
-                <a:r>
-                  <a:rPr lang="fr-FR">
-                    <a:noFill/>
-                  </a:rPr>
-                  <a:t> </a:t>
-                </a:r>
-              </a:p>
-            </p:txBody>
-          </p:sp>
-        </mc:Fallback>
-      </mc:AlternateContent>
-      <mc:AlternateContent xmlns:mc="http://schemas.openxmlformats.org/markup-compatibility/2006" xmlns:a14="http://schemas.microsoft.com/office/drawing/2010/main">
-        <mc:Choice Requires="a14">
-          <p:sp>
-            <p:nvSpPr>
-              <p:cNvPr id="44" name="Ellipse 43">
-                <a:extLst>
-                  <a:ext uri="{FF2B5EF4-FFF2-40B4-BE49-F238E27FC236}">
-                    <a16:creationId xmlns:a16="http://schemas.microsoft.com/office/drawing/2014/main" id="{57AC1567-6749-F385-44C2-4101A2A618B0}"/>
-                  </a:ext>
-                </a:extLst>
-              </p:cNvPr>
-              <p:cNvSpPr/>
-              <p:nvPr/>
-            </p:nvSpPr>
-            <p:spPr>
-              <a:xfrm>
-                <a:off x="5160371" y="1321730"/>
-                <a:ext cx="288000" cy="288000"/>
-              </a:xfrm>
-              <a:prstGeom prst="ellipse">
-                <a:avLst/>
-              </a:prstGeom>
-              <a:solidFill>
-                <a:schemeClr val="bg1"/>
-              </a:solidFill>
-              <a:ln w="19050">
-                <a:solidFill>
-                  <a:srgbClr val="00B050"/>
-                </a:solidFill>
-              </a:ln>
-            </p:spPr>
-            <p:style>
-              <a:lnRef idx="2">
-                <a:schemeClr val="accent1">
-                  <a:shade val="50000"/>
-                </a:schemeClr>
-              </a:lnRef>
-              <a:fillRef idx="1">
-                <a:schemeClr val="accent1"/>
-              </a:fillRef>
-              <a:effectRef idx="0">
-                <a:schemeClr val="accent1"/>
-              </a:effectRef>
-              <a:fontRef idx="minor">
-                <a:schemeClr val="lt1"/>
-              </a:fontRef>
-            </p:style>
-            <p:txBody>
-              <a:bodyPr lIns="0" tIns="0" rIns="0" bIns="0" rtlCol="0" anchor="ctr"/>
-              <a:lstStyle/>
-              <a:p>
-                <a:pPr algn="ctr"/>
-                <a:r>
-                  <a:rPr lang="fr-FR" sz="1200" b="0" dirty="0">
-                    <a:solidFill>
-                      <a:schemeClr val="tx1"/>
-                    </a:solidFill>
-                  </a:rPr>
-                  <a:t> </a:t>
-                </a:r>
-                <a14:m>
-                  <m:oMath xmlns:m="http://schemas.openxmlformats.org/officeDocument/2006/math">
-                    <m:r>
-                      <a:rPr lang="fr-FR" sz="1200" b="0" i="1" smtClean="0">
-                        <a:solidFill>
-                          <a:schemeClr val="tx1"/>
-                        </a:solidFill>
-                        <a:latin typeface="Cambria Math" panose="02040503050406030204" pitchFamily="18" charset="0"/>
-                      </a:rPr>
-                      <m:t>𝐼𝐼</m:t>
-                    </m:r>
-                  </m:oMath>
-                </a14:m>
-                <a:endParaRPr lang="fr-FR" sz="1200" dirty="0"/>
-              </a:p>
-            </p:txBody>
-          </p:sp>
-        </mc:Choice>
-        <mc:Fallback xmlns="">
-          <p:sp>
-            <p:nvSpPr>
-              <p:cNvPr id="44" name="Ellipse 43">
-                <a:extLst>
-                  <a:ext uri="{FF2B5EF4-FFF2-40B4-BE49-F238E27FC236}">
-                    <a16:creationId xmlns:a16="http://schemas.microsoft.com/office/drawing/2014/main" id="{57AC1567-6749-F385-44C2-4101A2A618B0}"/>
-                  </a:ext>
-                </a:extLst>
-              </p:cNvPr>
-              <p:cNvSpPr>
-                <a:spLocks noRot="1" noChangeAspect="1" noMove="1" noResize="1" noEditPoints="1" noAdjustHandles="1" noChangeArrowheads="1" noChangeShapeType="1" noTextEdit="1"/>
-              </p:cNvSpPr>
-              <p:nvPr/>
-            </p:nvSpPr>
-            <p:spPr>
-              <a:xfrm>
-                <a:off x="5160371" y="1321730"/>
-                <a:ext cx="288000" cy="288000"/>
-              </a:xfrm>
-              <a:prstGeom prst="ellipse">
-                <a:avLst/>
-              </a:prstGeom>
-              <a:blipFill>
-                <a:blip r:embed="rId13"/>
-                <a:stretch>
-                  <a:fillRect/>
-                </a:stretch>
-              </a:blipFill>
-              <a:ln w="19050">
-                <a:solidFill>
-                  <a:srgbClr val="00B050"/>
-                </a:solidFill>
-              </a:ln>
-            </p:spPr>
-            <p:txBody>
-              <a:bodyPr/>
-              <a:lstStyle/>
-              <a:p>
-                <a:r>
-                  <a:rPr lang="fr-FR">
-                    <a:noFill/>
-                  </a:rPr>
-                  <a:t> </a:t>
-                </a:r>
-              </a:p>
-            </p:txBody>
-          </p:sp>
-        </mc:Fallback>
-      </mc:AlternateContent>
-    </p:spTree>
-    <p:extLst>
-      <p:ext uri="{BB962C8B-B14F-4D97-AF65-F5344CB8AC3E}">
-        <p14:creationId xmlns:p14="http://schemas.microsoft.com/office/powerpoint/2010/main" val="2794782026"/>
-      </p:ext>
-    </p:extLst>
-  </p:cSld>
-  <p:clrMapOvr>
-    <a:masterClrMapping/>
-  </p:clrMapOvr>
-</p:sld>
-</file>
-
 <file path=ppt/theme/theme1.xml><?xml version="1.0" encoding="utf-8"?>
 <a:theme xmlns:a="http://schemas.openxmlformats.org/drawingml/2006/main" name="Thème Office">
   <a:themeElements>

--- a/2022/Exemple/FichiersProf/CorrigeLaTeX/images/Figures.pptx
+++ b/2022/Exemple/FichiersProf/CorrigeLaTeX/images/Figures.pptx
@@ -7,16 +7,17 @@
   <p:sldIdLst>
     <p:sldId id="256" r:id="rId2"/>
     <p:sldId id="265" r:id="rId3"/>
-    <p:sldId id="270" r:id="rId4"/>
-    <p:sldId id="257" r:id="rId5"/>
-    <p:sldId id="266" r:id="rId6"/>
-    <p:sldId id="267" r:id="rId7"/>
-    <p:sldId id="268" r:id="rId8"/>
-    <p:sldId id="269" r:id="rId9"/>
-    <p:sldId id="261" r:id="rId10"/>
-    <p:sldId id="262" r:id="rId11"/>
-    <p:sldId id="263" r:id="rId12"/>
-    <p:sldId id="264" r:id="rId13"/>
+    <p:sldId id="271" r:id="rId4"/>
+    <p:sldId id="270" r:id="rId5"/>
+    <p:sldId id="257" r:id="rId6"/>
+    <p:sldId id="266" r:id="rId7"/>
+    <p:sldId id="267" r:id="rId8"/>
+    <p:sldId id="268" r:id="rId9"/>
+    <p:sldId id="269" r:id="rId10"/>
+    <p:sldId id="261" r:id="rId11"/>
+    <p:sldId id="262" r:id="rId12"/>
+    <p:sldId id="263" r:id="rId13"/>
+    <p:sldId id="264" r:id="rId14"/>
   </p:sldIdLst>
   <p:sldSz cx="12192000" cy="6858000"/>
   <p:notesSz cx="6858000" cy="9144000"/>
@@ -281,7 +282,7 @@
           <a:p>
             <a:fld id="{8C52326C-F649-4E85-9AEA-DEE8D2390CE5}" type="datetimeFigureOut">
               <a:rPr lang="fr-FR" smtClean="0"/>
-              <a:t>17/07/2022</a:t>
+              <a:t>18/07/2022</a:t>
             </a:fld>
             <a:endParaRPr lang="fr-FR"/>
           </a:p>
@@ -479,7 +480,7 @@
           <a:p>
             <a:fld id="{8C52326C-F649-4E85-9AEA-DEE8D2390CE5}" type="datetimeFigureOut">
               <a:rPr lang="fr-FR" smtClean="0"/>
-              <a:t>17/07/2022</a:t>
+              <a:t>18/07/2022</a:t>
             </a:fld>
             <a:endParaRPr lang="fr-FR"/>
           </a:p>
@@ -687,7 +688,7 @@
           <a:p>
             <a:fld id="{8C52326C-F649-4E85-9AEA-DEE8D2390CE5}" type="datetimeFigureOut">
               <a:rPr lang="fr-FR" smtClean="0"/>
-              <a:t>17/07/2022</a:t>
+              <a:t>18/07/2022</a:t>
             </a:fld>
             <a:endParaRPr lang="fr-FR"/>
           </a:p>
@@ -885,7 +886,7 @@
           <a:p>
             <a:fld id="{8C52326C-F649-4E85-9AEA-DEE8D2390CE5}" type="datetimeFigureOut">
               <a:rPr lang="fr-FR" smtClean="0"/>
-              <a:t>17/07/2022</a:t>
+              <a:t>18/07/2022</a:t>
             </a:fld>
             <a:endParaRPr lang="fr-FR"/>
           </a:p>
@@ -1160,7 +1161,7 @@
           <a:p>
             <a:fld id="{8C52326C-F649-4E85-9AEA-DEE8D2390CE5}" type="datetimeFigureOut">
               <a:rPr lang="fr-FR" smtClean="0"/>
-              <a:t>17/07/2022</a:t>
+              <a:t>18/07/2022</a:t>
             </a:fld>
             <a:endParaRPr lang="fr-FR"/>
           </a:p>
@@ -1425,7 +1426,7 @@
           <a:p>
             <a:fld id="{8C52326C-F649-4E85-9AEA-DEE8D2390CE5}" type="datetimeFigureOut">
               <a:rPr lang="fr-FR" smtClean="0"/>
-              <a:t>17/07/2022</a:t>
+              <a:t>18/07/2022</a:t>
             </a:fld>
             <a:endParaRPr lang="fr-FR"/>
           </a:p>
@@ -1837,7 +1838,7 @@
           <a:p>
             <a:fld id="{8C52326C-F649-4E85-9AEA-DEE8D2390CE5}" type="datetimeFigureOut">
               <a:rPr lang="fr-FR" smtClean="0"/>
-              <a:t>17/07/2022</a:t>
+              <a:t>18/07/2022</a:t>
             </a:fld>
             <a:endParaRPr lang="fr-FR"/>
           </a:p>
@@ -1978,7 +1979,7 @@
           <a:p>
             <a:fld id="{8C52326C-F649-4E85-9AEA-DEE8D2390CE5}" type="datetimeFigureOut">
               <a:rPr lang="fr-FR" smtClean="0"/>
-              <a:t>17/07/2022</a:t>
+              <a:t>18/07/2022</a:t>
             </a:fld>
             <a:endParaRPr lang="fr-FR"/>
           </a:p>
@@ -2091,7 +2092,7 @@
           <a:p>
             <a:fld id="{8C52326C-F649-4E85-9AEA-DEE8D2390CE5}" type="datetimeFigureOut">
               <a:rPr lang="fr-FR" smtClean="0"/>
-              <a:t>17/07/2022</a:t>
+              <a:t>18/07/2022</a:t>
             </a:fld>
             <a:endParaRPr lang="fr-FR"/>
           </a:p>
@@ -2402,7 +2403,7 @@
           <a:p>
             <a:fld id="{8C52326C-F649-4E85-9AEA-DEE8D2390CE5}" type="datetimeFigureOut">
               <a:rPr lang="fr-FR" smtClean="0"/>
-              <a:t>17/07/2022</a:t>
+              <a:t>18/07/2022</a:t>
             </a:fld>
             <a:endParaRPr lang="fr-FR"/>
           </a:p>
@@ -2690,7 +2691,7 @@
           <a:p>
             <a:fld id="{8C52326C-F649-4E85-9AEA-DEE8D2390CE5}" type="datetimeFigureOut">
               <a:rPr lang="fr-FR" smtClean="0"/>
-              <a:t>17/07/2022</a:t>
+              <a:t>18/07/2022</a:t>
             </a:fld>
             <a:endParaRPr lang="fr-FR"/>
           </a:p>
@@ -2931,7 +2932,7 @@
           <a:p>
             <a:fld id="{8C52326C-F649-4E85-9AEA-DEE8D2390CE5}" type="datetimeFigureOut">
               <a:rPr lang="fr-FR" smtClean="0"/>
-              <a:t>17/07/2022</a:t>
+              <a:t>18/07/2022</a:t>
             </a:fld>
             <a:endParaRPr lang="fr-FR"/>
           </a:p>
@@ -3946,6 +3947,2035 @@
 </file>
 
 <file path=ppt/slides/slide10.xml><?xml version="1.0" encoding="utf-8"?>
+<p:sld xmlns:a="http://schemas.openxmlformats.org/drawingml/2006/main" xmlns:r="http://schemas.openxmlformats.org/officeDocument/2006/relationships" xmlns:p="http://schemas.openxmlformats.org/presentationml/2006/main">
+  <p:cSld>
+    <p:spTree>
+      <p:nvGrpSpPr>
+        <p:cNvPr id="1" name=""/>
+        <p:cNvGrpSpPr/>
+        <p:nvPr/>
+      </p:nvGrpSpPr>
+      <p:grpSpPr>
+        <a:xfrm>
+          <a:off x="0" y="0"/>
+          <a:ext cx="0" cy="0"/>
+          <a:chOff x="0" y="0"/>
+          <a:chExt cx="0" cy="0"/>
+        </a:xfrm>
+      </p:grpSpPr>
+      <p:cxnSp>
+        <p:nvCxnSpPr>
+          <p:cNvPr id="28" name="Connecteur droit 27">
+            <a:extLst>
+              <a:ext uri="{FF2B5EF4-FFF2-40B4-BE49-F238E27FC236}">
+                <a16:creationId xmlns:a16="http://schemas.microsoft.com/office/drawing/2014/main" id="{C74975E6-0C86-2C0D-1C03-38CA4DF43AE8}"/>
+              </a:ext>
+            </a:extLst>
+          </p:cNvPr>
+          <p:cNvCxnSpPr>
+            <a:cxnSpLocks/>
+          </p:cNvCxnSpPr>
+          <p:nvPr/>
+        </p:nvCxnSpPr>
+        <p:spPr>
+          <a:xfrm>
+            <a:off x="6819954" y="1989882"/>
+            <a:ext cx="720000" cy="0"/>
+          </a:xfrm>
+          <a:prstGeom prst="line">
+            <a:avLst/>
+          </a:prstGeom>
+          <a:solidFill>
+            <a:schemeClr val="bg1"/>
+          </a:solidFill>
+          <a:ln w="28575">
+            <a:solidFill>
+              <a:srgbClr val="7030A0"/>
+            </a:solidFill>
+          </a:ln>
+        </p:spPr>
+        <p:style>
+          <a:lnRef idx="2">
+            <a:schemeClr val="accent1">
+              <a:shade val="50000"/>
+            </a:schemeClr>
+          </a:lnRef>
+          <a:fillRef idx="1">
+            <a:schemeClr val="accent1"/>
+          </a:fillRef>
+          <a:effectRef idx="0">
+            <a:schemeClr val="accent1"/>
+          </a:effectRef>
+          <a:fontRef idx="minor">
+            <a:schemeClr val="lt1"/>
+          </a:fontRef>
+        </p:style>
+      </p:cxnSp>
+      <p:cxnSp>
+        <p:nvCxnSpPr>
+          <p:cNvPr id="24" name="Connecteur droit 23">
+            <a:extLst>
+              <a:ext uri="{FF2B5EF4-FFF2-40B4-BE49-F238E27FC236}">
+                <a16:creationId xmlns:a16="http://schemas.microsoft.com/office/drawing/2014/main" id="{419E6C69-F7DC-0316-44A5-385751940AED}"/>
+              </a:ext>
+            </a:extLst>
+          </p:cNvPr>
+          <p:cNvCxnSpPr>
+            <a:cxnSpLocks/>
+          </p:cNvCxnSpPr>
+          <p:nvPr/>
+        </p:nvCxnSpPr>
+        <p:spPr>
+          <a:xfrm>
+            <a:off x="3939954" y="1989882"/>
+            <a:ext cx="720000" cy="0"/>
+          </a:xfrm>
+          <a:prstGeom prst="line">
+            <a:avLst/>
+          </a:prstGeom>
+          <a:solidFill>
+            <a:schemeClr val="bg1"/>
+          </a:solidFill>
+          <a:ln w="28575">
+            <a:solidFill>
+              <a:srgbClr val="7030A0"/>
+            </a:solidFill>
+          </a:ln>
+        </p:spPr>
+        <p:style>
+          <a:lnRef idx="2">
+            <a:schemeClr val="accent1">
+              <a:shade val="50000"/>
+            </a:schemeClr>
+          </a:lnRef>
+          <a:fillRef idx="1">
+            <a:schemeClr val="accent1"/>
+          </a:fillRef>
+          <a:effectRef idx="0">
+            <a:schemeClr val="accent1"/>
+          </a:effectRef>
+          <a:fontRef idx="minor">
+            <a:schemeClr val="lt1"/>
+          </a:fontRef>
+        </p:style>
+      </p:cxnSp>
+      <p:sp>
+        <p:nvSpPr>
+          <p:cNvPr id="22" name="Rectangle 21">
+            <a:extLst>
+              <a:ext uri="{FF2B5EF4-FFF2-40B4-BE49-F238E27FC236}">
+                <a16:creationId xmlns:a16="http://schemas.microsoft.com/office/drawing/2014/main" id="{C1B9B700-CF80-4993-1363-19B22CF5328D}"/>
+              </a:ext>
+            </a:extLst>
+          </p:cNvPr>
+          <p:cNvSpPr/>
+          <p:nvPr/>
+        </p:nvSpPr>
+        <p:spPr>
+          <a:xfrm>
+            <a:off x="6585954" y="2043227"/>
+            <a:ext cx="468000" cy="144000"/>
+          </a:xfrm>
+          <a:prstGeom prst="rect">
+            <a:avLst/>
+          </a:prstGeom>
+          <a:solidFill>
+            <a:schemeClr val="bg1"/>
+          </a:solidFill>
+          <a:ln w="28575">
+            <a:solidFill>
+              <a:schemeClr val="accent1">
+                <a:lumMod val="50000"/>
+              </a:schemeClr>
+            </a:solidFill>
+          </a:ln>
+        </p:spPr>
+        <p:style>
+          <a:lnRef idx="2">
+            <a:schemeClr val="accent1">
+              <a:shade val="50000"/>
+            </a:schemeClr>
+          </a:lnRef>
+          <a:fillRef idx="1">
+            <a:schemeClr val="accent1"/>
+          </a:fillRef>
+          <a:effectRef idx="0">
+            <a:schemeClr val="accent1"/>
+          </a:effectRef>
+          <a:fontRef idx="minor">
+            <a:schemeClr val="lt1"/>
+          </a:fontRef>
+        </p:style>
+        <p:txBody>
+          <a:bodyPr rtlCol="0" anchor="ctr"/>
+          <a:lstStyle/>
+          <a:p>
+            <a:pPr algn="ctr"/>
+            <a:endParaRPr lang="fr-FR"/>
+          </a:p>
+        </p:txBody>
+      </p:sp>
+      <p:sp>
+        <p:nvSpPr>
+          <p:cNvPr id="20" name="Arc 19">
+            <a:extLst>
+              <a:ext uri="{FF2B5EF4-FFF2-40B4-BE49-F238E27FC236}">
+                <a16:creationId xmlns:a16="http://schemas.microsoft.com/office/drawing/2014/main" id="{9A9E1B3D-DDC9-D643-D638-F1A4F560EE1D}"/>
+              </a:ext>
+            </a:extLst>
+          </p:cNvPr>
+          <p:cNvSpPr/>
+          <p:nvPr/>
+        </p:nvSpPr>
+        <p:spPr>
+          <a:xfrm>
+            <a:off x="4479954" y="1809882"/>
+            <a:ext cx="360000" cy="360000"/>
+          </a:xfrm>
+          <a:prstGeom prst="arc">
+            <a:avLst>
+              <a:gd name="adj1" fmla="val 857438"/>
+              <a:gd name="adj2" fmla="val 10008154"/>
+            </a:avLst>
+          </a:prstGeom>
+          <a:solidFill>
+            <a:schemeClr val="bg1"/>
+          </a:solidFill>
+          <a:ln w="28575">
+            <a:solidFill>
+              <a:schemeClr val="accent1">
+                <a:lumMod val="50000"/>
+              </a:schemeClr>
+            </a:solidFill>
+          </a:ln>
+        </p:spPr>
+        <p:style>
+          <a:lnRef idx="2">
+            <a:schemeClr val="accent1">
+              <a:shade val="50000"/>
+            </a:schemeClr>
+          </a:lnRef>
+          <a:fillRef idx="1">
+            <a:schemeClr val="accent1"/>
+          </a:fillRef>
+          <a:effectRef idx="0">
+            <a:schemeClr val="accent1"/>
+          </a:effectRef>
+          <a:fontRef idx="minor">
+            <a:schemeClr val="lt1"/>
+          </a:fontRef>
+        </p:style>
+        <p:txBody>
+          <a:bodyPr rtlCol="0" anchor="ctr"/>
+          <a:lstStyle/>
+          <a:p>
+            <a:pPr algn="ctr"/>
+            <a:endParaRPr lang="fr-FR">
+              <a:solidFill>
+                <a:schemeClr val="lt1"/>
+              </a:solidFill>
+            </a:endParaRPr>
+          </a:p>
+        </p:txBody>
+      </p:sp>
+      <p:sp>
+        <p:nvSpPr>
+          <p:cNvPr id="4" name="Ellipse 3">
+            <a:extLst>
+              <a:ext uri="{FF2B5EF4-FFF2-40B4-BE49-F238E27FC236}">
+                <a16:creationId xmlns:a16="http://schemas.microsoft.com/office/drawing/2014/main" id="{2B73D1EA-FA48-A88E-2C82-7210DF13B222}"/>
+              </a:ext>
+            </a:extLst>
+          </p:cNvPr>
+          <p:cNvSpPr/>
+          <p:nvPr/>
+        </p:nvSpPr>
+        <p:spPr>
+          <a:xfrm>
+            <a:off x="4515954" y="1845882"/>
+            <a:ext cx="288000" cy="288000"/>
+          </a:xfrm>
+          <a:prstGeom prst="ellipse">
+            <a:avLst/>
+          </a:prstGeom>
+          <a:solidFill>
+            <a:schemeClr val="bg1"/>
+          </a:solidFill>
+          <a:ln w="28575">
+            <a:solidFill>
+              <a:srgbClr val="7030A0"/>
+            </a:solidFill>
+          </a:ln>
+        </p:spPr>
+        <p:style>
+          <a:lnRef idx="2">
+            <a:schemeClr val="accent1">
+              <a:shade val="50000"/>
+            </a:schemeClr>
+          </a:lnRef>
+          <a:fillRef idx="1">
+            <a:schemeClr val="accent1"/>
+          </a:fillRef>
+          <a:effectRef idx="0">
+            <a:schemeClr val="accent1"/>
+          </a:effectRef>
+          <a:fontRef idx="minor">
+            <a:schemeClr val="lt1"/>
+          </a:fontRef>
+        </p:style>
+        <p:txBody>
+          <a:bodyPr rtlCol="0" anchor="ctr"/>
+          <a:lstStyle/>
+          <a:p>
+            <a:pPr algn="ctr"/>
+            <a:endParaRPr lang="fr-FR"/>
+          </a:p>
+        </p:txBody>
+      </p:sp>
+      <p:sp>
+        <p:nvSpPr>
+          <p:cNvPr id="5" name="Ellipse 4">
+            <a:extLst>
+              <a:ext uri="{FF2B5EF4-FFF2-40B4-BE49-F238E27FC236}">
+                <a16:creationId xmlns:a16="http://schemas.microsoft.com/office/drawing/2014/main" id="{FF4125D3-B40D-1102-AF1F-AC49C21130B0}"/>
+              </a:ext>
+            </a:extLst>
+          </p:cNvPr>
+          <p:cNvSpPr/>
+          <p:nvPr/>
+        </p:nvSpPr>
+        <p:spPr>
+          <a:xfrm>
+            <a:off x="6675954" y="1845882"/>
+            <a:ext cx="288000" cy="288000"/>
+          </a:xfrm>
+          <a:prstGeom prst="ellipse">
+            <a:avLst/>
+          </a:prstGeom>
+          <a:solidFill>
+            <a:schemeClr val="bg1"/>
+          </a:solidFill>
+          <a:ln w="28575">
+            <a:solidFill>
+              <a:srgbClr val="7030A0"/>
+            </a:solidFill>
+          </a:ln>
+        </p:spPr>
+        <p:style>
+          <a:lnRef idx="2">
+            <a:schemeClr val="accent1">
+              <a:shade val="50000"/>
+            </a:schemeClr>
+          </a:lnRef>
+          <a:fillRef idx="1">
+            <a:schemeClr val="accent1"/>
+          </a:fillRef>
+          <a:effectRef idx="0">
+            <a:schemeClr val="accent1"/>
+          </a:effectRef>
+          <a:fontRef idx="minor">
+            <a:schemeClr val="lt1"/>
+          </a:fontRef>
+        </p:style>
+        <p:txBody>
+          <a:bodyPr rtlCol="0" anchor="ctr"/>
+          <a:lstStyle/>
+          <a:p>
+            <a:pPr algn="ctr"/>
+            <a:endParaRPr lang="fr-FR"/>
+          </a:p>
+        </p:txBody>
+      </p:sp>
+      <p:cxnSp>
+        <p:nvCxnSpPr>
+          <p:cNvPr id="7" name="Connecteur droit 6">
+            <a:extLst>
+              <a:ext uri="{FF2B5EF4-FFF2-40B4-BE49-F238E27FC236}">
+                <a16:creationId xmlns:a16="http://schemas.microsoft.com/office/drawing/2014/main" id="{34FA399A-B722-EE0F-C3F8-1135C57F47CB}"/>
+              </a:ext>
+            </a:extLst>
+          </p:cNvPr>
+          <p:cNvCxnSpPr>
+            <a:cxnSpLocks/>
+            <a:stCxn id="4" idx="6"/>
+            <a:endCxn id="5" idx="2"/>
+          </p:cNvCxnSpPr>
+          <p:nvPr/>
+        </p:nvCxnSpPr>
+        <p:spPr>
+          <a:xfrm>
+            <a:off x="4803954" y="1989882"/>
+            <a:ext cx="1872000" cy="0"/>
+          </a:xfrm>
+          <a:prstGeom prst="line">
+            <a:avLst/>
+          </a:prstGeom>
+          <a:solidFill>
+            <a:schemeClr val="bg1"/>
+          </a:solidFill>
+          <a:ln w="28575">
+            <a:solidFill>
+              <a:srgbClr val="7030A0"/>
+            </a:solidFill>
+          </a:ln>
+        </p:spPr>
+        <p:style>
+          <a:lnRef idx="2">
+            <a:schemeClr val="accent1">
+              <a:shade val="50000"/>
+            </a:schemeClr>
+          </a:lnRef>
+          <a:fillRef idx="1">
+            <a:schemeClr val="accent1"/>
+          </a:fillRef>
+          <a:effectRef idx="0">
+            <a:schemeClr val="accent1"/>
+          </a:effectRef>
+          <a:fontRef idx="minor">
+            <a:schemeClr val="lt1"/>
+          </a:fontRef>
+        </p:style>
+      </p:cxnSp>
+      <p:cxnSp>
+        <p:nvCxnSpPr>
+          <p:cNvPr id="12" name="Connecteur droit 11">
+            <a:extLst>
+              <a:ext uri="{FF2B5EF4-FFF2-40B4-BE49-F238E27FC236}">
+                <a16:creationId xmlns:a16="http://schemas.microsoft.com/office/drawing/2014/main" id="{C3A9B7BA-686D-0D0C-76AE-2AFFF1BD59A2}"/>
+              </a:ext>
+            </a:extLst>
+          </p:cNvPr>
+          <p:cNvCxnSpPr>
+            <a:cxnSpLocks/>
+          </p:cNvCxnSpPr>
+          <p:nvPr/>
+        </p:nvCxnSpPr>
+        <p:spPr>
+          <a:xfrm flipV="1">
+            <a:off x="3938639" y="1989882"/>
+            <a:ext cx="0" cy="712694"/>
+          </a:xfrm>
+          <a:prstGeom prst="line">
+            <a:avLst/>
+          </a:prstGeom>
+          <a:solidFill>
+            <a:schemeClr val="bg1"/>
+          </a:solidFill>
+          <a:ln w="28575">
+            <a:solidFill>
+              <a:srgbClr val="C00000"/>
+            </a:solidFill>
+            <a:tailEnd type="stealth" w="med" len="lg"/>
+          </a:ln>
+        </p:spPr>
+        <p:style>
+          <a:lnRef idx="2">
+            <a:schemeClr val="accent1">
+              <a:shade val="50000"/>
+            </a:schemeClr>
+          </a:lnRef>
+          <a:fillRef idx="1">
+            <a:schemeClr val="accent1"/>
+          </a:fillRef>
+          <a:effectRef idx="0">
+            <a:schemeClr val="accent1"/>
+          </a:effectRef>
+          <a:fontRef idx="minor">
+            <a:schemeClr val="lt1"/>
+          </a:fontRef>
+        </p:style>
+      </p:cxnSp>
+      <p:cxnSp>
+        <p:nvCxnSpPr>
+          <p:cNvPr id="15" name="Connecteur droit 14">
+            <a:extLst>
+              <a:ext uri="{FF2B5EF4-FFF2-40B4-BE49-F238E27FC236}">
+                <a16:creationId xmlns:a16="http://schemas.microsoft.com/office/drawing/2014/main" id="{53C3C478-37F2-BA19-8C53-FC72D2FBC844}"/>
+              </a:ext>
+            </a:extLst>
+          </p:cNvPr>
+          <p:cNvCxnSpPr>
+            <a:cxnSpLocks/>
+          </p:cNvCxnSpPr>
+          <p:nvPr/>
+        </p:nvCxnSpPr>
+        <p:spPr>
+          <a:xfrm>
+            <a:off x="7539954" y="1989882"/>
+            <a:ext cx="0" cy="531770"/>
+          </a:xfrm>
+          <a:prstGeom prst="line">
+            <a:avLst/>
+          </a:prstGeom>
+          <a:solidFill>
+            <a:schemeClr val="bg1"/>
+          </a:solidFill>
+          <a:ln w="28575">
+            <a:solidFill>
+              <a:srgbClr val="C00000"/>
+            </a:solidFill>
+            <a:tailEnd type="stealth" w="med" len="lg"/>
+          </a:ln>
+        </p:spPr>
+        <p:style>
+          <a:lnRef idx="2">
+            <a:schemeClr val="accent1">
+              <a:shade val="50000"/>
+            </a:schemeClr>
+          </a:lnRef>
+          <a:fillRef idx="1">
+            <a:schemeClr val="accent1"/>
+          </a:fillRef>
+          <a:effectRef idx="0">
+            <a:schemeClr val="accent1"/>
+          </a:effectRef>
+          <a:fontRef idx="minor">
+            <a:schemeClr val="lt1"/>
+          </a:fontRef>
+        </p:style>
+      </p:cxnSp>
+      <mc:AlternateContent xmlns:mc="http://schemas.openxmlformats.org/markup-compatibility/2006" xmlns:a14="http://schemas.microsoft.com/office/drawing/2010/main">
+        <mc:Choice Requires="a14">
+          <p:sp>
+            <p:nvSpPr>
+              <p:cNvPr id="17" name="ZoneTexte 16">
+                <a:extLst>
+                  <a:ext uri="{FF2B5EF4-FFF2-40B4-BE49-F238E27FC236}">
+                    <a16:creationId xmlns:a16="http://schemas.microsoft.com/office/drawing/2014/main" id="{5853C66E-F7C5-9D45-4609-DAC8FD58D6DE}"/>
+                  </a:ext>
+                </a:extLst>
+              </p:cNvPr>
+              <p:cNvSpPr txBox="1"/>
+              <p:nvPr/>
+            </p:nvSpPr>
+            <p:spPr>
+              <a:xfrm>
+                <a:off x="3185368" y="2282129"/>
+                <a:ext cx="708271" cy="208903"/>
+              </a:xfrm>
+              <a:prstGeom prst="rect">
+                <a:avLst/>
+              </a:prstGeom>
+              <a:noFill/>
+            </p:spPr>
+            <p:txBody>
+              <a:bodyPr wrap="none" lIns="0" tIns="0" rIns="0" bIns="0" rtlCol="0">
+                <a:spAutoFit/>
+              </a:bodyPr>
+              <a:lstStyle/>
+              <a:p>
+                <a:pPr/>
+                <a14:m>
+                  <m:oMathPara xmlns:m="http://schemas.openxmlformats.org/officeDocument/2006/math">
+                    <m:oMathParaPr>
+                      <m:jc m:val="centerGroup"/>
+                    </m:oMathParaPr>
+                    <m:oMath xmlns:m="http://schemas.openxmlformats.org/officeDocument/2006/math">
+                      <m:acc>
+                        <m:accPr>
+                          <m:chr m:val="⃗"/>
+                          <m:ctrlPr>
+                            <a:rPr lang="fr-FR" sz="1100" b="0" i="1" smtClean="0">
+                              <a:latin typeface="Cambria Math" panose="02040503050406030204" pitchFamily="18" charset="0"/>
+                            </a:rPr>
+                          </m:ctrlPr>
+                        </m:accPr>
+                        <m:e>
+                          <m:sSub>
+                            <m:sSubPr>
+                              <m:ctrlPr>
+                                <a:rPr lang="fr-FR" sz="1100" i="1">
+                                  <a:latin typeface="Cambria Math" panose="02040503050406030204" pitchFamily="18" charset="0"/>
+                                </a:rPr>
+                              </m:ctrlPr>
+                            </m:sSubPr>
+                            <m:e>
+                              <m:r>
+                                <a:rPr lang="fr-FR" sz="1100" i="1">
+                                  <a:latin typeface="Cambria Math" panose="02040503050406030204" pitchFamily="18" charset="0"/>
+                                </a:rPr>
+                                <m:t>𝐹</m:t>
+                              </m:r>
+                            </m:e>
+                            <m:sub>
+                              <m:r>
+                                <a:rPr lang="fr-FR" sz="1100" i="1">
+                                  <a:latin typeface="Cambria Math" panose="02040503050406030204" pitchFamily="18" charset="0"/>
+                                </a:rPr>
+                                <m:t>𝑙𝑎𝑚𝑒</m:t>
+                              </m:r>
+                              <m:r>
+                                <m:rPr>
+                                  <m:lit/>
+                                </m:rPr>
+                                <a:rPr lang="fr-FR" sz="1100" i="1">
+                                  <a:latin typeface="Cambria Math" panose="02040503050406030204" pitchFamily="18" charset="0"/>
+                                </a:rPr>
+                                <m:t>/</m:t>
+                              </m:r>
+                              <m:r>
+                                <a:rPr lang="fr-FR" sz="1100" i="1">
+                                  <a:latin typeface="Cambria Math" panose="02040503050406030204" pitchFamily="18" charset="0"/>
+                                </a:rPr>
+                                <m:t>𝑎𝑟𝑏𝑟𝑒</m:t>
+                              </m:r>
+                            </m:sub>
+                          </m:sSub>
+                        </m:e>
+                      </m:acc>
+                    </m:oMath>
+                  </m:oMathPara>
+                </a14:m>
+                <a:endParaRPr lang="fr-FR" dirty="0"/>
+              </a:p>
+            </p:txBody>
+          </p:sp>
+        </mc:Choice>
+        <mc:Fallback xmlns="">
+          <p:sp>
+            <p:nvSpPr>
+              <p:cNvPr id="17" name="ZoneTexte 16">
+                <a:extLst>
+                  <a:ext uri="{FF2B5EF4-FFF2-40B4-BE49-F238E27FC236}">
+                    <a16:creationId xmlns:a16="http://schemas.microsoft.com/office/drawing/2014/main" id="{5853C66E-F7C5-9D45-4609-DAC8FD58D6DE}"/>
+                  </a:ext>
+                </a:extLst>
+              </p:cNvPr>
+              <p:cNvSpPr txBox="1">
+                <a:spLocks noRot="1" noChangeAspect="1" noMove="1" noResize="1" noEditPoints="1" noAdjustHandles="1" noChangeArrowheads="1" noChangeShapeType="1" noTextEdit="1"/>
+              </p:cNvSpPr>
+              <p:nvPr/>
+            </p:nvSpPr>
+            <p:spPr>
+              <a:xfrm>
+                <a:off x="3185368" y="2282129"/>
+                <a:ext cx="708271" cy="208903"/>
+              </a:xfrm>
+              <a:prstGeom prst="rect">
+                <a:avLst/>
+              </a:prstGeom>
+              <a:blipFill>
+                <a:blip r:embed="rId2"/>
+                <a:stretch>
+                  <a:fillRect l="-4310" r="-1724" b="-25714"/>
+                </a:stretch>
+              </a:blipFill>
+            </p:spPr>
+            <p:txBody>
+              <a:bodyPr/>
+              <a:lstStyle/>
+              <a:p>
+                <a:r>
+                  <a:rPr lang="fr-FR">
+                    <a:noFill/>
+                  </a:rPr>
+                  <a:t> </a:t>
+                </a:r>
+              </a:p>
+            </p:txBody>
+          </p:sp>
+        </mc:Fallback>
+      </mc:AlternateContent>
+      <mc:AlternateContent xmlns:mc="http://schemas.openxmlformats.org/markup-compatibility/2006" xmlns:a14="http://schemas.microsoft.com/office/drawing/2010/main">
+        <mc:Choice Requires="a14">
+          <p:sp>
+            <p:nvSpPr>
+              <p:cNvPr id="19" name="ZoneTexte 18">
+                <a:extLst>
+                  <a:ext uri="{FF2B5EF4-FFF2-40B4-BE49-F238E27FC236}">
+                    <a16:creationId xmlns:a16="http://schemas.microsoft.com/office/drawing/2014/main" id="{8006ADE4-EE8F-25FA-7E75-529D7061EE5E}"/>
+                  </a:ext>
+                </a:extLst>
+              </p:cNvPr>
+              <p:cNvSpPr txBox="1"/>
+              <p:nvPr/>
+            </p:nvSpPr>
+            <p:spPr>
+              <a:xfrm>
+                <a:off x="7629954" y="2106838"/>
+                <a:ext cx="897425" cy="208903"/>
+              </a:xfrm>
+              <a:prstGeom prst="rect">
+                <a:avLst/>
+              </a:prstGeom>
+              <a:noFill/>
+            </p:spPr>
+            <p:txBody>
+              <a:bodyPr wrap="none" lIns="0" tIns="0" rIns="0" bIns="0" rtlCol="0">
+                <a:spAutoFit/>
+              </a:bodyPr>
+              <a:lstStyle/>
+              <a:p>
+                <a:pPr/>
+                <a14:m>
+                  <m:oMathPara xmlns:m="http://schemas.openxmlformats.org/officeDocument/2006/math">
+                    <m:oMathParaPr>
+                      <m:jc m:val="centerGroup"/>
+                    </m:oMathParaPr>
+                    <m:oMath xmlns:m="http://schemas.openxmlformats.org/officeDocument/2006/math">
+                      <m:acc>
+                        <m:accPr>
+                          <m:chr m:val="⃗"/>
+                          <m:ctrlPr>
+                            <a:rPr lang="fr-FR" sz="1100" b="0" i="1" smtClean="0">
+                              <a:latin typeface="Cambria Math" panose="02040503050406030204" pitchFamily="18" charset="0"/>
+                            </a:rPr>
+                          </m:ctrlPr>
+                        </m:accPr>
+                        <m:e>
+                          <m:sSub>
+                            <m:sSubPr>
+                              <m:ctrlPr>
+                                <a:rPr lang="fr-FR" sz="1100" i="1">
+                                  <a:latin typeface="Cambria Math" panose="02040503050406030204" pitchFamily="18" charset="0"/>
+                                </a:rPr>
+                              </m:ctrlPr>
+                            </m:sSubPr>
+                            <m:e>
+                              <m:r>
+                                <a:rPr lang="fr-FR" sz="1100" i="1">
+                                  <a:latin typeface="Cambria Math" panose="02040503050406030204" pitchFamily="18" charset="0"/>
+                                </a:rPr>
+                                <m:t>𝐹</m:t>
+                              </m:r>
+                            </m:e>
+                            <m:sub>
+                              <m:r>
+                                <a:rPr lang="fr-FR" sz="1100" b="0" i="1" smtClean="0">
+                                  <a:latin typeface="Cambria Math" panose="02040503050406030204" pitchFamily="18" charset="0"/>
+                                </a:rPr>
+                                <m:t>𝑐𝑜𝑢𝑟𝑟𝑜𝑖𝑒</m:t>
+                              </m:r>
+                              <m:r>
+                                <m:rPr>
+                                  <m:lit/>
+                                </m:rPr>
+                                <a:rPr lang="fr-FR" sz="1100" i="1">
+                                  <a:latin typeface="Cambria Math" panose="02040503050406030204" pitchFamily="18" charset="0"/>
+                                </a:rPr>
+                                <m:t>/</m:t>
+                              </m:r>
+                              <m:r>
+                                <a:rPr lang="fr-FR" sz="1100" i="1">
+                                  <a:latin typeface="Cambria Math" panose="02040503050406030204" pitchFamily="18" charset="0"/>
+                                </a:rPr>
+                                <m:t>𝑎𝑟𝑏𝑟𝑒</m:t>
+                              </m:r>
+                            </m:sub>
+                          </m:sSub>
+                        </m:e>
+                      </m:acc>
+                    </m:oMath>
+                  </m:oMathPara>
+                </a14:m>
+                <a:endParaRPr lang="fr-FR" dirty="0"/>
+              </a:p>
+            </p:txBody>
+          </p:sp>
+        </mc:Choice>
+        <mc:Fallback xmlns="">
+          <p:sp>
+            <p:nvSpPr>
+              <p:cNvPr id="19" name="ZoneTexte 18">
+                <a:extLst>
+                  <a:ext uri="{FF2B5EF4-FFF2-40B4-BE49-F238E27FC236}">
+                    <a16:creationId xmlns:a16="http://schemas.microsoft.com/office/drawing/2014/main" id="{8006ADE4-EE8F-25FA-7E75-529D7061EE5E}"/>
+                  </a:ext>
+                </a:extLst>
+              </p:cNvPr>
+              <p:cNvSpPr txBox="1">
+                <a:spLocks noRot="1" noChangeAspect="1" noMove="1" noResize="1" noEditPoints="1" noAdjustHandles="1" noChangeArrowheads="1" noChangeShapeType="1" noTextEdit="1"/>
+              </p:cNvSpPr>
+              <p:nvPr/>
+            </p:nvSpPr>
+            <p:spPr>
+              <a:xfrm>
+                <a:off x="7629954" y="2106838"/>
+                <a:ext cx="897425" cy="208903"/>
+              </a:xfrm>
+              <a:prstGeom prst="rect">
+                <a:avLst/>
+              </a:prstGeom>
+              <a:blipFill>
+                <a:blip r:embed="rId3"/>
+                <a:stretch>
+                  <a:fillRect l="-3401" r="-1361" b="-26471"/>
+                </a:stretch>
+              </a:blipFill>
+            </p:spPr>
+            <p:txBody>
+              <a:bodyPr/>
+              <a:lstStyle/>
+              <a:p>
+                <a:r>
+                  <a:rPr lang="fr-FR">
+                    <a:noFill/>
+                  </a:rPr>
+                  <a:t> </a:t>
+                </a:r>
+              </a:p>
+            </p:txBody>
+          </p:sp>
+        </mc:Fallback>
+      </mc:AlternateContent>
+      <p:cxnSp>
+        <p:nvCxnSpPr>
+          <p:cNvPr id="23" name="Connecteur droit 22">
+            <a:extLst>
+              <a:ext uri="{FF2B5EF4-FFF2-40B4-BE49-F238E27FC236}">
+                <a16:creationId xmlns:a16="http://schemas.microsoft.com/office/drawing/2014/main" id="{BA6878E0-BA88-A381-C274-546397C3A09A}"/>
+              </a:ext>
+            </a:extLst>
+          </p:cNvPr>
+          <p:cNvCxnSpPr>
+            <a:cxnSpLocks/>
+          </p:cNvCxnSpPr>
+          <p:nvPr/>
+        </p:nvCxnSpPr>
+        <p:spPr>
+          <a:xfrm>
+            <a:off x="4659954" y="2169882"/>
+            <a:ext cx="0" cy="216699"/>
+          </a:xfrm>
+          <a:prstGeom prst="line">
+            <a:avLst/>
+          </a:prstGeom>
+          <a:solidFill>
+            <a:schemeClr val="bg1"/>
+          </a:solidFill>
+          <a:ln w="28575">
+            <a:solidFill>
+              <a:schemeClr val="accent1">
+                <a:lumMod val="50000"/>
+              </a:schemeClr>
+            </a:solidFill>
+          </a:ln>
+        </p:spPr>
+        <p:style>
+          <a:lnRef idx="2">
+            <a:schemeClr val="accent1">
+              <a:shade val="50000"/>
+            </a:schemeClr>
+          </a:lnRef>
+          <a:fillRef idx="1">
+            <a:schemeClr val="accent1"/>
+          </a:fillRef>
+          <a:effectRef idx="0">
+            <a:schemeClr val="accent1"/>
+          </a:effectRef>
+          <a:fontRef idx="minor">
+            <a:schemeClr val="lt1"/>
+          </a:fontRef>
+        </p:style>
+      </p:cxnSp>
+      <p:cxnSp>
+        <p:nvCxnSpPr>
+          <p:cNvPr id="27" name="Connecteur droit 26">
+            <a:extLst>
+              <a:ext uri="{FF2B5EF4-FFF2-40B4-BE49-F238E27FC236}">
+                <a16:creationId xmlns:a16="http://schemas.microsoft.com/office/drawing/2014/main" id="{59441FA6-98EC-AC94-F34B-2595115CFB6B}"/>
+              </a:ext>
+            </a:extLst>
+          </p:cNvPr>
+          <p:cNvCxnSpPr>
+            <a:cxnSpLocks/>
+            <a:endCxn id="22" idx="2"/>
+          </p:cNvCxnSpPr>
+          <p:nvPr/>
+        </p:nvCxnSpPr>
+        <p:spPr>
+          <a:xfrm flipV="1">
+            <a:off x="6819954" y="2187227"/>
+            <a:ext cx="0" cy="208903"/>
+          </a:xfrm>
+          <a:prstGeom prst="line">
+            <a:avLst/>
+          </a:prstGeom>
+          <a:solidFill>
+            <a:schemeClr val="bg1"/>
+          </a:solidFill>
+          <a:ln w="28575">
+            <a:solidFill>
+              <a:schemeClr val="accent1">
+                <a:lumMod val="50000"/>
+              </a:schemeClr>
+            </a:solidFill>
+          </a:ln>
+        </p:spPr>
+        <p:style>
+          <a:lnRef idx="2">
+            <a:schemeClr val="accent1">
+              <a:shade val="50000"/>
+            </a:schemeClr>
+          </a:lnRef>
+          <a:fillRef idx="1">
+            <a:schemeClr val="accent1"/>
+          </a:fillRef>
+          <a:effectRef idx="0">
+            <a:schemeClr val="accent1"/>
+          </a:effectRef>
+          <a:fontRef idx="minor">
+            <a:schemeClr val="lt1"/>
+          </a:fontRef>
+        </p:style>
+      </p:cxnSp>
+      <p:cxnSp>
+        <p:nvCxnSpPr>
+          <p:cNvPr id="30" name="Connecteur droit 29">
+            <a:extLst>
+              <a:ext uri="{FF2B5EF4-FFF2-40B4-BE49-F238E27FC236}">
+                <a16:creationId xmlns:a16="http://schemas.microsoft.com/office/drawing/2014/main" id="{8ED62A41-204D-F5CA-65A4-85C063973BD9}"/>
+              </a:ext>
+            </a:extLst>
+          </p:cNvPr>
+          <p:cNvCxnSpPr>
+            <a:cxnSpLocks/>
+          </p:cNvCxnSpPr>
+          <p:nvPr/>
+        </p:nvCxnSpPr>
+        <p:spPr>
+          <a:xfrm flipH="1">
+            <a:off x="4645659" y="2396130"/>
+            <a:ext cx="2174295" cy="0"/>
+          </a:xfrm>
+          <a:prstGeom prst="line">
+            <a:avLst/>
+          </a:prstGeom>
+          <a:solidFill>
+            <a:schemeClr val="bg1"/>
+          </a:solidFill>
+          <a:ln w="28575">
+            <a:solidFill>
+              <a:schemeClr val="accent1">
+                <a:lumMod val="50000"/>
+              </a:schemeClr>
+            </a:solidFill>
+          </a:ln>
+        </p:spPr>
+        <p:style>
+          <a:lnRef idx="2">
+            <a:schemeClr val="accent1">
+              <a:shade val="50000"/>
+            </a:schemeClr>
+          </a:lnRef>
+          <a:fillRef idx="1">
+            <a:schemeClr val="accent1"/>
+          </a:fillRef>
+          <a:effectRef idx="0">
+            <a:schemeClr val="accent1"/>
+          </a:effectRef>
+          <a:fontRef idx="minor">
+            <a:schemeClr val="lt1"/>
+          </a:fontRef>
+        </p:style>
+      </p:cxnSp>
+      <p:cxnSp>
+        <p:nvCxnSpPr>
+          <p:cNvPr id="34" name="Connecteur droit 33">
+            <a:extLst>
+              <a:ext uri="{FF2B5EF4-FFF2-40B4-BE49-F238E27FC236}">
+                <a16:creationId xmlns:a16="http://schemas.microsoft.com/office/drawing/2014/main" id="{1BADC16F-3A93-FCAE-B5EE-03138BE21FB3}"/>
+              </a:ext>
+            </a:extLst>
+          </p:cNvPr>
+          <p:cNvCxnSpPr>
+            <a:cxnSpLocks/>
+          </p:cNvCxnSpPr>
+          <p:nvPr/>
+        </p:nvCxnSpPr>
+        <p:spPr>
+          <a:xfrm>
+            <a:off x="5771147" y="2397171"/>
+            <a:ext cx="0" cy="216699"/>
+          </a:xfrm>
+          <a:prstGeom prst="line">
+            <a:avLst/>
+          </a:prstGeom>
+          <a:solidFill>
+            <a:schemeClr val="bg1"/>
+          </a:solidFill>
+          <a:ln w="28575">
+            <a:solidFill>
+              <a:schemeClr val="accent1">
+                <a:lumMod val="50000"/>
+              </a:schemeClr>
+            </a:solidFill>
+          </a:ln>
+        </p:spPr>
+        <p:style>
+          <a:lnRef idx="2">
+            <a:schemeClr val="accent1">
+              <a:shade val="50000"/>
+            </a:schemeClr>
+          </a:lnRef>
+          <a:fillRef idx="1">
+            <a:schemeClr val="accent1"/>
+          </a:fillRef>
+          <a:effectRef idx="0">
+            <a:schemeClr val="accent1"/>
+          </a:effectRef>
+          <a:fontRef idx="minor">
+            <a:schemeClr val="lt1"/>
+          </a:fontRef>
+        </p:style>
+      </p:cxnSp>
+      <p:sp>
+        <p:nvSpPr>
+          <p:cNvPr id="36" name="Forme libre : forme 35">
+            <a:extLst>
+              <a:ext uri="{FF2B5EF4-FFF2-40B4-BE49-F238E27FC236}">
+                <a16:creationId xmlns:a16="http://schemas.microsoft.com/office/drawing/2014/main" id="{C8885A49-7B79-5CAF-98DC-D234F195286B}"/>
+              </a:ext>
+            </a:extLst>
+          </p:cNvPr>
+          <p:cNvSpPr/>
+          <p:nvPr/>
+        </p:nvSpPr>
+        <p:spPr>
+          <a:xfrm>
+            <a:off x="5567193" y="2605034"/>
+            <a:ext cx="418531" cy="153602"/>
+          </a:xfrm>
+          <a:custGeom>
+            <a:avLst/>
+            <a:gdLst>
+              <a:gd name="connsiteX0" fmla="*/ 0 w 418531"/>
+              <a:gd name="connsiteY0" fmla="*/ 9098 h 153602"/>
+              <a:gd name="connsiteX1" fmla="*/ 77337 w 418531"/>
+              <a:gd name="connsiteY1" fmla="*/ 150125 h 153602"/>
+              <a:gd name="connsiteX2" fmla="*/ 181970 w 418531"/>
+              <a:gd name="connsiteY2" fmla="*/ 109182 h 153602"/>
+              <a:gd name="connsiteX3" fmla="*/ 332095 w 418531"/>
+              <a:gd name="connsiteY3" fmla="*/ 150125 h 153602"/>
+              <a:gd name="connsiteX4" fmla="*/ 418531 w 418531"/>
+              <a:gd name="connsiteY4" fmla="*/ 0 h 153602"/>
+            </a:gdLst>
+            <a:ahLst/>
+            <a:cxnLst>
+              <a:cxn ang="0">
+                <a:pos x="connsiteX0" y="connsiteY0"/>
+              </a:cxn>
+              <a:cxn ang="0">
+                <a:pos x="connsiteX1" y="connsiteY1"/>
+              </a:cxn>
+              <a:cxn ang="0">
+                <a:pos x="connsiteX2" y="connsiteY2"/>
+              </a:cxn>
+              <a:cxn ang="0">
+                <a:pos x="connsiteX3" y="connsiteY3"/>
+              </a:cxn>
+              <a:cxn ang="0">
+                <a:pos x="connsiteX4" y="connsiteY4"/>
+              </a:cxn>
+            </a:cxnLst>
+            <a:rect l="l" t="t" r="r" b="b"/>
+            <a:pathLst>
+              <a:path w="418531" h="153602">
+                <a:moveTo>
+                  <a:pt x="0" y="9098"/>
+                </a:moveTo>
+                <a:cubicBezTo>
+                  <a:pt x="23504" y="71271"/>
+                  <a:pt x="47009" y="133444"/>
+                  <a:pt x="77337" y="150125"/>
+                </a:cubicBezTo>
+                <a:cubicBezTo>
+                  <a:pt x="107665" y="166806"/>
+                  <a:pt x="139510" y="109182"/>
+                  <a:pt x="181970" y="109182"/>
+                </a:cubicBezTo>
+                <a:cubicBezTo>
+                  <a:pt x="224430" y="109182"/>
+                  <a:pt x="292668" y="168322"/>
+                  <a:pt x="332095" y="150125"/>
+                </a:cubicBezTo>
+                <a:cubicBezTo>
+                  <a:pt x="371522" y="131928"/>
+                  <a:pt x="395026" y="65964"/>
+                  <a:pt x="418531" y="0"/>
+                </a:cubicBezTo>
+              </a:path>
+            </a:pathLst>
+          </a:custGeom>
+          <a:solidFill>
+            <a:schemeClr val="accent1">
+              <a:lumMod val="20000"/>
+              <a:lumOff val="80000"/>
+            </a:schemeClr>
+          </a:solidFill>
+          <a:ln w="12700">
+            <a:solidFill>
+              <a:schemeClr val="accent1">
+                <a:lumMod val="50000"/>
+              </a:schemeClr>
+            </a:solidFill>
+          </a:ln>
+        </p:spPr>
+        <p:style>
+          <a:lnRef idx="2">
+            <a:schemeClr val="accent1">
+              <a:shade val="50000"/>
+            </a:schemeClr>
+          </a:lnRef>
+          <a:fillRef idx="1">
+            <a:schemeClr val="accent1"/>
+          </a:fillRef>
+          <a:effectRef idx="0">
+            <a:schemeClr val="accent1"/>
+          </a:effectRef>
+          <a:fontRef idx="minor">
+            <a:schemeClr val="lt1"/>
+          </a:fontRef>
+        </p:style>
+        <p:txBody>
+          <a:bodyPr rtlCol="0" anchor="ctr"/>
+          <a:lstStyle/>
+          <a:p>
+            <a:pPr algn="ctr"/>
+            <a:endParaRPr lang="fr-FR"/>
+          </a:p>
+        </p:txBody>
+      </p:sp>
+      <p:cxnSp>
+        <p:nvCxnSpPr>
+          <p:cNvPr id="35" name="Connecteur droit 34">
+            <a:extLst>
+              <a:ext uri="{FF2B5EF4-FFF2-40B4-BE49-F238E27FC236}">
+                <a16:creationId xmlns:a16="http://schemas.microsoft.com/office/drawing/2014/main" id="{584EAEEE-4AA8-6ED7-A1D1-B37CD4DB8559}"/>
+              </a:ext>
+            </a:extLst>
+          </p:cNvPr>
+          <p:cNvCxnSpPr>
+            <a:cxnSpLocks/>
+          </p:cNvCxnSpPr>
+          <p:nvPr/>
+        </p:nvCxnSpPr>
+        <p:spPr>
+          <a:xfrm rot="5400000">
+            <a:off x="5771909" y="2397870"/>
+            <a:ext cx="0" cy="432000"/>
+          </a:xfrm>
+          <a:prstGeom prst="line">
+            <a:avLst/>
+          </a:prstGeom>
+          <a:solidFill>
+            <a:schemeClr val="bg1"/>
+          </a:solidFill>
+          <a:ln w="28575">
+            <a:solidFill>
+              <a:schemeClr val="accent1">
+                <a:lumMod val="50000"/>
+              </a:schemeClr>
+            </a:solidFill>
+          </a:ln>
+        </p:spPr>
+        <p:style>
+          <a:lnRef idx="2">
+            <a:schemeClr val="accent1">
+              <a:shade val="50000"/>
+            </a:schemeClr>
+          </a:lnRef>
+          <a:fillRef idx="1">
+            <a:schemeClr val="accent1"/>
+          </a:fillRef>
+          <a:effectRef idx="0">
+            <a:schemeClr val="accent1"/>
+          </a:effectRef>
+          <a:fontRef idx="minor">
+            <a:schemeClr val="lt1"/>
+          </a:fontRef>
+        </p:style>
+      </p:cxnSp>
+      <mc:AlternateContent xmlns:mc="http://schemas.openxmlformats.org/markup-compatibility/2006" xmlns:a14="http://schemas.microsoft.com/office/drawing/2010/main">
+        <mc:Choice Requires="a14">
+          <p:sp>
+            <p:nvSpPr>
+              <p:cNvPr id="37" name="ZoneTexte 36">
+                <a:extLst>
+                  <a:ext uri="{FF2B5EF4-FFF2-40B4-BE49-F238E27FC236}">
+                    <a16:creationId xmlns:a16="http://schemas.microsoft.com/office/drawing/2014/main" id="{9ED1DE3B-9EA9-4E3D-9578-45824CF3B2BD}"/>
+                  </a:ext>
+                </a:extLst>
+              </p:cNvPr>
+              <p:cNvSpPr txBox="1"/>
+              <p:nvPr/>
+            </p:nvSpPr>
+            <p:spPr>
+              <a:xfrm>
+                <a:off x="3878366" y="1780979"/>
+                <a:ext cx="123175" cy="169277"/>
+              </a:xfrm>
+              <a:prstGeom prst="rect">
+                <a:avLst/>
+              </a:prstGeom>
+              <a:noFill/>
+            </p:spPr>
+            <p:txBody>
+              <a:bodyPr wrap="none" lIns="0" tIns="0" rIns="0" bIns="0" rtlCol="0">
+                <a:spAutoFit/>
+              </a:bodyPr>
+              <a:lstStyle/>
+              <a:p>
+                <a:pPr/>
+                <a14:m>
+                  <m:oMathPara xmlns:m="http://schemas.openxmlformats.org/officeDocument/2006/math">
+                    <m:oMathParaPr>
+                      <m:jc m:val="centerGroup"/>
+                    </m:oMathParaPr>
+                    <m:oMath xmlns:m="http://schemas.openxmlformats.org/officeDocument/2006/math">
+                      <m:r>
+                        <a:rPr lang="fr-FR" sz="1100" b="0" i="1" smtClean="0">
+                          <a:latin typeface="Cambria Math" panose="02040503050406030204" pitchFamily="18" charset="0"/>
+                        </a:rPr>
+                        <m:t>𝐴</m:t>
+                      </m:r>
+                    </m:oMath>
+                  </m:oMathPara>
+                </a14:m>
+                <a:endParaRPr lang="fr-FR" dirty="0"/>
+              </a:p>
+            </p:txBody>
+          </p:sp>
+        </mc:Choice>
+        <mc:Fallback xmlns="">
+          <p:sp>
+            <p:nvSpPr>
+              <p:cNvPr id="37" name="ZoneTexte 36">
+                <a:extLst>
+                  <a:ext uri="{FF2B5EF4-FFF2-40B4-BE49-F238E27FC236}">
+                    <a16:creationId xmlns:a16="http://schemas.microsoft.com/office/drawing/2014/main" id="{9ED1DE3B-9EA9-4E3D-9578-45824CF3B2BD}"/>
+                  </a:ext>
+                </a:extLst>
+              </p:cNvPr>
+              <p:cNvSpPr txBox="1">
+                <a:spLocks noRot="1" noChangeAspect="1" noMove="1" noResize="1" noEditPoints="1" noAdjustHandles="1" noChangeArrowheads="1" noChangeShapeType="1" noTextEdit="1"/>
+              </p:cNvSpPr>
+              <p:nvPr/>
+            </p:nvSpPr>
+            <p:spPr>
+              <a:xfrm>
+                <a:off x="3878366" y="1780979"/>
+                <a:ext cx="123175" cy="169277"/>
+              </a:xfrm>
+              <a:prstGeom prst="rect">
+                <a:avLst/>
+              </a:prstGeom>
+              <a:blipFill>
+                <a:blip r:embed="rId4"/>
+                <a:stretch>
+                  <a:fillRect l="-25000" r="-30000" b="-7143"/>
+                </a:stretch>
+              </a:blipFill>
+            </p:spPr>
+            <p:txBody>
+              <a:bodyPr/>
+              <a:lstStyle/>
+              <a:p>
+                <a:r>
+                  <a:rPr lang="fr-FR">
+                    <a:noFill/>
+                  </a:rPr>
+                  <a:t> </a:t>
+                </a:r>
+              </a:p>
+            </p:txBody>
+          </p:sp>
+        </mc:Fallback>
+      </mc:AlternateContent>
+      <mc:AlternateContent xmlns:mc="http://schemas.openxmlformats.org/markup-compatibility/2006" xmlns:a14="http://schemas.microsoft.com/office/drawing/2010/main">
+        <mc:Choice Requires="a14">
+          <p:sp>
+            <p:nvSpPr>
+              <p:cNvPr id="38" name="ZoneTexte 37">
+                <a:extLst>
+                  <a:ext uri="{FF2B5EF4-FFF2-40B4-BE49-F238E27FC236}">
+                    <a16:creationId xmlns:a16="http://schemas.microsoft.com/office/drawing/2014/main" id="{77473007-63BC-B4A4-3B49-AE53B6F779F7}"/>
+                  </a:ext>
+                </a:extLst>
+              </p:cNvPr>
+              <p:cNvSpPr txBox="1"/>
+              <p:nvPr/>
+            </p:nvSpPr>
+            <p:spPr>
+              <a:xfrm>
+                <a:off x="4356884" y="1780979"/>
+                <a:ext cx="128818" cy="169277"/>
+              </a:xfrm>
+              <a:prstGeom prst="rect">
+                <a:avLst/>
+              </a:prstGeom>
+              <a:noFill/>
+            </p:spPr>
+            <p:txBody>
+              <a:bodyPr wrap="none" lIns="0" tIns="0" rIns="0" bIns="0" rtlCol="0">
+                <a:spAutoFit/>
+              </a:bodyPr>
+              <a:lstStyle/>
+              <a:p>
+                <a:pPr/>
+                <a14:m>
+                  <m:oMathPara xmlns:m="http://schemas.openxmlformats.org/officeDocument/2006/math">
+                    <m:oMathParaPr>
+                      <m:jc m:val="centerGroup"/>
+                    </m:oMathParaPr>
+                    <m:oMath xmlns:m="http://schemas.openxmlformats.org/officeDocument/2006/math">
+                      <m:r>
+                        <a:rPr lang="fr-FR" sz="1100" b="0" i="1" smtClean="0">
+                          <a:latin typeface="Cambria Math" panose="02040503050406030204" pitchFamily="18" charset="0"/>
+                        </a:rPr>
+                        <m:t>𝐵</m:t>
+                      </m:r>
+                    </m:oMath>
+                  </m:oMathPara>
+                </a14:m>
+                <a:endParaRPr lang="fr-FR" dirty="0"/>
+              </a:p>
+            </p:txBody>
+          </p:sp>
+        </mc:Choice>
+        <mc:Fallback xmlns="">
+          <p:sp>
+            <p:nvSpPr>
+              <p:cNvPr id="38" name="ZoneTexte 37">
+                <a:extLst>
+                  <a:ext uri="{FF2B5EF4-FFF2-40B4-BE49-F238E27FC236}">
+                    <a16:creationId xmlns:a16="http://schemas.microsoft.com/office/drawing/2014/main" id="{77473007-63BC-B4A4-3B49-AE53B6F779F7}"/>
+                  </a:ext>
+                </a:extLst>
+              </p:cNvPr>
+              <p:cNvSpPr txBox="1">
+                <a:spLocks noRot="1" noChangeAspect="1" noMove="1" noResize="1" noEditPoints="1" noAdjustHandles="1" noChangeArrowheads="1" noChangeShapeType="1" noTextEdit="1"/>
+              </p:cNvSpPr>
+              <p:nvPr/>
+            </p:nvSpPr>
+            <p:spPr>
+              <a:xfrm>
+                <a:off x="4356884" y="1780979"/>
+                <a:ext cx="128818" cy="169277"/>
+              </a:xfrm>
+              <a:prstGeom prst="rect">
+                <a:avLst/>
+              </a:prstGeom>
+              <a:blipFill>
+                <a:blip r:embed="rId5"/>
+                <a:stretch>
+                  <a:fillRect l="-23810" r="-23810" b="-7143"/>
+                </a:stretch>
+              </a:blipFill>
+            </p:spPr>
+            <p:txBody>
+              <a:bodyPr/>
+              <a:lstStyle/>
+              <a:p>
+                <a:r>
+                  <a:rPr lang="fr-FR">
+                    <a:noFill/>
+                  </a:rPr>
+                  <a:t> </a:t>
+                </a:r>
+              </a:p>
+            </p:txBody>
+          </p:sp>
+        </mc:Fallback>
+      </mc:AlternateContent>
+      <mc:AlternateContent xmlns:mc="http://schemas.openxmlformats.org/markup-compatibility/2006" xmlns:a14="http://schemas.microsoft.com/office/drawing/2010/main">
+        <mc:Choice Requires="a14">
+          <p:sp>
+            <p:nvSpPr>
+              <p:cNvPr id="39" name="ZoneTexte 38">
+                <a:extLst>
+                  <a:ext uri="{FF2B5EF4-FFF2-40B4-BE49-F238E27FC236}">
+                    <a16:creationId xmlns:a16="http://schemas.microsoft.com/office/drawing/2014/main" id="{F44610B7-42B0-08B2-1595-F33EC3AA8062}"/>
+                  </a:ext>
+                </a:extLst>
+              </p:cNvPr>
+              <p:cNvSpPr txBox="1"/>
+              <p:nvPr/>
+            </p:nvSpPr>
+            <p:spPr>
+              <a:xfrm>
+                <a:off x="6540982" y="1780979"/>
+                <a:ext cx="123239" cy="169277"/>
+              </a:xfrm>
+              <a:prstGeom prst="rect">
+                <a:avLst/>
+              </a:prstGeom>
+              <a:noFill/>
+            </p:spPr>
+            <p:txBody>
+              <a:bodyPr wrap="none" lIns="0" tIns="0" rIns="0" bIns="0" rtlCol="0">
+                <a:spAutoFit/>
+              </a:bodyPr>
+              <a:lstStyle/>
+              <a:p>
+                <a:pPr/>
+                <a14:m>
+                  <m:oMathPara xmlns:m="http://schemas.openxmlformats.org/officeDocument/2006/math">
+                    <m:oMathParaPr>
+                      <m:jc m:val="centerGroup"/>
+                    </m:oMathParaPr>
+                    <m:oMath xmlns:m="http://schemas.openxmlformats.org/officeDocument/2006/math">
+                      <m:r>
+                        <a:rPr lang="fr-FR" sz="1100" b="0" i="1" smtClean="0">
+                          <a:latin typeface="Cambria Math" panose="02040503050406030204" pitchFamily="18" charset="0"/>
+                        </a:rPr>
+                        <m:t>𝐶</m:t>
+                      </m:r>
+                    </m:oMath>
+                  </m:oMathPara>
+                </a14:m>
+                <a:endParaRPr lang="fr-FR" dirty="0"/>
+              </a:p>
+            </p:txBody>
+          </p:sp>
+        </mc:Choice>
+        <mc:Fallback xmlns="">
+          <p:sp>
+            <p:nvSpPr>
+              <p:cNvPr id="39" name="ZoneTexte 38">
+                <a:extLst>
+                  <a:ext uri="{FF2B5EF4-FFF2-40B4-BE49-F238E27FC236}">
+                    <a16:creationId xmlns:a16="http://schemas.microsoft.com/office/drawing/2014/main" id="{F44610B7-42B0-08B2-1595-F33EC3AA8062}"/>
+                  </a:ext>
+                </a:extLst>
+              </p:cNvPr>
+              <p:cNvSpPr txBox="1">
+                <a:spLocks noRot="1" noChangeAspect="1" noMove="1" noResize="1" noEditPoints="1" noAdjustHandles="1" noChangeArrowheads="1" noChangeShapeType="1" noTextEdit="1"/>
+              </p:cNvSpPr>
+              <p:nvPr/>
+            </p:nvSpPr>
+            <p:spPr>
+              <a:xfrm>
+                <a:off x="6540982" y="1780979"/>
+                <a:ext cx="123239" cy="169277"/>
+              </a:xfrm>
+              <a:prstGeom prst="rect">
+                <a:avLst/>
+              </a:prstGeom>
+              <a:blipFill>
+                <a:blip r:embed="rId6"/>
+                <a:stretch>
+                  <a:fillRect l="-25000" r="-25000" b="-7143"/>
+                </a:stretch>
+              </a:blipFill>
+            </p:spPr>
+            <p:txBody>
+              <a:bodyPr/>
+              <a:lstStyle/>
+              <a:p>
+                <a:r>
+                  <a:rPr lang="fr-FR">
+                    <a:noFill/>
+                  </a:rPr>
+                  <a:t> </a:t>
+                </a:r>
+              </a:p>
+            </p:txBody>
+          </p:sp>
+        </mc:Fallback>
+      </mc:AlternateContent>
+      <mc:AlternateContent xmlns:mc="http://schemas.openxmlformats.org/markup-compatibility/2006" xmlns:a14="http://schemas.microsoft.com/office/drawing/2010/main">
+        <mc:Choice Requires="a14">
+          <p:sp>
+            <p:nvSpPr>
+              <p:cNvPr id="40" name="ZoneTexte 39">
+                <a:extLst>
+                  <a:ext uri="{FF2B5EF4-FFF2-40B4-BE49-F238E27FC236}">
+                    <a16:creationId xmlns:a16="http://schemas.microsoft.com/office/drawing/2014/main" id="{296C7F8F-E7D4-F0C9-5AC5-F98581706E4A}"/>
+                  </a:ext>
+                </a:extLst>
+              </p:cNvPr>
+              <p:cNvSpPr txBox="1"/>
+              <p:nvPr/>
+            </p:nvSpPr>
+            <p:spPr>
+              <a:xfrm>
+                <a:off x="7472981" y="1780979"/>
+                <a:ext cx="133946" cy="169277"/>
+              </a:xfrm>
+              <a:prstGeom prst="rect">
+                <a:avLst/>
+              </a:prstGeom>
+              <a:noFill/>
+            </p:spPr>
+            <p:txBody>
+              <a:bodyPr wrap="none" lIns="0" tIns="0" rIns="0" bIns="0" rtlCol="0">
+                <a:spAutoFit/>
+              </a:bodyPr>
+              <a:lstStyle/>
+              <a:p>
+                <a:pPr/>
+                <a14:m>
+                  <m:oMathPara xmlns:m="http://schemas.openxmlformats.org/officeDocument/2006/math">
+                    <m:oMathParaPr>
+                      <m:jc m:val="centerGroup"/>
+                    </m:oMathParaPr>
+                    <m:oMath xmlns:m="http://schemas.openxmlformats.org/officeDocument/2006/math">
+                      <m:r>
+                        <a:rPr lang="fr-FR" sz="1100" b="0" i="1" smtClean="0">
+                          <a:latin typeface="Cambria Math" panose="02040503050406030204" pitchFamily="18" charset="0"/>
+                        </a:rPr>
+                        <m:t>𝐷</m:t>
+                      </m:r>
+                    </m:oMath>
+                  </m:oMathPara>
+                </a14:m>
+                <a:endParaRPr lang="fr-FR" dirty="0"/>
+              </a:p>
+            </p:txBody>
+          </p:sp>
+        </mc:Choice>
+        <mc:Fallback xmlns="">
+          <p:sp>
+            <p:nvSpPr>
+              <p:cNvPr id="40" name="ZoneTexte 39">
+                <a:extLst>
+                  <a:ext uri="{FF2B5EF4-FFF2-40B4-BE49-F238E27FC236}">
+                    <a16:creationId xmlns:a16="http://schemas.microsoft.com/office/drawing/2014/main" id="{296C7F8F-E7D4-F0C9-5AC5-F98581706E4A}"/>
+                  </a:ext>
+                </a:extLst>
+              </p:cNvPr>
+              <p:cNvSpPr txBox="1">
+                <a:spLocks noRot="1" noChangeAspect="1" noMove="1" noResize="1" noEditPoints="1" noAdjustHandles="1" noChangeArrowheads="1" noChangeShapeType="1" noTextEdit="1"/>
+              </p:cNvSpPr>
+              <p:nvPr/>
+            </p:nvSpPr>
+            <p:spPr>
+              <a:xfrm>
+                <a:off x="7472981" y="1780979"/>
+                <a:ext cx="133946" cy="169277"/>
+              </a:xfrm>
+              <a:prstGeom prst="rect">
+                <a:avLst/>
+              </a:prstGeom>
+              <a:blipFill>
+                <a:blip r:embed="rId7"/>
+                <a:stretch>
+                  <a:fillRect l="-22727" r="-22727" b="-7143"/>
+                </a:stretch>
+              </a:blipFill>
+            </p:spPr>
+            <p:txBody>
+              <a:bodyPr/>
+              <a:lstStyle/>
+              <a:p>
+                <a:r>
+                  <a:rPr lang="fr-FR">
+                    <a:noFill/>
+                  </a:rPr>
+                  <a:t> </a:t>
+                </a:r>
+              </a:p>
+            </p:txBody>
+          </p:sp>
+        </mc:Fallback>
+      </mc:AlternateContent>
+      <p:cxnSp>
+        <p:nvCxnSpPr>
+          <p:cNvPr id="25" name="Connecteur droit 24">
+            <a:extLst>
+              <a:ext uri="{FF2B5EF4-FFF2-40B4-BE49-F238E27FC236}">
+                <a16:creationId xmlns:a16="http://schemas.microsoft.com/office/drawing/2014/main" id="{B9D48251-6524-9105-9165-A470C93D49EA}"/>
+              </a:ext>
+            </a:extLst>
+          </p:cNvPr>
+          <p:cNvCxnSpPr>
+            <a:cxnSpLocks/>
+          </p:cNvCxnSpPr>
+          <p:nvPr/>
+        </p:nvCxnSpPr>
+        <p:spPr>
+          <a:xfrm flipV="1">
+            <a:off x="6819954" y="1294417"/>
+            <a:ext cx="0" cy="681824"/>
+          </a:xfrm>
+          <a:prstGeom prst="line">
+            <a:avLst/>
+          </a:prstGeom>
+          <a:solidFill>
+            <a:schemeClr val="bg1"/>
+          </a:solidFill>
+          <a:ln w="28575">
+            <a:solidFill>
+              <a:srgbClr val="C00000"/>
+            </a:solidFill>
+            <a:tailEnd type="stealth" w="med" len="lg"/>
+          </a:ln>
+        </p:spPr>
+        <p:style>
+          <a:lnRef idx="2">
+            <a:schemeClr val="accent1">
+              <a:shade val="50000"/>
+            </a:schemeClr>
+          </a:lnRef>
+          <a:fillRef idx="1">
+            <a:schemeClr val="accent1"/>
+          </a:fillRef>
+          <a:effectRef idx="0">
+            <a:schemeClr val="accent1"/>
+          </a:effectRef>
+          <a:fontRef idx="minor">
+            <a:schemeClr val="lt1"/>
+          </a:fontRef>
+        </p:style>
+      </p:cxnSp>
+      <mc:AlternateContent xmlns:mc="http://schemas.openxmlformats.org/markup-compatibility/2006" xmlns:a14="http://schemas.microsoft.com/office/drawing/2010/main">
+        <mc:Choice Requires="a14">
+          <p:sp>
+            <p:nvSpPr>
+              <p:cNvPr id="26" name="ZoneTexte 25">
+                <a:extLst>
+                  <a:ext uri="{FF2B5EF4-FFF2-40B4-BE49-F238E27FC236}">
+                    <a16:creationId xmlns:a16="http://schemas.microsoft.com/office/drawing/2014/main" id="{457E0124-6EF8-D914-88BF-1B6E0962DA87}"/>
+                  </a:ext>
+                </a:extLst>
+              </p:cNvPr>
+              <p:cNvSpPr txBox="1"/>
+              <p:nvPr/>
+            </p:nvSpPr>
+            <p:spPr>
+              <a:xfrm>
+                <a:off x="6871148" y="1293377"/>
+                <a:ext cx="182806" cy="182614"/>
+              </a:xfrm>
+              <a:prstGeom prst="rect">
+                <a:avLst/>
+              </a:prstGeom>
+              <a:noFill/>
+            </p:spPr>
+            <p:txBody>
+              <a:bodyPr wrap="none" lIns="0" tIns="0" rIns="0" bIns="0" rtlCol="0">
+                <a:spAutoFit/>
+              </a:bodyPr>
+              <a:lstStyle/>
+              <a:p>
+                <a:pPr/>
+                <a14:m>
+                  <m:oMathPara xmlns:m="http://schemas.openxmlformats.org/officeDocument/2006/math">
+                    <m:oMathParaPr>
+                      <m:jc m:val="centerGroup"/>
+                    </m:oMathParaPr>
+                    <m:oMath xmlns:m="http://schemas.openxmlformats.org/officeDocument/2006/math">
+                      <m:sSub>
+                        <m:sSubPr>
+                          <m:ctrlPr>
+                            <a:rPr lang="fr-FR" sz="1100" b="0" i="1" smtClean="0">
+                              <a:latin typeface="Cambria Math" panose="02040503050406030204" pitchFamily="18" charset="0"/>
+                            </a:rPr>
+                          </m:ctrlPr>
+                        </m:sSubPr>
+                        <m:e>
+                          <m:r>
+                            <a:rPr lang="fr-FR" sz="1100" b="0" i="1" smtClean="0">
+                              <a:latin typeface="Cambria Math" panose="02040503050406030204" pitchFamily="18" charset="0"/>
+                            </a:rPr>
+                            <m:t>𝐶</m:t>
+                          </m:r>
+                        </m:e>
+                        <m:sub>
+                          <m:r>
+                            <a:rPr lang="fr-FR" sz="1100" b="0" i="1" smtClean="0">
+                              <a:latin typeface="Cambria Math" panose="02040503050406030204" pitchFamily="18" charset="0"/>
+                            </a:rPr>
+                            <m:t>𝑦</m:t>
+                          </m:r>
+                        </m:sub>
+                      </m:sSub>
+                    </m:oMath>
+                  </m:oMathPara>
+                </a14:m>
+                <a:endParaRPr lang="fr-FR" dirty="0"/>
+              </a:p>
+            </p:txBody>
+          </p:sp>
+        </mc:Choice>
+        <mc:Fallback xmlns="">
+          <p:sp>
+            <p:nvSpPr>
+              <p:cNvPr id="26" name="ZoneTexte 25">
+                <a:extLst>
+                  <a:ext uri="{FF2B5EF4-FFF2-40B4-BE49-F238E27FC236}">
+                    <a16:creationId xmlns:a16="http://schemas.microsoft.com/office/drawing/2014/main" id="{457E0124-6EF8-D914-88BF-1B6E0962DA87}"/>
+                  </a:ext>
+                </a:extLst>
+              </p:cNvPr>
+              <p:cNvSpPr txBox="1">
+                <a:spLocks noRot="1" noChangeAspect="1" noMove="1" noResize="1" noEditPoints="1" noAdjustHandles="1" noChangeArrowheads="1" noChangeShapeType="1" noTextEdit="1"/>
+              </p:cNvSpPr>
+              <p:nvPr/>
+            </p:nvSpPr>
+            <p:spPr>
+              <a:xfrm>
+                <a:off x="6871148" y="1293377"/>
+                <a:ext cx="182806" cy="182614"/>
+              </a:xfrm>
+              <a:prstGeom prst="rect">
+                <a:avLst/>
+              </a:prstGeom>
+              <a:blipFill>
+                <a:blip r:embed="rId8"/>
+                <a:stretch>
+                  <a:fillRect l="-16667" r="-10000" b="-20000"/>
+                </a:stretch>
+              </a:blipFill>
+            </p:spPr>
+            <p:txBody>
+              <a:bodyPr/>
+              <a:lstStyle/>
+              <a:p>
+                <a:r>
+                  <a:rPr lang="fr-FR">
+                    <a:noFill/>
+                  </a:rPr>
+                  <a:t> </a:t>
+                </a:r>
+              </a:p>
+            </p:txBody>
+          </p:sp>
+        </mc:Fallback>
+      </mc:AlternateContent>
+      <p:cxnSp>
+        <p:nvCxnSpPr>
+          <p:cNvPr id="29" name="Connecteur droit 28">
+            <a:extLst>
+              <a:ext uri="{FF2B5EF4-FFF2-40B4-BE49-F238E27FC236}">
+                <a16:creationId xmlns:a16="http://schemas.microsoft.com/office/drawing/2014/main" id="{D62D5870-44AD-FB58-8EB5-B2AF97F9A470}"/>
+              </a:ext>
+            </a:extLst>
+          </p:cNvPr>
+          <p:cNvCxnSpPr>
+            <a:cxnSpLocks/>
+          </p:cNvCxnSpPr>
+          <p:nvPr/>
+        </p:nvCxnSpPr>
+        <p:spPr>
+          <a:xfrm flipV="1">
+            <a:off x="4652571" y="1307051"/>
+            <a:ext cx="0" cy="681824"/>
+          </a:xfrm>
+          <a:prstGeom prst="line">
+            <a:avLst/>
+          </a:prstGeom>
+          <a:solidFill>
+            <a:schemeClr val="bg1"/>
+          </a:solidFill>
+          <a:ln w="28575">
+            <a:solidFill>
+              <a:srgbClr val="C00000"/>
+            </a:solidFill>
+            <a:tailEnd type="stealth" w="med" len="lg"/>
+          </a:ln>
+        </p:spPr>
+        <p:style>
+          <a:lnRef idx="2">
+            <a:schemeClr val="accent1">
+              <a:shade val="50000"/>
+            </a:schemeClr>
+          </a:lnRef>
+          <a:fillRef idx="1">
+            <a:schemeClr val="accent1"/>
+          </a:fillRef>
+          <a:effectRef idx="0">
+            <a:schemeClr val="accent1"/>
+          </a:effectRef>
+          <a:fontRef idx="minor">
+            <a:schemeClr val="lt1"/>
+          </a:fontRef>
+        </p:style>
+      </p:cxnSp>
+      <mc:AlternateContent xmlns:mc="http://schemas.openxmlformats.org/markup-compatibility/2006" xmlns:a14="http://schemas.microsoft.com/office/drawing/2010/main">
+        <mc:Choice Requires="a14">
+          <p:sp>
+            <p:nvSpPr>
+              <p:cNvPr id="31" name="ZoneTexte 30">
+                <a:extLst>
+                  <a:ext uri="{FF2B5EF4-FFF2-40B4-BE49-F238E27FC236}">
+                    <a16:creationId xmlns:a16="http://schemas.microsoft.com/office/drawing/2014/main" id="{D3593CDB-D2C0-E391-158A-DD375AC3300E}"/>
+                  </a:ext>
+                </a:extLst>
+              </p:cNvPr>
+              <p:cNvSpPr txBox="1"/>
+              <p:nvPr/>
+            </p:nvSpPr>
+            <p:spPr>
+              <a:xfrm>
+                <a:off x="4707973" y="1294417"/>
+                <a:ext cx="186718" cy="182614"/>
+              </a:xfrm>
+              <a:prstGeom prst="rect">
+                <a:avLst/>
+              </a:prstGeom>
+              <a:noFill/>
+            </p:spPr>
+            <p:txBody>
+              <a:bodyPr wrap="none" lIns="0" tIns="0" rIns="0" bIns="0" rtlCol="0">
+                <a:spAutoFit/>
+              </a:bodyPr>
+              <a:lstStyle/>
+              <a:p>
+                <a:pPr/>
+                <a14:m>
+                  <m:oMathPara xmlns:m="http://schemas.openxmlformats.org/officeDocument/2006/math">
+                    <m:oMathParaPr>
+                      <m:jc m:val="centerGroup"/>
+                    </m:oMathParaPr>
+                    <m:oMath xmlns:m="http://schemas.openxmlformats.org/officeDocument/2006/math">
+                      <m:sSub>
+                        <m:sSubPr>
+                          <m:ctrlPr>
+                            <a:rPr lang="fr-FR" sz="1100" b="0" i="1" smtClean="0">
+                              <a:latin typeface="Cambria Math" panose="02040503050406030204" pitchFamily="18" charset="0"/>
+                            </a:rPr>
+                          </m:ctrlPr>
+                        </m:sSubPr>
+                        <m:e>
+                          <m:r>
+                            <a:rPr lang="fr-FR" sz="1100" b="0" i="1" smtClean="0">
+                              <a:latin typeface="Cambria Math" panose="02040503050406030204" pitchFamily="18" charset="0"/>
+                            </a:rPr>
+                            <m:t>𝐵</m:t>
+                          </m:r>
+                        </m:e>
+                        <m:sub>
+                          <m:r>
+                            <a:rPr lang="fr-FR" sz="1100" b="0" i="1" smtClean="0">
+                              <a:latin typeface="Cambria Math" panose="02040503050406030204" pitchFamily="18" charset="0"/>
+                            </a:rPr>
+                            <m:t>𝑦</m:t>
+                          </m:r>
+                        </m:sub>
+                      </m:sSub>
+                    </m:oMath>
+                  </m:oMathPara>
+                </a14:m>
+                <a:endParaRPr lang="fr-FR" dirty="0"/>
+              </a:p>
+            </p:txBody>
+          </p:sp>
+        </mc:Choice>
+        <mc:Fallback xmlns="">
+          <p:sp>
+            <p:nvSpPr>
+              <p:cNvPr id="31" name="ZoneTexte 30">
+                <a:extLst>
+                  <a:ext uri="{FF2B5EF4-FFF2-40B4-BE49-F238E27FC236}">
+                    <a16:creationId xmlns:a16="http://schemas.microsoft.com/office/drawing/2014/main" id="{D3593CDB-D2C0-E391-158A-DD375AC3300E}"/>
+                  </a:ext>
+                </a:extLst>
+              </p:cNvPr>
+              <p:cNvSpPr txBox="1">
+                <a:spLocks noRot="1" noChangeAspect="1" noMove="1" noResize="1" noEditPoints="1" noAdjustHandles="1" noChangeArrowheads="1" noChangeShapeType="1" noTextEdit="1"/>
+              </p:cNvSpPr>
+              <p:nvPr/>
+            </p:nvSpPr>
+            <p:spPr>
+              <a:xfrm>
+                <a:off x="4707973" y="1294417"/>
+                <a:ext cx="186718" cy="182614"/>
+              </a:xfrm>
+              <a:prstGeom prst="rect">
+                <a:avLst/>
+              </a:prstGeom>
+              <a:blipFill>
+                <a:blip r:embed="rId9"/>
+                <a:stretch>
+                  <a:fillRect l="-16129" r="-6452" b="-20000"/>
+                </a:stretch>
+              </a:blipFill>
+            </p:spPr>
+            <p:txBody>
+              <a:bodyPr/>
+              <a:lstStyle/>
+              <a:p>
+                <a:r>
+                  <a:rPr lang="fr-FR">
+                    <a:noFill/>
+                  </a:rPr>
+                  <a:t> </a:t>
+                </a:r>
+              </a:p>
+            </p:txBody>
+          </p:sp>
+        </mc:Fallback>
+      </mc:AlternateContent>
+      <p:cxnSp>
+        <p:nvCxnSpPr>
+          <p:cNvPr id="32" name="Connecteur droit 31">
+            <a:extLst>
+              <a:ext uri="{FF2B5EF4-FFF2-40B4-BE49-F238E27FC236}">
+                <a16:creationId xmlns:a16="http://schemas.microsoft.com/office/drawing/2014/main" id="{FBDB9C64-9D40-AD67-D305-166925A4C1CC}"/>
+              </a:ext>
+            </a:extLst>
+          </p:cNvPr>
+          <p:cNvCxnSpPr>
+            <a:cxnSpLocks/>
+          </p:cNvCxnSpPr>
+          <p:nvPr/>
+        </p:nvCxnSpPr>
+        <p:spPr>
+          <a:xfrm>
+            <a:off x="4665741" y="1988875"/>
+            <a:ext cx="310830" cy="0"/>
+          </a:xfrm>
+          <a:prstGeom prst="line">
+            <a:avLst/>
+          </a:prstGeom>
+          <a:solidFill>
+            <a:schemeClr val="bg1"/>
+          </a:solidFill>
+          <a:ln w="28575">
+            <a:solidFill>
+              <a:srgbClr val="C00000"/>
+            </a:solidFill>
+            <a:tailEnd type="stealth" w="med" len="lg"/>
+          </a:ln>
+        </p:spPr>
+        <p:style>
+          <a:lnRef idx="2">
+            <a:schemeClr val="accent1">
+              <a:shade val="50000"/>
+            </a:schemeClr>
+          </a:lnRef>
+          <a:fillRef idx="1">
+            <a:schemeClr val="accent1"/>
+          </a:fillRef>
+          <a:effectRef idx="0">
+            <a:schemeClr val="accent1"/>
+          </a:effectRef>
+          <a:fontRef idx="minor">
+            <a:schemeClr val="lt1"/>
+          </a:fontRef>
+        </p:style>
+      </p:cxnSp>
+      <mc:AlternateContent xmlns:mc="http://schemas.openxmlformats.org/markup-compatibility/2006" xmlns:a14="http://schemas.microsoft.com/office/drawing/2010/main">
+        <mc:Choice Requires="a14">
+          <p:sp>
+            <p:nvSpPr>
+              <p:cNvPr id="33" name="ZoneTexte 32">
+                <a:extLst>
+                  <a:ext uri="{FF2B5EF4-FFF2-40B4-BE49-F238E27FC236}">
+                    <a16:creationId xmlns:a16="http://schemas.microsoft.com/office/drawing/2014/main" id="{0FF554FA-35BC-A669-6CF1-3D3444D6D926}"/>
+                  </a:ext>
+                </a:extLst>
+              </p:cNvPr>
+              <p:cNvSpPr txBox="1"/>
+              <p:nvPr/>
+            </p:nvSpPr>
+            <p:spPr>
+              <a:xfrm>
+                <a:off x="4841024" y="1732461"/>
+                <a:ext cx="182166" cy="169277"/>
+              </a:xfrm>
+              <a:prstGeom prst="rect">
+                <a:avLst/>
+              </a:prstGeom>
+              <a:noFill/>
+            </p:spPr>
+            <p:txBody>
+              <a:bodyPr wrap="none" lIns="0" tIns="0" rIns="0" bIns="0" rtlCol="0">
+                <a:spAutoFit/>
+              </a:bodyPr>
+              <a:lstStyle/>
+              <a:p>
+                <a:pPr/>
+                <a14:m>
+                  <m:oMathPara xmlns:m="http://schemas.openxmlformats.org/officeDocument/2006/math">
+                    <m:oMathParaPr>
+                      <m:jc m:val="centerGroup"/>
+                    </m:oMathParaPr>
+                    <m:oMath xmlns:m="http://schemas.openxmlformats.org/officeDocument/2006/math">
+                      <m:sSub>
+                        <m:sSubPr>
+                          <m:ctrlPr>
+                            <a:rPr lang="fr-FR" sz="1100" b="0" i="1" smtClean="0">
+                              <a:latin typeface="Cambria Math" panose="02040503050406030204" pitchFamily="18" charset="0"/>
+                            </a:rPr>
+                          </m:ctrlPr>
+                        </m:sSubPr>
+                        <m:e>
+                          <m:r>
+                            <a:rPr lang="fr-FR" sz="1100" b="0" i="1" smtClean="0">
+                              <a:latin typeface="Cambria Math" panose="02040503050406030204" pitchFamily="18" charset="0"/>
+                            </a:rPr>
+                            <m:t>𝐵</m:t>
+                          </m:r>
+                        </m:e>
+                        <m:sub>
+                          <m:r>
+                            <a:rPr lang="fr-FR" sz="1100" b="0" i="1" smtClean="0">
+                              <a:latin typeface="Cambria Math" panose="02040503050406030204" pitchFamily="18" charset="0"/>
+                            </a:rPr>
+                            <m:t>𝑥</m:t>
+                          </m:r>
+                        </m:sub>
+                      </m:sSub>
+                    </m:oMath>
+                  </m:oMathPara>
+                </a14:m>
+                <a:endParaRPr lang="fr-FR" dirty="0"/>
+              </a:p>
+            </p:txBody>
+          </p:sp>
+        </mc:Choice>
+        <mc:Fallback xmlns="">
+          <p:sp>
+            <p:nvSpPr>
+              <p:cNvPr id="33" name="ZoneTexte 32">
+                <a:extLst>
+                  <a:ext uri="{FF2B5EF4-FFF2-40B4-BE49-F238E27FC236}">
+                    <a16:creationId xmlns:a16="http://schemas.microsoft.com/office/drawing/2014/main" id="{0FF554FA-35BC-A669-6CF1-3D3444D6D926}"/>
+                  </a:ext>
+                </a:extLst>
+              </p:cNvPr>
+              <p:cNvSpPr txBox="1">
+                <a:spLocks noRot="1" noChangeAspect="1" noMove="1" noResize="1" noEditPoints="1" noAdjustHandles="1" noChangeArrowheads="1" noChangeShapeType="1" noTextEdit="1"/>
+              </p:cNvSpPr>
+              <p:nvPr/>
+            </p:nvSpPr>
+            <p:spPr>
+              <a:xfrm>
+                <a:off x="4841024" y="1732461"/>
+                <a:ext cx="182166" cy="169277"/>
+              </a:xfrm>
+              <a:prstGeom prst="rect">
+                <a:avLst/>
+              </a:prstGeom>
+              <a:blipFill>
+                <a:blip r:embed="rId10"/>
+                <a:stretch>
+                  <a:fillRect l="-16667" r="-3333" b="-14286"/>
+                </a:stretch>
+              </a:blipFill>
+            </p:spPr>
+            <p:txBody>
+              <a:bodyPr/>
+              <a:lstStyle/>
+              <a:p>
+                <a:r>
+                  <a:rPr lang="fr-FR">
+                    <a:noFill/>
+                  </a:rPr>
+                  <a:t> </a:t>
+                </a:r>
+              </a:p>
+            </p:txBody>
+          </p:sp>
+        </mc:Fallback>
+      </mc:AlternateContent>
+    </p:spTree>
+    <p:extLst>
+      <p:ext uri="{BB962C8B-B14F-4D97-AF65-F5344CB8AC3E}">
+        <p14:creationId xmlns:p14="http://schemas.microsoft.com/office/powerpoint/2010/main" val="1184115483"/>
+      </p:ext>
+    </p:extLst>
+  </p:cSld>
+  <p:clrMapOvr>
+    <a:masterClrMapping/>
+  </p:clrMapOvr>
+</p:sld>
+</file>
+
+<file path=ppt/slides/slide11.xml><?xml version="1.0" encoding="utf-8"?>
 <p:sld xmlns:a="http://schemas.openxmlformats.org/drawingml/2006/main" xmlns:r="http://schemas.openxmlformats.org/officeDocument/2006/relationships" xmlns:p="http://schemas.openxmlformats.org/presentationml/2006/main">
   <p:cSld>
     <p:spTree>
@@ -6445,7 +8475,7 @@
 </p:sld>
 </file>
 
-<file path=ppt/slides/slide11.xml><?xml version="1.0" encoding="utf-8"?>
+<file path=ppt/slides/slide12.xml><?xml version="1.0" encoding="utf-8"?>
 <p:sld xmlns:a="http://schemas.openxmlformats.org/drawingml/2006/main" xmlns:r="http://schemas.openxmlformats.org/officeDocument/2006/relationships" xmlns:p="http://schemas.openxmlformats.org/presentationml/2006/main">
   <p:cSld>
     <p:spTree>
@@ -8945,7 +10975,7 @@
 </p:sld>
 </file>
 
-<file path=ppt/slides/slide12.xml><?xml version="1.0" encoding="utf-8"?>
+<file path=ppt/slides/slide13.xml><?xml version="1.0" encoding="utf-8"?>
 <p:sld xmlns:a="http://schemas.openxmlformats.org/drawingml/2006/main" xmlns:r="http://schemas.openxmlformats.org/officeDocument/2006/relationships" xmlns:p="http://schemas.openxmlformats.org/presentationml/2006/main">
   <p:cSld>
     <p:spTree>
@@ -12345,7 +14375,7 @@
         </p:blipFill>
         <p:spPr>
           <a:xfrm>
-            <a:off x="2961632" y="579120"/>
+            <a:off x="2961632" y="542608"/>
             <a:ext cx="6268736" cy="5699760"/>
           </a:xfrm>
           <a:prstGeom prst="rect">
@@ -12353,6 +14383,116 @@
           </a:prstGeom>
         </p:spPr>
       </p:pic>
+      <p:sp>
+        <p:nvSpPr>
+          <p:cNvPr id="14" name="Rectangle 13">
+            <a:extLst>
+              <a:ext uri="{FF2B5EF4-FFF2-40B4-BE49-F238E27FC236}">
+                <a16:creationId xmlns:a16="http://schemas.microsoft.com/office/drawing/2014/main" id="{A3FD4AA5-08EB-561E-95FC-D6E038C2C909}"/>
+              </a:ext>
+            </a:extLst>
+          </p:cNvPr>
+          <p:cNvSpPr/>
+          <p:nvPr/>
+        </p:nvSpPr>
+        <p:spPr>
+          <a:xfrm>
+            <a:off x="5765791" y="1744501"/>
+            <a:ext cx="1082048" cy="1323819"/>
+          </a:xfrm>
+          <a:prstGeom prst="rect">
+            <a:avLst/>
+          </a:prstGeom>
+          <a:solidFill>
+            <a:schemeClr val="accent2">
+              <a:lumMod val="20000"/>
+              <a:lumOff val="80000"/>
+            </a:schemeClr>
+          </a:solidFill>
+          <a:ln>
+            <a:noFill/>
+          </a:ln>
+        </p:spPr>
+        <p:style>
+          <a:lnRef idx="2">
+            <a:schemeClr val="accent1">
+              <a:shade val="50000"/>
+            </a:schemeClr>
+          </a:lnRef>
+          <a:fillRef idx="1">
+            <a:schemeClr val="accent1"/>
+          </a:fillRef>
+          <a:effectRef idx="0">
+            <a:schemeClr val="accent1"/>
+          </a:effectRef>
+          <a:fontRef idx="minor">
+            <a:schemeClr val="lt1"/>
+          </a:fontRef>
+        </p:style>
+        <p:txBody>
+          <a:bodyPr rtlCol="0" anchor="ctr"/>
+          <a:lstStyle/>
+          <a:p>
+            <a:pPr algn="ctr"/>
+            <a:endParaRPr lang="fr-FR"/>
+          </a:p>
+        </p:txBody>
+      </p:sp>
+      <p:sp>
+        <p:nvSpPr>
+          <p:cNvPr id="15" name="Triangle rectangle 14">
+            <a:extLst>
+              <a:ext uri="{FF2B5EF4-FFF2-40B4-BE49-F238E27FC236}">
+                <a16:creationId xmlns:a16="http://schemas.microsoft.com/office/drawing/2014/main" id="{AE9C576F-CDB7-449A-BD88-3CEF76F8965F}"/>
+              </a:ext>
+            </a:extLst>
+          </p:cNvPr>
+          <p:cNvSpPr/>
+          <p:nvPr/>
+        </p:nvSpPr>
+        <p:spPr>
+          <a:xfrm flipH="1">
+            <a:off x="5791198" y="944879"/>
+            <a:ext cx="1056641" cy="802639"/>
+          </a:xfrm>
+          <a:prstGeom prst="rtTriangle">
+            <a:avLst/>
+          </a:prstGeom>
+          <a:solidFill>
+            <a:schemeClr val="accent2">
+              <a:lumMod val="20000"/>
+              <a:lumOff val="80000"/>
+            </a:schemeClr>
+          </a:solidFill>
+          <a:ln>
+            <a:noFill/>
+          </a:ln>
+        </p:spPr>
+        <p:style>
+          <a:lnRef idx="2">
+            <a:schemeClr val="accent1">
+              <a:shade val="50000"/>
+            </a:schemeClr>
+          </a:lnRef>
+          <a:fillRef idx="1">
+            <a:schemeClr val="accent1"/>
+          </a:fillRef>
+          <a:effectRef idx="0">
+            <a:schemeClr val="accent1"/>
+          </a:effectRef>
+          <a:fontRef idx="minor">
+            <a:schemeClr val="lt1"/>
+          </a:fontRef>
+        </p:style>
+        <p:txBody>
+          <a:bodyPr rtlCol="0" anchor="ctr"/>
+          <a:lstStyle/>
+          <a:p>
+            <a:pPr algn="ctr"/>
+            <a:endParaRPr lang="fr-FR" dirty="0"/>
+          </a:p>
+        </p:txBody>
+      </p:sp>
       <p:cxnSp>
         <p:nvCxnSpPr>
           <p:cNvPr id="7" name="Connecteur droit 6">
@@ -12511,6 +14651,141 @@
           </a:p>
         </p:txBody>
       </p:sp>
+      <p:cxnSp>
+        <p:nvCxnSpPr>
+          <p:cNvPr id="10" name="Connecteur droit 9">
+            <a:extLst>
+              <a:ext uri="{FF2B5EF4-FFF2-40B4-BE49-F238E27FC236}">
+                <a16:creationId xmlns:a16="http://schemas.microsoft.com/office/drawing/2014/main" id="{62ABE9AB-28C0-7E94-78B0-88D71A6145AF}"/>
+              </a:ext>
+            </a:extLst>
+          </p:cNvPr>
+          <p:cNvCxnSpPr>
+            <a:cxnSpLocks/>
+          </p:cNvCxnSpPr>
+          <p:nvPr/>
+        </p:nvCxnSpPr>
+        <p:spPr>
+          <a:xfrm flipV="1">
+            <a:off x="5791200" y="1747520"/>
+            <a:ext cx="0" cy="1402080"/>
+          </a:xfrm>
+          <a:prstGeom prst="line">
+            <a:avLst/>
+          </a:prstGeom>
+          <a:ln w="57150">
+            <a:solidFill>
+              <a:srgbClr val="00B050"/>
+            </a:solidFill>
+          </a:ln>
+        </p:spPr>
+        <p:style>
+          <a:lnRef idx="1">
+            <a:schemeClr val="accent1"/>
+          </a:lnRef>
+          <a:fillRef idx="0">
+            <a:schemeClr val="accent1"/>
+          </a:fillRef>
+          <a:effectRef idx="0">
+            <a:schemeClr val="accent1"/>
+          </a:effectRef>
+          <a:fontRef idx="minor">
+            <a:schemeClr val="tx1"/>
+          </a:fontRef>
+        </p:style>
+      </p:cxnSp>
+      <p:cxnSp>
+        <p:nvCxnSpPr>
+          <p:cNvPr id="11" name="Connecteur droit 10">
+            <a:extLst>
+              <a:ext uri="{FF2B5EF4-FFF2-40B4-BE49-F238E27FC236}">
+                <a16:creationId xmlns:a16="http://schemas.microsoft.com/office/drawing/2014/main" id="{19574192-453F-343C-AFD7-FB1562DD2E58}"/>
+              </a:ext>
+            </a:extLst>
+          </p:cNvPr>
+          <p:cNvCxnSpPr>
+            <a:cxnSpLocks/>
+          </p:cNvCxnSpPr>
+          <p:nvPr/>
+        </p:nvCxnSpPr>
+        <p:spPr>
+          <a:xfrm>
+            <a:off x="5791200" y="1747520"/>
+            <a:ext cx="1097280" cy="0"/>
+          </a:xfrm>
+          <a:prstGeom prst="line">
+            <a:avLst/>
+          </a:prstGeom>
+          <a:ln w="57150">
+            <a:solidFill>
+              <a:srgbClr val="00B050"/>
+            </a:solidFill>
+          </a:ln>
+        </p:spPr>
+        <p:style>
+          <a:lnRef idx="1">
+            <a:schemeClr val="accent1"/>
+          </a:lnRef>
+          <a:fillRef idx="0">
+            <a:schemeClr val="accent1"/>
+          </a:fillRef>
+          <a:effectRef idx="0">
+            <a:schemeClr val="accent1"/>
+          </a:effectRef>
+          <a:fontRef idx="minor">
+            <a:schemeClr val="tx1"/>
+          </a:fontRef>
+        </p:style>
+      </p:cxnSp>
+      <p:sp>
+        <p:nvSpPr>
+          <p:cNvPr id="12" name="ZoneTexte 11">
+            <a:extLst>
+              <a:ext uri="{FF2B5EF4-FFF2-40B4-BE49-F238E27FC236}">
+                <a16:creationId xmlns:a16="http://schemas.microsoft.com/office/drawing/2014/main" id="{11CEE069-B036-E163-E7C7-841706AAAF49}"/>
+              </a:ext>
+            </a:extLst>
+          </p:cNvPr>
+          <p:cNvSpPr txBox="1"/>
+          <p:nvPr/>
+        </p:nvSpPr>
+        <p:spPr>
+          <a:xfrm>
+            <a:off x="6939281" y="1529057"/>
+            <a:ext cx="1097280" cy="215444"/>
+          </a:xfrm>
+          <a:prstGeom prst="rect">
+            <a:avLst/>
+          </a:prstGeom>
+          <a:solidFill>
+            <a:schemeClr val="bg1"/>
+          </a:solidFill>
+        </p:spPr>
+        <p:txBody>
+          <a:bodyPr wrap="square" lIns="0" tIns="0" rIns="0" bIns="0" rtlCol="0">
+            <a:spAutoFit/>
+          </a:bodyPr>
+          <a:lstStyle/>
+          <a:p>
+            <a:r>
+              <a:rPr lang="fr-FR" sz="1400" b="1" dirty="0">
+                <a:solidFill>
+                  <a:srgbClr val="00B050"/>
+                </a:solidFill>
+              </a:rPr>
+              <a:t>F </a:t>
+            </a:r>
+            <a:r>
+              <a:rPr lang="fr-FR" sz="1400" b="1" baseline="-25000" dirty="0">
+                <a:solidFill>
+                  <a:srgbClr val="00B050"/>
+                </a:solidFill>
+              </a:rPr>
+              <a:t>fin poussée choix 2</a:t>
+            </a:r>
+          </a:p>
+        </p:txBody>
+      </p:sp>
     </p:spTree>
     <p:extLst>
       <p:ext uri="{BB962C8B-B14F-4D97-AF65-F5344CB8AC3E}">
@@ -12525,6 +14800,224 @@
 </file>
 
 <file path=ppt/slides/slide3.xml><?xml version="1.0" encoding="utf-8"?>
+<p:sld xmlns:a="http://schemas.openxmlformats.org/drawingml/2006/main" xmlns:r="http://schemas.openxmlformats.org/officeDocument/2006/relationships" xmlns:p="http://schemas.openxmlformats.org/presentationml/2006/main">
+  <p:cSld>
+    <p:spTree>
+      <p:nvGrpSpPr>
+        <p:cNvPr id="1" name=""/>
+        <p:cNvGrpSpPr/>
+        <p:nvPr/>
+      </p:nvGrpSpPr>
+      <p:grpSpPr>
+        <a:xfrm>
+          <a:off x="0" y="0"/>
+          <a:ext cx="0" cy="0"/>
+          <a:chOff x="0" y="0"/>
+          <a:chExt cx="0" cy="0"/>
+        </a:xfrm>
+      </p:grpSpPr>
+      <p:pic>
+        <p:nvPicPr>
+          <p:cNvPr id="5" name="Image 4">
+            <a:extLst>
+              <a:ext uri="{FF2B5EF4-FFF2-40B4-BE49-F238E27FC236}">
+                <a16:creationId xmlns:a16="http://schemas.microsoft.com/office/drawing/2014/main" id="{C97EA927-0055-CABE-159C-61402505BEA3}"/>
+              </a:ext>
+            </a:extLst>
+          </p:cNvPr>
+          <p:cNvPicPr>
+            <a:picLocks noChangeAspect="1"/>
+          </p:cNvPicPr>
+          <p:nvPr/>
+        </p:nvPicPr>
+        <p:blipFill>
+          <a:blip r:embed="rId2"/>
+          <a:stretch>
+            <a:fillRect/>
+          </a:stretch>
+        </p:blipFill>
+        <p:spPr>
+          <a:xfrm>
+            <a:off x="2961632" y="579120"/>
+            <a:ext cx="6268736" cy="5699760"/>
+          </a:xfrm>
+          <a:prstGeom prst="rect">
+            <a:avLst/>
+          </a:prstGeom>
+        </p:spPr>
+      </p:pic>
+      <p:cxnSp>
+        <p:nvCxnSpPr>
+          <p:cNvPr id="7" name="Connecteur droit 6">
+            <a:extLst>
+              <a:ext uri="{FF2B5EF4-FFF2-40B4-BE49-F238E27FC236}">
+                <a16:creationId xmlns:a16="http://schemas.microsoft.com/office/drawing/2014/main" id="{CE4296F2-3DD1-CA2C-0424-E1DC7AD8F46A}"/>
+              </a:ext>
+            </a:extLst>
+          </p:cNvPr>
+          <p:cNvCxnSpPr/>
+          <p:nvPr/>
+        </p:nvCxnSpPr>
+        <p:spPr>
+          <a:xfrm flipV="1">
+            <a:off x="3545840" y="944880"/>
+            <a:ext cx="3342640" cy="2204720"/>
+          </a:xfrm>
+          <a:prstGeom prst="line">
+            <a:avLst/>
+          </a:prstGeom>
+          <a:ln w="57150">
+            <a:solidFill>
+              <a:srgbClr val="FF0000"/>
+            </a:solidFill>
+          </a:ln>
+        </p:spPr>
+        <p:style>
+          <a:lnRef idx="1">
+            <a:schemeClr val="accent1"/>
+          </a:lnRef>
+          <a:fillRef idx="0">
+            <a:schemeClr val="accent1"/>
+          </a:fillRef>
+          <a:effectRef idx="0">
+            <a:schemeClr val="accent1"/>
+          </a:effectRef>
+          <a:fontRef idx="minor">
+            <a:schemeClr val="tx1"/>
+          </a:fontRef>
+        </p:style>
+      </p:cxnSp>
+      <p:sp>
+        <p:nvSpPr>
+          <p:cNvPr id="8" name="ZoneTexte 7">
+            <a:extLst>
+              <a:ext uri="{FF2B5EF4-FFF2-40B4-BE49-F238E27FC236}">
+                <a16:creationId xmlns:a16="http://schemas.microsoft.com/office/drawing/2014/main" id="{42C6A439-61F5-B84F-35B1-1DA014037183}"/>
+              </a:ext>
+            </a:extLst>
+          </p:cNvPr>
+          <p:cNvSpPr txBox="1"/>
+          <p:nvPr/>
+        </p:nvSpPr>
+        <p:spPr>
+          <a:xfrm>
+            <a:off x="6949440" y="3249116"/>
+            <a:ext cx="812800" cy="246221"/>
+          </a:xfrm>
+          <a:prstGeom prst="rect">
+            <a:avLst/>
+          </a:prstGeom>
+          <a:noFill/>
+        </p:spPr>
+        <p:txBody>
+          <a:bodyPr wrap="square" lIns="0" tIns="0" rIns="0" bIns="0" rtlCol="0">
+            <a:spAutoFit/>
+          </a:bodyPr>
+          <a:lstStyle/>
+          <a:p>
+            <a:r>
+              <a:rPr lang="fr-FR" sz="1600" b="1" dirty="0">
+                <a:solidFill>
+                  <a:srgbClr val="FF0000"/>
+                </a:solidFill>
+              </a:rPr>
+              <a:t>100 mm</a:t>
+            </a:r>
+          </a:p>
+        </p:txBody>
+      </p:sp>
+      <p:sp>
+        <p:nvSpPr>
+          <p:cNvPr id="9" name="ZoneTexte 8">
+            <a:extLst>
+              <a:ext uri="{FF2B5EF4-FFF2-40B4-BE49-F238E27FC236}">
+                <a16:creationId xmlns:a16="http://schemas.microsoft.com/office/drawing/2014/main" id="{C10F3044-49F5-49B7-4F3E-D5623398842F}"/>
+              </a:ext>
+            </a:extLst>
+          </p:cNvPr>
+          <p:cNvSpPr txBox="1"/>
+          <p:nvPr/>
+        </p:nvSpPr>
+        <p:spPr>
+          <a:xfrm>
+            <a:off x="7472688" y="821769"/>
+            <a:ext cx="1097280" cy="215444"/>
+          </a:xfrm>
+          <a:prstGeom prst="rect">
+            <a:avLst/>
+          </a:prstGeom>
+          <a:noFill/>
+        </p:spPr>
+        <p:txBody>
+          <a:bodyPr wrap="square" lIns="0" tIns="0" rIns="0" bIns="0" rtlCol="0">
+            <a:spAutoFit/>
+          </a:bodyPr>
+          <a:lstStyle/>
+          <a:p>
+            <a:r>
+              <a:rPr lang="fr-FR" sz="1400" b="1" dirty="0">
+                <a:solidFill>
+                  <a:srgbClr val="FF0000"/>
+                </a:solidFill>
+              </a:rPr>
+              <a:t>240 N (Maxi)</a:t>
+            </a:r>
+          </a:p>
+        </p:txBody>
+      </p:sp>
+      <p:sp>
+        <p:nvSpPr>
+          <p:cNvPr id="13" name="ZoneTexte 12">
+            <a:extLst>
+              <a:ext uri="{FF2B5EF4-FFF2-40B4-BE49-F238E27FC236}">
+                <a16:creationId xmlns:a16="http://schemas.microsoft.com/office/drawing/2014/main" id="{5852F5AB-2254-649B-95A1-948D2F24FA0F}"/>
+              </a:ext>
+            </a:extLst>
+          </p:cNvPr>
+          <p:cNvSpPr txBox="1"/>
+          <p:nvPr/>
+        </p:nvSpPr>
+        <p:spPr>
+          <a:xfrm>
+            <a:off x="3722372" y="1422399"/>
+            <a:ext cx="1892296" cy="738664"/>
+          </a:xfrm>
+          <a:prstGeom prst="rect">
+            <a:avLst/>
+          </a:prstGeom>
+          <a:noFill/>
+        </p:spPr>
+        <p:txBody>
+          <a:bodyPr wrap="square" lIns="0" tIns="0" rIns="0" bIns="0" rtlCol="0">
+            <a:spAutoFit/>
+          </a:bodyPr>
+          <a:lstStyle/>
+          <a:p>
+            <a:r>
+              <a:rPr lang="fr-FR" sz="1600" b="1" dirty="0">
+                <a:solidFill>
+                  <a:srgbClr val="FF0000"/>
+                </a:solidFill>
+              </a:rPr>
+              <a:t>Evolution de la force développée par le ressort</a:t>
+            </a:r>
+          </a:p>
+        </p:txBody>
+      </p:sp>
+    </p:spTree>
+    <p:extLst>
+      <p:ext uri="{BB962C8B-B14F-4D97-AF65-F5344CB8AC3E}">
+        <p14:creationId xmlns:p14="http://schemas.microsoft.com/office/powerpoint/2010/main" val="242827366"/>
+      </p:ext>
+    </p:extLst>
+  </p:cSld>
+  <p:clrMapOvr>
+    <a:masterClrMapping/>
+  </p:clrMapOvr>
+</p:sld>
+</file>
+
+<file path=ppt/slides/slide4.xml><?xml version="1.0" encoding="utf-8"?>
 <p:sld xmlns:a="http://schemas.openxmlformats.org/drawingml/2006/main" xmlns:r="http://schemas.openxmlformats.org/officeDocument/2006/relationships" xmlns:p="http://schemas.openxmlformats.org/presentationml/2006/main">
   <p:cSld>
     <p:spTree>
@@ -12824,7 +15317,7 @@
 </p:sld>
 </file>
 
-<file path=ppt/slides/slide4.xml><?xml version="1.0" encoding="utf-8"?>
+<file path=ppt/slides/slide5.xml><?xml version="1.0" encoding="utf-8"?>
 <p:sld xmlns:a="http://schemas.openxmlformats.org/drawingml/2006/main" xmlns:r="http://schemas.openxmlformats.org/officeDocument/2006/relationships" xmlns:p="http://schemas.openxmlformats.org/presentationml/2006/main">
   <p:cSld>
     <p:spTree>
@@ -14361,7 +16854,7 @@
 </p:sld>
 </file>
 
-<file path=ppt/slides/slide5.xml><?xml version="1.0" encoding="utf-8"?>
+<file path=ppt/slides/slide6.xml><?xml version="1.0" encoding="utf-8"?>
 <p:sld xmlns:a="http://schemas.openxmlformats.org/drawingml/2006/main" xmlns:r="http://schemas.openxmlformats.org/officeDocument/2006/relationships" xmlns:p="http://schemas.openxmlformats.org/presentationml/2006/main">
   <p:cSld>
     <p:spTree>
@@ -14499,7 +16992,7 @@
 </p:sld>
 </file>
 
-<file path=ppt/slides/slide6.xml><?xml version="1.0" encoding="utf-8"?>
+<file path=ppt/slides/slide7.xml><?xml version="1.0" encoding="utf-8"?>
 <p:sld xmlns:a="http://schemas.openxmlformats.org/drawingml/2006/main" xmlns:r="http://schemas.openxmlformats.org/officeDocument/2006/relationships" xmlns:p="http://schemas.openxmlformats.org/presentationml/2006/main">
   <p:cSld>
     <p:spTree>
@@ -15315,7 +17808,7 @@
 </p:sld>
 </file>
 
-<file path=ppt/slides/slide7.xml><?xml version="1.0" encoding="utf-8"?>
+<file path=ppt/slides/slide8.xml><?xml version="1.0" encoding="utf-8"?>
 <p:sld xmlns:a="http://schemas.openxmlformats.org/drawingml/2006/main" xmlns:r="http://schemas.openxmlformats.org/officeDocument/2006/relationships" xmlns:p="http://schemas.openxmlformats.org/presentationml/2006/main">
   <p:cSld>
     <p:spTree>
@@ -16946,7 +19439,7 @@
 </p:sld>
 </file>
 
-<file path=ppt/slides/slide8.xml><?xml version="1.0" encoding="utf-8"?>
+<file path=ppt/slides/slide9.xml><?xml version="1.0" encoding="utf-8"?>
 <p:sld xmlns:a="http://schemas.openxmlformats.org/drawingml/2006/main" xmlns:r="http://schemas.openxmlformats.org/officeDocument/2006/relationships" xmlns:p="http://schemas.openxmlformats.org/presentationml/2006/main">
   <p:cSld>
     <p:spTree>
@@ -17357,2035 +19850,6 @@
     <p:extLst>
       <p:ext uri="{BB962C8B-B14F-4D97-AF65-F5344CB8AC3E}">
         <p14:creationId xmlns:p14="http://schemas.microsoft.com/office/powerpoint/2010/main" val="536003240"/>
-      </p:ext>
-    </p:extLst>
-  </p:cSld>
-  <p:clrMapOvr>
-    <a:masterClrMapping/>
-  </p:clrMapOvr>
-</p:sld>
-</file>
-
-<file path=ppt/slides/slide9.xml><?xml version="1.0" encoding="utf-8"?>
-<p:sld xmlns:a="http://schemas.openxmlformats.org/drawingml/2006/main" xmlns:r="http://schemas.openxmlformats.org/officeDocument/2006/relationships" xmlns:p="http://schemas.openxmlformats.org/presentationml/2006/main">
-  <p:cSld>
-    <p:spTree>
-      <p:nvGrpSpPr>
-        <p:cNvPr id="1" name=""/>
-        <p:cNvGrpSpPr/>
-        <p:nvPr/>
-      </p:nvGrpSpPr>
-      <p:grpSpPr>
-        <a:xfrm>
-          <a:off x="0" y="0"/>
-          <a:ext cx="0" cy="0"/>
-          <a:chOff x="0" y="0"/>
-          <a:chExt cx="0" cy="0"/>
-        </a:xfrm>
-      </p:grpSpPr>
-      <p:cxnSp>
-        <p:nvCxnSpPr>
-          <p:cNvPr id="28" name="Connecteur droit 27">
-            <a:extLst>
-              <a:ext uri="{FF2B5EF4-FFF2-40B4-BE49-F238E27FC236}">
-                <a16:creationId xmlns:a16="http://schemas.microsoft.com/office/drawing/2014/main" id="{C74975E6-0C86-2C0D-1C03-38CA4DF43AE8}"/>
-              </a:ext>
-            </a:extLst>
-          </p:cNvPr>
-          <p:cNvCxnSpPr>
-            <a:cxnSpLocks/>
-          </p:cNvCxnSpPr>
-          <p:nvPr/>
-        </p:nvCxnSpPr>
-        <p:spPr>
-          <a:xfrm>
-            <a:off x="6819954" y="1989882"/>
-            <a:ext cx="720000" cy="0"/>
-          </a:xfrm>
-          <a:prstGeom prst="line">
-            <a:avLst/>
-          </a:prstGeom>
-          <a:solidFill>
-            <a:schemeClr val="bg1"/>
-          </a:solidFill>
-          <a:ln w="28575">
-            <a:solidFill>
-              <a:srgbClr val="7030A0"/>
-            </a:solidFill>
-          </a:ln>
-        </p:spPr>
-        <p:style>
-          <a:lnRef idx="2">
-            <a:schemeClr val="accent1">
-              <a:shade val="50000"/>
-            </a:schemeClr>
-          </a:lnRef>
-          <a:fillRef idx="1">
-            <a:schemeClr val="accent1"/>
-          </a:fillRef>
-          <a:effectRef idx="0">
-            <a:schemeClr val="accent1"/>
-          </a:effectRef>
-          <a:fontRef idx="minor">
-            <a:schemeClr val="lt1"/>
-          </a:fontRef>
-        </p:style>
-      </p:cxnSp>
-      <p:cxnSp>
-        <p:nvCxnSpPr>
-          <p:cNvPr id="24" name="Connecteur droit 23">
-            <a:extLst>
-              <a:ext uri="{FF2B5EF4-FFF2-40B4-BE49-F238E27FC236}">
-                <a16:creationId xmlns:a16="http://schemas.microsoft.com/office/drawing/2014/main" id="{419E6C69-F7DC-0316-44A5-385751940AED}"/>
-              </a:ext>
-            </a:extLst>
-          </p:cNvPr>
-          <p:cNvCxnSpPr>
-            <a:cxnSpLocks/>
-          </p:cNvCxnSpPr>
-          <p:nvPr/>
-        </p:nvCxnSpPr>
-        <p:spPr>
-          <a:xfrm>
-            <a:off x="3939954" y="1989882"/>
-            <a:ext cx="720000" cy="0"/>
-          </a:xfrm>
-          <a:prstGeom prst="line">
-            <a:avLst/>
-          </a:prstGeom>
-          <a:solidFill>
-            <a:schemeClr val="bg1"/>
-          </a:solidFill>
-          <a:ln w="28575">
-            <a:solidFill>
-              <a:srgbClr val="7030A0"/>
-            </a:solidFill>
-          </a:ln>
-        </p:spPr>
-        <p:style>
-          <a:lnRef idx="2">
-            <a:schemeClr val="accent1">
-              <a:shade val="50000"/>
-            </a:schemeClr>
-          </a:lnRef>
-          <a:fillRef idx="1">
-            <a:schemeClr val="accent1"/>
-          </a:fillRef>
-          <a:effectRef idx="0">
-            <a:schemeClr val="accent1"/>
-          </a:effectRef>
-          <a:fontRef idx="minor">
-            <a:schemeClr val="lt1"/>
-          </a:fontRef>
-        </p:style>
-      </p:cxnSp>
-      <p:sp>
-        <p:nvSpPr>
-          <p:cNvPr id="22" name="Rectangle 21">
-            <a:extLst>
-              <a:ext uri="{FF2B5EF4-FFF2-40B4-BE49-F238E27FC236}">
-                <a16:creationId xmlns:a16="http://schemas.microsoft.com/office/drawing/2014/main" id="{C1B9B700-CF80-4993-1363-19B22CF5328D}"/>
-              </a:ext>
-            </a:extLst>
-          </p:cNvPr>
-          <p:cNvSpPr/>
-          <p:nvPr/>
-        </p:nvSpPr>
-        <p:spPr>
-          <a:xfrm>
-            <a:off x="6585954" y="2043227"/>
-            <a:ext cx="468000" cy="144000"/>
-          </a:xfrm>
-          <a:prstGeom prst="rect">
-            <a:avLst/>
-          </a:prstGeom>
-          <a:solidFill>
-            <a:schemeClr val="bg1"/>
-          </a:solidFill>
-          <a:ln w="28575">
-            <a:solidFill>
-              <a:schemeClr val="accent1">
-                <a:lumMod val="50000"/>
-              </a:schemeClr>
-            </a:solidFill>
-          </a:ln>
-        </p:spPr>
-        <p:style>
-          <a:lnRef idx="2">
-            <a:schemeClr val="accent1">
-              <a:shade val="50000"/>
-            </a:schemeClr>
-          </a:lnRef>
-          <a:fillRef idx="1">
-            <a:schemeClr val="accent1"/>
-          </a:fillRef>
-          <a:effectRef idx="0">
-            <a:schemeClr val="accent1"/>
-          </a:effectRef>
-          <a:fontRef idx="minor">
-            <a:schemeClr val="lt1"/>
-          </a:fontRef>
-        </p:style>
-        <p:txBody>
-          <a:bodyPr rtlCol="0" anchor="ctr"/>
-          <a:lstStyle/>
-          <a:p>
-            <a:pPr algn="ctr"/>
-            <a:endParaRPr lang="fr-FR"/>
-          </a:p>
-        </p:txBody>
-      </p:sp>
-      <p:sp>
-        <p:nvSpPr>
-          <p:cNvPr id="20" name="Arc 19">
-            <a:extLst>
-              <a:ext uri="{FF2B5EF4-FFF2-40B4-BE49-F238E27FC236}">
-                <a16:creationId xmlns:a16="http://schemas.microsoft.com/office/drawing/2014/main" id="{9A9E1B3D-DDC9-D643-D638-F1A4F560EE1D}"/>
-              </a:ext>
-            </a:extLst>
-          </p:cNvPr>
-          <p:cNvSpPr/>
-          <p:nvPr/>
-        </p:nvSpPr>
-        <p:spPr>
-          <a:xfrm>
-            <a:off x="4479954" y="1809882"/>
-            <a:ext cx="360000" cy="360000"/>
-          </a:xfrm>
-          <a:prstGeom prst="arc">
-            <a:avLst>
-              <a:gd name="adj1" fmla="val 857438"/>
-              <a:gd name="adj2" fmla="val 10008154"/>
-            </a:avLst>
-          </a:prstGeom>
-          <a:solidFill>
-            <a:schemeClr val="bg1"/>
-          </a:solidFill>
-          <a:ln w="28575">
-            <a:solidFill>
-              <a:schemeClr val="accent1">
-                <a:lumMod val="50000"/>
-              </a:schemeClr>
-            </a:solidFill>
-          </a:ln>
-        </p:spPr>
-        <p:style>
-          <a:lnRef idx="2">
-            <a:schemeClr val="accent1">
-              <a:shade val="50000"/>
-            </a:schemeClr>
-          </a:lnRef>
-          <a:fillRef idx="1">
-            <a:schemeClr val="accent1"/>
-          </a:fillRef>
-          <a:effectRef idx="0">
-            <a:schemeClr val="accent1"/>
-          </a:effectRef>
-          <a:fontRef idx="minor">
-            <a:schemeClr val="lt1"/>
-          </a:fontRef>
-        </p:style>
-        <p:txBody>
-          <a:bodyPr rtlCol="0" anchor="ctr"/>
-          <a:lstStyle/>
-          <a:p>
-            <a:pPr algn="ctr"/>
-            <a:endParaRPr lang="fr-FR">
-              <a:solidFill>
-                <a:schemeClr val="lt1"/>
-              </a:solidFill>
-            </a:endParaRPr>
-          </a:p>
-        </p:txBody>
-      </p:sp>
-      <p:sp>
-        <p:nvSpPr>
-          <p:cNvPr id="4" name="Ellipse 3">
-            <a:extLst>
-              <a:ext uri="{FF2B5EF4-FFF2-40B4-BE49-F238E27FC236}">
-                <a16:creationId xmlns:a16="http://schemas.microsoft.com/office/drawing/2014/main" id="{2B73D1EA-FA48-A88E-2C82-7210DF13B222}"/>
-              </a:ext>
-            </a:extLst>
-          </p:cNvPr>
-          <p:cNvSpPr/>
-          <p:nvPr/>
-        </p:nvSpPr>
-        <p:spPr>
-          <a:xfrm>
-            <a:off x="4515954" y="1845882"/>
-            <a:ext cx="288000" cy="288000"/>
-          </a:xfrm>
-          <a:prstGeom prst="ellipse">
-            <a:avLst/>
-          </a:prstGeom>
-          <a:solidFill>
-            <a:schemeClr val="bg1"/>
-          </a:solidFill>
-          <a:ln w="28575">
-            <a:solidFill>
-              <a:srgbClr val="7030A0"/>
-            </a:solidFill>
-          </a:ln>
-        </p:spPr>
-        <p:style>
-          <a:lnRef idx="2">
-            <a:schemeClr val="accent1">
-              <a:shade val="50000"/>
-            </a:schemeClr>
-          </a:lnRef>
-          <a:fillRef idx="1">
-            <a:schemeClr val="accent1"/>
-          </a:fillRef>
-          <a:effectRef idx="0">
-            <a:schemeClr val="accent1"/>
-          </a:effectRef>
-          <a:fontRef idx="minor">
-            <a:schemeClr val="lt1"/>
-          </a:fontRef>
-        </p:style>
-        <p:txBody>
-          <a:bodyPr rtlCol="0" anchor="ctr"/>
-          <a:lstStyle/>
-          <a:p>
-            <a:pPr algn="ctr"/>
-            <a:endParaRPr lang="fr-FR"/>
-          </a:p>
-        </p:txBody>
-      </p:sp>
-      <p:sp>
-        <p:nvSpPr>
-          <p:cNvPr id="5" name="Ellipse 4">
-            <a:extLst>
-              <a:ext uri="{FF2B5EF4-FFF2-40B4-BE49-F238E27FC236}">
-                <a16:creationId xmlns:a16="http://schemas.microsoft.com/office/drawing/2014/main" id="{FF4125D3-B40D-1102-AF1F-AC49C21130B0}"/>
-              </a:ext>
-            </a:extLst>
-          </p:cNvPr>
-          <p:cNvSpPr/>
-          <p:nvPr/>
-        </p:nvSpPr>
-        <p:spPr>
-          <a:xfrm>
-            <a:off x="6675954" y="1845882"/>
-            <a:ext cx="288000" cy="288000"/>
-          </a:xfrm>
-          <a:prstGeom prst="ellipse">
-            <a:avLst/>
-          </a:prstGeom>
-          <a:solidFill>
-            <a:schemeClr val="bg1"/>
-          </a:solidFill>
-          <a:ln w="28575">
-            <a:solidFill>
-              <a:srgbClr val="7030A0"/>
-            </a:solidFill>
-          </a:ln>
-        </p:spPr>
-        <p:style>
-          <a:lnRef idx="2">
-            <a:schemeClr val="accent1">
-              <a:shade val="50000"/>
-            </a:schemeClr>
-          </a:lnRef>
-          <a:fillRef idx="1">
-            <a:schemeClr val="accent1"/>
-          </a:fillRef>
-          <a:effectRef idx="0">
-            <a:schemeClr val="accent1"/>
-          </a:effectRef>
-          <a:fontRef idx="minor">
-            <a:schemeClr val="lt1"/>
-          </a:fontRef>
-        </p:style>
-        <p:txBody>
-          <a:bodyPr rtlCol="0" anchor="ctr"/>
-          <a:lstStyle/>
-          <a:p>
-            <a:pPr algn="ctr"/>
-            <a:endParaRPr lang="fr-FR"/>
-          </a:p>
-        </p:txBody>
-      </p:sp>
-      <p:cxnSp>
-        <p:nvCxnSpPr>
-          <p:cNvPr id="7" name="Connecteur droit 6">
-            <a:extLst>
-              <a:ext uri="{FF2B5EF4-FFF2-40B4-BE49-F238E27FC236}">
-                <a16:creationId xmlns:a16="http://schemas.microsoft.com/office/drawing/2014/main" id="{34FA399A-B722-EE0F-C3F8-1135C57F47CB}"/>
-              </a:ext>
-            </a:extLst>
-          </p:cNvPr>
-          <p:cNvCxnSpPr>
-            <a:cxnSpLocks/>
-            <a:stCxn id="4" idx="6"/>
-            <a:endCxn id="5" idx="2"/>
-          </p:cNvCxnSpPr>
-          <p:nvPr/>
-        </p:nvCxnSpPr>
-        <p:spPr>
-          <a:xfrm>
-            <a:off x="4803954" y="1989882"/>
-            <a:ext cx="1872000" cy="0"/>
-          </a:xfrm>
-          <a:prstGeom prst="line">
-            <a:avLst/>
-          </a:prstGeom>
-          <a:solidFill>
-            <a:schemeClr val="bg1"/>
-          </a:solidFill>
-          <a:ln w="28575">
-            <a:solidFill>
-              <a:srgbClr val="7030A0"/>
-            </a:solidFill>
-          </a:ln>
-        </p:spPr>
-        <p:style>
-          <a:lnRef idx="2">
-            <a:schemeClr val="accent1">
-              <a:shade val="50000"/>
-            </a:schemeClr>
-          </a:lnRef>
-          <a:fillRef idx="1">
-            <a:schemeClr val="accent1"/>
-          </a:fillRef>
-          <a:effectRef idx="0">
-            <a:schemeClr val="accent1"/>
-          </a:effectRef>
-          <a:fontRef idx="minor">
-            <a:schemeClr val="lt1"/>
-          </a:fontRef>
-        </p:style>
-      </p:cxnSp>
-      <p:cxnSp>
-        <p:nvCxnSpPr>
-          <p:cNvPr id="12" name="Connecteur droit 11">
-            <a:extLst>
-              <a:ext uri="{FF2B5EF4-FFF2-40B4-BE49-F238E27FC236}">
-                <a16:creationId xmlns:a16="http://schemas.microsoft.com/office/drawing/2014/main" id="{C3A9B7BA-686D-0D0C-76AE-2AFFF1BD59A2}"/>
-              </a:ext>
-            </a:extLst>
-          </p:cNvPr>
-          <p:cNvCxnSpPr>
-            <a:cxnSpLocks/>
-          </p:cNvCxnSpPr>
-          <p:nvPr/>
-        </p:nvCxnSpPr>
-        <p:spPr>
-          <a:xfrm flipV="1">
-            <a:off x="3938639" y="1989882"/>
-            <a:ext cx="0" cy="712694"/>
-          </a:xfrm>
-          <a:prstGeom prst="line">
-            <a:avLst/>
-          </a:prstGeom>
-          <a:solidFill>
-            <a:schemeClr val="bg1"/>
-          </a:solidFill>
-          <a:ln w="28575">
-            <a:solidFill>
-              <a:srgbClr val="C00000"/>
-            </a:solidFill>
-            <a:tailEnd type="stealth" w="med" len="lg"/>
-          </a:ln>
-        </p:spPr>
-        <p:style>
-          <a:lnRef idx="2">
-            <a:schemeClr val="accent1">
-              <a:shade val="50000"/>
-            </a:schemeClr>
-          </a:lnRef>
-          <a:fillRef idx="1">
-            <a:schemeClr val="accent1"/>
-          </a:fillRef>
-          <a:effectRef idx="0">
-            <a:schemeClr val="accent1"/>
-          </a:effectRef>
-          <a:fontRef idx="minor">
-            <a:schemeClr val="lt1"/>
-          </a:fontRef>
-        </p:style>
-      </p:cxnSp>
-      <p:cxnSp>
-        <p:nvCxnSpPr>
-          <p:cNvPr id="15" name="Connecteur droit 14">
-            <a:extLst>
-              <a:ext uri="{FF2B5EF4-FFF2-40B4-BE49-F238E27FC236}">
-                <a16:creationId xmlns:a16="http://schemas.microsoft.com/office/drawing/2014/main" id="{53C3C478-37F2-BA19-8C53-FC72D2FBC844}"/>
-              </a:ext>
-            </a:extLst>
-          </p:cNvPr>
-          <p:cNvCxnSpPr>
-            <a:cxnSpLocks/>
-          </p:cNvCxnSpPr>
-          <p:nvPr/>
-        </p:nvCxnSpPr>
-        <p:spPr>
-          <a:xfrm>
-            <a:off x="7539954" y="1989882"/>
-            <a:ext cx="0" cy="531770"/>
-          </a:xfrm>
-          <a:prstGeom prst="line">
-            <a:avLst/>
-          </a:prstGeom>
-          <a:solidFill>
-            <a:schemeClr val="bg1"/>
-          </a:solidFill>
-          <a:ln w="28575">
-            <a:solidFill>
-              <a:srgbClr val="C00000"/>
-            </a:solidFill>
-            <a:tailEnd type="stealth" w="med" len="lg"/>
-          </a:ln>
-        </p:spPr>
-        <p:style>
-          <a:lnRef idx="2">
-            <a:schemeClr val="accent1">
-              <a:shade val="50000"/>
-            </a:schemeClr>
-          </a:lnRef>
-          <a:fillRef idx="1">
-            <a:schemeClr val="accent1"/>
-          </a:fillRef>
-          <a:effectRef idx="0">
-            <a:schemeClr val="accent1"/>
-          </a:effectRef>
-          <a:fontRef idx="minor">
-            <a:schemeClr val="lt1"/>
-          </a:fontRef>
-        </p:style>
-      </p:cxnSp>
-      <mc:AlternateContent xmlns:mc="http://schemas.openxmlformats.org/markup-compatibility/2006" xmlns:a14="http://schemas.microsoft.com/office/drawing/2010/main">
-        <mc:Choice Requires="a14">
-          <p:sp>
-            <p:nvSpPr>
-              <p:cNvPr id="17" name="ZoneTexte 16">
-                <a:extLst>
-                  <a:ext uri="{FF2B5EF4-FFF2-40B4-BE49-F238E27FC236}">
-                    <a16:creationId xmlns:a16="http://schemas.microsoft.com/office/drawing/2014/main" id="{5853C66E-F7C5-9D45-4609-DAC8FD58D6DE}"/>
-                  </a:ext>
-                </a:extLst>
-              </p:cNvPr>
-              <p:cNvSpPr txBox="1"/>
-              <p:nvPr/>
-            </p:nvSpPr>
-            <p:spPr>
-              <a:xfrm>
-                <a:off x="3185368" y="2282129"/>
-                <a:ext cx="708271" cy="208903"/>
-              </a:xfrm>
-              <a:prstGeom prst="rect">
-                <a:avLst/>
-              </a:prstGeom>
-              <a:noFill/>
-            </p:spPr>
-            <p:txBody>
-              <a:bodyPr wrap="none" lIns="0" tIns="0" rIns="0" bIns="0" rtlCol="0">
-                <a:spAutoFit/>
-              </a:bodyPr>
-              <a:lstStyle/>
-              <a:p>
-                <a:pPr/>
-                <a14:m>
-                  <m:oMathPara xmlns:m="http://schemas.openxmlformats.org/officeDocument/2006/math">
-                    <m:oMathParaPr>
-                      <m:jc m:val="centerGroup"/>
-                    </m:oMathParaPr>
-                    <m:oMath xmlns:m="http://schemas.openxmlformats.org/officeDocument/2006/math">
-                      <m:acc>
-                        <m:accPr>
-                          <m:chr m:val="⃗"/>
-                          <m:ctrlPr>
-                            <a:rPr lang="fr-FR" sz="1100" b="0" i="1" smtClean="0">
-                              <a:latin typeface="Cambria Math" panose="02040503050406030204" pitchFamily="18" charset="0"/>
-                            </a:rPr>
-                          </m:ctrlPr>
-                        </m:accPr>
-                        <m:e>
-                          <m:sSub>
-                            <m:sSubPr>
-                              <m:ctrlPr>
-                                <a:rPr lang="fr-FR" sz="1100" i="1">
-                                  <a:latin typeface="Cambria Math" panose="02040503050406030204" pitchFamily="18" charset="0"/>
-                                </a:rPr>
-                              </m:ctrlPr>
-                            </m:sSubPr>
-                            <m:e>
-                              <m:r>
-                                <a:rPr lang="fr-FR" sz="1100" i="1">
-                                  <a:latin typeface="Cambria Math" panose="02040503050406030204" pitchFamily="18" charset="0"/>
-                                </a:rPr>
-                                <m:t>𝐹</m:t>
-                              </m:r>
-                            </m:e>
-                            <m:sub>
-                              <m:r>
-                                <a:rPr lang="fr-FR" sz="1100" i="1">
-                                  <a:latin typeface="Cambria Math" panose="02040503050406030204" pitchFamily="18" charset="0"/>
-                                </a:rPr>
-                                <m:t>𝑙𝑎𝑚𝑒</m:t>
-                              </m:r>
-                              <m:r>
-                                <m:rPr>
-                                  <m:lit/>
-                                </m:rPr>
-                                <a:rPr lang="fr-FR" sz="1100" i="1">
-                                  <a:latin typeface="Cambria Math" panose="02040503050406030204" pitchFamily="18" charset="0"/>
-                                </a:rPr>
-                                <m:t>/</m:t>
-                              </m:r>
-                              <m:r>
-                                <a:rPr lang="fr-FR" sz="1100" i="1">
-                                  <a:latin typeface="Cambria Math" panose="02040503050406030204" pitchFamily="18" charset="0"/>
-                                </a:rPr>
-                                <m:t>𝑎𝑟𝑏𝑟𝑒</m:t>
-                              </m:r>
-                            </m:sub>
-                          </m:sSub>
-                        </m:e>
-                      </m:acc>
-                    </m:oMath>
-                  </m:oMathPara>
-                </a14:m>
-                <a:endParaRPr lang="fr-FR" dirty="0"/>
-              </a:p>
-            </p:txBody>
-          </p:sp>
-        </mc:Choice>
-        <mc:Fallback xmlns="">
-          <p:sp>
-            <p:nvSpPr>
-              <p:cNvPr id="17" name="ZoneTexte 16">
-                <a:extLst>
-                  <a:ext uri="{FF2B5EF4-FFF2-40B4-BE49-F238E27FC236}">
-                    <a16:creationId xmlns:a16="http://schemas.microsoft.com/office/drawing/2014/main" id="{5853C66E-F7C5-9D45-4609-DAC8FD58D6DE}"/>
-                  </a:ext>
-                </a:extLst>
-              </p:cNvPr>
-              <p:cNvSpPr txBox="1">
-                <a:spLocks noRot="1" noChangeAspect="1" noMove="1" noResize="1" noEditPoints="1" noAdjustHandles="1" noChangeArrowheads="1" noChangeShapeType="1" noTextEdit="1"/>
-              </p:cNvSpPr>
-              <p:nvPr/>
-            </p:nvSpPr>
-            <p:spPr>
-              <a:xfrm>
-                <a:off x="3185368" y="2282129"/>
-                <a:ext cx="708271" cy="208903"/>
-              </a:xfrm>
-              <a:prstGeom prst="rect">
-                <a:avLst/>
-              </a:prstGeom>
-              <a:blipFill>
-                <a:blip r:embed="rId2"/>
-                <a:stretch>
-                  <a:fillRect l="-4310" r="-1724" b="-25714"/>
-                </a:stretch>
-              </a:blipFill>
-            </p:spPr>
-            <p:txBody>
-              <a:bodyPr/>
-              <a:lstStyle/>
-              <a:p>
-                <a:r>
-                  <a:rPr lang="fr-FR">
-                    <a:noFill/>
-                  </a:rPr>
-                  <a:t> </a:t>
-                </a:r>
-              </a:p>
-            </p:txBody>
-          </p:sp>
-        </mc:Fallback>
-      </mc:AlternateContent>
-      <mc:AlternateContent xmlns:mc="http://schemas.openxmlformats.org/markup-compatibility/2006" xmlns:a14="http://schemas.microsoft.com/office/drawing/2010/main">
-        <mc:Choice Requires="a14">
-          <p:sp>
-            <p:nvSpPr>
-              <p:cNvPr id="19" name="ZoneTexte 18">
-                <a:extLst>
-                  <a:ext uri="{FF2B5EF4-FFF2-40B4-BE49-F238E27FC236}">
-                    <a16:creationId xmlns:a16="http://schemas.microsoft.com/office/drawing/2014/main" id="{8006ADE4-EE8F-25FA-7E75-529D7061EE5E}"/>
-                  </a:ext>
-                </a:extLst>
-              </p:cNvPr>
-              <p:cNvSpPr txBox="1"/>
-              <p:nvPr/>
-            </p:nvSpPr>
-            <p:spPr>
-              <a:xfrm>
-                <a:off x="7629954" y="2106838"/>
-                <a:ext cx="897425" cy="208903"/>
-              </a:xfrm>
-              <a:prstGeom prst="rect">
-                <a:avLst/>
-              </a:prstGeom>
-              <a:noFill/>
-            </p:spPr>
-            <p:txBody>
-              <a:bodyPr wrap="none" lIns="0" tIns="0" rIns="0" bIns="0" rtlCol="0">
-                <a:spAutoFit/>
-              </a:bodyPr>
-              <a:lstStyle/>
-              <a:p>
-                <a:pPr/>
-                <a14:m>
-                  <m:oMathPara xmlns:m="http://schemas.openxmlformats.org/officeDocument/2006/math">
-                    <m:oMathParaPr>
-                      <m:jc m:val="centerGroup"/>
-                    </m:oMathParaPr>
-                    <m:oMath xmlns:m="http://schemas.openxmlformats.org/officeDocument/2006/math">
-                      <m:acc>
-                        <m:accPr>
-                          <m:chr m:val="⃗"/>
-                          <m:ctrlPr>
-                            <a:rPr lang="fr-FR" sz="1100" b="0" i="1" smtClean="0">
-                              <a:latin typeface="Cambria Math" panose="02040503050406030204" pitchFamily="18" charset="0"/>
-                            </a:rPr>
-                          </m:ctrlPr>
-                        </m:accPr>
-                        <m:e>
-                          <m:sSub>
-                            <m:sSubPr>
-                              <m:ctrlPr>
-                                <a:rPr lang="fr-FR" sz="1100" i="1">
-                                  <a:latin typeface="Cambria Math" panose="02040503050406030204" pitchFamily="18" charset="0"/>
-                                </a:rPr>
-                              </m:ctrlPr>
-                            </m:sSubPr>
-                            <m:e>
-                              <m:r>
-                                <a:rPr lang="fr-FR" sz="1100" i="1">
-                                  <a:latin typeface="Cambria Math" panose="02040503050406030204" pitchFamily="18" charset="0"/>
-                                </a:rPr>
-                                <m:t>𝐹</m:t>
-                              </m:r>
-                            </m:e>
-                            <m:sub>
-                              <m:r>
-                                <a:rPr lang="fr-FR" sz="1100" b="0" i="1" smtClean="0">
-                                  <a:latin typeface="Cambria Math" panose="02040503050406030204" pitchFamily="18" charset="0"/>
-                                </a:rPr>
-                                <m:t>𝑐𝑜𝑢𝑟𝑟𝑜𝑖𝑒</m:t>
-                              </m:r>
-                              <m:r>
-                                <m:rPr>
-                                  <m:lit/>
-                                </m:rPr>
-                                <a:rPr lang="fr-FR" sz="1100" i="1">
-                                  <a:latin typeface="Cambria Math" panose="02040503050406030204" pitchFamily="18" charset="0"/>
-                                </a:rPr>
-                                <m:t>/</m:t>
-                              </m:r>
-                              <m:r>
-                                <a:rPr lang="fr-FR" sz="1100" i="1">
-                                  <a:latin typeface="Cambria Math" panose="02040503050406030204" pitchFamily="18" charset="0"/>
-                                </a:rPr>
-                                <m:t>𝑎𝑟𝑏𝑟𝑒</m:t>
-                              </m:r>
-                            </m:sub>
-                          </m:sSub>
-                        </m:e>
-                      </m:acc>
-                    </m:oMath>
-                  </m:oMathPara>
-                </a14:m>
-                <a:endParaRPr lang="fr-FR" dirty="0"/>
-              </a:p>
-            </p:txBody>
-          </p:sp>
-        </mc:Choice>
-        <mc:Fallback xmlns="">
-          <p:sp>
-            <p:nvSpPr>
-              <p:cNvPr id="19" name="ZoneTexte 18">
-                <a:extLst>
-                  <a:ext uri="{FF2B5EF4-FFF2-40B4-BE49-F238E27FC236}">
-                    <a16:creationId xmlns:a16="http://schemas.microsoft.com/office/drawing/2014/main" id="{8006ADE4-EE8F-25FA-7E75-529D7061EE5E}"/>
-                  </a:ext>
-                </a:extLst>
-              </p:cNvPr>
-              <p:cNvSpPr txBox="1">
-                <a:spLocks noRot="1" noChangeAspect="1" noMove="1" noResize="1" noEditPoints="1" noAdjustHandles="1" noChangeArrowheads="1" noChangeShapeType="1" noTextEdit="1"/>
-              </p:cNvSpPr>
-              <p:nvPr/>
-            </p:nvSpPr>
-            <p:spPr>
-              <a:xfrm>
-                <a:off x="7629954" y="2106838"/>
-                <a:ext cx="897425" cy="208903"/>
-              </a:xfrm>
-              <a:prstGeom prst="rect">
-                <a:avLst/>
-              </a:prstGeom>
-              <a:blipFill>
-                <a:blip r:embed="rId3"/>
-                <a:stretch>
-                  <a:fillRect l="-3401" r="-1361" b="-26471"/>
-                </a:stretch>
-              </a:blipFill>
-            </p:spPr>
-            <p:txBody>
-              <a:bodyPr/>
-              <a:lstStyle/>
-              <a:p>
-                <a:r>
-                  <a:rPr lang="fr-FR">
-                    <a:noFill/>
-                  </a:rPr>
-                  <a:t> </a:t>
-                </a:r>
-              </a:p>
-            </p:txBody>
-          </p:sp>
-        </mc:Fallback>
-      </mc:AlternateContent>
-      <p:cxnSp>
-        <p:nvCxnSpPr>
-          <p:cNvPr id="23" name="Connecteur droit 22">
-            <a:extLst>
-              <a:ext uri="{FF2B5EF4-FFF2-40B4-BE49-F238E27FC236}">
-                <a16:creationId xmlns:a16="http://schemas.microsoft.com/office/drawing/2014/main" id="{BA6878E0-BA88-A381-C274-546397C3A09A}"/>
-              </a:ext>
-            </a:extLst>
-          </p:cNvPr>
-          <p:cNvCxnSpPr>
-            <a:cxnSpLocks/>
-          </p:cNvCxnSpPr>
-          <p:nvPr/>
-        </p:nvCxnSpPr>
-        <p:spPr>
-          <a:xfrm>
-            <a:off x="4659954" y="2169882"/>
-            <a:ext cx="0" cy="216699"/>
-          </a:xfrm>
-          <a:prstGeom prst="line">
-            <a:avLst/>
-          </a:prstGeom>
-          <a:solidFill>
-            <a:schemeClr val="bg1"/>
-          </a:solidFill>
-          <a:ln w="28575">
-            <a:solidFill>
-              <a:schemeClr val="accent1">
-                <a:lumMod val="50000"/>
-              </a:schemeClr>
-            </a:solidFill>
-          </a:ln>
-        </p:spPr>
-        <p:style>
-          <a:lnRef idx="2">
-            <a:schemeClr val="accent1">
-              <a:shade val="50000"/>
-            </a:schemeClr>
-          </a:lnRef>
-          <a:fillRef idx="1">
-            <a:schemeClr val="accent1"/>
-          </a:fillRef>
-          <a:effectRef idx="0">
-            <a:schemeClr val="accent1"/>
-          </a:effectRef>
-          <a:fontRef idx="minor">
-            <a:schemeClr val="lt1"/>
-          </a:fontRef>
-        </p:style>
-      </p:cxnSp>
-      <p:cxnSp>
-        <p:nvCxnSpPr>
-          <p:cNvPr id="27" name="Connecteur droit 26">
-            <a:extLst>
-              <a:ext uri="{FF2B5EF4-FFF2-40B4-BE49-F238E27FC236}">
-                <a16:creationId xmlns:a16="http://schemas.microsoft.com/office/drawing/2014/main" id="{59441FA6-98EC-AC94-F34B-2595115CFB6B}"/>
-              </a:ext>
-            </a:extLst>
-          </p:cNvPr>
-          <p:cNvCxnSpPr>
-            <a:cxnSpLocks/>
-            <a:endCxn id="22" idx="2"/>
-          </p:cNvCxnSpPr>
-          <p:nvPr/>
-        </p:nvCxnSpPr>
-        <p:spPr>
-          <a:xfrm flipV="1">
-            <a:off x="6819954" y="2187227"/>
-            <a:ext cx="0" cy="208903"/>
-          </a:xfrm>
-          <a:prstGeom prst="line">
-            <a:avLst/>
-          </a:prstGeom>
-          <a:solidFill>
-            <a:schemeClr val="bg1"/>
-          </a:solidFill>
-          <a:ln w="28575">
-            <a:solidFill>
-              <a:schemeClr val="accent1">
-                <a:lumMod val="50000"/>
-              </a:schemeClr>
-            </a:solidFill>
-          </a:ln>
-        </p:spPr>
-        <p:style>
-          <a:lnRef idx="2">
-            <a:schemeClr val="accent1">
-              <a:shade val="50000"/>
-            </a:schemeClr>
-          </a:lnRef>
-          <a:fillRef idx="1">
-            <a:schemeClr val="accent1"/>
-          </a:fillRef>
-          <a:effectRef idx="0">
-            <a:schemeClr val="accent1"/>
-          </a:effectRef>
-          <a:fontRef idx="minor">
-            <a:schemeClr val="lt1"/>
-          </a:fontRef>
-        </p:style>
-      </p:cxnSp>
-      <p:cxnSp>
-        <p:nvCxnSpPr>
-          <p:cNvPr id="30" name="Connecteur droit 29">
-            <a:extLst>
-              <a:ext uri="{FF2B5EF4-FFF2-40B4-BE49-F238E27FC236}">
-                <a16:creationId xmlns:a16="http://schemas.microsoft.com/office/drawing/2014/main" id="{8ED62A41-204D-F5CA-65A4-85C063973BD9}"/>
-              </a:ext>
-            </a:extLst>
-          </p:cNvPr>
-          <p:cNvCxnSpPr>
-            <a:cxnSpLocks/>
-          </p:cNvCxnSpPr>
-          <p:nvPr/>
-        </p:nvCxnSpPr>
-        <p:spPr>
-          <a:xfrm flipH="1">
-            <a:off x="4645659" y="2396130"/>
-            <a:ext cx="2174295" cy="0"/>
-          </a:xfrm>
-          <a:prstGeom prst="line">
-            <a:avLst/>
-          </a:prstGeom>
-          <a:solidFill>
-            <a:schemeClr val="bg1"/>
-          </a:solidFill>
-          <a:ln w="28575">
-            <a:solidFill>
-              <a:schemeClr val="accent1">
-                <a:lumMod val="50000"/>
-              </a:schemeClr>
-            </a:solidFill>
-          </a:ln>
-        </p:spPr>
-        <p:style>
-          <a:lnRef idx="2">
-            <a:schemeClr val="accent1">
-              <a:shade val="50000"/>
-            </a:schemeClr>
-          </a:lnRef>
-          <a:fillRef idx="1">
-            <a:schemeClr val="accent1"/>
-          </a:fillRef>
-          <a:effectRef idx="0">
-            <a:schemeClr val="accent1"/>
-          </a:effectRef>
-          <a:fontRef idx="minor">
-            <a:schemeClr val="lt1"/>
-          </a:fontRef>
-        </p:style>
-      </p:cxnSp>
-      <p:cxnSp>
-        <p:nvCxnSpPr>
-          <p:cNvPr id="34" name="Connecteur droit 33">
-            <a:extLst>
-              <a:ext uri="{FF2B5EF4-FFF2-40B4-BE49-F238E27FC236}">
-                <a16:creationId xmlns:a16="http://schemas.microsoft.com/office/drawing/2014/main" id="{1BADC16F-3A93-FCAE-B5EE-03138BE21FB3}"/>
-              </a:ext>
-            </a:extLst>
-          </p:cNvPr>
-          <p:cNvCxnSpPr>
-            <a:cxnSpLocks/>
-          </p:cNvCxnSpPr>
-          <p:nvPr/>
-        </p:nvCxnSpPr>
-        <p:spPr>
-          <a:xfrm>
-            <a:off x="5771147" y="2397171"/>
-            <a:ext cx="0" cy="216699"/>
-          </a:xfrm>
-          <a:prstGeom prst="line">
-            <a:avLst/>
-          </a:prstGeom>
-          <a:solidFill>
-            <a:schemeClr val="bg1"/>
-          </a:solidFill>
-          <a:ln w="28575">
-            <a:solidFill>
-              <a:schemeClr val="accent1">
-                <a:lumMod val="50000"/>
-              </a:schemeClr>
-            </a:solidFill>
-          </a:ln>
-        </p:spPr>
-        <p:style>
-          <a:lnRef idx="2">
-            <a:schemeClr val="accent1">
-              <a:shade val="50000"/>
-            </a:schemeClr>
-          </a:lnRef>
-          <a:fillRef idx="1">
-            <a:schemeClr val="accent1"/>
-          </a:fillRef>
-          <a:effectRef idx="0">
-            <a:schemeClr val="accent1"/>
-          </a:effectRef>
-          <a:fontRef idx="minor">
-            <a:schemeClr val="lt1"/>
-          </a:fontRef>
-        </p:style>
-      </p:cxnSp>
-      <p:sp>
-        <p:nvSpPr>
-          <p:cNvPr id="36" name="Forme libre : forme 35">
-            <a:extLst>
-              <a:ext uri="{FF2B5EF4-FFF2-40B4-BE49-F238E27FC236}">
-                <a16:creationId xmlns:a16="http://schemas.microsoft.com/office/drawing/2014/main" id="{C8885A49-7B79-5CAF-98DC-D234F195286B}"/>
-              </a:ext>
-            </a:extLst>
-          </p:cNvPr>
-          <p:cNvSpPr/>
-          <p:nvPr/>
-        </p:nvSpPr>
-        <p:spPr>
-          <a:xfrm>
-            <a:off x="5567193" y="2605034"/>
-            <a:ext cx="418531" cy="153602"/>
-          </a:xfrm>
-          <a:custGeom>
-            <a:avLst/>
-            <a:gdLst>
-              <a:gd name="connsiteX0" fmla="*/ 0 w 418531"/>
-              <a:gd name="connsiteY0" fmla="*/ 9098 h 153602"/>
-              <a:gd name="connsiteX1" fmla="*/ 77337 w 418531"/>
-              <a:gd name="connsiteY1" fmla="*/ 150125 h 153602"/>
-              <a:gd name="connsiteX2" fmla="*/ 181970 w 418531"/>
-              <a:gd name="connsiteY2" fmla="*/ 109182 h 153602"/>
-              <a:gd name="connsiteX3" fmla="*/ 332095 w 418531"/>
-              <a:gd name="connsiteY3" fmla="*/ 150125 h 153602"/>
-              <a:gd name="connsiteX4" fmla="*/ 418531 w 418531"/>
-              <a:gd name="connsiteY4" fmla="*/ 0 h 153602"/>
-            </a:gdLst>
-            <a:ahLst/>
-            <a:cxnLst>
-              <a:cxn ang="0">
-                <a:pos x="connsiteX0" y="connsiteY0"/>
-              </a:cxn>
-              <a:cxn ang="0">
-                <a:pos x="connsiteX1" y="connsiteY1"/>
-              </a:cxn>
-              <a:cxn ang="0">
-                <a:pos x="connsiteX2" y="connsiteY2"/>
-              </a:cxn>
-              <a:cxn ang="0">
-                <a:pos x="connsiteX3" y="connsiteY3"/>
-              </a:cxn>
-              <a:cxn ang="0">
-                <a:pos x="connsiteX4" y="connsiteY4"/>
-              </a:cxn>
-            </a:cxnLst>
-            <a:rect l="l" t="t" r="r" b="b"/>
-            <a:pathLst>
-              <a:path w="418531" h="153602">
-                <a:moveTo>
-                  <a:pt x="0" y="9098"/>
-                </a:moveTo>
-                <a:cubicBezTo>
-                  <a:pt x="23504" y="71271"/>
-                  <a:pt x="47009" y="133444"/>
-                  <a:pt x="77337" y="150125"/>
-                </a:cubicBezTo>
-                <a:cubicBezTo>
-                  <a:pt x="107665" y="166806"/>
-                  <a:pt x="139510" y="109182"/>
-                  <a:pt x="181970" y="109182"/>
-                </a:cubicBezTo>
-                <a:cubicBezTo>
-                  <a:pt x="224430" y="109182"/>
-                  <a:pt x="292668" y="168322"/>
-                  <a:pt x="332095" y="150125"/>
-                </a:cubicBezTo>
-                <a:cubicBezTo>
-                  <a:pt x="371522" y="131928"/>
-                  <a:pt x="395026" y="65964"/>
-                  <a:pt x="418531" y="0"/>
-                </a:cubicBezTo>
-              </a:path>
-            </a:pathLst>
-          </a:custGeom>
-          <a:solidFill>
-            <a:schemeClr val="accent1">
-              <a:lumMod val="20000"/>
-              <a:lumOff val="80000"/>
-            </a:schemeClr>
-          </a:solidFill>
-          <a:ln w="12700">
-            <a:solidFill>
-              <a:schemeClr val="accent1">
-                <a:lumMod val="50000"/>
-              </a:schemeClr>
-            </a:solidFill>
-          </a:ln>
-        </p:spPr>
-        <p:style>
-          <a:lnRef idx="2">
-            <a:schemeClr val="accent1">
-              <a:shade val="50000"/>
-            </a:schemeClr>
-          </a:lnRef>
-          <a:fillRef idx="1">
-            <a:schemeClr val="accent1"/>
-          </a:fillRef>
-          <a:effectRef idx="0">
-            <a:schemeClr val="accent1"/>
-          </a:effectRef>
-          <a:fontRef idx="minor">
-            <a:schemeClr val="lt1"/>
-          </a:fontRef>
-        </p:style>
-        <p:txBody>
-          <a:bodyPr rtlCol="0" anchor="ctr"/>
-          <a:lstStyle/>
-          <a:p>
-            <a:pPr algn="ctr"/>
-            <a:endParaRPr lang="fr-FR"/>
-          </a:p>
-        </p:txBody>
-      </p:sp>
-      <p:cxnSp>
-        <p:nvCxnSpPr>
-          <p:cNvPr id="35" name="Connecteur droit 34">
-            <a:extLst>
-              <a:ext uri="{FF2B5EF4-FFF2-40B4-BE49-F238E27FC236}">
-                <a16:creationId xmlns:a16="http://schemas.microsoft.com/office/drawing/2014/main" id="{584EAEEE-4AA8-6ED7-A1D1-B37CD4DB8559}"/>
-              </a:ext>
-            </a:extLst>
-          </p:cNvPr>
-          <p:cNvCxnSpPr>
-            <a:cxnSpLocks/>
-          </p:cNvCxnSpPr>
-          <p:nvPr/>
-        </p:nvCxnSpPr>
-        <p:spPr>
-          <a:xfrm rot="5400000">
-            <a:off x="5771909" y="2397870"/>
-            <a:ext cx="0" cy="432000"/>
-          </a:xfrm>
-          <a:prstGeom prst="line">
-            <a:avLst/>
-          </a:prstGeom>
-          <a:solidFill>
-            <a:schemeClr val="bg1"/>
-          </a:solidFill>
-          <a:ln w="28575">
-            <a:solidFill>
-              <a:schemeClr val="accent1">
-                <a:lumMod val="50000"/>
-              </a:schemeClr>
-            </a:solidFill>
-          </a:ln>
-        </p:spPr>
-        <p:style>
-          <a:lnRef idx="2">
-            <a:schemeClr val="accent1">
-              <a:shade val="50000"/>
-            </a:schemeClr>
-          </a:lnRef>
-          <a:fillRef idx="1">
-            <a:schemeClr val="accent1"/>
-          </a:fillRef>
-          <a:effectRef idx="0">
-            <a:schemeClr val="accent1"/>
-          </a:effectRef>
-          <a:fontRef idx="minor">
-            <a:schemeClr val="lt1"/>
-          </a:fontRef>
-        </p:style>
-      </p:cxnSp>
-      <mc:AlternateContent xmlns:mc="http://schemas.openxmlformats.org/markup-compatibility/2006" xmlns:a14="http://schemas.microsoft.com/office/drawing/2010/main">
-        <mc:Choice Requires="a14">
-          <p:sp>
-            <p:nvSpPr>
-              <p:cNvPr id="37" name="ZoneTexte 36">
-                <a:extLst>
-                  <a:ext uri="{FF2B5EF4-FFF2-40B4-BE49-F238E27FC236}">
-                    <a16:creationId xmlns:a16="http://schemas.microsoft.com/office/drawing/2014/main" id="{9ED1DE3B-9EA9-4E3D-9578-45824CF3B2BD}"/>
-                  </a:ext>
-                </a:extLst>
-              </p:cNvPr>
-              <p:cNvSpPr txBox="1"/>
-              <p:nvPr/>
-            </p:nvSpPr>
-            <p:spPr>
-              <a:xfrm>
-                <a:off x="3878366" y="1780979"/>
-                <a:ext cx="123175" cy="169277"/>
-              </a:xfrm>
-              <a:prstGeom prst="rect">
-                <a:avLst/>
-              </a:prstGeom>
-              <a:noFill/>
-            </p:spPr>
-            <p:txBody>
-              <a:bodyPr wrap="none" lIns="0" tIns="0" rIns="0" bIns="0" rtlCol="0">
-                <a:spAutoFit/>
-              </a:bodyPr>
-              <a:lstStyle/>
-              <a:p>
-                <a:pPr/>
-                <a14:m>
-                  <m:oMathPara xmlns:m="http://schemas.openxmlformats.org/officeDocument/2006/math">
-                    <m:oMathParaPr>
-                      <m:jc m:val="centerGroup"/>
-                    </m:oMathParaPr>
-                    <m:oMath xmlns:m="http://schemas.openxmlformats.org/officeDocument/2006/math">
-                      <m:r>
-                        <a:rPr lang="fr-FR" sz="1100" b="0" i="1" smtClean="0">
-                          <a:latin typeface="Cambria Math" panose="02040503050406030204" pitchFamily="18" charset="0"/>
-                        </a:rPr>
-                        <m:t>𝐴</m:t>
-                      </m:r>
-                    </m:oMath>
-                  </m:oMathPara>
-                </a14:m>
-                <a:endParaRPr lang="fr-FR" dirty="0"/>
-              </a:p>
-            </p:txBody>
-          </p:sp>
-        </mc:Choice>
-        <mc:Fallback xmlns="">
-          <p:sp>
-            <p:nvSpPr>
-              <p:cNvPr id="37" name="ZoneTexte 36">
-                <a:extLst>
-                  <a:ext uri="{FF2B5EF4-FFF2-40B4-BE49-F238E27FC236}">
-                    <a16:creationId xmlns:a16="http://schemas.microsoft.com/office/drawing/2014/main" id="{9ED1DE3B-9EA9-4E3D-9578-45824CF3B2BD}"/>
-                  </a:ext>
-                </a:extLst>
-              </p:cNvPr>
-              <p:cNvSpPr txBox="1">
-                <a:spLocks noRot="1" noChangeAspect="1" noMove="1" noResize="1" noEditPoints="1" noAdjustHandles="1" noChangeArrowheads="1" noChangeShapeType="1" noTextEdit="1"/>
-              </p:cNvSpPr>
-              <p:nvPr/>
-            </p:nvSpPr>
-            <p:spPr>
-              <a:xfrm>
-                <a:off x="3878366" y="1780979"/>
-                <a:ext cx="123175" cy="169277"/>
-              </a:xfrm>
-              <a:prstGeom prst="rect">
-                <a:avLst/>
-              </a:prstGeom>
-              <a:blipFill>
-                <a:blip r:embed="rId4"/>
-                <a:stretch>
-                  <a:fillRect l="-25000" r="-30000" b="-7143"/>
-                </a:stretch>
-              </a:blipFill>
-            </p:spPr>
-            <p:txBody>
-              <a:bodyPr/>
-              <a:lstStyle/>
-              <a:p>
-                <a:r>
-                  <a:rPr lang="fr-FR">
-                    <a:noFill/>
-                  </a:rPr>
-                  <a:t> </a:t>
-                </a:r>
-              </a:p>
-            </p:txBody>
-          </p:sp>
-        </mc:Fallback>
-      </mc:AlternateContent>
-      <mc:AlternateContent xmlns:mc="http://schemas.openxmlformats.org/markup-compatibility/2006" xmlns:a14="http://schemas.microsoft.com/office/drawing/2010/main">
-        <mc:Choice Requires="a14">
-          <p:sp>
-            <p:nvSpPr>
-              <p:cNvPr id="38" name="ZoneTexte 37">
-                <a:extLst>
-                  <a:ext uri="{FF2B5EF4-FFF2-40B4-BE49-F238E27FC236}">
-                    <a16:creationId xmlns:a16="http://schemas.microsoft.com/office/drawing/2014/main" id="{77473007-63BC-B4A4-3B49-AE53B6F779F7}"/>
-                  </a:ext>
-                </a:extLst>
-              </p:cNvPr>
-              <p:cNvSpPr txBox="1"/>
-              <p:nvPr/>
-            </p:nvSpPr>
-            <p:spPr>
-              <a:xfrm>
-                <a:off x="4356884" y="1780979"/>
-                <a:ext cx="128818" cy="169277"/>
-              </a:xfrm>
-              <a:prstGeom prst="rect">
-                <a:avLst/>
-              </a:prstGeom>
-              <a:noFill/>
-            </p:spPr>
-            <p:txBody>
-              <a:bodyPr wrap="none" lIns="0" tIns="0" rIns="0" bIns="0" rtlCol="0">
-                <a:spAutoFit/>
-              </a:bodyPr>
-              <a:lstStyle/>
-              <a:p>
-                <a:pPr/>
-                <a14:m>
-                  <m:oMathPara xmlns:m="http://schemas.openxmlformats.org/officeDocument/2006/math">
-                    <m:oMathParaPr>
-                      <m:jc m:val="centerGroup"/>
-                    </m:oMathParaPr>
-                    <m:oMath xmlns:m="http://schemas.openxmlformats.org/officeDocument/2006/math">
-                      <m:r>
-                        <a:rPr lang="fr-FR" sz="1100" b="0" i="1" smtClean="0">
-                          <a:latin typeface="Cambria Math" panose="02040503050406030204" pitchFamily="18" charset="0"/>
-                        </a:rPr>
-                        <m:t>𝐵</m:t>
-                      </m:r>
-                    </m:oMath>
-                  </m:oMathPara>
-                </a14:m>
-                <a:endParaRPr lang="fr-FR" dirty="0"/>
-              </a:p>
-            </p:txBody>
-          </p:sp>
-        </mc:Choice>
-        <mc:Fallback xmlns="">
-          <p:sp>
-            <p:nvSpPr>
-              <p:cNvPr id="38" name="ZoneTexte 37">
-                <a:extLst>
-                  <a:ext uri="{FF2B5EF4-FFF2-40B4-BE49-F238E27FC236}">
-                    <a16:creationId xmlns:a16="http://schemas.microsoft.com/office/drawing/2014/main" id="{77473007-63BC-B4A4-3B49-AE53B6F779F7}"/>
-                  </a:ext>
-                </a:extLst>
-              </p:cNvPr>
-              <p:cNvSpPr txBox="1">
-                <a:spLocks noRot="1" noChangeAspect="1" noMove="1" noResize="1" noEditPoints="1" noAdjustHandles="1" noChangeArrowheads="1" noChangeShapeType="1" noTextEdit="1"/>
-              </p:cNvSpPr>
-              <p:nvPr/>
-            </p:nvSpPr>
-            <p:spPr>
-              <a:xfrm>
-                <a:off x="4356884" y="1780979"/>
-                <a:ext cx="128818" cy="169277"/>
-              </a:xfrm>
-              <a:prstGeom prst="rect">
-                <a:avLst/>
-              </a:prstGeom>
-              <a:blipFill>
-                <a:blip r:embed="rId5"/>
-                <a:stretch>
-                  <a:fillRect l="-23810" r="-23810" b="-7143"/>
-                </a:stretch>
-              </a:blipFill>
-            </p:spPr>
-            <p:txBody>
-              <a:bodyPr/>
-              <a:lstStyle/>
-              <a:p>
-                <a:r>
-                  <a:rPr lang="fr-FR">
-                    <a:noFill/>
-                  </a:rPr>
-                  <a:t> </a:t>
-                </a:r>
-              </a:p>
-            </p:txBody>
-          </p:sp>
-        </mc:Fallback>
-      </mc:AlternateContent>
-      <mc:AlternateContent xmlns:mc="http://schemas.openxmlformats.org/markup-compatibility/2006" xmlns:a14="http://schemas.microsoft.com/office/drawing/2010/main">
-        <mc:Choice Requires="a14">
-          <p:sp>
-            <p:nvSpPr>
-              <p:cNvPr id="39" name="ZoneTexte 38">
-                <a:extLst>
-                  <a:ext uri="{FF2B5EF4-FFF2-40B4-BE49-F238E27FC236}">
-                    <a16:creationId xmlns:a16="http://schemas.microsoft.com/office/drawing/2014/main" id="{F44610B7-42B0-08B2-1595-F33EC3AA8062}"/>
-                  </a:ext>
-                </a:extLst>
-              </p:cNvPr>
-              <p:cNvSpPr txBox="1"/>
-              <p:nvPr/>
-            </p:nvSpPr>
-            <p:spPr>
-              <a:xfrm>
-                <a:off x="6540982" y="1780979"/>
-                <a:ext cx="123239" cy="169277"/>
-              </a:xfrm>
-              <a:prstGeom prst="rect">
-                <a:avLst/>
-              </a:prstGeom>
-              <a:noFill/>
-            </p:spPr>
-            <p:txBody>
-              <a:bodyPr wrap="none" lIns="0" tIns="0" rIns="0" bIns="0" rtlCol="0">
-                <a:spAutoFit/>
-              </a:bodyPr>
-              <a:lstStyle/>
-              <a:p>
-                <a:pPr/>
-                <a14:m>
-                  <m:oMathPara xmlns:m="http://schemas.openxmlformats.org/officeDocument/2006/math">
-                    <m:oMathParaPr>
-                      <m:jc m:val="centerGroup"/>
-                    </m:oMathParaPr>
-                    <m:oMath xmlns:m="http://schemas.openxmlformats.org/officeDocument/2006/math">
-                      <m:r>
-                        <a:rPr lang="fr-FR" sz="1100" b="0" i="1" smtClean="0">
-                          <a:latin typeface="Cambria Math" panose="02040503050406030204" pitchFamily="18" charset="0"/>
-                        </a:rPr>
-                        <m:t>𝐶</m:t>
-                      </m:r>
-                    </m:oMath>
-                  </m:oMathPara>
-                </a14:m>
-                <a:endParaRPr lang="fr-FR" dirty="0"/>
-              </a:p>
-            </p:txBody>
-          </p:sp>
-        </mc:Choice>
-        <mc:Fallback xmlns="">
-          <p:sp>
-            <p:nvSpPr>
-              <p:cNvPr id="39" name="ZoneTexte 38">
-                <a:extLst>
-                  <a:ext uri="{FF2B5EF4-FFF2-40B4-BE49-F238E27FC236}">
-                    <a16:creationId xmlns:a16="http://schemas.microsoft.com/office/drawing/2014/main" id="{F44610B7-42B0-08B2-1595-F33EC3AA8062}"/>
-                  </a:ext>
-                </a:extLst>
-              </p:cNvPr>
-              <p:cNvSpPr txBox="1">
-                <a:spLocks noRot="1" noChangeAspect="1" noMove="1" noResize="1" noEditPoints="1" noAdjustHandles="1" noChangeArrowheads="1" noChangeShapeType="1" noTextEdit="1"/>
-              </p:cNvSpPr>
-              <p:nvPr/>
-            </p:nvSpPr>
-            <p:spPr>
-              <a:xfrm>
-                <a:off x="6540982" y="1780979"/>
-                <a:ext cx="123239" cy="169277"/>
-              </a:xfrm>
-              <a:prstGeom prst="rect">
-                <a:avLst/>
-              </a:prstGeom>
-              <a:blipFill>
-                <a:blip r:embed="rId6"/>
-                <a:stretch>
-                  <a:fillRect l="-25000" r="-25000" b="-7143"/>
-                </a:stretch>
-              </a:blipFill>
-            </p:spPr>
-            <p:txBody>
-              <a:bodyPr/>
-              <a:lstStyle/>
-              <a:p>
-                <a:r>
-                  <a:rPr lang="fr-FR">
-                    <a:noFill/>
-                  </a:rPr>
-                  <a:t> </a:t>
-                </a:r>
-              </a:p>
-            </p:txBody>
-          </p:sp>
-        </mc:Fallback>
-      </mc:AlternateContent>
-      <mc:AlternateContent xmlns:mc="http://schemas.openxmlformats.org/markup-compatibility/2006" xmlns:a14="http://schemas.microsoft.com/office/drawing/2010/main">
-        <mc:Choice Requires="a14">
-          <p:sp>
-            <p:nvSpPr>
-              <p:cNvPr id="40" name="ZoneTexte 39">
-                <a:extLst>
-                  <a:ext uri="{FF2B5EF4-FFF2-40B4-BE49-F238E27FC236}">
-                    <a16:creationId xmlns:a16="http://schemas.microsoft.com/office/drawing/2014/main" id="{296C7F8F-E7D4-F0C9-5AC5-F98581706E4A}"/>
-                  </a:ext>
-                </a:extLst>
-              </p:cNvPr>
-              <p:cNvSpPr txBox="1"/>
-              <p:nvPr/>
-            </p:nvSpPr>
-            <p:spPr>
-              <a:xfrm>
-                <a:off x="7472981" y="1780979"/>
-                <a:ext cx="133946" cy="169277"/>
-              </a:xfrm>
-              <a:prstGeom prst="rect">
-                <a:avLst/>
-              </a:prstGeom>
-              <a:noFill/>
-            </p:spPr>
-            <p:txBody>
-              <a:bodyPr wrap="none" lIns="0" tIns="0" rIns="0" bIns="0" rtlCol="0">
-                <a:spAutoFit/>
-              </a:bodyPr>
-              <a:lstStyle/>
-              <a:p>
-                <a:pPr/>
-                <a14:m>
-                  <m:oMathPara xmlns:m="http://schemas.openxmlformats.org/officeDocument/2006/math">
-                    <m:oMathParaPr>
-                      <m:jc m:val="centerGroup"/>
-                    </m:oMathParaPr>
-                    <m:oMath xmlns:m="http://schemas.openxmlformats.org/officeDocument/2006/math">
-                      <m:r>
-                        <a:rPr lang="fr-FR" sz="1100" b="0" i="1" smtClean="0">
-                          <a:latin typeface="Cambria Math" panose="02040503050406030204" pitchFamily="18" charset="0"/>
-                        </a:rPr>
-                        <m:t>𝐷</m:t>
-                      </m:r>
-                    </m:oMath>
-                  </m:oMathPara>
-                </a14:m>
-                <a:endParaRPr lang="fr-FR" dirty="0"/>
-              </a:p>
-            </p:txBody>
-          </p:sp>
-        </mc:Choice>
-        <mc:Fallback xmlns="">
-          <p:sp>
-            <p:nvSpPr>
-              <p:cNvPr id="40" name="ZoneTexte 39">
-                <a:extLst>
-                  <a:ext uri="{FF2B5EF4-FFF2-40B4-BE49-F238E27FC236}">
-                    <a16:creationId xmlns:a16="http://schemas.microsoft.com/office/drawing/2014/main" id="{296C7F8F-E7D4-F0C9-5AC5-F98581706E4A}"/>
-                  </a:ext>
-                </a:extLst>
-              </p:cNvPr>
-              <p:cNvSpPr txBox="1">
-                <a:spLocks noRot="1" noChangeAspect="1" noMove="1" noResize="1" noEditPoints="1" noAdjustHandles="1" noChangeArrowheads="1" noChangeShapeType="1" noTextEdit="1"/>
-              </p:cNvSpPr>
-              <p:nvPr/>
-            </p:nvSpPr>
-            <p:spPr>
-              <a:xfrm>
-                <a:off x="7472981" y="1780979"/>
-                <a:ext cx="133946" cy="169277"/>
-              </a:xfrm>
-              <a:prstGeom prst="rect">
-                <a:avLst/>
-              </a:prstGeom>
-              <a:blipFill>
-                <a:blip r:embed="rId7"/>
-                <a:stretch>
-                  <a:fillRect l="-22727" r="-22727" b="-7143"/>
-                </a:stretch>
-              </a:blipFill>
-            </p:spPr>
-            <p:txBody>
-              <a:bodyPr/>
-              <a:lstStyle/>
-              <a:p>
-                <a:r>
-                  <a:rPr lang="fr-FR">
-                    <a:noFill/>
-                  </a:rPr>
-                  <a:t> </a:t>
-                </a:r>
-              </a:p>
-            </p:txBody>
-          </p:sp>
-        </mc:Fallback>
-      </mc:AlternateContent>
-      <p:cxnSp>
-        <p:nvCxnSpPr>
-          <p:cNvPr id="25" name="Connecteur droit 24">
-            <a:extLst>
-              <a:ext uri="{FF2B5EF4-FFF2-40B4-BE49-F238E27FC236}">
-                <a16:creationId xmlns:a16="http://schemas.microsoft.com/office/drawing/2014/main" id="{B9D48251-6524-9105-9165-A470C93D49EA}"/>
-              </a:ext>
-            </a:extLst>
-          </p:cNvPr>
-          <p:cNvCxnSpPr>
-            <a:cxnSpLocks/>
-          </p:cNvCxnSpPr>
-          <p:nvPr/>
-        </p:nvCxnSpPr>
-        <p:spPr>
-          <a:xfrm flipV="1">
-            <a:off x="6819954" y="1294417"/>
-            <a:ext cx="0" cy="681824"/>
-          </a:xfrm>
-          <a:prstGeom prst="line">
-            <a:avLst/>
-          </a:prstGeom>
-          <a:solidFill>
-            <a:schemeClr val="bg1"/>
-          </a:solidFill>
-          <a:ln w="28575">
-            <a:solidFill>
-              <a:srgbClr val="C00000"/>
-            </a:solidFill>
-            <a:tailEnd type="stealth" w="med" len="lg"/>
-          </a:ln>
-        </p:spPr>
-        <p:style>
-          <a:lnRef idx="2">
-            <a:schemeClr val="accent1">
-              <a:shade val="50000"/>
-            </a:schemeClr>
-          </a:lnRef>
-          <a:fillRef idx="1">
-            <a:schemeClr val="accent1"/>
-          </a:fillRef>
-          <a:effectRef idx="0">
-            <a:schemeClr val="accent1"/>
-          </a:effectRef>
-          <a:fontRef idx="minor">
-            <a:schemeClr val="lt1"/>
-          </a:fontRef>
-        </p:style>
-      </p:cxnSp>
-      <mc:AlternateContent xmlns:mc="http://schemas.openxmlformats.org/markup-compatibility/2006" xmlns:a14="http://schemas.microsoft.com/office/drawing/2010/main">
-        <mc:Choice Requires="a14">
-          <p:sp>
-            <p:nvSpPr>
-              <p:cNvPr id="26" name="ZoneTexte 25">
-                <a:extLst>
-                  <a:ext uri="{FF2B5EF4-FFF2-40B4-BE49-F238E27FC236}">
-                    <a16:creationId xmlns:a16="http://schemas.microsoft.com/office/drawing/2014/main" id="{457E0124-6EF8-D914-88BF-1B6E0962DA87}"/>
-                  </a:ext>
-                </a:extLst>
-              </p:cNvPr>
-              <p:cNvSpPr txBox="1"/>
-              <p:nvPr/>
-            </p:nvSpPr>
-            <p:spPr>
-              <a:xfrm>
-                <a:off x="6871148" y="1293377"/>
-                <a:ext cx="182806" cy="182614"/>
-              </a:xfrm>
-              <a:prstGeom prst="rect">
-                <a:avLst/>
-              </a:prstGeom>
-              <a:noFill/>
-            </p:spPr>
-            <p:txBody>
-              <a:bodyPr wrap="none" lIns="0" tIns="0" rIns="0" bIns="0" rtlCol="0">
-                <a:spAutoFit/>
-              </a:bodyPr>
-              <a:lstStyle/>
-              <a:p>
-                <a:pPr/>
-                <a14:m>
-                  <m:oMathPara xmlns:m="http://schemas.openxmlformats.org/officeDocument/2006/math">
-                    <m:oMathParaPr>
-                      <m:jc m:val="centerGroup"/>
-                    </m:oMathParaPr>
-                    <m:oMath xmlns:m="http://schemas.openxmlformats.org/officeDocument/2006/math">
-                      <m:sSub>
-                        <m:sSubPr>
-                          <m:ctrlPr>
-                            <a:rPr lang="fr-FR" sz="1100" b="0" i="1" smtClean="0">
-                              <a:latin typeface="Cambria Math" panose="02040503050406030204" pitchFamily="18" charset="0"/>
-                            </a:rPr>
-                          </m:ctrlPr>
-                        </m:sSubPr>
-                        <m:e>
-                          <m:r>
-                            <a:rPr lang="fr-FR" sz="1100" b="0" i="1" smtClean="0">
-                              <a:latin typeface="Cambria Math" panose="02040503050406030204" pitchFamily="18" charset="0"/>
-                            </a:rPr>
-                            <m:t>𝐶</m:t>
-                          </m:r>
-                        </m:e>
-                        <m:sub>
-                          <m:r>
-                            <a:rPr lang="fr-FR" sz="1100" b="0" i="1" smtClean="0">
-                              <a:latin typeface="Cambria Math" panose="02040503050406030204" pitchFamily="18" charset="0"/>
-                            </a:rPr>
-                            <m:t>𝑦</m:t>
-                          </m:r>
-                        </m:sub>
-                      </m:sSub>
-                    </m:oMath>
-                  </m:oMathPara>
-                </a14:m>
-                <a:endParaRPr lang="fr-FR" dirty="0"/>
-              </a:p>
-            </p:txBody>
-          </p:sp>
-        </mc:Choice>
-        <mc:Fallback xmlns="">
-          <p:sp>
-            <p:nvSpPr>
-              <p:cNvPr id="26" name="ZoneTexte 25">
-                <a:extLst>
-                  <a:ext uri="{FF2B5EF4-FFF2-40B4-BE49-F238E27FC236}">
-                    <a16:creationId xmlns:a16="http://schemas.microsoft.com/office/drawing/2014/main" id="{457E0124-6EF8-D914-88BF-1B6E0962DA87}"/>
-                  </a:ext>
-                </a:extLst>
-              </p:cNvPr>
-              <p:cNvSpPr txBox="1">
-                <a:spLocks noRot="1" noChangeAspect="1" noMove="1" noResize="1" noEditPoints="1" noAdjustHandles="1" noChangeArrowheads="1" noChangeShapeType="1" noTextEdit="1"/>
-              </p:cNvSpPr>
-              <p:nvPr/>
-            </p:nvSpPr>
-            <p:spPr>
-              <a:xfrm>
-                <a:off x="6871148" y="1293377"/>
-                <a:ext cx="182806" cy="182614"/>
-              </a:xfrm>
-              <a:prstGeom prst="rect">
-                <a:avLst/>
-              </a:prstGeom>
-              <a:blipFill>
-                <a:blip r:embed="rId8"/>
-                <a:stretch>
-                  <a:fillRect l="-16667" r="-10000" b="-20000"/>
-                </a:stretch>
-              </a:blipFill>
-            </p:spPr>
-            <p:txBody>
-              <a:bodyPr/>
-              <a:lstStyle/>
-              <a:p>
-                <a:r>
-                  <a:rPr lang="fr-FR">
-                    <a:noFill/>
-                  </a:rPr>
-                  <a:t> </a:t>
-                </a:r>
-              </a:p>
-            </p:txBody>
-          </p:sp>
-        </mc:Fallback>
-      </mc:AlternateContent>
-      <p:cxnSp>
-        <p:nvCxnSpPr>
-          <p:cNvPr id="29" name="Connecteur droit 28">
-            <a:extLst>
-              <a:ext uri="{FF2B5EF4-FFF2-40B4-BE49-F238E27FC236}">
-                <a16:creationId xmlns:a16="http://schemas.microsoft.com/office/drawing/2014/main" id="{D62D5870-44AD-FB58-8EB5-B2AF97F9A470}"/>
-              </a:ext>
-            </a:extLst>
-          </p:cNvPr>
-          <p:cNvCxnSpPr>
-            <a:cxnSpLocks/>
-          </p:cNvCxnSpPr>
-          <p:nvPr/>
-        </p:nvCxnSpPr>
-        <p:spPr>
-          <a:xfrm flipV="1">
-            <a:off x="4652571" y="1307051"/>
-            <a:ext cx="0" cy="681824"/>
-          </a:xfrm>
-          <a:prstGeom prst="line">
-            <a:avLst/>
-          </a:prstGeom>
-          <a:solidFill>
-            <a:schemeClr val="bg1"/>
-          </a:solidFill>
-          <a:ln w="28575">
-            <a:solidFill>
-              <a:srgbClr val="C00000"/>
-            </a:solidFill>
-            <a:tailEnd type="stealth" w="med" len="lg"/>
-          </a:ln>
-        </p:spPr>
-        <p:style>
-          <a:lnRef idx="2">
-            <a:schemeClr val="accent1">
-              <a:shade val="50000"/>
-            </a:schemeClr>
-          </a:lnRef>
-          <a:fillRef idx="1">
-            <a:schemeClr val="accent1"/>
-          </a:fillRef>
-          <a:effectRef idx="0">
-            <a:schemeClr val="accent1"/>
-          </a:effectRef>
-          <a:fontRef idx="minor">
-            <a:schemeClr val="lt1"/>
-          </a:fontRef>
-        </p:style>
-      </p:cxnSp>
-      <mc:AlternateContent xmlns:mc="http://schemas.openxmlformats.org/markup-compatibility/2006" xmlns:a14="http://schemas.microsoft.com/office/drawing/2010/main">
-        <mc:Choice Requires="a14">
-          <p:sp>
-            <p:nvSpPr>
-              <p:cNvPr id="31" name="ZoneTexte 30">
-                <a:extLst>
-                  <a:ext uri="{FF2B5EF4-FFF2-40B4-BE49-F238E27FC236}">
-                    <a16:creationId xmlns:a16="http://schemas.microsoft.com/office/drawing/2014/main" id="{D3593CDB-D2C0-E391-158A-DD375AC3300E}"/>
-                  </a:ext>
-                </a:extLst>
-              </p:cNvPr>
-              <p:cNvSpPr txBox="1"/>
-              <p:nvPr/>
-            </p:nvSpPr>
-            <p:spPr>
-              <a:xfrm>
-                <a:off x="4707973" y="1294417"/>
-                <a:ext cx="186718" cy="182614"/>
-              </a:xfrm>
-              <a:prstGeom prst="rect">
-                <a:avLst/>
-              </a:prstGeom>
-              <a:noFill/>
-            </p:spPr>
-            <p:txBody>
-              <a:bodyPr wrap="none" lIns="0" tIns="0" rIns="0" bIns="0" rtlCol="0">
-                <a:spAutoFit/>
-              </a:bodyPr>
-              <a:lstStyle/>
-              <a:p>
-                <a:pPr/>
-                <a14:m>
-                  <m:oMathPara xmlns:m="http://schemas.openxmlformats.org/officeDocument/2006/math">
-                    <m:oMathParaPr>
-                      <m:jc m:val="centerGroup"/>
-                    </m:oMathParaPr>
-                    <m:oMath xmlns:m="http://schemas.openxmlformats.org/officeDocument/2006/math">
-                      <m:sSub>
-                        <m:sSubPr>
-                          <m:ctrlPr>
-                            <a:rPr lang="fr-FR" sz="1100" b="0" i="1" smtClean="0">
-                              <a:latin typeface="Cambria Math" panose="02040503050406030204" pitchFamily="18" charset="0"/>
-                            </a:rPr>
-                          </m:ctrlPr>
-                        </m:sSubPr>
-                        <m:e>
-                          <m:r>
-                            <a:rPr lang="fr-FR" sz="1100" b="0" i="1" smtClean="0">
-                              <a:latin typeface="Cambria Math" panose="02040503050406030204" pitchFamily="18" charset="0"/>
-                            </a:rPr>
-                            <m:t>𝐵</m:t>
-                          </m:r>
-                        </m:e>
-                        <m:sub>
-                          <m:r>
-                            <a:rPr lang="fr-FR" sz="1100" b="0" i="1" smtClean="0">
-                              <a:latin typeface="Cambria Math" panose="02040503050406030204" pitchFamily="18" charset="0"/>
-                            </a:rPr>
-                            <m:t>𝑦</m:t>
-                          </m:r>
-                        </m:sub>
-                      </m:sSub>
-                    </m:oMath>
-                  </m:oMathPara>
-                </a14:m>
-                <a:endParaRPr lang="fr-FR" dirty="0"/>
-              </a:p>
-            </p:txBody>
-          </p:sp>
-        </mc:Choice>
-        <mc:Fallback xmlns="">
-          <p:sp>
-            <p:nvSpPr>
-              <p:cNvPr id="31" name="ZoneTexte 30">
-                <a:extLst>
-                  <a:ext uri="{FF2B5EF4-FFF2-40B4-BE49-F238E27FC236}">
-                    <a16:creationId xmlns:a16="http://schemas.microsoft.com/office/drawing/2014/main" id="{D3593CDB-D2C0-E391-158A-DD375AC3300E}"/>
-                  </a:ext>
-                </a:extLst>
-              </p:cNvPr>
-              <p:cNvSpPr txBox="1">
-                <a:spLocks noRot="1" noChangeAspect="1" noMove="1" noResize="1" noEditPoints="1" noAdjustHandles="1" noChangeArrowheads="1" noChangeShapeType="1" noTextEdit="1"/>
-              </p:cNvSpPr>
-              <p:nvPr/>
-            </p:nvSpPr>
-            <p:spPr>
-              <a:xfrm>
-                <a:off x="4707973" y="1294417"/>
-                <a:ext cx="186718" cy="182614"/>
-              </a:xfrm>
-              <a:prstGeom prst="rect">
-                <a:avLst/>
-              </a:prstGeom>
-              <a:blipFill>
-                <a:blip r:embed="rId9"/>
-                <a:stretch>
-                  <a:fillRect l="-16129" r="-6452" b="-20000"/>
-                </a:stretch>
-              </a:blipFill>
-            </p:spPr>
-            <p:txBody>
-              <a:bodyPr/>
-              <a:lstStyle/>
-              <a:p>
-                <a:r>
-                  <a:rPr lang="fr-FR">
-                    <a:noFill/>
-                  </a:rPr>
-                  <a:t> </a:t>
-                </a:r>
-              </a:p>
-            </p:txBody>
-          </p:sp>
-        </mc:Fallback>
-      </mc:AlternateContent>
-      <p:cxnSp>
-        <p:nvCxnSpPr>
-          <p:cNvPr id="32" name="Connecteur droit 31">
-            <a:extLst>
-              <a:ext uri="{FF2B5EF4-FFF2-40B4-BE49-F238E27FC236}">
-                <a16:creationId xmlns:a16="http://schemas.microsoft.com/office/drawing/2014/main" id="{FBDB9C64-9D40-AD67-D305-166925A4C1CC}"/>
-              </a:ext>
-            </a:extLst>
-          </p:cNvPr>
-          <p:cNvCxnSpPr>
-            <a:cxnSpLocks/>
-          </p:cNvCxnSpPr>
-          <p:nvPr/>
-        </p:nvCxnSpPr>
-        <p:spPr>
-          <a:xfrm>
-            <a:off x="4665741" y="1988875"/>
-            <a:ext cx="310830" cy="0"/>
-          </a:xfrm>
-          <a:prstGeom prst="line">
-            <a:avLst/>
-          </a:prstGeom>
-          <a:solidFill>
-            <a:schemeClr val="bg1"/>
-          </a:solidFill>
-          <a:ln w="28575">
-            <a:solidFill>
-              <a:srgbClr val="C00000"/>
-            </a:solidFill>
-            <a:tailEnd type="stealth" w="med" len="lg"/>
-          </a:ln>
-        </p:spPr>
-        <p:style>
-          <a:lnRef idx="2">
-            <a:schemeClr val="accent1">
-              <a:shade val="50000"/>
-            </a:schemeClr>
-          </a:lnRef>
-          <a:fillRef idx="1">
-            <a:schemeClr val="accent1"/>
-          </a:fillRef>
-          <a:effectRef idx="0">
-            <a:schemeClr val="accent1"/>
-          </a:effectRef>
-          <a:fontRef idx="minor">
-            <a:schemeClr val="lt1"/>
-          </a:fontRef>
-        </p:style>
-      </p:cxnSp>
-      <mc:AlternateContent xmlns:mc="http://schemas.openxmlformats.org/markup-compatibility/2006" xmlns:a14="http://schemas.microsoft.com/office/drawing/2010/main">
-        <mc:Choice Requires="a14">
-          <p:sp>
-            <p:nvSpPr>
-              <p:cNvPr id="33" name="ZoneTexte 32">
-                <a:extLst>
-                  <a:ext uri="{FF2B5EF4-FFF2-40B4-BE49-F238E27FC236}">
-                    <a16:creationId xmlns:a16="http://schemas.microsoft.com/office/drawing/2014/main" id="{0FF554FA-35BC-A669-6CF1-3D3444D6D926}"/>
-                  </a:ext>
-                </a:extLst>
-              </p:cNvPr>
-              <p:cNvSpPr txBox="1"/>
-              <p:nvPr/>
-            </p:nvSpPr>
-            <p:spPr>
-              <a:xfrm>
-                <a:off x="4841024" y="1732461"/>
-                <a:ext cx="182166" cy="169277"/>
-              </a:xfrm>
-              <a:prstGeom prst="rect">
-                <a:avLst/>
-              </a:prstGeom>
-              <a:noFill/>
-            </p:spPr>
-            <p:txBody>
-              <a:bodyPr wrap="none" lIns="0" tIns="0" rIns="0" bIns="0" rtlCol="0">
-                <a:spAutoFit/>
-              </a:bodyPr>
-              <a:lstStyle/>
-              <a:p>
-                <a:pPr/>
-                <a14:m>
-                  <m:oMathPara xmlns:m="http://schemas.openxmlformats.org/officeDocument/2006/math">
-                    <m:oMathParaPr>
-                      <m:jc m:val="centerGroup"/>
-                    </m:oMathParaPr>
-                    <m:oMath xmlns:m="http://schemas.openxmlformats.org/officeDocument/2006/math">
-                      <m:sSub>
-                        <m:sSubPr>
-                          <m:ctrlPr>
-                            <a:rPr lang="fr-FR" sz="1100" b="0" i="1" smtClean="0">
-                              <a:latin typeface="Cambria Math" panose="02040503050406030204" pitchFamily="18" charset="0"/>
-                            </a:rPr>
-                          </m:ctrlPr>
-                        </m:sSubPr>
-                        <m:e>
-                          <m:r>
-                            <a:rPr lang="fr-FR" sz="1100" b="0" i="1" smtClean="0">
-                              <a:latin typeface="Cambria Math" panose="02040503050406030204" pitchFamily="18" charset="0"/>
-                            </a:rPr>
-                            <m:t>𝐵</m:t>
-                          </m:r>
-                        </m:e>
-                        <m:sub>
-                          <m:r>
-                            <a:rPr lang="fr-FR" sz="1100" b="0" i="1" smtClean="0">
-                              <a:latin typeface="Cambria Math" panose="02040503050406030204" pitchFamily="18" charset="0"/>
-                            </a:rPr>
-                            <m:t>𝑥</m:t>
-                          </m:r>
-                        </m:sub>
-                      </m:sSub>
-                    </m:oMath>
-                  </m:oMathPara>
-                </a14:m>
-                <a:endParaRPr lang="fr-FR" dirty="0"/>
-              </a:p>
-            </p:txBody>
-          </p:sp>
-        </mc:Choice>
-        <mc:Fallback xmlns="">
-          <p:sp>
-            <p:nvSpPr>
-              <p:cNvPr id="33" name="ZoneTexte 32">
-                <a:extLst>
-                  <a:ext uri="{FF2B5EF4-FFF2-40B4-BE49-F238E27FC236}">
-                    <a16:creationId xmlns:a16="http://schemas.microsoft.com/office/drawing/2014/main" id="{0FF554FA-35BC-A669-6CF1-3D3444D6D926}"/>
-                  </a:ext>
-                </a:extLst>
-              </p:cNvPr>
-              <p:cNvSpPr txBox="1">
-                <a:spLocks noRot="1" noChangeAspect="1" noMove="1" noResize="1" noEditPoints="1" noAdjustHandles="1" noChangeArrowheads="1" noChangeShapeType="1" noTextEdit="1"/>
-              </p:cNvSpPr>
-              <p:nvPr/>
-            </p:nvSpPr>
-            <p:spPr>
-              <a:xfrm>
-                <a:off x="4841024" y="1732461"/>
-                <a:ext cx="182166" cy="169277"/>
-              </a:xfrm>
-              <a:prstGeom prst="rect">
-                <a:avLst/>
-              </a:prstGeom>
-              <a:blipFill>
-                <a:blip r:embed="rId10"/>
-                <a:stretch>
-                  <a:fillRect l="-16667" r="-3333" b="-14286"/>
-                </a:stretch>
-              </a:blipFill>
-            </p:spPr>
-            <p:txBody>
-              <a:bodyPr/>
-              <a:lstStyle/>
-              <a:p>
-                <a:r>
-                  <a:rPr lang="fr-FR">
-                    <a:noFill/>
-                  </a:rPr>
-                  <a:t> </a:t>
-                </a:r>
-              </a:p>
-            </p:txBody>
-          </p:sp>
-        </mc:Fallback>
-      </mc:AlternateContent>
-    </p:spTree>
-    <p:extLst>
-      <p:ext uri="{BB962C8B-B14F-4D97-AF65-F5344CB8AC3E}">
-        <p14:creationId xmlns:p14="http://schemas.microsoft.com/office/powerpoint/2010/main" val="1184115483"/>
       </p:ext>
     </p:extLst>
   </p:cSld>
